--- a/lezioni/PASW03a - C++ tipi di dato.pptx
+++ b/lezioni/PASW03a - C++ tipi di dato.pptx
@@ -5,26 +5,29 @@
     <p:sldMasterId id="2147483649" r:id="rId1"/>
   </p:sldMasterIdLst>
   <p:notesMasterIdLst>
-    <p:notesMasterId r:id="rId19"/>
+    <p:notesMasterId r:id="rId22"/>
   </p:notesMasterIdLst>
   <p:sldIdLst>
     <p:sldId id="258" r:id="rId2"/>
     <p:sldId id="282" r:id="rId3"/>
     <p:sldId id="288" r:id="rId4"/>
-    <p:sldId id="287" r:id="rId5"/>
-    <p:sldId id="279" r:id="rId6"/>
-    <p:sldId id="278" r:id="rId7"/>
-    <p:sldId id="283" r:id="rId8"/>
-    <p:sldId id="280" r:id="rId9"/>
-    <p:sldId id="276" r:id="rId10"/>
-    <p:sldId id="277" r:id="rId11"/>
-    <p:sldId id="281" r:id="rId12"/>
-    <p:sldId id="290" r:id="rId13"/>
-    <p:sldId id="291" r:id="rId14"/>
-    <p:sldId id="289" r:id="rId15"/>
-    <p:sldId id="284" r:id="rId16"/>
-    <p:sldId id="285" r:id="rId17"/>
-    <p:sldId id="286" r:id="rId18"/>
+    <p:sldId id="294" r:id="rId5"/>
+    <p:sldId id="287" r:id="rId6"/>
+    <p:sldId id="279" r:id="rId7"/>
+    <p:sldId id="278" r:id="rId8"/>
+    <p:sldId id="293" r:id="rId9"/>
+    <p:sldId id="283" r:id="rId10"/>
+    <p:sldId id="280" r:id="rId11"/>
+    <p:sldId id="276" r:id="rId12"/>
+    <p:sldId id="277" r:id="rId13"/>
+    <p:sldId id="281" r:id="rId14"/>
+    <p:sldId id="290" r:id="rId15"/>
+    <p:sldId id="291" r:id="rId16"/>
+    <p:sldId id="289" r:id="rId17"/>
+    <p:sldId id="284" r:id="rId18"/>
+    <p:sldId id="292" r:id="rId19"/>
+    <p:sldId id="285" r:id="rId20"/>
+    <p:sldId id="286" r:id="rId21"/>
   </p:sldIdLst>
   <p:sldSz cx="12192000" cy="6858000"/>
   <p:notesSz cx="6858000" cy="9144000"/>
@@ -254,7 +257,7 @@
           <a:p>
             <a:fld id="{537EE30C-6FCC-4D68-889C-61DBBB4BBB87}" type="datetimeFigureOut">
               <a:rPr lang="it-IT" smtClean="0"/>
-              <a:t>24/02/2018</a:t>
+              <a:t>04/03/2018</a:t>
             </a:fld>
             <a:endParaRPr lang="it-IT"/>
           </a:p>
@@ -5125,6 +5128,1540 @@
       </p:grpSpPr>
       <p:sp>
         <p:nvSpPr>
+          <p:cNvPr id="5" name="Titolo 4">
+            <a:extLst>
+              <a:ext uri="{FF2B5EF4-FFF2-40B4-BE49-F238E27FC236}">
+                <a16:creationId xmlns:a16="http://schemas.microsoft.com/office/drawing/2014/main" id="{7760B440-AC12-4AEF-B657-684B659A1C16}"/>
+              </a:ext>
+            </a:extLst>
+          </p:cNvPr>
+          <p:cNvSpPr>
+            <a:spLocks noGrp="1"/>
+          </p:cNvSpPr>
+          <p:nvPr>
+            <p:ph type="title"/>
+          </p:nvPr>
+        </p:nvSpPr>
+        <p:spPr/>
+        <p:txBody>
+          <a:bodyPr/>
+          <a:lstStyle/>
+          <a:p>
+            <a:r>
+              <a:rPr lang="it-IT" dirty="0"/>
+              <a:t>occupazione di memoria</a:t>
+            </a:r>
+          </a:p>
+        </p:txBody>
+      </p:sp>
+      <p:sp>
+        <p:nvSpPr>
+          <p:cNvPr id="12" name="Segnaposto contenuto 11">
+            <a:extLst>
+              <a:ext uri="{FF2B5EF4-FFF2-40B4-BE49-F238E27FC236}">
+                <a16:creationId xmlns:a16="http://schemas.microsoft.com/office/drawing/2014/main" id="{64AED6DB-402D-4A0F-985E-7B067EA6FE1F}"/>
+              </a:ext>
+            </a:extLst>
+          </p:cNvPr>
+          <p:cNvSpPr>
+            <a:spLocks noGrp="1"/>
+          </p:cNvSpPr>
+          <p:nvPr>
+            <p:ph idx="1"/>
+          </p:nvPr>
+        </p:nvSpPr>
+        <p:spPr>
+          <a:xfrm>
+            <a:off x="624417" y="1341438"/>
+            <a:ext cx="10972800" cy="4525962"/>
+          </a:xfrm>
+        </p:spPr>
+        <p:txBody>
+          <a:bodyPr/>
+          <a:lstStyle/>
+          <a:p>
+            <a:pPr marL="0" indent="0">
+              <a:buNone/>
+            </a:pPr>
+            <a:r>
+              <a:rPr lang="it-IT" sz="1600" b="1" dirty="0">
+                <a:latin typeface="Courier New" panose="02070309020205020404" pitchFamily="49" charset="0"/>
+                <a:cs typeface="Courier New" panose="02070309020205020404" pitchFamily="49" charset="0"/>
+              </a:rPr>
+              <a:t>#include &lt;</a:t>
+            </a:r>
+            <a:r>
+              <a:rPr lang="it-IT" sz="1600" b="1" dirty="0" err="1">
+                <a:latin typeface="Courier New" panose="02070309020205020404" pitchFamily="49" charset="0"/>
+                <a:cs typeface="Courier New" panose="02070309020205020404" pitchFamily="49" charset="0"/>
+              </a:rPr>
+              <a:t>iostream</a:t>
+            </a:r>
+            <a:r>
+              <a:rPr lang="it-IT" sz="1600" b="1" dirty="0">
+                <a:latin typeface="Courier New" panose="02070309020205020404" pitchFamily="49" charset="0"/>
+                <a:cs typeface="Courier New" panose="02070309020205020404" pitchFamily="49" charset="0"/>
+              </a:rPr>
+              <a:t>&gt;</a:t>
+            </a:r>
+          </a:p>
+          <a:p>
+            <a:pPr marL="0" indent="0">
+              <a:buNone/>
+            </a:pPr>
+            <a:r>
+              <a:rPr lang="it-IT" sz="1600" b="1" dirty="0" err="1">
+                <a:latin typeface="Courier New" panose="02070309020205020404" pitchFamily="49" charset="0"/>
+                <a:cs typeface="Courier New" panose="02070309020205020404" pitchFamily="49" charset="0"/>
+              </a:rPr>
+              <a:t>int</a:t>
+            </a:r>
+            <a:r>
+              <a:rPr lang="it-IT" sz="1600" b="1" dirty="0">
+                <a:latin typeface="Courier New" panose="02070309020205020404" pitchFamily="49" charset="0"/>
+                <a:cs typeface="Courier New" panose="02070309020205020404" pitchFamily="49" charset="0"/>
+              </a:rPr>
+              <a:t> </a:t>
+            </a:r>
+            <a:r>
+              <a:rPr lang="it-IT" sz="1600" b="1" dirty="0" err="1">
+                <a:latin typeface="Courier New" panose="02070309020205020404" pitchFamily="49" charset="0"/>
+                <a:cs typeface="Courier New" panose="02070309020205020404" pitchFamily="49" charset="0"/>
+              </a:rPr>
+              <a:t>main</a:t>
+            </a:r>
+            <a:r>
+              <a:rPr lang="it-IT" sz="1600" b="1" dirty="0">
+                <a:latin typeface="Courier New" panose="02070309020205020404" pitchFamily="49" charset="0"/>
+                <a:cs typeface="Courier New" panose="02070309020205020404" pitchFamily="49" charset="0"/>
+              </a:rPr>
+              <a:t>() {</a:t>
+            </a:r>
+          </a:p>
+          <a:p>
+            <a:pPr marL="0" indent="0">
+              <a:buNone/>
+            </a:pPr>
+            <a:r>
+              <a:rPr lang="it-IT" sz="1600" b="1" dirty="0">
+                <a:latin typeface="Courier New" panose="02070309020205020404" pitchFamily="49" charset="0"/>
+                <a:cs typeface="Courier New" panose="02070309020205020404" pitchFamily="49" charset="0"/>
+              </a:rPr>
+              <a:t>    </a:t>
+            </a:r>
+            <a:r>
+              <a:rPr lang="it-IT" sz="1600" b="1" dirty="0" err="1">
+                <a:latin typeface="Courier New" panose="02070309020205020404" pitchFamily="49" charset="0"/>
+                <a:cs typeface="Courier New" panose="02070309020205020404" pitchFamily="49" charset="0"/>
+              </a:rPr>
+              <a:t>int</a:t>
+            </a:r>
+            <a:r>
+              <a:rPr lang="it-IT" sz="1600" b="1" dirty="0">
+                <a:latin typeface="Courier New" panose="02070309020205020404" pitchFamily="49" charset="0"/>
+                <a:cs typeface="Courier New" panose="02070309020205020404" pitchFamily="49" charset="0"/>
+              </a:rPr>
+              <a:t> i; double d;</a:t>
+            </a:r>
+          </a:p>
+          <a:p>
+            <a:pPr marL="0" indent="0">
+              <a:buNone/>
+            </a:pPr>
+            <a:r>
+              <a:rPr lang="it-IT" sz="1600" b="1" dirty="0">
+                <a:latin typeface="Courier New" panose="02070309020205020404" pitchFamily="49" charset="0"/>
+                <a:cs typeface="Courier New" panose="02070309020205020404" pitchFamily="49" charset="0"/>
+              </a:rPr>
+              <a:t>    float f; </a:t>
+            </a:r>
+            <a:r>
+              <a:rPr lang="it-IT" sz="1600" b="1" dirty="0" err="1">
+                <a:latin typeface="Courier New" panose="02070309020205020404" pitchFamily="49" charset="0"/>
+                <a:cs typeface="Courier New" panose="02070309020205020404" pitchFamily="49" charset="0"/>
+              </a:rPr>
+              <a:t>char</a:t>
+            </a:r>
+            <a:r>
+              <a:rPr lang="it-IT" sz="1600" b="1" dirty="0">
+                <a:latin typeface="Courier New" panose="02070309020205020404" pitchFamily="49" charset="0"/>
+                <a:cs typeface="Courier New" panose="02070309020205020404" pitchFamily="49" charset="0"/>
+              </a:rPr>
+              <a:t> c;</a:t>
+            </a:r>
+          </a:p>
+          <a:p>
+            <a:pPr marL="0" indent="0">
+              <a:buNone/>
+            </a:pPr>
+            <a:r>
+              <a:rPr lang="it-IT" sz="1600" b="1" dirty="0">
+                <a:latin typeface="Courier New" panose="02070309020205020404" pitchFamily="49" charset="0"/>
+                <a:cs typeface="Courier New" panose="02070309020205020404" pitchFamily="49" charset="0"/>
+              </a:rPr>
+              <a:t>    </a:t>
+            </a:r>
+            <a:r>
+              <a:rPr lang="it-IT" sz="1600" b="1" dirty="0" err="1">
+                <a:latin typeface="Courier New" panose="02070309020205020404" pitchFamily="49" charset="0"/>
+                <a:cs typeface="Courier New" panose="02070309020205020404" pitchFamily="49" charset="0"/>
+              </a:rPr>
+              <a:t>bool</a:t>
+            </a:r>
+            <a:r>
+              <a:rPr lang="it-IT" sz="1600" b="1" dirty="0">
+                <a:latin typeface="Courier New" panose="02070309020205020404" pitchFamily="49" charset="0"/>
+                <a:cs typeface="Courier New" panose="02070309020205020404" pitchFamily="49" charset="0"/>
+              </a:rPr>
+              <a:t> b; </a:t>
+            </a:r>
+            <a:r>
+              <a:rPr lang="it-IT" sz="1600" b="1" dirty="0" err="1">
+                <a:latin typeface="Courier New" panose="02070309020205020404" pitchFamily="49" charset="0"/>
+                <a:cs typeface="Courier New" panose="02070309020205020404" pitchFamily="49" charset="0"/>
+              </a:rPr>
+              <a:t>int</a:t>
+            </a:r>
+            <a:r>
+              <a:rPr lang="it-IT" sz="1600" b="1" dirty="0">
+                <a:latin typeface="Courier New" panose="02070309020205020404" pitchFamily="49" charset="0"/>
+                <a:cs typeface="Courier New" panose="02070309020205020404" pitchFamily="49" charset="0"/>
+              </a:rPr>
+              <a:t> v[10];</a:t>
+            </a:r>
+          </a:p>
+          <a:p>
+            <a:pPr marL="0" indent="0">
+              <a:buNone/>
+            </a:pPr>
+            <a:r>
+              <a:rPr lang="it-IT" sz="1600" b="1" dirty="0">
+                <a:latin typeface="Courier New" panose="02070309020205020404" pitchFamily="49" charset="0"/>
+                <a:cs typeface="Courier New" panose="02070309020205020404" pitchFamily="49" charset="0"/>
+              </a:rPr>
+              <a:t>    </a:t>
+            </a:r>
+            <a:r>
+              <a:rPr lang="it-IT" sz="1600" b="1" dirty="0" err="1">
+                <a:latin typeface="Courier New" panose="02070309020205020404" pitchFamily="49" charset="0"/>
+                <a:cs typeface="Courier New" panose="02070309020205020404" pitchFamily="49" charset="0"/>
+              </a:rPr>
+              <a:t>int</a:t>
+            </a:r>
+            <a:r>
+              <a:rPr lang="it-IT" sz="1600" b="1" dirty="0">
+                <a:latin typeface="Courier New" panose="02070309020205020404" pitchFamily="49" charset="0"/>
+                <a:cs typeface="Courier New" panose="02070309020205020404" pitchFamily="49" charset="0"/>
+              </a:rPr>
+              <a:t> *</a:t>
+            </a:r>
+            <a:r>
+              <a:rPr lang="it-IT" sz="1600" b="1" dirty="0" err="1">
+                <a:latin typeface="Courier New" panose="02070309020205020404" pitchFamily="49" charset="0"/>
+                <a:cs typeface="Courier New" panose="02070309020205020404" pitchFamily="49" charset="0"/>
+              </a:rPr>
+              <a:t>pi</a:t>
+            </a:r>
+            <a:r>
+              <a:rPr lang="it-IT" sz="1600" b="1" dirty="0">
+                <a:latin typeface="Courier New" panose="02070309020205020404" pitchFamily="49" charset="0"/>
+                <a:cs typeface="Courier New" panose="02070309020205020404" pitchFamily="49" charset="0"/>
+              </a:rPr>
+              <a:t>; double *</a:t>
+            </a:r>
+            <a:r>
+              <a:rPr lang="it-IT" sz="1600" b="1" dirty="0" err="1">
+                <a:latin typeface="Courier New" panose="02070309020205020404" pitchFamily="49" charset="0"/>
+                <a:cs typeface="Courier New" panose="02070309020205020404" pitchFamily="49" charset="0"/>
+              </a:rPr>
+              <a:t>pd</a:t>
+            </a:r>
+            <a:r>
+              <a:rPr lang="it-IT" sz="1600" b="1" dirty="0">
+                <a:latin typeface="Courier New" panose="02070309020205020404" pitchFamily="49" charset="0"/>
+                <a:cs typeface="Courier New" panose="02070309020205020404" pitchFamily="49" charset="0"/>
+              </a:rPr>
+              <a:t>;</a:t>
+            </a:r>
+          </a:p>
+          <a:p>
+            <a:pPr marL="0" indent="0">
+              <a:buNone/>
+            </a:pPr>
+            <a:r>
+              <a:rPr lang="it-IT" sz="1600" b="1" dirty="0">
+                <a:latin typeface="Courier New" panose="02070309020205020404" pitchFamily="49" charset="0"/>
+                <a:cs typeface="Courier New" panose="02070309020205020404" pitchFamily="49" charset="0"/>
+              </a:rPr>
+              <a:t>    </a:t>
+            </a:r>
+            <a:r>
+              <a:rPr lang="it-IT" sz="1600" b="1" dirty="0" err="1">
+                <a:latin typeface="Courier New" panose="02070309020205020404" pitchFamily="49" charset="0"/>
+                <a:cs typeface="Courier New" panose="02070309020205020404" pitchFamily="49" charset="0"/>
+              </a:rPr>
+              <a:t>std</a:t>
+            </a:r>
+            <a:r>
+              <a:rPr lang="it-IT" sz="1600" b="1" dirty="0">
+                <a:latin typeface="Courier New" panose="02070309020205020404" pitchFamily="49" charset="0"/>
+                <a:cs typeface="Courier New" panose="02070309020205020404" pitchFamily="49" charset="0"/>
+              </a:rPr>
+              <a:t>::</a:t>
+            </a:r>
+            <a:r>
+              <a:rPr lang="it-IT" sz="1600" b="1" dirty="0" err="1">
+                <a:latin typeface="Courier New" panose="02070309020205020404" pitchFamily="49" charset="0"/>
+                <a:cs typeface="Courier New" panose="02070309020205020404" pitchFamily="49" charset="0"/>
+              </a:rPr>
+              <a:t>cout</a:t>
+            </a:r>
+            <a:r>
+              <a:rPr lang="it-IT" sz="1600" b="1" dirty="0">
+                <a:latin typeface="Courier New" panose="02070309020205020404" pitchFamily="49" charset="0"/>
+                <a:cs typeface="Courier New" panose="02070309020205020404" pitchFamily="49" charset="0"/>
+              </a:rPr>
+              <a:t> &lt;&lt; "</a:t>
+            </a:r>
+            <a:r>
+              <a:rPr lang="it-IT" sz="1600" b="1" dirty="0" err="1">
+                <a:latin typeface="Courier New" panose="02070309020205020404" pitchFamily="49" charset="0"/>
+                <a:cs typeface="Courier New" panose="02070309020205020404" pitchFamily="49" charset="0"/>
+              </a:rPr>
+              <a:t>size</a:t>
+            </a:r>
+            <a:r>
+              <a:rPr lang="it-IT" sz="1600" b="1" dirty="0">
+                <a:latin typeface="Courier New" panose="02070309020205020404" pitchFamily="49" charset="0"/>
+                <a:cs typeface="Courier New" panose="02070309020205020404" pitchFamily="49" charset="0"/>
+              </a:rPr>
+              <a:t> of </a:t>
+            </a:r>
+            <a:r>
+              <a:rPr lang="it-IT" sz="1600" b="1" dirty="0" err="1">
+                <a:latin typeface="Courier New" panose="02070309020205020404" pitchFamily="49" charset="0"/>
+                <a:cs typeface="Courier New" panose="02070309020205020404" pitchFamily="49" charset="0"/>
+              </a:rPr>
+              <a:t>int</a:t>
+            </a:r>
+            <a:r>
+              <a:rPr lang="it-IT" sz="1600" b="1" dirty="0">
+                <a:latin typeface="Courier New" panose="02070309020205020404" pitchFamily="49" charset="0"/>
+                <a:cs typeface="Courier New" panose="02070309020205020404" pitchFamily="49" charset="0"/>
+              </a:rPr>
+              <a:t>:     " &lt;&lt; </a:t>
+            </a:r>
+            <a:r>
+              <a:rPr lang="it-IT" sz="1600" b="1" dirty="0" err="1">
+                <a:solidFill>
+                  <a:srgbClr val="FF0000"/>
+                </a:solidFill>
+                <a:latin typeface="Courier New" panose="02070309020205020404" pitchFamily="49" charset="0"/>
+                <a:cs typeface="Courier New" panose="02070309020205020404" pitchFamily="49" charset="0"/>
+              </a:rPr>
+              <a:t>sizeof</a:t>
+            </a:r>
+            <a:r>
+              <a:rPr lang="it-IT" sz="1600" b="1" dirty="0">
+                <a:latin typeface="Courier New" panose="02070309020205020404" pitchFamily="49" charset="0"/>
+                <a:cs typeface="Courier New" panose="02070309020205020404" pitchFamily="49" charset="0"/>
+              </a:rPr>
+              <a:t> i  &lt;&lt; " </a:t>
+            </a:r>
+            <a:r>
+              <a:rPr lang="it-IT" sz="1600" b="1" dirty="0" err="1">
+                <a:latin typeface="Courier New" panose="02070309020205020404" pitchFamily="49" charset="0"/>
+                <a:cs typeface="Courier New" panose="02070309020205020404" pitchFamily="49" charset="0"/>
+              </a:rPr>
+              <a:t>bytes</a:t>
+            </a:r>
+            <a:r>
+              <a:rPr lang="it-IT" sz="1600" b="1" dirty="0">
+                <a:latin typeface="Courier New" panose="02070309020205020404" pitchFamily="49" charset="0"/>
+                <a:cs typeface="Courier New" panose="02070309020205020404" pitchFamily="49" charset="0"/>
+              </a:rPr>
+              <a:t> " &lt;&lt; </a:t>
+            </a:r>
+            <a:r>
+              <a:rPr lang="it-IT" sz="1600" b="1" dirty="0" err="1">
+                <a:latin typeface="Courier New" panose="02070309020205020404" pitchFamily="49" charset="0"/>
+                <a:cs typeface="Courier New" panose="02070309020205020404" pitchFamily="49" charset="0"/>
+              </a:rPr>
+              <a:t>std</a:t>
+            </a:r>
+            <a:r>
+              <a:rPr lang="it-IT" sz="1600" b="1" dirty="0">
+                <a:latin typeface="Courier New" panose="02070309020205020404" pitchFamily="49" charset="0"/>
+                <a:cs typeface="Courier New" panose="02070309020205020404" pitchFamily="49" charset="0"/>
+              </a:rPr>
+              <a:t>::</a:t>
+            </a:r>
+            <a:r>
+              <a:rPr lang="it-IT" sz="1600" b="1" dirty="0" err="1">
+                <a:latin typeface="Courier New" panose="02070309020205020404" pitchFamily="49" charset="0"/>
+                <a:cs typeface="Courier New" panose="02070309020205020404" pitchFamily="49" charset="0"/>
+              </a:rPr>
+              <a:t>endl</a:t>
+            </a:r>
+            <a:r>
+              <a:rPr lang="it-IT" sz="1600" b="1" dirty="0">
+                <a:latin typeface="Courier New" panose="02070309020205020404" pitchFamily="49" charset="0"/>
+                <a:cs typeface="Courier New" panose="02070309020205020404" pitchFamily="49" charset="0"/>
+              </a:rPr>
+              <a:t>;</a:t>
+            </a:r>
+          </a:p>
+          <a:p>
+            <a:pPr marL="0" indent="0">
+              <a:buNone/>
+            </a:pPr>
+            <a:r>
+              <a:rPr lang="it-IT" sz="1600" b="1" dirty="0">
+                <a:latin typeface="Courier New" panose="02070309020205020404" pitchFamily="49" charset="0"/>
+                <a:cs typeface="Courier New" panose="02070309020205020404" pitchFamily="49" charset="0"/>
+              </a:rPr>
+              <a:t>    </a:t>
+            </a:r>
+            <a:r>
+              <a:rPr lang="it-IT" sz="1600" b="1" dirty="0" err="1">
+                <a:latin typeface="Courier New" panose="02070309020205020404" pitchFamily="49" charset="0"/>
+                <a:cs typeface="Courier New" panose="02070309020205020404" pitchFamily="49" charset="0"/>
+              </a:rPr>
+              <a:t>std</a:t>
+            </a:r>
+            <a:r>
+              <a:rPr lang="it-IT" sz="1600" b="1" dirty="0">
+                <a:latin typeface="Courier New" panose="02070309020205020404" pitchFamily="49" charset="0"/>
+                <a:cs typeface="Courier New" panose="02070309020205020404" pitchFamily="49" charset="0"/>
+              </a:rPr>
+              <a:t>::</a:t>
+            </a:r>
+            <a:r>
+              <a:rPr lang="it-IT" sz="1600" b="1" dirty="0" err="1">
+                <a:latin typeface="Courier New" panose="02070309020205020404" pitchFamily="49" charset="0"/>
+                <a:cs typeface="Courier New" panose="02070309020205020404" pitchFamily="49" charset="0"/>
+              </a:rPr>
+              <a:t>cout</a:t>
+            </a:r>
+            <a:r>
+              <a:rPr lang="it-IT" sz="1600" b="1" dirty="0">
+                <a:latin typeface="Courier New" panose="02070309020205020404" pitchFamily="49" charset="0"/>
+                <a:cs typeface="Courier New" panose="02070309020205020404" pitchFamily="49" charset="0"/>
+              </a:rPr>
+              <a:t> &lt;&lt; "</a:t>
+            </a:r>
+            <a:r>
+              <a:rPr lang="it-IT" sz="1600" b="1" dirty="0" err="1">
+                <a:latin typeface="Courier New" panose="02070309020205020404" pitchFamily="49" charset="0"/>
+                <a:cs typeface="Courier New" panose="02070309020205020404" pitchFamily="49" charset="0"/>
+              </a:rPr>
+              <a:t>size</a:t>
+            </a:r>
+            <a:r>
+              <a:rPr lang="it-IT" sz="1600" b="1" dirty="0">
+                <a:latin typeface="Courier New" panose="02070309020205020404" pitchFamily="49" charset="0"/>
+                <a:cs typeface="Courier New" panose="02070309020205020404" pitchFamily="49" charset="0"/>
+              </a:rPr>
+              <a:t> of double:  " &lt;&lt; </a:t>
+            </a:r>
+            <a:r>
+              <a:rPr lang="it-IT" sz="1600" b="1" dirty="0" err="1">
+                <a:latin typeface="Courier New" panose="02070309020205020404" pitchFamily="49" charset="0"/>
+                <a:cs typeface="Courier New" panose="02070309020205020404" pitchFamily="49" charset="0"/>
+              </a:rPr>
+              <a:t>sizeof</a:t>
+            </a:r>
+            <a:r>
+              <a:rPr lang="it-IT" sz="1600" b="1" dirty="0">
+                <a:latin typeface="Courier New" panose="02070309020205020404" pitchFamily="49" charset="0"/>
+                <a:cs typeface="Courier New" panose="02070309020205020404" pitchFamily="49" charset="0"/>
+              </a:rPr>
+              <a:t> d  &lt;&lt; " </a:t>
+            </a:r>
+            <a:r>
+              <a:rPr lang="it-IT" sz="1600" b="1" dirty="0" err="1">
+                <a:latin typeface="Courier New" panose="02070309020205020404" pitchFamily="49" charset="0"/>
+                <a:cs typeface="Courier New" panose="02070309020205020404" pitchFamily="49" charset="0"/>
+              </a:rPr>
+              <a:t>bytes</a:t>
+            </a:r>
+            <a:r>
+              <a:rPr lang="it-IT" sz="1600" b="1" dirty="0">
+                <a:latin typeface="Courier New" panose="02070309020205020404" pitchFamily="49" charset="0"/>
+                <a:cs typeface="Courier New" panose="02070309020205020404" pitchFamily="49" charset="0"/>
+              </a:rPr>
+              <a:t> " &lt;&lt; </a:t>
+            </a:r>
+            <a:r>
+              <a:rPr lang="it-IT" sz="1600" b="1" dirty="0" err="1">
+                <a:latin typeface="Courier New" panose="02070309020205020404" pitchFamily="49" charset="0"/>
+                <a:cs typeface="Courier New" panose="02070309020205020404" pitchFamily="49" charset="0"/>
+              </a:rPr>
+              <a:t>std</a:t>
+            </a:r>
+            <a:r>
+              <a:rPr lang="it-IT" sz="1600" b="1" dirty="0">
+                <a:latin typeface="Courier New" panose="02070309020205020404" pitchFamily="49" charset="0"/>
+                <a:cs typeface="Courier New" panose="02070309020205020404" pitchFamily="49" charset="0"/>
+              </a:rPr>
+              <a:t>::</a:t>
+            </a:r>
+            <a:r>
+              <a:rPr lang="it-IT" sz="1600" b="1" dirty="0" err="1">
+                <a:latin typeface="Courier New" panose="02070309020205020404" pitchFamily="49" charset="0"/>
+                <a:cs typeface="Courier New" panose="02070309020205020404" pitchFamily="49" charset="0"/>
+              </a:rPr>
+              <a:t>endl</a:t>
+            </a:r>
+            <a:r>
+              <a:rPr lang="it-IT" sz="1600" b="1" dirty="0">
+                <a:latin typeface="Courier New" panose="02070309020205020404" pitchFamily="49" charset="0"/>
+                <a:cs typeface="Courier New" panose="02070309020205020404" pitchFamily="49" charset="0"/>
+              </a:rPr>
+              <a:t>;</a:t>
+            </a:r>
+          </a:p>
+          <a:p>
+            <a:pPr marL="0" indent="0">
+              <a:buNone/>
+            </a:pPr>
+            <a:r>
+              <a:rPr lang="it-IT" sz="1600" b="1" dirty="0">
+                <a:latin typeface="Courier New" panose="02070309020205020404" pitchFamily="49" charset="0"/>
+                <a:cs typeface="Courier New" panose="02070309020205020404" pitchFamily="49" charset="0"/>
+              </a:rPr>
+              <a:t>    </a:t>
+            </a:r>
+            <a:r>
+              <a:rPr lang="it-IT" sz="1600" b="1" dirty="0" err="1">
+                <a:latin typeface="Courier New" panose="02070309020205020404" pitchFamily="49" charset="0"/>
+                <a:cs typeface="Courier New" panose="02070309020205020404" pitchFamily="49" charset="0"/>
+              </a:rPr>
+              <a:t>std</a:t>
+            </a:r>
+            <a:r>
+              <a:rPr lang="it-IT" sz="1600" b="1" dirty="0">
+                <a:latin typeface="Courier New" panose="02070309020205020404" pitchFamily="49" charset="0"/>
+                <a:cs typeface="Courier New" panose="02070309020205020404" pitchFamily="49" charset="0"/>
+              </a:rPr>
+              <a:t>::</a:t>
+            </a:r>
+            <a:r>
+              <a:rPr lang="it-IT" sz="1600" b="1" dirty="0" err="1">
+                <a:latin typeface="Courier New" panose="02070309020205020404" pitchFamily="49" charset="0"/>
+                <a:cs typeface="Courier New" panose="02070309020205020404" pitchFamily="49" charset="0"/>
+              </a:rPr>
+              <a:t>cout</a:t>
+            </a:r>
+            <a:r>
+              <a:rPr lang="it-IT" sz="1600" b="1" dirty="0">
+                <a:latin typeface="Courier New" panose="02070309020205020404" pitchFamily="49" charset="0"/>
+                <a:cs typeface="Courier New" panose="02070309020205020404" pitchFamily="49" charset="0"/>
+              </a:rPr>
+              <a:t> &lt;&lt; "</a:t>
+            </a:r>
+            <a:r>
+              <a:rPr lang="it-IT" sz="1600" b="1" dirty="0" err="1">
+                <a:latin typeface="Courier New" panose="02070309020205020404" pitchFamily="49" charset="0"/>
+                <a:cs typeface="Courier New" panose="02070309020205020404" pitchFamily="49" charset="0"/>
+              </a:rPr>
+              <a:t>size</a:t>
+            </a:r>
+            <a:r>
+              <a:rPr lang="it-IT" sz="1600" b="1" dirty="0">
+                <a:latin typeface="Courier New" panose="02070309020205020404" pitchFamily="49" charset="0"/>
+                <a:cs typeface="Courier New" panose="02070309020205020404" pitchFamily="49" charset="0"/>
+              </a:rPr>
+              <a:t> of float:   " &lt;&lt; </a:t>
+            </a:r>
+            <a:r>
+              <a:rPr lang="it-IT" sz="1600" b="1" dirty="0" err="1">
+                <a:latin typeface="Courier New" panose="02070309020205020404" pitchFamily="49" charset="0"/>
+                <a:cs typeface="Courier New" panose="02070309020205020404" pitchFamily="49" charset="0"/>
+              </a:rPr>
+              <a:t>sizeof</a:t>
+            </a:r>
+            <a:r>
+              <a:rPr lang="it-IT" sz="1600" b="1" dirty="0">
+                <a:latin typeface="Courier New" panose="02070309020205020404" pitchFamily="49" charset="0"/>
+                <a:cs typeface="Courier New" panose="02070309020205020404" pitchFamily="49" charset="0"/>
+              </a:rPr>
+              <a:t> f  &lt;&lt; " </a:t>
+            </a:r>
+            <a:r>
+              <a:rPr lang="it-IT" sz="1600" b="1" dirty="0" err="1">
+                <a:latin typeface="Courier New" panose="02070309020205020404" pitchFamily="49" charset="0"/>
+                <a:cs typeface="Courier New" panose="02070309020205020404" pitchFamily="49" charset="0"/>
+              </a:rPr>
+              <a:t>bytes</a:t>
+            </a:r>
+            <a:r>
+              <a:rPr lang="it-IT" sz="1600" b="1" dirty="0">
+                <a:latin typeface="Courier New" panose="02070309020205020404" pitchFamily="49" charset="0"/>
+                <a:cs typeface="Courier New" panose="02070309020205020404" pitchFamily="49" charset="0"/>
+              </a:rPr>
+              <a:t> " &lt;&lt; </a:t>
+            </a:r>
+            <a:r>
+              <a:rPr lang="it-IT" sz="1600" b="1" dirty="0" err="1">
+                <a:latin typeface="Courier New" panose="02070309020205020404" pitchFamily="49" charset="0"/>
+                <a:cs typeface="Courier New" panose="02070309020205020404" pitchFamily="49" charset="0"/>
+              </a:rPr>
+              <a:t>std</a:t>
+            </a:r>
+            <a:r>
+              <a:rPr lang="it-IT" sz="1600" b="1" dirty="0">
+                <a:latin typeface="Courier New" panose="02070309020205020404" pitchFamily="49" charset="0"/>
+                <a:cs typeface="Courier New" panose="02070309020205020404" pitchFamily="49" charset="0"/>
+              </a:rPr>
+              <a:t>::</a:t>
+            </a:r>
+            <a:r>
+              <a:rPr lang="it-IT" sz="1600" b="1" dirty="0" err="1">
+                <a:latin typeface="Courier New" panose="02070309020205020404" pitchFamily="49" charset="0"/>
+                <a:cs typeface="Courier New" panose="02070309020205020404" pitchFamily="49" charset="0"/>
+              </a:rPr>
+              <a:t>endl</a:t>
+            </a:r>
+            <a:r>
+              <a:rPr lang="it-IT" sz="1600" b="1" dirty="0">
+                <a:latin typeface="Courier New" panose="02070309020205020404" pitchFamily="49" charset="0"/>
+                <a:cs typeface="Courier New" panose="02070309020205020404" pitchFamily="49" charset="0"/>
+              </a:rPr>
+              <a:t>;</a:t>
+            </a:r>
+          </a:p>
+          <a:p>
+            <a:pPr marL="0" indent="0">
+              <a:buNone/>
+            </a:pPr>
+            <a:r>
+              <a:rPr lang="it-IT" sz="1600" b="1" dirty="0">
+                <a:latin typeface="Courier New" panose="02070309020205020404" pitchFamily="49" charset="0"/>
+                <a:cs typeface="Courier New" panose="02070309020205020404" pitchFamily="49" charset="0"/>
+              </a:rPr>
+              <a:t>    </a:t>
+            </a:r>
+            <a:r>
+              <a:rPr lang="it-IT" sz="1600" b="1" dirty="0" err="1">
+                <a:latin typeface="Courier New" panose="02070309020205020404" pitchFamily="49" charset="0"/>
+                <a:cs typeface="Courier New" panose="02070309020205020404" pitchFamily="49" charset="0"/>
+              </a:rPr>
+              <a:t>std</a:t>
+            </a:r>
+            <a:r>
+              <a:rPr lang="it-IT" sz="1600" b="1" dirty="0">
+                <a:latin typeface="Courier New" panose="02070309020205020404" pitchFamily="49" charset="0"/>
+                <a:cs typeface="Courier New" panose="02070309020205020404" pitchFamily="49" charset="0"/>
+              </a:rPr>
+              <a:t>::</a:t>
+            </a:r>
+            <a:r>
+              <a:rPr lang="it-IT" sz="1600" b="1" dirty="0" err="1">
+                <a:latin typeface="Courier New" panose="02070309020205020404" pitchFamily="49" charset="0"/>
+                <a:cs typeface="Courier New" panose="02070309020205020404" pitchFamily="49" charset="0"/>
+              </a:rPr>
+              <a:t>cout</a:t>
+            </a:r>
+            <a:r>
+              <a:rPr lang="it-IT" sz="1600" b="1" dirty="0">
+                <a:latin typeface="Courier New" panose="02070309020205020404" pitchFamily="49" charset="0"/>
+                <a:cs typeface="Courier New" panose="02070309020205020404" pitchFamily="49" charset="0"/>
+              </a:rPr>
+              <a:t> &lt;&lt; "</a:t>
+            </a:r>
+            <a:r>
+              <a:rPr lang="it-IT" sz="1600" b="1" dirty="0" err="1">
+                <a:latin typeface="Courier New" panose="02070309020205020404" pitchFamily="49" charset="0"/>
+                <a:cs typeface="Courier New" panose="02070309020205020404" pitchFamily="49" charset="0"/>
+              </a:rPr>
+              <a:t>size</a:t>
+            </a:r>
+            <a:r>
+              <a:rPr lang="it-IT" sz="1600" b="1" dirty="0">
+                <a:latin typeface="Courier New" panose="02070309020205020404" pitchFamily="49" charset="0"/>
+                <a:cs typeface="Courier New" panose="02070309020205020404" pitchFamily="49" charset="0"/>
+              </a:rPr>
+              <a:t> of </a:t>
+            </a:r>
+            <a:r>
+              <a:rPr lang="it-IT" sz="1600" b="1" dirty="0" err="1">
+                <a:latin typeface="Courier New" panose="02070309020205020404" pitchFamily="49" charset="0"/>
+                <a:cs typeface="Courier New" panose="02070309020205020404" pitchFamily="49" charset="0"/>
+              </a:rPr>
+              <a:t>char</a:t>
+            </a:r>
+            <a:r>
+              <a:rPr lang="it-IT" sz="1600" b="1" dirty="0">
+                <a:latin typeface="Courier New" panose="02070309020205020404" pitchFamily="49" charset="0"/>
+                <a:cs typeface="Courier New" panose="02070309020205020404" pitchFamily="49" charset="0"/>
+              </a:rPr>
+              <a:t>:    " &lt;&lt; </a:t>
+            </a:r>
+            <a:r>
+              <a:rPr lang="it-IT" sz="1600" b="1" dirty="0" err="1">
+                <a:latin typeface="Courier New" panose="02070309020205020404" pitchFamily="49" charset="0"/>
+                <a:cs typeface="Courier New" panose="02070309020205020404" pitchFamily="49" charset="0"/>
+              </a:rPr>
+              <a:t>sizeof</a:t>
+            </a:r>
+            <a:r>
+              <a:rPr lang="it-IT" sz="1600" b="1" dirty="0">
+                <a:latin typeface="Courier New" panose="02070309020205020404" pitchFamily="49" charset="0"/>
+                <a:cs typeface="Courier New" panose="02070309020205020404" pitchFamily="49" charset="0"/>
+              </a:rPr>
+              <a:t> c  &lt;&lt; " </a:t>
+            </a:r>
+            <a:r>
+              <a:rPr lang="it-IT" sz="1600" b="1" dirty="0" err="1">
+                <a:latin typeface="Courier New" panose="02070309020205020404" pitchFamily="49" charset="0"/>
+                <a:cs typeface="Courier New" panose="02070309020205020404" pitchFamily="49" charset="0"/>
+              </a:rPr>
+              <a:t>bytes</a:t>
+            </a:r>
+            <a:r>
+              <a:rPr lang="it-IT" sz="1600" b="1" dirty="0">
+                <a:latin typeface="Courier New" panose="02070309020205020404" pitchFamily="49" charset="0"/>
+                <a:cs typeface="Courier New" panose="02070309020205020404" pitchFamily="49" charset="0"/>
+              </a:rPr>
+              <a:t> " &lt;&lt; </a:t>
+            </a:r>
+            <a:r>
+              <a:rPr lang="it-IT" sz="1600" b="1" dirty="0" err="1">
+                <a:latin typeface="Courier New" panose="02070309020205020404" pitchFamily="49" charset="0"/>
+                <a:cs typeface="Courier New" panose="02070309020205020404" pitchFamily="49" charset="0"/>
+              </a:rPr>
+              <a:t>std</a:t>
+            </a:r>
+            <a:r>
+              <a:rPr lang="it-IT" sz="1600" b="1" dirty="0">
+                <a:latin typeface="Courier New" panose="02070309020205020404" pitchFamily="49" charset="0"/>
+                <a:cs typeface="Courier New" panose="02070309020205020404" pitchFamily="49" charset="0"/>
+              </a:rPr>
+              <a:t>::</a:t>
+            </a:r>
+            <a:r>
+              <a:rPr lang="it-IT" sz="1600" b="1" dirty="0" err="1">
+                <a:latin typeface="Courier New" panose="02070309020205020404" pitchFamily="49" charset="0"/>
+                <a:cs typeface="Courier New" panose="02070309020205020404" pitchFamily="49" charset="0"/>
+              </a:rPr>
+              <a:t>endl</a:t>
+            </a:r>
+            <a:r>
+              <a:rPr lang="it-IT" sz="1600" b="1" dirty="0">
+                <a:latin typeface="Courier New" panose="02070309020205020404" pitchFamily="49" charset="0"/>
+                <a:cs typeface="Courier New" panose="02070309020205020404" pitchFamily="49" charset="0"/>
+              </a:rPr>
+              <a:t>;</a:t>
+            </a:r>
+          </a:p>
+          <a:p>
+            <a:pPr marL="0" indent="0">
+              <a:buNone/>
+            </a:pPr>
+            <a:r>
+              <a:rPr lang="it-IT" sz="1600" b="1" dirty="0">
+                <a:latin typeface="Courier New" panose="02070309020205020404" pitchFamily="49" charset="0"/>
+                <a:cs typeface="Courier New" panose="02070309020205020404" pitchFamily="49" charset="0"/>
+              </a:rPr>
+              <a:t>    </a:t>
+            </a:r>
+            <a:r>
+              <a:rPr lang="it-IT" sz="1600" b="1" dirty="0" err="1">
+                <a:latin typeface="Courier New" panose="02070309020205020404" pitchFamily="49" charset="0"/>
+                <a:cs typeface="Courier New" panose="02070309020205020404" pitchFamily="49" charset="0"/>
+              </a:rPr>
+              <a:t>std</a:t>
+            </a:r>
+            <a:r>
+              <a:rPr lang="it-IT" sz="1600" b="1" dirty="0">
+                <a:latin typeface="Courier New" panose="02070309020205020404" pitchFamily="49" charset="0"/>
+                <a:cs typeface="Courier New" panose="02070309020205020404" pitchFamily="49" charset="0"/>
+              </a:rPr>
+              <a:t>::</a:t>
+            </a:r>
+            <a:r>
+              <a:rPr lang="it-IT" sz="1600" b="1" dirty="0" err="1">
+                <a:latin typeface="Courier New" panose="02070309020205020404" pitchFamily="49" charset="0"/>
+                <a:cs typeface="Courier New" panose="02070309020205020404" pitchFamily="49" charset="0"/>
+              </a:rPr>
+              <a:t>cout</a:t>
+            </a:r>
+            <a:r>
+              <a:rPr lang="it-IT" sz="1600" b="1" dirty="0">
+                <a:latin typeface="Courier New" panose="02070309020205020404" pitchFamily="49" charset="0"/>
+                <a:cs typeface="Courier New" panose="02070309020205020404" pitchFamily="49" charset="0"/>
+              </a:rPr>
+              <a:t> &lt;&lt; "</a:t>
+            </a:r>
+            <a:r>
+              <a:rPr lang="it-IT" sz="1600" b="1" dirty="0" err="1">
+                <a:latin typeface="Courier New" panose="02070309020205020404" pitchFamily="49" charset="0"/>
+                <a:cs typeface="Courier New" panose="02070309020205020404" pitchFamily="49" charset="0"/>
+              </a:rPr>
+              <a:t>size</a:t>
+            </a:r>
+            <a:r>
+              <a:rPr lang="it-IT" sz="1600" b="1" dirty="0">
+                <a:latin typeface="Courier New" panose="02070309020205020404" pitchFamily="49" charset="0"/>
+                <a:cs typeface="Courier New" panose="02070309020205020404" pitchFamily="49" charset="0"/>
+              </a:rPr>
+              <a:t> of </a:t>
+            </a:r>
+            <a:r>
+              <a:rPr lang="it-IT" sz="1600" b="1" dirty="0" err="1">
+                <a:latin typeface="Courier New" panose="02070309020205020404" pitchFamily="49" charset="0"/>
+                <a:cs typeface="Courier New" panose="02070309020205020404" pitchFamily="49" charset="0"/>
+              </a:rPr>
+              <a:t>bool</a:t>
+            </a:r>
+            <a:r>
+              <a:rPr lang="it-IT" sz="1600" b="1" dirty="0">
+                <a:latin typeface="Courier New" panose="02070309020205020404" pitchFamily="49" charset="0"/>
+                <a:cs typeface="Courier New" panose="02070309020205020404" pitchFamily="49" charset="0"/>
+              </a:rPr>
+              <a:t>:    " &lt;&lt; </a:t>
+            </a:r>
+            <a:r>
+              <a:rPr lang="it-IT" sz="1600" b="1" dirty="0" err="1">
+                <a:latin typeface="Courier New" panose="02070309020205020404" pitchFamily="49" charset="0"/>
+                <a:cs typeface="Courier New" panose="02070309020205020404" pitchFamily="49" charset="0"/>
+              </a:rPr>
+              <a:t>sizeof</a:t>
+            </a:r>
+            <a:r>
+              <a:rPr lang="it-IT" sz="1600" b="1" dirty="0">
+                <a:latin typeface="Courier New" panose="02070309020205020404" pitchFamily="49" charset="0"/>
+                <a:cs typeface="Courier New" panose="02070309020205020404" pitchFamily="49" charset="0"/>
+              </a:rPr>
+              <a:t> b  &lt;&lt; " </a:t>
+            </a:r>
+            <a:r>
+              <a:rPr lang="it-IT" sz="1600" b="1" dirty="0" err="1">
+                <a:latin typeface="Courier New" panose="02070309020205020404" pitchFamily="49" charset="0"/>
+                <a:cs typeface="Courier New" panose="02070309020205020404" pitchFamily="49" charset="0"/>
+              </a:rPr>
+              <a:t>bytes</a:t>
+            </a:r>
+            <a:r>
+              <a:rPr lang="it-IT" sz="1600" b="1" dirty="0">
+                <a:latin typeface="Courier New" panose="02070309020205020404" pitchFamily="49" charset="0"/>
+                <a:cs typeface="Courier New" panose="02070309020205020404" pitchFamily="49" charset="0"/>
+              </a:rPr>
+              <a:t> " &lt;&lt; </a:t>
+            </a:r>
+            <a:r>
+              <a:rPr lang="it-IT" sz="1600" b="1" dirty="0" err="1">
+                <a:latin typeface="Courier New" panose="02070309020205020404" pitchFamily="49" charset="0"/>
+                <a:cs typeface="Courier New" panose="02070309020205020404" pitchFamily="49" charset="0"/>
+              </a:rPr>
+              <a:t>std</a:t>
+            </a:r>
+            <a:r>
+              <a:rPr lang="it-IT" sz="1600" b="1" dirty="0">
+                <a:latin typeface="Courier New" panose="02070309020205020404" pitchFamily="49" charset="0"/>
+                <a:cs typeface="Courier New" panose="02070309020205020404" pitchFamily="49" charset="0"/>
+              </a:rPr>
+              <a:t>::</a:t>
+            </a:r>
+            <a:r>
+              <a:rPr lang="it-IT" sz="1600" b="1" dirty="0" err="1">
+                <a:latin typeface="Courier New" panose="02070309020205020404" pitchFamily="49" charset="0"/>
+                <a:cs typeface="Courier New" panose="02070309020205020404" pitchFamily="49" charset="0"/>
+              </a:rPr>
+              <a:t>endl</a:t>
+            </a:r>
+            <a:r>
+              <a:rPr lang="it-IT" sz="1600" b="1" dirty="0">
+                <a:latin typeface="Courier New" panose="02070309020205020404" pitchFamily="49" charset="0"/>
+                <a:cs typeface="Courier New" panose="02070309020205020404" pitchFamily="49" charset="0"/>
+              </a:rPr>
+              <a:t>;</a:t>
+            </a:r>
+          </a:p>
+          <a:p>
+            <a:pPr marL="0" indent="0">
+              <a:buNone/>
+            </a:pPr>
+            <a:r>
+              <a:rPr lang="it-IT" sz="1600" b="1" dirty="0">
+                <a:latin typeface="Courier New" panose="02070309020205020404" pitchFamily="49" charset="0"/>
+                <a:cs typeface="Courier New" panose="02070309020205020404" pitchFamily="49" charset="0"/>
+              </a:rPr>
+              <a:t>    </a:t>
+            </a:r>
+            <a:r>
+              <a:rPr lang="it-IT" sz="1600" b="1" dirty="0" err="1">
+                <a:latin typeface="Courier New" panose="02070309020205020404" pitchFamily="49" charset="0"/>
+                <a:cs typeface="Courier New" panose="02070309020205020404" pitchFamily="49" charset="0"/>
+              </a:rPr>
+              <a:t>std</a:t>
+            </a:r>
+            <a:r>
+              <a:rPr lang="it-IT" sz="1600" b="1" dirty="0">
+                <a:latin typeface="Courier New" panose="02070309020205020404" pitchFamily="49" charset="0"/>
+                <a:cs typeface="Courier New" panose="02070309020205020404" pitchFamily="49" charset="0"/>
+              </a:rPr>
+              <a:t>::</a:t>
+            </a:r>
+            <a:r>
+              <a:rPr lang="it-IT" sz="1600" b="1" dirty="0" err="1">
+                <a:latin typeface="Courier New" panose="02070309020205020404" pitchFamily="49" charset="0"/>
+                <a:cs typeface="Courier New" panose="02070309020205020404" pitchFamily="49" charset="0"/>
+              </a:rPr>
+              <a:t>cout</a:t>
+            </a:r>
+            <a:r>
+              <a:rPr lang="it-IT" sz="1600" b="1" dirty="0">
+                <a:latin typeface="Courier New" panose="02070309020205020404" pitchFamily="49" charset="0"/>
+                <a:cs typeface="Courier New" panose="02070309020205020404" pitchFamily="49" charset="0"/>
+              </a:rPr>
+              <a:t> &lt;&lt; "</a:t>
+            </a:r>
+            <a:r>
+              <a:rPr lang="it-IT" sz="1600" b="1" dirty="0" err="1">
+                <a:latin typeface="Courier New" panose="02070309020205020404" pitchFamily="49" charset="0"/>
+                <a:cs typeface="Courier New" panose="02070309020205020404" pitchFamily="49" charset="0"/>
+              </a:rPr>
+              <a:t>size</a:t>
+            </a:r>
+            <a:r>
+              <a:rPr lang="it-IT" sz="1600" b="1" dirty="0">
+                <a:latin typeface="Courier New" panose="02070309020205020404" pitchFamily="49" charset="0"/>
+                <a:cs typeface="Courier New" panose="02070309020205020404" pitchFamily="49" charset="0"/>
+              </a:rPr>
+              <a:t> of </a:t>
+            </a:r>
+            <a:r>
+              <a:rPr lang="it-IT" sz="1600" b="1" dirty="0" err="1">
+                <a:latin typeface="Courier New" panose="02070309020205020404" pitchFamily="49" charset="0"/>
+                <a:cs typeface="Courier New" panose="02070309020205020404" pitchFamily="49" charset="0"/>
+              </a:rPr>
+              <a:t>int</a:t>
+            </a:r>
+            <a:r>
+              <a:rPr lang="it-IT" sz="1600" b="1" dirty="0">
+                <a:latin typeface="Courier New" panose="02070309020205020404" pitchFamily="49" charset="0"/>
+                <a:cs typeface="Courier New" panose="02070309020205020404" pitchFamily="49" charset="0"/>
+              </a:rPr>
+              <a:t>[10]: " &lt;&lt; </a:t>
+            </a:r>
+            <a:r>
+              <a:rPr lang="it-IT" sz="1600" b="1" dirty="0" err="1">
+                <a:latin typeface="Courier New" panose="02070309020205020404" pitchFamily="49" charset="0"/>
+                <a:cs typeface="Courier New" panose="02070309020205020404" pitchFamily="49" charset="0"/>
+              </a:rPr>
+              <a:t>sizeof</a:t>
+            </a:r>
+            <a:r>
+              <a:rPr lang="it-IT" sz="1600" b="1" dirty="0">
+                <a:latin typeface="Courier New" panose="02070309020205020404" pitchFamily="49" charset="0"/>
+                <a:cs typeface="Courier New" panose="02070309020205020404" pitchFamily="49" charset="0"/>
+              </a:rPr>
+              <a:t> v  &lt;&lt; " </a:t>
+            </a:r>
+            <a:r>
+              <a:rPr lang="it-IT" sz="1600" b="1" dirty="0" err="1">
+                <a:latin typeface="Courier New" panose="02070309020205020404" pitchFamily="49" charset="0"/>
+                <a:cs typeface="Courier New" panose="02070309020205020404" pitchFamily="49" charset="0"/>
+              </a:rPr>
+              <a:t>bytes</a:t>
+            </a:r>
+            <a:r>
+              <a:rPr lang="it-IT" sz="1600" b="1" dirty="0">
+                <a:latin typeface="Courier New" panose="02070309020205020404" pitchFamily="49" charset="0"/>
+                <a:cs typeface="Courier New" panose="02070309020205020404" pitchFamily="49" charset="0"/>
+              </a:rPr>
+              <a:t> " &lt;&lt; </a:t>
+            </a:r>
+            <a:r>
+              <a:rPr lang="it-IT" sz="1600" b="1" dirty="0" err="1">
+                <a:latin typeface="Courier New" panose="02070309020205020404" pitchFamily="49" charset="0"/>
+                <a:cs typeface="Courier New" panose="02070309020205020404" pitchFamily="49" charset="0"/>
+              </a:rPr>
+              <a:t>std</a:t>
+            </a:r>
+            <a:r>
+              <a:rPr lang="it-IT" sz="1600" b="1" dirty="0">
+                <a:latin typeface="Courier New" panose="02070309020205020404" pitchFamily="49" charset="0"/>
+                <a:cs typeface="Courier New" panose="02070309020205020404" pitchFamily="49" charset="0"/>
+              </a:rPr>
+              <a:t>::</a:t>
+            </a:r>
+            <a:r>
+              <a:rPr lang="it-IT" sz="1600" b="1" dirty="0" err="1">
+                <a:latin typeface="Courier New" panose="02070309020205020404" pitchFamily="49" charset="0"/>
+                <a:cs typeface="Courier New" panose="02070309020205020404" pitchFamily="49" charset="0"/>
+              </a:rPr>
+              <a:t>endl</a:t>
+            </a:r>
+            <a:r>
+              <a:rPr lang="it-IT" sz="1600" b="1" dirty="0">
+                <a:latin typeface="Courier New" panose="02070309020205020404" pitchFamily="49" charset="0"/>
+                <a:cs typeface="Courier New" panose="02070309020205020404" pitchFamily="49" charset="0"/>
+              </a:rPr>
+              <a:t>;</a:t>
+            </a:r>
+          </a:p>
+          <a:p>
+            <a:pPr marL="0" indent="0">
+              <a:buNone/>
+            </a:pPr>
+            <a:r>
+              <a:rPr lang="it-IT" sz="1600" b="1" dirty="0">
+                <a:latin typeface="Courier New" panose="02070309020205020404" pitchFamily="49" charset="0"/>
+                <a:cs typeface="Courier New" panose="02070309020205020404" pitchFamily="49" charset="0"/>
+              </a:rPr>
+              <a:t>    </a:t>
+            </a:r>
+            <a:r>
+              <a:rPr lang="it-IT" sz="1600" b="1" dirty="0" err="1">
+                <a:latin typeface="Courier New" panose="02070309020205020404" pitchFamily="49" charset="0"/>
+                <a:cs typeface="Courier New" panose="02070309020205020404" pitchFamily="49" charset="0"/>
+              </a:rPr>
+              <a:t>std</a:t>
+            </a:r>
+            <a:r>
+              <a:rPr lang="it-IT" sz="1600" b="1" dirty="0">
+                <a:latin typeface="Courier New" panose="02070309020205020404" pitchFamily="49" charset="0"/>
+                <a:cs typeface="Courier New" panose="02070309020205020404" pitchFamily="49" charset="0"/>
+              </a:rPr>
+              <a:t>::</a:t>
+            </a:r>
+            <a:r>
+              <a:rPr lang="it-IT" sz="1600" b="1" dirty="0" err="1">
+                <a:latin typeface="Courier New" panose="02070309020205020404" pitchFamily="49" charset="0"/>
+                <a:cs typeface="Courier New" panose="02070309020205020404" pitchFamily="49" charset="0"/>
+              </a:rPr>
+              <a:t>cout</a:t>
+            </a:r>
+            <a:r>
+              <a:rPr lang="it-IT" sz="1600" b="1" dirty="0">
+                <a:latin typeface="Courier New" panose="02070309020205020404" pitchFamily="49" charset="0"/>
+                <a:cs typeface="Courier New" panose="02070309020205020404" pitchFamily="49" charset="0"/>
+              </a:rPr>
+              <a:t> &lt;&lt; "</a:t>
+            </a:r>
+            <a:r>
+              <a:rPr lang="it-IT" sz="1600" b="1" dirty="0" err="1">
+                <a:latin typeface="Courier New" panose="02070309020205020404" pitchFamily="49" charset="0"/>
+                <a:cs typeface="Courier New" panose="02070309020205020404" pitchFamily="49" charset="0"/>
+              </a:rPr>
+              <a:t>size</a:t>
+            </a:r>
+            <a:r>
+              <a:rPr lang="it-IT" sz="1600" b="1" dirty="0">
+                <a:latin typeface="Courier New" panose="02070309020205020404" pitchFamily="49" charset="0"/>
+                <a:cs typeface="Courier New" panose="02070309020205020404" pitchFamily="49" charset="0"/>
+              </a:rPr>
+              <a:t> of </a:t>
+            </a:r>
+            <a:r>
+              <a:rPr lang="it-IT" sz="1600" b="1" dirty="0" err="1">
+                <a:latin typeface="Courier New" panose="02070309020205020404" pitchFamily="49" charset="0"/>
+                <a:cs typeface="Courier New" panose="02070309020205020404" pitchFamily="49" charset="0"/>
+              </a:rPr>
+              <a:t>int</a:t>
+            </a:r>
+            <a:r>
+              <a:rPr lang="it-IT" sz="1600" b="1" dirty="0">
+                <a:latin typeface="Courier New" panose="02070309020205020404" pitchFamily="49" charset="0"/>
+                <a:cs typeface="Courier New" panose="02070309020205020404" pitchFamily="49" charset="0"/>
+              </a:rPr>
+              <a:t>*:    " &lt;&lt; </a:t>
+            </a:r>
+            <a:r>
+              <a:rPr lang="it-IT" sz="1600" b="1" dirty="0" err="1">
+                <a:latin typeface="Courier New" panose="02070309020205020404" pitchFamily="49" charset="0"/>
+                <a:cs typeface="Courier New" panose="02070309020205020404" pitchFamily="49" charset="0"/>
+              </a:rPr>
+              <a:t>sizeof</a:t>
+            </a:r>
+            <a:r>
+              <a:rPr lang="it-IT" sz="1600" b="1" dirty="0">
+                <a:latin typeface="Courier New" panose="02070309020205020404" pitchFamily="49" charset="0"/>
+                <a:cs typeface="Courier New" panose="02070309020205020404" pitchFamily="49" charset="0"/>
+              </a:rPr>
+              <a:t> </a:t>
+            </a:r>
+            <a:r>
+              <a:rPr lang="it-IT" sz="1600" b="1" dirty="0" err="1">
+                <a:latin typeface="Courier New" panose="02070309020205020404" pitchFamily="49" charset="0"/>
+                <a:cs typeface="Courier New" panose="02070309020205020404" pitchFamily="49" charset="0"/>
+              </a:rPr>
+              <a:t>pi</a:t>
+            </a:r>
+            <a:r>
+              <a:rPr lang="it-IT" sz="1600" b="1" dirty="0">
+                <a:latin typeface="Courier New" panose="02070309020205020404" pitchFamily="49" charset="0"/>
+                <a:cs typeface="Courier New" panose="02070309020205020404" pitchFamily="49" charset="0"/>
+              </a:rPr>
+              <a:t> &lt;&lt; " </a:t>
+            </a:r>
+            <a:r>
+              <a:rPr lang="it-IT" sz="1600" b="1" dirty="0" err="1">
+                <a:latin typeface="Courier New" panose="02070309020205020404" pitchFamily="49" charset="0"/>
+                <a:cs typeface="Courier New" panose="02070309020205020404" pitchFamily="49" charset="0"/>
+              </a:rPr>
+              <a:t>bytes</a:t>
+            </a:r>
+            <a:r>
+              <a:rPr lang="it-IT" sz="1600" b="1" dirty="0">
+                <a:latin typeface="Courier New" panose="02070309020205020404" pitchFamily="49" charset="0"/>
+                <a:cs typeface="Courier New" panose="02070309020205020404" pitchFamily="49" charset="0"/>
+              </a:rPr>
+              <a:t> " &lt;&lt; </a:t>
+            </a:r>
+            <a:r>
+              <a:rPr lang="it-IT" sz="1600" b="1" dirty="0" err="1">
+                <a:latin typeface="Courier New" panose="02070309020205020404" pitchFamily="49" charset="0"/>
+                <a:cs typeface="Courier New" panose="02070309020205020404" pitchFamily="49" charset="0"/>
+              </a:rPr>
+              <a:t>std</a:t>
+            </a:r>
+            <a:r>
+              <a:rPr lang="it-IT" sz="1600" b="1" dirty="0">
+                <a:latin typeface="Courier New" panose="02070309020205020404" pitchFamily="49" charset="0"/>
+                <a:cs typeface="Courier New" panose="02070309020205020404" pitchFamily="49" charset="0"/>
+              </a:rPr>
+              <a:t>::</a:t>
+            </a:r>
+            <a:r>
+              <a:rPr lang="it-IT" sz="1600" b="1" dirty="0" err="1">
+                <a:latin typeface="Courier New" panose="02070309020205020404" pitchFamily="49" charset="0"/>
+                <a:cs typeface="Courier New" panose="02070309020205020404" pitchFamily="49" charset="0"/>
+              </a:rPr>
+              <a:t>endl</a:t>
+            </a:r>
+            <a:r>
+              <a:rPr lang="it-IT" sz="1600" b="1" dirty="0">
+                <a:latin typeface="Courier New" panose="02070309020205020404" pitchFamily="49" charset="0"/>
+                <a:cs typeface="Courier New" panose="02070309020205020404" pitchFamily="49" charset="0"/>
+              </a:rPr>
+              <a:t>;</a:t>
+            </a:r>
+          </a:p>
+          <a:p>
+            <a:pPr marL="0" indent="0">
+              <a:buNone/>
+            </a:pPr>
+            <a:r>
+              <a:rPr lang="it-IT" sz="1600" b="1" dirty="0">
+                <a:latin typeface="Courier New" panose="02070309020205020404" pitchFamily="49" charset="0"/>
+                <a:cs typeface="Courier New" panose="02070309020205020404" pitchFamily="49" charset="0"/>
+              </a:rPr>
+              <a:t>    </a:t>
+            </a:r>
+            <a:r>
+              <a:rPr lang="it-IT" sz="1600" b="1" dirty="0" err="1">
+                <a:latin typeface="Courier New" panose="02070309020205020404" pitchFamily="49" charset="0"/>
+                <a:cs typeface="Courier New" panose="02070309020205020404" pitchFamily="49" charset="0"/>
+              </a:rPr>
+              <a:t>std</a:t>
+            </a:r>
+            <a:r>
+              <a:rPr lang="it-IT" sz="1600" b="1" dirty="0">
+                <a:latin typeface="Courier New" panose="02070309020205020404" pitchFamily="49" charset="0"/>
+                <a:cs typeface="Courier New" panose="02070309020205020404" pitchFamily="49" charset="0"/>
+              </a:rPr>
+              <a:t>::</a:t>
+            </a:r>
+            <a:r>
+              <a:rPr lang="it-IT" sz="1600" b="1" dirty="0" err="1">
+                <a:latin typeface="Courier New" panose="02070309020205020404" pitchFamily="49" charset="0"/>
+                <a:cs typeface="Courier New" panose="02070309020205020404" pitchFamily="49" charset="0"/>
+              </a:rPr>
+              <a:t>cout</a:t>
+            </a:r>
+            <a:r>
+              <a:rPr lang="it-IT" sz="1600" b="1" dirty="0">
+                <a:latin typeface="Courier New" panose="02070309020205020404" pitchFamily="49" charset="0"/>
+                <a:cs typeface="Courier New" panose="02070309020205020404" pitchFamily="49" charset="0"/>
+              </a:rPr>
+              <a:t> &lt;&lt; "</a:t>
+            </a:r>
+            <a:r>
+              <a:rPr lang="it-IT" sz="1600" b="1" dirty="0" err="1">
+                <a:latin typeface="Courier New" panose="02070309020205020404" pitchFamily="49" charset="0"/>
+                <a:cs typeface="Courier New" panose="02070309020205020404" pitchFamily="49" charset="0"/>
+              </a:rPr>
+              <a:t>size</a:t>
+            </a:r>
+            <a:r>
+              <a:rPr lang="it-IT" sz="1600" b="1" dirty="0">
+                <a:latin typeface="Courier New" panose="02070309020205020404" pitchFamily="49" charset="0"/>
+                <a:cs typeface="Courier New" panose="02070309020205020404" pitchFamily="49" charset="0"/>
+              </a:rPr>
+              <a:t> of double*: " &lt;&lt; </a:t>
+            </a:r>
+            <a:r>
+              <a:rPr lang="it-IT" sz="1600" b="1" dirty="0" err="1">
+                <a:latin typeface="Courier New" panose="02070309020205020404" pitchFamily="49" charset="0"/>
+                <a:cs typeface="Courier New" panose="02070309020205020404" pitchFamily="49" charset="0"/>
+              </a:rPr>
+              <a:t>sizeof</a:t>
+            </a:r>
+            <a:r>
+              <a:rPr lang="it-IT" sz="1600" b="1" dirty="0">
+                <a:latin typeface="Courier New" panose="02070309020205020404" pitchFamily="49" charset="0"/>
+                <a:cs typeface="Courier New" panose="02070309020205020404" pitchFamily="49" charset="0"/>
+              </a:rPr>
+              <a:t> </a:t>
+            </a:r>
+            <a:r>
+              <a:rPr lang="it-IT" sz="1600" b="1" dirty="0" err="1">
+                <a:latin typeface="Courier New" panose="02070309020205020404" pitchFamily="49" charset="0"/>
+                <a:cs typeface="Courier New" panose="02070309020205020404" pitchFamily="49" charset="0"/>
+              </a:rPr>
+              <a:t>pd</a:t>
+            </a:r>
+            <a:r>
+              <a:rPr lang="it-IT" sz="1600" b="1" dirty="0">
+                <a:latin typeface="Courier New" panose="02070309020205020404" pitchFamily="49" charset="0"/>
+                <a:cs typeface="Courier New" panose="02070309020205020404" pitchFamily="49" charset="0"/>
+              </a:rPr>
+              <a:t> &lt;&lt; " </a:t>
+            </a:r>
+            <a:r>
+              <a:rPr lang="it-IT" sz="1600" b="1" dirty="0" err="1">
+                <a:latin typeface="Courier New" panose="02070309020205020404" pitchFamily="49" charset="0"/>
+                <a:cs typeface="Courier New" panose="02070309020205020404" pitchFamily="49" charset="0"/>
+              </a:rPr>
+              <a:t>bytes</a:t>
+            </a:r>
+            <a:r>
+              <a:rPr lang="it-IT" sz="1600" b="1" dirty="0">
+                <a:latin typeface="Courier New" panose="02070309020205020404" pitchFamily="49" charset="0"/>
+                <a:cs typeface="Courier New" panose="02070309020205020404" pitchFamily="49" charset="0"/>
+              </a:rPr>
+              <a:t> " &lt;&lt; </a:t>
+            </a:r>
+            <a:r>
+              <a:rPr lang="it-IT" sz="1600" b="1" dirty="0" err="1">
+                <a:latin typeface="Courier New" panose="02070309020205020404" pitchFamily="49" charset="0"/>
+                <a:cs typeface="Courier New" panose="02070309020205020404" pitchFamily="49" charset="0"/>
+              </a:rPr>
+              <a:t>std</a:t>
+            </a:r>
+            <a:r>
+              <a:rPr lang="it-IT" sz="1600" b="1" dirty="0">
+                <a:latin typeface="Courier New" panose="02070309020205020404" pitchFamily="49" charset="0"/>
+                <a:cs typeface="Courier New" panose="02070309020205020404" pitchFamily="49" charset="0"/>
+              </a:rPr>
+              <a:t>::</a:t>
+            </a:r>
+            <a:r>
+              <a:rPr lang="it-IT" sz="1600" b="1" dirty="0" err="1">
+                <a:latin typeface="Courier New" panose="02070309020205020404" pitchFamily="49" charset="0"/>
+                <a:cs typeface="Courier New" panose="02070309020205020404" pitchFamily="49" charset="0"/>
+              </a:rPr>
+              <a:t>endl</a:t>
+            </a:r>
+            <a:r>
+              <a:rPr lang="it-IT" sz="1600" b="1" dirty="0">
+                <a:latin typeface="Courier New" panose="02070309020205020404" pitchFamily="49" charset="0"/>
+                <a:cs typeface="Courier New" panose="02070309020205020404" pitchFamily="49" charset="0"/>
+              </a:rPr>
+              <a:t>;	</a:t>
+            </a:r>
+          </a:p>
+          <a:p>
+            <a:pPr marL="0" indent="0">
+              <a:buNone/>
+            </a:pPr>
+            <a:r>
+              <a:rPr lang="it-IT" sz="1600" b="1" dirty="0">
+                <a:latin typeface="Courier New" panose="02070309020205020404" pitchFamily="49" charset="0"/>
+                <a:cs typeface="Courier New" panose="02070309020205020404" pitchFamily="49" charset="0"/>
+              </a:rPr>
+              <a:t>    </a:t>
+            </a:r>
+            <a:r>
+              <a:rPr lang="it-IT" sz="1600" b="1" dirty="0" err="1">
+                <a:latin typeface="Courier New" panose="02070309020205020404" pitchFamily="49" charset="0"/>
+                <a:cs typeface="Courier New" panose="02070309020205020404" pitchFamily="49" charset="0"/>
+              </a:rPr>
+              <a:t>return</a:t>
+            </a:r>
+            <a:r>
+              <a:rPr lang="it-IT" sz="1600" b="1" dirty="0">
+                <a:latin typeface="Courier New" panose="02070309020205020404" pitchFamily="49" charset="0"/>
+                <a:cs typeface="Courier New" panose="02070309020205020404" pitchFamily="49" charset="0"/>
+              </a:rPr>
+              <a:t> 0;</a:t>
+            </a:r>
+          </a:p>
+          <a:p>
+            <a:pPr marL="0" indent="0">
+              <a:buNone/>
+            </a:pPr>
+            <a:r>
+              <a:rPr lang="it-IT" sz="1600" b="1" dirty="0">
+                <a:latin typeface="Courier New" panose="02070309020205020404" pitchFamily="49" charset="0"/>
+                <a:cs typeface="Courier New" panose="02070309020205020404" pitchFamily="49" charset="0"/>
+              </a:rPr>
+              <a:t>}</a:t>
+            </a:r>
+          </a:p>
+        </p:txBody>
+      </p:sp>
+      <p:sp>
+        <p:nvSpPr>
+          <p:cNvPr id="4" name="Segnaposto piè di pagina 3">
+            <a:extLst>
+              <a:ext uri="{FF2B5EF4-FFF2-40B4-BE49-F238E27FC236}">
+                <a16:creationId xmlns:a16="http://schemas.microsoft.com/office/drawing/2014/main" id="{7E0CCA79-99C5-4F7A-A06C-D107B7C78002}"/>
+              </a:ext>
+            </a:extLst>
+          </p:cNvPr>
+          <p:cNvSpPr>
+            <a:spLocks noGrp="1"/>
+          </p:cNvSpPr>
+          <p:nvPr>
+            <p:ph type="ftr" sz="quarter" idx="11"/>
+          </p:nvPr>
+        </p:nvSpPr>
+        <p:spPr/>
+        <p:txBody>
+          <a:bodyPr/>
+          <a:lstStyle/>
+          <a:p>
+            <a:pPr>
+              <a:defRPr/>
+            </a:pPr>
+            <a:r>
+              <a:rPr lang="it-IT"/>
+              <a:t>Alberto Ferrari – Programmazione di applicazioni SW</a:t>
+            </a:r>
+            <a:endParaRPr lang="it-IT" dirty="0"/>
+          </a:p>
+        </p:txBody>
+      </p:sp>
+      <p:pic>
+        <p:nvPicPr>
+          <p:cNvPr id="9" name="Immagine 8">
+            <a:extLst>
+              <a:ext uri="{FF2B5EF4-FFF2-40B4-BE49-F238E27FC236}">
+                <a16:creationId xmlns:a16="http://schemas.microsoft.com/office/drawing/2014/main" id="{4DE7D366-42F5-4782-8964-0BCFC4976531}"/>
+              </a:ext>
+            </a:extLst>
+          </p:cNvPr>
+          <p:cNvPicPr>
+            <a:picLocks noChangeAspect="1"/>
+          </p:cNvPicPr>
+          <p:nvPr/>
+        </p:nvPicPr>
+        <p:blipFill>
+          <a:blip r:embed="rId2"/>
+          <a:stretch>
+            <a:fillRect/>
+          </a:stretch>
+        </p:blipFill>
+        <p:spPr>
+          <a:xfrm>
+            <a:off x="8824383" y="1010654"/>
+            <a:ext cx="2743200" cy="1905000"/>
+          </a:xfrm>
+          <a:prstGeom prst="rect">
+            <a:avLst/>
+          </a:prstGeom>
+          <a:ln>
+            <a:noFill/>
+          </a:ln>
+          <a:effectLst>
+            <a:outerShdw blurRad="292100" dist="139700" dir="2700000" algn="tl" rotWithShape="0">
+              <a:srgbClr val="333333">
+                <a:alpha val="65000"/>
+              </a:srgbClr>
+            </a:outerShdw>
+          </a:effectLst>
+        </p:spPr>
+      </p:pic>
+    </p:spTree>
+    <p:extLst>
+      <p:ext uri="{BB962C8B-B14F-4D97-AF65-F5344CB8AC3E}">
+        <p14:creationId xmlns:p14="http://schemas.microsoft.com/office/powerpoint/2010/main" val="661350411"/>
+      </p:ext>
+    </p:extLst>
+  </p:cSld>
+  <p:clrMapOvr>
+    <a:masterClrMapping/>
+  </p:clrMapOvr>
+</p:sld>
+</file>
+
+<file path=ppt/slides/slide11.xml><?xml version="1.0" encoding="utf-8"?>
+<p:sld xmlns:a="http://schemas.openxmlformats.org/drawingml/2006/main" xmlns:r="http://schemas.openxmlformats.org/officeDocument/2006/relationships" xmlns:p="http://schemas.openxmlformats.org/presentationml/2006/main">
+  <p:cSld>
+    <p:spTree>
+      <p:nvGrpSpPr>
+        <p:cNvPr id="1" name=""/>
+        <p:cNvGrpSpPr/>
+        <p:nvPr/>
+      </p:nvGrpSpPr>
+      <p:grpSpPr>
+        <a:xfrm>
+          <a:off x="0" y="0"/>
+          <a:ext cx="0" cy="0"/>
+          <a:chOff x="0" y="0"/>
+          <a:chExt cx="0" cy="0"/>
+        </a:xfrm>
+      </p:grpSpPr>
+      <p:sp>
+        <p:nvSpPr>
+          <p:cNvPr id="2" name="Titolo 1">
+            <a:extLst>
+              <a:ext uri="{FF2B5EF4-FFF2-40B4-BE49-F238E27FC236}">
+                <a16:creationId xmlns:a16="http://schemas.microsoft.com/office/drawing/2014/main" id="{7AC478AC-B111-4174-A742-D0163F766302}"/>
+              </a:ext>
+            </a:extLst>
+          </p:cNvPr>
+          <p:cNvSpPr>
+            <a:spLocks noGrp="1"/>
+          </p:cNvSpPr>
+          <p:nvPr>
+            <p:ph type="title"/>
+          </p:nvPr>
+        </p:nvSpPr>
+        <p:spPr/>
+        <p:txBody>
+          <a:bodyPr/>
+          <a:lstStyle/>
+          <a:p>
+            <a:r>
+              <a:rPr lang="it-IT" dirty="0"/>
+              <a:t>costanti (limite) numeriche</a:t>
+            </a:r>
+          </a:p>
+        </p:txBody>
+      </p:sp>
+      <p:sp>
+        <p:nvSpPr>
+          <p:cNvPr id="4" name="Segnaposto piè di pagina 3">
+            <a:extLst>
+              <a:ext uri="{FF2B5EF4-FFF2-40B4-BE49-F238E27FC236}">
+                <a16:creationId xmlns:a16="http://schemas.microsoft.com/office/drawing/2014/main" id="{90D5AE37-AAFB-4DD3-AB45-93A2533BCBC2}"/>
+              </a:ext>
+            </a:extLst>
+          </p:cNvPr>
+          <p:cNvSpPr>
+            <a:spLocks noGrp="1"/>
+          </p:cNvSpPr>
+          <p:nvPr>
+            <p:ph type="ftr" sz="quarter" idx="11"/>
+          </p:nvPr>
+        </p:nvSpPr>
+        <p:spPr/>
+        <p:txBody>
+          <a:bodyPr/>
+          <a:lstStyle/>
+          <a:p>
+            <a:pPr>
+              <a:defRPr/>
+            </a:pPr>
+            <a:r>
+              <a:rPr lang="it-IT"/>
+              <a:t>Alberto Ferrari – Programmazione di applicazioni SW</a:t>
+            </a:r>
+            <a:endParaRPr lang="it-IT" dirty="0"/>
+          </a:p>
+        </p:txBody>
+      </p:sp>
+      <p:graphicFrame>
+        <p:nvGraphicFramePr>
+          <p:cNvPr id="5" name="Oggetto 4">
+            <a:extLst>
+              <a:ext uri="{FF2B5EF4-FFF2-40B4-BE49-F238E27FC236}">
+                <a16:creationId xmlns:a16="http://schemas.microsoft.com/office/drawing/2014/main" id="{7E0CF3FF-E7AA-4B42-B593-B755DCE8ED4B}"/>
+              </a:ext>
+            </a:extLst>
+          </p:cNvPr>
+          <p:cNvGraphicFramePr>
+            <a:graphicFrameLocks noChangeAspect="1"/>
+          </p:cNvGraphicFramePr>
+          <p:nvPr>
+            <p:extLst>
+              <p:ext uri="{D42A27DB-BD31-4B8C-83A1-F6EECF244321}">
+                <p14:modId xmlns:p14="http://schemas.microsoft.com/office/powerpoint/2010/main" val="1383736909"/>
+              </p:ext>
+            </p:extLst>
+          </p:nvPr>
+        </p:nvGraphicFramePr>
+        <p:xfrm>
+          <a:off x="623392" y="1106633"/>
+          <a:ext cx="10369152" cy="4914593"/>
+        </p:xfrm>
+        <a:graphic>
+          <a:graphicData uri="http://schemas.openxmlformats.org/presentationml/2006/ole">
+            <mc:AlternateContent xmlns:mc="http://schemas.openxmlformats.org/markup-compatibility/2006">
+              <mc:Choice xmlns:v="urn:schemas-microsoft-com:vml" Requires="v">
+                <p:oleObj spid="_x0000_s2091" name="Worksheet" r:id="rId3" imgW="7194464" imgH="3409972" progId="Excel.Sheet.12">
+                  <p:embed/>
+                </p:oleObj>
+              </mc:Choice>
+              <mc:Fallback>
+                <p:oleObj name="Worksheet" r:id="rId3" imgW="7194464" imgH="3409972" progId="Excel.Sheet.12">
+                  <p:embed/>
+                  <p:pic>
+                    <p:nvPicPr>
+                      <p:cNvPr id="0" name=""/>
+                      <p:cNvPicPr/>
+                      <p:nvPr/>
+                    </p:nvPicPr>
+                    <p:blipFill>
+                      <a:blip r:embed="rId4"/>
+                      <a:stretch>
+                        <a:fillRect/>
+                      </a:stretch>
+                    </p:blipFill>
+                    <p:spPr>
+                      <a:xfrm>
+                        <a:off x="623392" y="1106633"/>
+                        <a:ext cx="10369152" cy="4914593"/>
+                      </a:xfrm>
+                      <a:prstGeom prst="rect">
+                        <a:avLst/>
+                      </a:prstGeom>
+                    </p:spPr>
+                  </p:pic>
+                </p:oleObj>
+              </mc:Fallback>
+            </mc:AlternateContent>
+          </a:graphicData>
+        </a:graphic>
+      </p:graphicFrame>
+    </p:spTree>
+    <p:extLst>
+      <p:ext uri="{BB962C8B-B14F-4D97-AF65-F5344CB8AC3E}">
+        <p14:creationId xmlns:p14="http://schemas.microsoft.com/office/powerpoint/2010/main" val="3939604228"/>
+      </p:ext>
+    </p:extLst>
+  </p:cSld>
+  <p:clrMapOvr>
+    <a:masterClrMapping/>
+  </p:clrMapOvr>
+</p:sld>
+</file>
+
+<file path=ppt/slides/slide12.xml><?xml version="1.0" encoding="utf-8"?>
+<p:sld xmlns:a="http://schemas.openxmlformats.org/drawingml/2006/main" xmlns:r="http://schemas.openxmlformats.org/officeDocument/2006/relationships" xmlns:p="http://schemas.openxmlformats.org/presentationml/2006/main">
+  <p:cSld>
+    <p:spTree>
+      <p:nvGrpSpPr>
+        <p:cNvPr id="1" name=""/>
+        <p:cNvGrpSpPr/>
+        <p:nvPr/>
+      </p:nvGrpSpPr>
+      <p:grpSpPr>
+        <a:xfrm>
+          <a:off x="0" y="0"/>
+          <a:ext cx="0" cy="0"/>
+          <a:chOff x="0" y="0"/>
+          <a:chExt cx="0" cy="0"/>
+        </a:xfrm>
+      </p:grpSpPr>
+      <p:sp>
+        <p:nvSpPr>
           <p:cNvPr id="2" name="Titolo 1">
             <a:extLst>
               <a:ext uri="{FF2B5EF4-FFF2-40B4-BE49-F238E27FC236}">
@@ -6346,7 +7883,7 @@
 </p:sld>
 </file>
 
-<file path=ppt/slides/slide11.xml><?xml version="1.0" encoding="utf-8"?>
+<file path=ppt/slides/slide13.xml><?xml version="1.0" encoding="utf-8"?>
 <p:sld xmlns:a="http://schemas.openxmlformats.org/drawingml/2006/main" xmlns:r="http://schemas.openxmlformats.org/officeDocument/2006/relationships" xmlns:p="http://schemas.openxmlformats.org/presentationml/2006/main">
   <p:cSld>
     <p:spTree>
@@ -6588,7 +8125,7 @@
 </p:sld>
 </file>
 
-<file path=ppt/slides/slide12.xml><?xml version="1.0" encoding="utf-8"?>
+<file path=ppt/slides/slide14.xml><?xml version="1.0" encoding="utf-8"?>
 <p:sld xmlns:a="http://schemas.openxmlformats.org/drawingml/2006/main" xmlns:r="http://schemas.openxmlformats.org/officeDocument/2006/relationships" xmlns:p="http://schemas.openxmlformats.org/presentationml/2006/main">
   <p:cSld>
     <p:spTree>
@@ -6827,7 +8364,7 @@
 </p:sld>
 </file>
 
-<file path=ppt/slides/slide13.xml><?xml version="1.0" encoding="utf-8"?>
+<file path=ppt/slides/slide15.xml><?xml version="1.0" encoding="utf-8"?>
 <p:sld xmlns:a="http://schemas.openxmlformats.org/drawingml/2006/main" xmlns:r="http://schemas.openxmlformats.org/officeDocument/2006/relationships" xmlns:p="http://schemas.openxmlformats.org/presentationml/2006/main">
   <p:cSld>
     <p:spTree>
@@ -7518,7 +9055,7 @@
 </p:sld>
 </file>
 
-<file path=ppt/slides/slide14.xml><?xml version="1.0" encoding="utf-8"?>
+<file path=ppt/slides/slide16.xml><?xml version="1.0" encoding="utf-8"?>
 <p:sld xmlns:a="http://schemas.openxmlformats.org/drawingml/2006/main" xmlns:r="http://schemas.openxmlformats.org/officeDocument/2006/relationships" xmlns:p="http://schemas.openxmlformats.org/presentationml/2006/main">
   <p:cSld>
     <p:spTree>
@@ -8279,7 +9816,7 @@
 </p:sld>
 </file>
 
-<file path=ppt/slides/slide15.xml><?xml version="1.0" encoding="utf-8"?>
+<file path=ppt/slides/slide17.xml><?xml version="1.0" encoding="utf-8"?>
 <p:sld xmlns:a="http://schemas.openxmlformats.org/drawingml/2006/main" xmlns:r="http://schemas.openxmlformats.org/officeDocument/2006/relationships" xmlns:p="http://schemas.openxmlformats.org/presentationml/2006/main">
   <p:cSld>
     <p:spTree>
@@ -8397,7 +9934,285 @@
 </p:sld>
 </file>
 
-<file path=ppt/slides/slide16.xml><?xml version="1.0" encoding="utf-8"?>
+<file path=ppt/slides/slide18.xml><?xml version="1.0" encoding="utf-8"?>
+<p:sld xmlns:a="http://schemas.openxmlformats.org/drawingml/2006/main" xmlns:r="http://schemas.openxmlformats.org/officeDocument/2006/relationships" xmlns:p="http://schemas.openxmlformats.org/presentationml/2006/main">
+  <p:cSld>
+    <p:spTree>
+      <p:nvGrpSpPr>
+        <p:cNvPr id="1" name=""/>
+        <p:cNvGrpSpPr/>
+        <p:nvPr/>
+      </p:nvGrpSpPr>
+      <p:grpSpPr>
+        <a:xfrm>
+          <a:off x="0" y="0"/>
+          <a:ext cx="0" cy="0"/>
+          <a:chOff x="0" y="0"/>
+          <a:chExt cx="0" cy="0"/>
+        </a:xfrm>
+      </p:grpSpPr>
+      <p:sp>
+        <p:nvSpPr>
+          <p:cNvPr id="5" name="Titolo 4">
+            <a:extLst>
+              <a:ext uri="{FF2B5EF4-FFF2-40B4-BE49-F238E27FC236}">
+                <a16:creationId xmlns:a16="http://schemas.microsoft.com/office/drawing/2014/main" id="{ECEBF404-5038-4276-8876-B5E340EDCB17}"/>
+              </a:ext>
+            </a:extLst>
+          </p:cNvPr>
+          <p:cNvSpPr>
+            <a:spLocks noGrp="1"/>
+          </p:cNvSpPr>
+          <p:nvPr>
+            <p:ph type="title"/>
+          </p:nvPr>
+        </p:nvSpPr>
+        <p:spPr/>
+        <p:txBody>
+          <a:bodyPr/>
+          <a:lstStyle/>
+          <a:p>
+            <a:r>
+              <a:rPr lang="it-IT" dirty="0"/>
+              <a:t>alias di tipo</a:t>
+            </a:r>
+          </a:p>
+        </p:txBody>
+      </p:sp>
+      <p:sp>
+        <p:nvSpPr>
+          <p:cNvPr id="6" name="Segnaposto contenuto 5">
+            <a:extLst>
+              <a:ext uri="{FF2B5EF4-FFF2-40B4-BE49-F238E27FC236}">
+                <a16:creationId xmlns:a16="http://schemas.microsoft.com/office/drawing/2014/main" id="{2804B18C-C049-4BC3-BBB6-48F4B8A6FA7A}"/>
+              </a:ext>
+            </a:extLst>
+          </p:cNvPr>
+          <p:cNvSpPr>
+            <a:spLocks noGrp="1"/>
+          </p:cNvSpPr>
+          <p:nvPr>
+            <p:ph idx="1"/>
+          </p:nvPr>
+        </p:nvSpPr>
+        <p:spPr/>
+        <p:txBody>
+          <a:bodyPr/>
+          <a:lstStyle/>
+          <a:p>
+            <a:r>
+              <a:rPr lang="it-IT" dirty="0"/>
+              <a:t>è </a:t>
+            </a:r>
+            <a:r>
+              <a:rPr lang="it-IT" dirty="0" err="1"/>
+              <a:t>prossibile</a:t>
+            </a:r>
+            <a:r>
+              <a:rPr lang="it-IT" dirty="0"/>
+              <a:t> specificare un </a:t>
+            </a:r>
+            <a:r>
+              <a:rPr lang="it-IT" b="1" i="1" dirty="0"/>
+              <a:t>alias</a:t>
+            </a:r>
+            <a:r>
+              <a:rPr lang="it-IT" dirty="0"/>
+              <a:t> per tipi di dato già definiti</a:t>
+            </a:r>
+          </a:p>
+          <a:p>
+            <a:r>
+              <a:rPr lang="it-IT" b="1" i="1" dirty="0" err="1"/>
+              <a:t>typedef</a:t>
+            </a:r>
+            <a:endParaRPr lang="it-IT" b="1" i="1" dirty="0"/>
+          </a:p>
+          <a:p>
+            <a:pPr marL="457200" lvl="1" indent="0">
+              <a:buNone/>
+            </a:pPr>
+            <a:r>
+              <a:rPr lang="it-IT" b="1" dirty="0">
+                <a:latin typeface="Courier New" panose="02070309020205020404" pitchFamily="49" charset="0"/>
+                <a:cs typeface="Courier New" panose="02070309020205020404" pitchFamily="49" charset="0"/>
+              </a:rPr>
+              <a:t>	</a:t>
+            </a:r>
+            <a:r>
+              <a:rPr lang="it-IT" b="1" dirty="0" err="1">
+                <a:latin typeface="Courier New" panose="02070309020205020404" pitchFamily="49" charset="0"/>
+                <a:cs typeface="Courier New" panose="02070309020205020404" pitchFamily="49" charset="0"/>
+              </a:rPr>
+              <a:t>typedef</a:t>
+            </a:r>
+            <a:r>
+              <a:rPr lang="it-IT" b="1" dirty="0">
+                <a:latin typeface="Courier New" panose="02070309020205020404" pitchFamily="49" charset="0"/>
+                <a:cs typeface="Courier New" panose="02070309020205020404" pitchFamily="49" charset="0"/>
+              </a:rPr>
+              <a:t> </a:t>
+            </a:r>
+            <a:r>
+              <a:rPr lang="it-IT" b="1" dirty="0" err="1">
+                <a:latin typeface="Courier New" panose="02070309020205020404" pitchFamily="49" charset="0"/>
+                <a:cs typeface="Courier New" panose="02070309020205020404" pitchFamily="49" charset="0"/>
+              </a:rPr>
+              <a:t>bool</a:t>
+            </a:r>
+            <a:r>
+              <a:rPr lang="it-IT" b="1" dirty="0">
+                <a:latin typeface="Courier New" panose="02070309020205020404" pitchFamily="49" charset="0"/>
+                <a:cs typeface="Courier New" panose="02070309020205020404" pitchFamily="49" charset="0"/>
+              </a:rPr>
+              <a:t> logico;</a:t>
+            </a:r>
+          </a:p>
+          <a:p>
+            <a:pPr marL="457200" lvl="1" indent="0">
+              <a:buNone/>
+            </a:pPr>
+            <a:r>
+              <a:rPr lang="it-IT" b="1" dirty="0">
+                <a:latin typeface="Courier New" panose="02070309020205020404" pitchFamily="49" charset="0"/>
+                <a:cs typeface="Courier New" panose="02070309020205020404" pitchFamily="49" charset="0"/>
+              </a:rPr>
+              <a:t>	logico trovato;</a:t>
+            </a:r>
+          </a:p>
+          <a:p>
+            <a:pPr marL="457200" lvl="1" indent="0">
+              <a:buNone/>
+            </a:pPr>
+            <a:r>
+              <a:rPr lang="it-IT" b="1" dirty="0">
+                <a:latin typeface="Courier New" panose="02070309020205020404" pitchFamily="49" charset="0"/>
+                <a:cs typeface="Courier New" panose="02070309020205020404" pitchFamily="49" charset="0"/>
+              </a:rPr>
+              <a:t>	trovato = </a:t>
+            </a:r>
+            <a:r>
+              <a:rPr lang="it-IT" b="1" dirty="0" err="1">
+                <a:latin typeface="Courier New" panose="02070309020205020404" pitchFamily="49" charset="0"/>
+                <a:cs typeface="Courier New" panose="02070309020205020404" pitchFamily="49" charset="0"/>
+              </a:rPr>
+              <a:t>true</a:t>
+            </a:r>
+            <a:r>
+              <a:rPr lang="it-IT" b="1" dirty="0">
+                <a:latin typeface="Courier New" panose="02070309020205020404" pitchFamily="49" charset="0"/>
+                <a:cs typeface="Courier New" panose="02070309020205020404" pitchFamily="49" charset="0"/>
+              </a:rPr>
+              <a:t>;</a:t>
+            </a:r>
+          </a:p>
+          <a:p>
+            <a:r>
+              <a:rPr lang="it-IT" b="1" i="1" dirty="0" err="1"/>
+              <a:t>using</a:t>
+            </a:r>
+            <a:endParaRPr lang="it-IT" b="1" i="1" dirty="0"/>
+          </a:p>
+          <a:p>
+            <a:pPr marL="857250" lvl="2" indent="0">
+              <a:buNone/>
+            </a:pPr>
+            <a:r>
+              <a:rPr lang="it-IT" sz="2000" b="1" dirty="0">
+                <a:latin typeface="Courier New" panose="02070309020205020404" pitchFamily="49" charset="0"/>
+                <a:cs typeface="Courier New" panose="02070309020205020404" pitchFamily="49" charset="0"/>
+              </a:rPr>
+              <a:t> </a:t>
+            </a:r>
+            <a:r>
+              <a:rPr lang="it-IT" sz="2000" b="1" dirty="0" err="1">
+                <a:latin typeface="Courier New" panose="02070309020205020404" pitchFamily="49" charset="0"/>
+                <a:cs typeface="Courier New" panose="02070309020205020404" pitchFamily="49" charset="0"/>
+              </a:rPr>
+              <a:t>using</a:t>
+            </a:r>
+            <a:r>
+              <a:rPr lang="it-IT" sz="2000" b="1" dirty="0">
+                <a:latin typeface="Courier New" panose="02070309020205020404" pitchFamily="49" charset="0"/>
+                <a:cs typeface="Courier New" panose="02070309020205020404" pitchFamily="49" charset="0"/>
+              </a:rPr>
+              <a:t> intero = </a:t>
+            </a:r>
+            <a:r>
+              <a:rPr lang="it-IT" sz="2000" b="1" dirty="0" err="1">
+                <a:latin typeface="Courier New" panose="02070309020205020404" pitchFamily="49" charset="0"/>
+                <a:cs typeface="Courier New" panose="02070309020205020404" pitchFamily="49" charset="0"/>
+              </a:rPr>
+              <a:t>int</a:t>
+            </a:r>
+            <a:r>
+              <a:rPr lang="it-IT" sz="2000" b="1" dirty="0">
+                <a:latin typeface="Courier New" panose="02070309020205020404" pitchFamily="49" charset="0"/>
+                <a:cs typeface="Courier New" panose="02070309020205020404" pitchFamily="49" charset="0"/>
+              </a:rPr>
+              <a:t>;</a:t>
+            </a:r>
+          </a:p>
+          <a:p>
+            <a:pPr marL="857250" lvl="2" indent="0">
+              <a:buNone/>
+            </a:pPr>
+            <a:r>
+              <a:rPr lang="it-IT" sz="2000" b="1" dirty="0">
+                <a:latin typeface="Courier New" panose="02070309020205020404" pitchFamily="49" charset="0"/>
+                <a:cs typeface="Courier New" panose="02070309020205020404" pitchFamily="49" charset="0"/>
+              </a:rPr>
+              <a:t> intero n;</a:t>
+            </a:r>
+          </a:p>
+        </p:txBody>
+      </p:sp>
+      <p:sp>
+        <p:nvSpPr>
+          <p:cNvPr id="4" name="Segnaposto piè di pagina 3">
+            <a:extLst>
+              <a:ext uri="{FF2B5EF4-FFF2-40B4-BE49-F238E27FC236}">
+                <a16:creationId xmlns:a16="http://schemas.microsoft.com/office/drawing/2014/main" id="{55A2000A-F1D6-436C-9294-DCF97229B9CA}"/>
+              </a:ext>
+            </a:extLst>
+          </p:cNvPr>
+          <p:cNvSpPr>
+            <a:spLocks noGrp="1"/>
+          </p:cNvSpPr>
+          <p:nvPr>
+            <p:ph type="ftr" sz="quarter" idx="11"/>
+          </p:nvPr>
+        </p:nvSpPr>
+        <p:spPr/>
+        <p:txBody>
+          <a:bodyPr/>
+          <a:lstStyle/>
+          <a:p>
+            <a:pPr>
+              <a:defRPr/>
+            </a:pPr>
+            <a:r>
+              <a:rPr lang="it-IT"/>
+              <a:t>Alberto Ferrari – Programmazione di applicazioni SW</a:t>
+            </a:r>
+            <a:endParaRPr lang="it-IT" dirty="0"/>
+          </a:p>
+        </p:txBody>
+      </p:sp>
+    </p:spTree>
+    <p:extLst>
+      <p:ext uri="{BB962C8B-B14F-4D97-AF65-F5344CB8AC3E}">
+        <p14:creationId xmlns:p14="http://schemas.microsoft.com/office/powerpoint/2010/main" val="3961986719"/>
+      </p:ext>
+    </p:extLst>
+  </p:cSld>
+  <p:clrMapOvr>
+    <a:masterClrMapping/>
+  </p:clrMapOvr>
+</p:sld>
+</file>
+
+<file path=ppt/slides/slide19.xml><?xml version="1.0" encoding="utf-8"?>
 <p:sld xmlns:a="http://schemas.openxmlformats.org/drawingml/2006/main" xmlns:r="http://schemas.openxmlformats.org/officeDocument/2006/relationships" xmlns:p="http://schemas.openxmlformats.org/presentationml/2006/main">
   <p:cSld>
     <p:spTree>
@@ -8836,449 +10651,6 @@
     <p:extLst>
       <p:ext uri="{BB962C8B-B14F-4D97-AF65-F5344CB8AC3E}">
         <p14:creationId xmlns:p14="http://schemas.microsoft.com/office/powerpoint/2010/main" val="3500570977"/>
-      </p:ext>
-    </p:extLst>
-  </p:cSld>
-  <p:clrMapOvr>
-    <a:masterClrMapping/>
-  </p:clrMapOvr>
-</p:sld>
-</file>
-
-<file path=ppt/slides/slide17.xml><?xml version="1.0" encoding="utf-8"?>
-<p:sld xmlns:a="http://schemas.openxmlformats.org/drawingml/2006/main" xmlns:r="http://schemas.openxmlformats.org/officeDocument/2006/relationships" xmlns:p="http://schemas.openxmlformats.org/presentationml/2006/main">
-  <p:cSld>
-    <p:spTree>
-      <p:nvGrpSpPr>
-        <p:cNvPr id="1" name=""/>
-        <p:cNvGrpSpPr/>
-        <p:nvPr/>
-      </p:nvGrpSpPr>
-      <p:grpSpPr>
-        <a:xfrm>
-          <a:off x="0" y="0"/>
-          <a:ext cx="0" cy="0"/>
-          <a:chOff x="0" y="0"/>
-          <a:chExt cx="0" cy="0"/>
-        </a:xfrm>
-      </p:grpSpPr>
-      <p:sp>
-        <p:nvSpPr>
-          <p:cNvPr id="2" name="Titolo 1">
-            <a:extLst>
-              <a:ext uri="{FF2B5EF4-FFF2-40B4-BE49-F238E27FC236}">
-                <a16:creationId xmlns:a16="http://schemas.microsoft.com/office/drawing/2014/main" id="{F0EFD54D-3705-4226-AB21-E76E450EAF5C}"/>
-              </a:ext>
-            </a:extLst>
-          </p:cNvPr>
-          <p:cNvSpPr>
-            <a:spLocks noGrp="1"/>
-          </p:cNvSpPr>
-          <p:nvPr>
-            <p:ph type="title"/>
-          </p:nvPr>
-        </p:nvSpPr>
-        <p:spPr/>
-        <p:txBody>
-          <a:bodyPr/>
-          <a:lstStyle/>
-          <a:p>
-            <a:r>
-              <a:rPr lang="it-IT" dirty="0" err="1"/>
-              <a:t>enum</a:t>
-            </a:r>
-            <a:endParaRPr lang="it-IT" dirty="0"/>
-          </a:p>
-        </p:txBody>
-      </p:sp>
-      <p:sp>
-        <p:nvSpPr>
-          <p:cNvPr id="3" name="Segnaposto contenuto 2">
-            <a:extLst>
-              <a:ext uri="{FF2B5EF4-FFF2-40B4-BE49-F238E27FC236}">
-                <a16:creationId xmlns:a16="http://schemas.microsoft.com/office/drawing/2014/main" id="{1A8315AF-C0EF-4B9F-AE4B-4D202CDBD926}"/>
-              </a:ext>
-            </a:extLst>
-          </p:cNvPr>
-          <p:cNvSpPr>
-            <a:spLocks noGrp="1"/>
-          </p:cNvSpPr>
-          <p:nvPr>
-            <p:ph idx="1"/>
-          </p:nvPr>
-        </p:nvSpPr>
-        <p:spPr/>
-        <p:txBody>
-          <a:bodyPr/>
-          <a:lstStyle/>
-          <a:p>
-            <a:r>
-              <a:rPr lang="it-IT" sz="1800" dirty="0"/>
-              <a:t>per dati con significati speciali, è possibile definire insiemi di valori come sequenze di identificatori tramite il costruttore di tipo </a:t>
-            </a:r>
-            <a:r>
-              <a:rPr lang="it-IT" sz="1800" dirty="0" err="1"/>
-              <a:t>enum</a:t>
-            </a:r>
-            <a:r>
-              <a:rPr lang="it-IT" sz="1800" dirty="0"/>
-              <a:t>.</a:t>
-            </a:r>
-          </a:p>
-          <a:p>
-            <a:pPr marL="457200" lvl="1" indent="0">
-              <a:buNone/>
-            </a:pPr>
-            <a:r>
-              <a:rPr lang="it-IT" sz="1400" b="1" dirty="0" err="1">
-                <a:latin typeface="Courier New" panose="02070309020205020404" pitchFamily="49" charset="0"/>
-                <a:cs typeface="Courier New" panose="02070309020205020404" pitchFamily="49" charset="0"/>
-              </a:rPr>
-              <a:t>enum</a:t>
-            </a:r>
-            <a:r>
-              <a:rPr lang="it-IT" sz="1400" b="1" dirty="0">
-                <a:latin typeface="Courier New" panose="02070309020205020404" pitchFamily="49" charset="0"/>
-                <a:cs typeface="Courier New" panose="02070309020205020404" pitchFamily="49" charset="0"/>
-              </a:rPr>
-              <a:t> {</a:t>
-            </a:r>
-            <a:r>
-              <a:rPr lang="it-IT" sz="1400" b="1" dirty="0" err="1">
-                <a:latin typeface="Courier New" panose="02070309020205020404" pitchFamily="49" charset="0"/>
-                <a:cs typeface="Courier New" panose="02070309020205020404" pitchFamily="49" charset="0"/>
-              </a:rPr>
-              <a:t>Lu,Ma,Me,Gi,Ve,Sa,Do</a:t>
-            </a:r>
-            <a:r>
-              <a:rPr lang="it-IT" sz="1400" b="1" dirty="0">
-                <a:latin typeface="Courier New" panose="02070309020205020404" pitchFamily="49" charset="0"/>
-                <a:cs typeface="Courier New" panose="02070309020205020404" pitchFamily="49" charset="0"/>
-              </a:rPr>
-              <a:t>} giorno;</a:t>
-            </a:r>
-          </a:p>
-          <a:p>
-            <a:pPr marL="457200" lvl="1" indent="0">
-              <a:buNone/>
-            </a:pPr>
-            <a:r>
-              <a:rPr lang="it-IT" sz="1400" b="1" dirty="0">
-                <a:latin typeface="Courier New" panose="02070309020205020404" pitchFamily="49" charset="0"/>
-                <a:cs typeface="Courier New" panose="02070309020205020404" pitchFamily="49" charset="0"/>
-              </a:rPr>
-              <a:t>giorno = Me;</a:t>
-            </a:r>
-          </a:p>
-          <a:p>
-            <a:pPr marL="457200" lvl="1" indent="0">
-              <a:buNone/>
-            </a:pPr>
-            <a:r>
-              <a:rPr lang="it-IT" sz="1400" b="1" dirty="0">
-                <a:latin typeface="Courier New" panose="02070309020205020404" pitchFamily="49" charset="0"/>
-                <a:cs typeface="Courier New" panose="02070309020205020404" pitchFamily="49" charset="0"/>
-              </a:rPr>
-              <a:t>// oppure</a:t>
-            </a:r>
-          </a:p>
-          <a:p>
-            <a:pPr marL="457200" lvl="1" indent="0">
-              <a:buNone/>
-            </a:pPr>
-            <a:r>
-              <a:rPr lang="it-IT" sz="1400" b="1" dirty="0" err="1">
-                <a:latin typeface="Courier New" panose="02070309020205020404" pitchFamily="49" charset="0"/>
-                <a:cs typeface="Courier New" panose="02070309020205020404" pitchFamily="49" charset="0"/>
-              </a:rPr>
-              <a:t>typedef</a:t>
-            </a:r>
-            <a:r>
-              <a:rPr lang="it-IT" sz="1400" b="1" dirty="0">
-                <a:latin typeface="Courier New" panose="02070309020205020404" pitchFamily="49" charset="0"/>
-                <a:cs typeface="Courier New" panose="02070309020205020404" pitchFamily="49" charset="0"/>
-              </a:rPr>
-              <a:t> Mese {</a:t>
-            </a:r>
-            <a:r>
-              <a:rPr lang="it-IT" sz="1400" b="1" dirty="0" err="1">
-                <a:latin typeface="Courier New" panose="02070309020205020404" pitchFamily="49" charset="0"/>
-                <a:cs typeface="Courier New" panose="02070309020205020404" pitchFamily="49" charset="0"/>
-              </a:rPr>
-              <a:t>Gen,Feb,Mar,Apr,Mag,Giu,Lug,Ago,Set,Ott,Nov,Dic</a:t>
-            </a:r>
-            <a:r>
-              <a:rPr lang="it-IT" sz="1400" b="1" dirty="0">
-                <a:latin typeface="Courier New" panose="02070309020205020404" pitchFamily="49" charset="0"/>
-                <a:cs typeface="Courier New" panose="02070309020205020404" pitchFamily="49" charset="0"/>
-              </a:rPr>
-              <a:t>};</a:t>
-            </a:r>
-          </a:p>
-          <a:p>
-            <a:pPr marL="457200" lvl="1" indent="0">
-              <a:buNone/>
-            </a:pPr>
-            <a:r>
-              <a:rPr lang="it-IT" sz="1400" b="1" dirty="0">
-                <a:latin typeface="Courier New" panose="02070309020205020404" pitchFamily="49" charset="0"/>
-                <a:cs typeface="Courier New" panose="02070309020205020404" pitchFamily="49" charset="0"/>
-              </a:rPr>
-              <a:t>Mese </a:t>
-            </a:r>
-            <a:r>
-              <a:rPr lang="it-IT" sz="1400" b="1" dirty="0" err="1">
-                <a:latin typeface="Courier New" panose="02070309020205020404" pitchFamily="49" charset="0"/>
-                <a:cs typeface="Courier New" panose="02070309020205020404" pitchFamily="49" charset="0"/>
-              </a:rPr>
-              <a:t>meseCorrente</a:t>
-            </a:r>
-            <a:r>
-              <a:rPr lang="it-IT" sz="1400" b="1" dirty="0">
-                <a:latin typeface="Courier New" panose="02070309020205020404" pitchFamily="49" charset="0"/>
-                <a:cs typeface="Courier New" panose="02070309020205020404" pitchFamily="49" charset="0"/>
-              </a:rPr>
-              <a:t>;</a:t>
-            </a:r>
-          </a:p>
-          <a:p>
-            <a:pPr marL="457200" lvl="1" indent="0">
-              <a:buNone/>
-            </a:pPr>
-            <a:r>
-              <a:rPr lang="it-IT" sz="1400" b="1" dirty="0" err="1">
-                <a:latin typeface="Courier New" panose="02070309020205020404" pitchFamily="49" charset="0"/>
-                <a:cs typeface="Courier New" panose="02070309020205020404" pitchFamily="49" charset="0"/>
-              </a:rPr>
-              <a:t>meseCorrente</a:t>
-            </a:r>
-            <a:r>
-              <a:rPr lang="it-IT" sz="1400" b="1" dirty="0">
-                <a:latin typeface="Courier New" panose="02070309020205020404" pitchFamily="49" charset="0"/>
-                <a:cs typeface="Courier New" panose="02070309020205020404" pitchFamily="49" charset="0"/>
-              </a:rPr>
-              <a:t> = Mar;</a:t>
-            </a:r>
-          </a:p>
-          <a:p>
-            <a:r>
-              <a:rPr lang="it-IT" sz="1800" dirty="0"/>
-              <a:t>il primo identificatore ha valore 0, il successivo ha valore 1, e così via. È comunque possibile assegnare agli identificatori valori espliciti:</a:t>
-            </a:r>
-          </a:p>
-          <a:p>
-            <a:pPr marL="400050" lvl="1" indent="0">
-              <a:buNone/>
-            </a:pPr>
-            <a:r>
-              <a:rPr lang="it-IT" sz="1400" b="1" dirty="0" err="1">
-                <a:latin typeface="Courier New" panose="02070309020205020404" pitchFamily="49" charset="0"/>
-                <a:cs typeface="Courier New" panose="02070309020205020404" pitchFamily="49" charset="0"/>
-              </a:rPr>
-              <a:t>enum</a:t>
-            </a:r>
-            <a:r>
-              <a:rPr lang="it-IT" sz="1400" b="1" dirty="0">
-                <a:latin typeface="Courier New" panose="02070309020205020404" pitchFamily="49" charset="0"/>
-                <a:cs typeface="Courier New" panose="02070309020205020404" pitchFamily="49" charset="0"/>
-              </a:rPr>
-              <a:t> Color { red, green, blue };</a:t>
-            </a:r>
-          </a:p>
-          <a:p>
-            <a:pPr marL="400050" lvl="1" indent="0">
-              <a:buNone/>
-            </a:pPr>
-            <a:r>
-              <a:rPr lang="it-IT" sz="1400" b="1" dirty="0">
-                <a:latin typeface="Courier New" panose="02070309020205020404" pitchFamily="49" charset="0"/>
-                <a:cs typeface="Courier New" panose="02070309020205020404" pitchFamily="49" charset="0"/>
-              </a:rPr>
-              <a:t>Color r = red;</a:t>
-            </a:r>
-          </a:p>
-          <a:p>
-            <a:pPr marL="400050" lvl="1" indent="0">
-              <a:buNone/>
-            </a:pPr>
-            <a:r>
-              <a:rPr lang="it-IT" sz="1400" b="1" dirty="0">
-                <a:latin typeface="Courier New" panose="02070309020205020404" pitchFamily="49" charset="0"/>
-                <a:cs typeface="Courier New" panose="02070309020205020404" pitchFamily="49" charset="0"/>
-              </a:rPr>
-              <a:t>switch(r) {</a:t>
-            </a:r>
-          </a:p>
-          <a:p>
-            <a:pPr marL="400050" lvl="1" indent="0">
-              <a:buNone/>
-            </a:pPr>
-            <a:r>
-              <a:rPr lang="it-IT" sz="1400" b="1" dirty="0">
-                <a:latin typeface="Courier New" panose="02070309020205020404" pitchFamily="49" charset="0"/>
-                <a:cs typeface="Courier New" panose="02070309020205020404" pitchFamily="49" charset="0"/>
-              </a:rPr>
-              <a:t>   case red  : </a:t>
-            </a:r>
-            <a:r>
-              <a:rPr lang="it-IT" sz="1400" b="1" dirty="0" err="1">
-                <a:latin typeface="Courier New" panose="02070309020205020404" pitchFamily="49" charset="0"/>
-                <a:cs typeface="Courier New" panose="02070309020205020404" pitchFamily="49" charset="0"/>
-              </a:rPr>
-              <a:t>std</a:t>
-            </a:r>
-            <a:r>
-              <a:rPr lang="it-IT" sz="1400" b="1" dirty="0">
-                <a:latin typeface="Courier New" panose="02070309020205020404" pitchFamily="49" charset="0"/>
-                <a:cs typeface="Courier New" panose="02070309020205020404" pitchFamily="49" charset="0"/>
-              </a:rPr>
-              <a:t>::</a:t>
-            </a:r>
-            <a:r>
-              <a:rPr lang="it-IT" sz="1400" b="1" dirty="0" err="1">
-                <a:latin typeface="Courier New" panose="02070309020205020404" pitchFamily="49" charset="0"/>
-                <a:cs typeface="Courier New" panose="02070309020205020404" pitchFamily="49" charset="0"/>
-              </a:rPr>
-              <a:t>cout</a:t>
-            </a:r>
-            <a:r>
-              <a:rPr lang="it-IT" sz="1400" b="1" dirty="0">
-                <a:latin typeface="Courier New" panose="02070309020205020404" pitchFamily="49" charset="0"/>
-                <a:cs typeface="Courier New" panose="02070309020205020404" pitchFamily="49" charset="0"/>
-              </a:rPr>
-              <a:t> &lt;&lt; "red\n";   break;</a:t>
-            </a:r>
-          </a:p>
-          <a:p>
-            <a:pPr marL="400050" lvl="1" indent="0">
-              <a:buNone/>
-            </a:pPr>
-            <a:r>
-              <a:rPr lang="it-IT" sz="1400" b="1" dirty="0">
-                <a:latin typeface="Courier New" panose="02070309020205020404" pitchFamily="49" charset="0"/>
-                <a:cs typeface="Courier New" panose="02070309020205020404" pitchFamily="49" charset="0"/>
-              </a:rPr>
-              <a:t>   case green: </a:t>
-            </a:r>
-            <a:r>
-              <a:rPr lang="it-IT" sz="1400" b="1" dirty="0" err="1">
-                <a:latin typeface="Courier New" panose="02070309020205020404" pitchFamily="49" charset="0"/>
-                <a:cs typeface="Courier New" panose="02070309020205020404" pitchFamily="49" charset="0"/>
-              </a:rPr>
-              <a:t>std</a:t>
-            </a:r>
-            <a:r>
-              <a:rPr lang="it-IT" sz="1400" b="1" dirty="0">
-                <a:latin typeface="Courier New" panose="02070309020205020404" pitchFamily="49" charset="0"/>
-                <a:cs typeface="Courier New" panose="02070309020205020404" pitchFamily="49" charset="0"/>
-              </a:rPr>
-              <a:t>::</a:t>
-            </a:r>
-            <a:r>
-              <a:rPr lang="it-IT" sz="1400" b="1" dirty="0" err="1">
-                <a:latin typeface="Courier New" panose="02070309020205020404" pitchFamily="49" charset="0"/>
-                <a:cs typeface="Courier New" panose="02070309020205020404" pitchFamily="49" charset="0"/>
-              </a:rPr>
-              <a:t>cout</a:t>
-            </a:r>
-            <a:r>
-              <a:rPr lang="it-IT" sz="1400" b="1" dirty="0">
-                <a:latin typeface="Courier New" panose="02070309020205020404" pitchFamily="49" charset="0"/>
-                <a:cs typeface="Courier New" panose="02070309020205020404" pitchFamily="49" charset="0"/>
-              </a:rPr>
-              <a:t> &lt;&lt; "green\n"; break;</a:t>
-            </a:r>
-          </a:p>
-          <a:p>
-            <a:pPr marL="400050" lvl="1" indent="0">
-              <a:buNone/>
-            </a:pPr>
-            <a:r>
-              <a:rPr lang="it-IT" sz="1400" b="1" dirty="0">
-                <a:latin typeface="Courier New" panose="02070309020205020404" pitchFamily="49" charset="0"/>
-                <a:cs typeface="Courier New" panose="02070309020205020404" pitchFamily="49" charset="0"/>
-              </a:rPr>
-              <a:t>   case blue : </a:t>
-            </a:r>
-            <a:r>
-              <a:rPr lang="it-IT" sz="1400" b="1" dirty="0" err="1">
-                <a:latin typeface="Courier New" panose="02070309020205020404" pitchFamily="49" charset="0"/>
-                <a:cs typeface="Courier New" panose="02070309020205020404" pitchFamily="49" charset="0"/>
-              </a:rPr>
-              <a:t>std</a:t>
-            </a:r>
-            <a:r>
-              <a:rPr lang="it-IT" sz="1400" b="1" dirty="0">
-                <a:latin typeface="Courier New" panose="02070309020205020404" pitchFamily="49" charset="0"/>
-                <a:cs typeface="Courier New" panose="02070309020205020404" pitchFamily="49" charset="0"/>
-              </a:rPr>
-              <a:t>::</a:t>
-            </a:r>
-            <a:r>
-              <a:rPr lang="it-IT" sz="1400" b="1" dirty="0" err="1">
-                <a:latin typeface="Courier New" panose="02070309020205020404" pitchFamily="49" charset="0"/>
-                <a:cs typeface="Courier New" panose="02070309020205020404" pitchFamily="49" charset="0"/>
-              </a:rPr>
-              <a:t>cout</a:t>
-            </a:r>
-            <a:r>
-              <a:rPr lang="it-IT" sz="1400" b="1" dirty="0">
-                <a:latin typeface="Courier New" panose="02070309020205020404" pitchFamily="49" charset="0"/>
-                <a:cs typeface="Courier New" panose="02070309020205020404" pitchFamily="49" charset="0"/>
-              </a:rPr>
-              <a:t> &lt;&lt; "blue\n";  break;</a:t>
-            </a:r>
-          </a:p>
-          <a:p>
-            <a:pPr marL="400050" lvl="1" indent="0">
-              <a:buNone/>
-            </a:pPr>
-            <a:r>
-              <a:rPr lang="it-IT" sz="1400" b="1" dirty="0">
-                <a:latin typeface="Courier New" panose="02070309020205020404" pitchFamily="49" charset="0"/>
-                <a:cs typeface="Courier New" panose="02070309020205020404" pitchFamily="49" charset="0"/>
-              </a:rPr>
-              <a:t>}</a:t>
-            </a:r>
-          </a:p>
-        </p:txBody>
-      </p:sp>
-      <p:sp>
-        <p:nvSpPr>
-          <p:cNvPr id="4" name="Segnaposto piè di pagina 3">
-            <a:extLst>
-              <a:ext uri="{FF2B5EF4-FFF2-40B4-BE49-F238E27FC236}">
-                <a16:creationId xmlns:a16="http://schemas.microsoft.com/office/drawing/2014/main" id="{D838CFAA-9960-4362-9072-7DDD8D6E1403}"/>
-              </a:ext>
-            </a:extLst>
-          </p:cNvPr>
-          <p:cNvSpPr>
-            <a:spLocks noGrp="1"/>
-          </p:cNvSpPr>
-          <p:nvPr>
-            <p:ph type="ftr" sz="quarter" idx="11"/>
-          </p:nvPr>
-        </p:nvSpPr>
-        <p:spPr/>
-        <p:txBody>
-          <a:bodyPr/>
-          <a:lstStyle/>
-          <a:p>
-            <a:pPr>
-              <a:defRPr/>
-            </a:pPr>
-            <a:r>
-              <a:rPr lang="it-IT"/>
-              <a:t>Alberto Ferrari – Programmazione di applicazioni SW</a:t>
-            </a:r>
-            <a:endParaRPr lang="it-IT" dirty="0"/>
-          </a:p>
-        </p:txBody>
-      </p:sp>
-    </p:spTree>
-    <p:extLst>
-      <p:ext uri="{BB962C8B-B14F-4D97-AF65-F5344CB8AC3E}">
-        <p14:creationId xmlns:p14="http://schemas.microsoft.com/office/powerpoint/2010/main" val="1906568809"/>
       </p:ext>
     </p:extLst>
   </p:cSld>
@@ -9530,6 +10902,449 @@
 </p:sld>
 </file>
 
+<file path=ppt/slides/slide20.xml><?xml version="1.0" encoding="utf-8"?>
+<p:sld xmlns:a="http://schemas.openxmlformats.org/drawingml/2006/main" xmlns:r="http://schemas.openxmlformats.org/officeDocument/2006/relationships" xmlns:p="http://schemas.openxmlformats.org/presentationml/2006/main">
+  <p:cSld>
+    <p:spTree>
+      <p:nvGrpSpPr>
+        <p:cNvPr id="1" name=""/>
+        <p:cNvGrpSpPr/>
+        <p:nvPr/>
+      </p:nvGrpSpPr>
+      <p:grpSpPr>
+        <a:xfrm>
+          <a:off x="0" y="0"/>
+          <a:ext cx="0" cy="0"/>
+          <a:chOff x="0" y="0"/>
+          <a:chExt cx="0" cy="0"/>
+        </a:xfrm>
+      </p:grpSpPr>
+      <p:sp>
+        <p:nvSpPr>
+          <p:cNvPr id="2" name="Titolo 1">
+            <a:extLst>
+              <a:ext uri="{FF2B5EF4-FFF2-40B4-BE49-F238E27FC236}">
+                <a16:creationId xmlns:a16="http://schemas.microsoft.com/office/drawing/2014/main" id="{F0EFD54D-3705-4226-AB21-E76E450EAF5C}"/>
+              </a:ext>
+            </a:extLst>
+          </p:cNvPr>
+          <p:cNvSpPr>
+            <a:spLocks noGrp="1"/>
+          </p:cNvSpPr>
+          <p:nvPr>
+            <p:ph type="title"/>
+          </p:nvPr>
+        </p:nvSpPr>
+        <p:spPr/>
+        <p:txBody>
+          <a:bodyPr/>
+          <a:lstStyle/>
+          <a:p>
+            <a:r>
+              <a:rPr lang="it-IT" dirty="0" err="1"/>
+              <a:t>enum</a:t>
+            </a:r>
+            <a:endParaRPr lang="it-IT" dirty="0"/>
+          </a:p>
+        </p:txBody>
+      </p:sp>
+      <p:sp>
+        <p:nvSpPr>
+          <p:cNvPr id="3" name="Segnaposto contenuto 2">
+            <a:extLst>
+              <a:ext uri="{FF2B5EF4-FFF2-40B4-BE49-F238E27FC236}">
+                <a16:creationId xmlns:a16="http://schemas.microsoft.com/office/drawing/2014/main" id="{1A8315AF-C0EF-4B9F-AE4B-4D202CDBD926}"/>
+              </a:ext>
+            </a:extLst>
+          </p:cNvPr>
+          <p:cNvSpPr>
+            <a:spLocks noGrp="1"/>
+          </p:cNvSpPr>
+          <p:nvPr>
+            <p:ph idx="1"/>
+          </p:nvPr>
+        </p:nvSpPr>
+        <p:spPr/>
+        <p:txBody>
+          <a:bodyPr/>
+          <a:lstStyle/>
+          <a:p>
+            <a:r>
+              <a:rPr lang="it-IT" sz="1800" dirty="0"/>
+              <a:t>per dati con significati speciali, è possibile definire insiemi di valori come sequenze di identificatori tramite il costruttore di tipo </a:t>
+            </a:r>
+            <a:r>
+              <a:rPr lang="it-IT" sz="1800" dirty="0" err="1"/>
+              <a:t>enum</a:t>
+            </a:r>
+            <a:r>
+              <a:rPr lang="it-IT" sz="1800" dirty="0"/>
+              <a:t>.</a:t>
+            </a:r>
+          </a:p>
+          <a:p>
+            <a:pPr marL="457200" lvl="1" indent="0">
+              <a:buNone/>
+            </a:pPr>
+            <a:r>
+              <a:rPr lang="it-IT" sz="1400" b="1" dirty="0" err="1">
+                <a:latin typeface="Courier New" panose="02070309020205020404" pitchFamily="49" charset="0"/>
+                <a:cs typeface="Courier New" panose="02070309020205020404" pitchFamily="49" charset="0"/>
+              </a:rPr>
+              <a:t>enum</a:t>
+            </a:r>
+            <a:r>
+              <a:rPr lang="it-IT" sz="1400" b="1" dirty="0">
+                <a:latin typeface="Courier New" panose="02070309020205020404" pitchFamily="49" charset="0"/>
+                <a:cs typeface="Courier New" panose="02070309020205020404" pitchFamily="49" charset="0"/>
+              </a:rPr>
+              <a:t> {</a:t>
+            </a:r>
+            <a:r>
+              <a:rPr lang="it-IT" sz="1400" b="1" dirty="0" err="1">
+                <a:latin typeface="Courier New" panose="02070309020205020404" pitchFamily="49" charset="0"/>
+                <a:cs typeface="Courier New" panose="02070309020205020404" pitchFamily="49" charset="0"/>
+              </a:rPr>
+              <a:t>Lu,Ma,Me,Gi,Ve,Sa,Do</a:t>
+            </a:r>
+            <a:r>
+              <a:rPr lang="it-IT" sz="1400" b="1" dirty="0">
+                <a:latin typeface="Courier New" panose="02070309020205020404" pitchFamily="49" charset="0"/>
+                <a:cs typeface="Courier New" panose="02070309020205020404" pitchFamily="49" charset="0"/>
+              </a:rPr>
+              <a:t>} giorno;</a:t>
+            </a:r>
+          </a:p>
+          <a:p>
+            <a:pPr marL="457200" lvl="1" indent="0">
+              <a:buNone/>
+            </a:pPr>
+            <a:r>
+              <a:rPr lang="it-IT" sz="1400" b="1" dirty="0">
+                <a:latin typeface="Courier New" panose="02070309020205020404" pitchFamily="49" charset="0"/>
+                <a:cs typeface="Courier New" panose="02070309020205020404" pitchFamily="49" charset="0"/>
+              </a:rPr>
+              <a:t>giorno = Me;</a:t>
+            </a:r>
+          </a:p>
+          <a:p>
+            <a:pPr marL="457200" lvl="1" indent="0">
+              <a:buNone/>
+            </a:pPr>
+            <a:r>
+              <a:rPr lang="it-IT" sz="1400" b="1" dirty="0">
+                <a:latin typeface="Courier New" panose="02070309020205020404" pitchFamily="49" charset="0"/>
+                <a:cs typeface="Courier New" panose="02070309020205020404" pitchFamily="49" charset="0"/>
+              </a:rPr>
+              <a:t>// oppure</a:t>
+            </a:r>
+          </a:p>
+          <a:p>
+            <a:pPr marL="457200" lvl="1" indent="0">
+              <a:buNone/>
+            </a:pPr>
+            <a:r>
+              <a:rPr lang="it-IT" sz="1400" b="1" dirty="0" err="1">
+                <a:latin typeface="Courier New" panose="02070309020205020404" pitchFamily="49" charset="0"/>
+                <a:cs typeface="Courier New" panose="02070309020205020404" pitchFamily="49" charset="0"/>
+              </a:rPr>
+              <a:t>typedef</a:t>
+            </a:r>
+            <a:r>
+              <a:rPr lang="it-IT" sz="1400" b="1" dirty="0">
+                <a:latin typeface="Courier New" panose="02070309020205020404" pitchFamily="49" charset="0"/>
+                <a:cs typeface="Courier New" panose="02070309020205020404" pitchFamily="49" charset="0"/>
+              </a:rPr>
+              <a:t> Mese {</a:t>
+            </a:r>
+            <a:r>
+              <a:rPr lang="it-IT" sz="1400" b="1" dirty="0" err="1">
+                <a:latin typeface="Courier New" panose="02070309020205020404" pitchFamily="49" charset="0"/>
+                <a:cs typeface="Courier New" panose="02070309020205020404" pitchFamily="49" charset="0"/>
+              </a:rPr>
+              <a:t>Gen,Feb,Mar,Apr,Mag,Giu,Lug,Ago,Set,Ott,Nov,Dic</a:t>
+            </a:r>
+            <a:r>
+              <a:rPr lang="it-IT" sz="1400" b="1" dirty="0">
+                <a:latin typeface="Courier New" panose="02070309020205020404" pitchFamily="49" charset="0"/>
+                <a:cs typeface="Courier New" panose="02070309020205020404" pitchFamily="49" charset="0"/>
+              </a:rPr>
+              <a:t>};</a:t>
+            </a:r>
+          </a:p>
+          <a:p>
+            <a:pPr marL="457200" lvl="1" indent="0">
+              <a:buNone/>
+            </a:pPr>
+            <a:r>
+              <a:rPr lang="it-IT" sz="1400" b="1" dirty="0">
+                <a:latin typeface="Courier New" panose="02070309020205020404" pitchFamily="49" charset="0"/>
+                <a:cs typeface="Courier New" panose="02070309020205020404" pitchFamily="49" charset="0"/>
+              </a:rPr>
+              <a:t>Mese </a:t>
+            </a:r>
+            <a:r>
+              <a:rPr lang="it-IT" sz="1400" b="1" dirty="0" err="1">
+                <a:latin typeface="Courier New" panose="02070309020205020404" pitchFamily="49" charset="0"/>
+                <a:cs typeface="Courier New" panose="02070309020205020404" pitchFamily="49" charset="0"/>
+              </a:rPr>
+              <a:t>meseCorrente</a:t>
+            </a:r>
+            <a:r>
+              <a:rPr lang="it-IT" sz="1400" b="1" dirty="0">
+                <a:latin typeface="Courier New" panose="02070309020205020404" pitchFamily="49" charset="0"/>
+                <a:cs typeface="Courier New" panose="02070309020205020404" pitchFamily="49" charset="0"/>
+              </a:rPr>
+              <a:t>;</a:t>
+            </a:r>
+          </a:p>
+          <a:p>
+            <a:pPr marL="457200" lvl="1" indent="0">
+              <a:buNone/>
+            </a:pPr>
+            <a:r>
+              <a:rPr lang="it-IT" sz="1400" b="1" dirty="0" err="1">
+                <a:latin typeface="Courier New" panose="02070309020205020404" pitchFamily="49" charset="0"/>
+                <a:cs typeface="Courier New" panose="02070309020205020404" pitchFamily="49" charset="0"/>
+              </a:rPr>
+              <a:t>meseCorrente</a:t>
+            </a:r>
+            <a:r>
+              <a:rPr lang="it-IT" sz="1400" b="1" dirty="0">
+                <a:latin typeface="Courier New" panose="02070309020205020404" pitchFamily="49" charset="0"/>
+                <a:cs typeface="Courier New" panose="02070309020205020404" pitchFamily="49" charset="0"/>
+              </a:rPr>
+              <a:t> = Mar;</a:t>
+            </a:r>
+          </a:p>
+          <a:p>
+            <a:r>
+              <a:rPr lang="it-IT" sz="1800" dirty="0"/>
+              <a:t>il primo identificatore ha valore 0, il successivo ha valore 1, e così via. È comunque possibile assegnare agli identificatori valori espliciti:</a:t>
+            </a:r>
+          </a:p>
+          <a:p>
+            <a:pPr marL="400050" lvl="1" indent="0">
+              <a:buNone/>
+            </a:pPr>
+            <a:r>
+              <a:rPr lang="it-IT" sz="1400" b="1" dirty="0" err="1">
+                <a:latin typeface="Courier New" panose="02070309020205020404" pitchFamily="49" charset="0"/>
+                <a:cs typeface="Courier New" panose="02070309020205020404" pitchFamily="49" charset="0"/>
+              </a:rPr>
+              <a:t>enum</a:t>
+            </a:r>
+            <a:r>
+              <a:rPr lang="it-IT" sz="1400" b="1" dirty="0">
+                <a:latin typeface="Courier New" panose="02070309020205020404" pitchFamily="49" charset="0"/>
+                <a:cs typeface="Courier New" panose="02070309020205020404" pitchFamily="49" charset="0"/>
+              </a:rPr>
+              <a:t> Color { red, green, blue };</a:t>
+            </a:r>
+          </a:p>
+          <a:p>
+            <a:pPr marL="400050" lvl="1" indent="0">
+              <a:buNone/>
+            </a:pPr>
+            <a:r>
+              <a:rPr lang="it-IT" sz="1400" b="1" dirty="0">
+                <a:latin typeface="Courier New" panose="02070309020205020404" pitchFamily="49" charset="0"/>
+                <a:cs typeface="Courier New" panose="02070309020205020404" pitchFamily="49" charset="0"/>
+              </a:rPr>
+              <a:t>Color r = red;</a:t>
+            </a:r>
+          </a:p>
+          <a:p>
+            <a:pPr marL="400050" lvl="1" indent="0">
+              <a:buNone/>
+            </a:pPr>
+            <a:r>
+              <a:rPr lang="it-IT" sz="1400" b="1" dirty="0">
+                <a:latin typeface="Courier New" panose="02070309020205020404" pitchFamily="49" charset="0"/>
+                <a:cs typeface="Courier New" panose="02070309020205020404" pitchFamily="49" charset="0"/>
+              </a:rPr>
+              <a:t>switch(r) {</a:t>
+            </a:r>
+          </a:p>
+          <a:p>
+            <a:pPr marL="400050" lvl="1" indent="0">
+              <a:buNone/>
+            </a:pPr>
+            <a:r>
+              <a:rPr lang="it-IT" sz="1400" b="1" dirty="0">
+                <a:latin typeface="Courier New" panose="02070309020205020404" pitchFamily="49" charset="0"/>
+                <a:cs typeface="Courier New" panose="02070309020205020404" pitchFamily="49" charset="0"/>
+              </a:rPr>
+              <a:t>   case red  : </a:t>
+            </a:r>
+            <a:r>
+              <a:rPr lang="it-IT" sz="1400" b="1" dirty="0" err="1">
+                <a:latin typeface="Courier New" panose="02070309020205020404" pitchFamily="49" charset="0"/>
+                <a:cs typeface="Courier New" panose="02070309020205020404" pitchFamily="49" charset="0"/>
+              </a:rPr>
+              <a:t>std</a:t>
+            </a:r>
+            <a:r>
+              <a:rPr lang="it-IT" sz="1400" b="1" dirty="0">
+                <a:latin typeface="Courier New" panose="02070309020205020404" pitchFamily="49" charset="0"/>
+                <a:cs typeface="Courier New" panose="02070309020205020404" pitchFamily="49" charset="0"/>
+              </a:rPr>
+              <a:t>::</a:t>
+            </a:r>
+            <a:r>
+              <a:rPr lang="it-IT" sz="1400" b="1" dirty="0" err="1">
+                <a:latin typeface="Courier New" panose="02070309020205020404" pitchFamily="49" charset="0"/>
+                <a:cs typeface="Courier New" panose="02070309020205020404" pitchFamily="49" charset="0"/>
+              </a:rPr>
+              <a:t>cout</a:t>
+            </a:r>
+            <a:r>
+              <a:rPr lang="it-IT" sz="1400" b="1" dirty="0">
+                <a:latin typeface="Courier New" panose="02070309020205020404" pitchFamily="49" charset="0"/>
+                <a:cs typeface="Courier New" panose="02070309020205020404" pitchFamily="49" charset="0"/>
+              </a:rPr>
+              <a:t> &lt;&lt; "red\n";   break;</a:t>
+            </a:r>
+          </a:p>
+          <a:p>
+            <a:pPr marL="400050" lvl="1" indent="0">
+              <a:buNone/>
+            </a:pPr>
+            <a:r>
+              <a:rPr lang="it-IT" sz="1400" b="1" dirty="0">
+                <a:latin typeface="Courier New" panose="02070309020205020404" pitchFamily="49" charset="0"/>
+                <a:cs typeface="Courier New" panose="02070309020205020404" pitchFamily="49" charset="0"/>
+              </a:rPr>
+              <a:t>   case green: </a:t>
+            </a:r>
+            <a:r>
+              <a:rPr lang="it-IT" sz="1400" b="1" dirty="0" err="1">
+                <a:latin typeface="Courier New" panose="02070309020205020404" pitchFamily="49" charset="0"/>
+                <a:cs typeface="Courier New" panose="02070309020205020404" pitchFamily="49" charset="0"/>
+              </a:rPr>
+              <a:t>std</a:t>
+            </a:r>
+            <a:r>
+              <a:rPr lang="it-IT" sz="1400" b="1" dirty="0">
+                <a:latin typeface="Courier New" panose="02070309020205020404" pitchFamily="49" charset="0"/>
+                <a:cs typeface="Courier New" panose="02070309020205020404" pitchFamily="49" charset="0"/>
+              </a:rPr>
+              <a:t>::</a:t>
+            </a:r>
+            <a:r>
+              <a:rPr lang="it-IT" sz="1400" b="1" dirty="0" err="1">
+                <a:latin typeface="Courier New" panose="02070309020205020404" pitchFamily="49" charset="0"/>
+                <a:cs typeface="Courier New" panose="02070309020205020404" pitchFamily="49" charset="0"/>
+              </a:rPr>
+              <a:t>cout</a:t>
+            </a:r>
+            <a:r>
+              <a:rPr lang="it-IT" sz="1400" b="1" dirty="0">
+                <a:latin typeface="Courier New" panose="02070309020205020404" pitchFamily="49" charset="0"/>
+                <a:cs typeface="Courier New" panose="02070309020205020404" pitchFamily="49" charset="0"/>
+              </a:rPr>
+              <a:t> &lt;&lt; "green\n"; break;</a:t>
+            </a:r>
+          </a:p>
+          <a:p>
+            <a:pPr marL="400050" lvl="1" indent="0">
+              <a:buNone/>
+            </a:pPr>
+            <a:r>
+              <a:rPr lang="it-IT" sz="1400" b="1" dirty="0">
+                <a:latin typeface="Courier New" panose="02070309020205020404" pitchFamily="49" charset="0"/>
+                <a:cs typeface="Courier New" panose="02070309020205020404" pitchFamily="49" charset="0"/>
+              </a:rPr>
+              <a:t>   case blue : </a:t>
+            </a:r>
+            <a:r>
+              <a:rPr lang="it-IT" sz="1400" b="1" dirty="0" err="1">
+                <a:latin typeface="Courier New" panose="02070309020205020404" pitchFamily="49" charset="0"/>
+                <a:cs typeface="Courier New" panose="02070309020205020404" pitchFamily="49" charset="0"/>
+              </a:rPr>
+              <a:t>std</a:t>
+            </a:r>
+            <a:r>
+              <a:rPr lang="it-IT" sz="1400" b="1" dirty="0">
+                <a:latin typeface="Courier New" panose="02070309020205020404" pitchFamily="49" charset="0"/>
+                <a:cs typeface="Courier New" panose="02070309020205020404" pitchFamily="49" charset="0"/>
+              </a:rPr>
+              <a:t>::</a:t>
+            </a:r>
+            <a:r>
+              <a:rPr lang="it-IT" sz="1400" b="1" dirty="0" err="1">
+                <a:latin typeface="Courier New" panose="02070309020205020404" pitchFamily="49" charset="0"/>
+                <a:cs typeface="Courier New" panose="02070309020205020404" pitchFamily="49" charset="0"/>
+              </a:rPr>
+              <a:t>cout</a:t>
+            </a:r>
+            <a:r>
+              <a:rPr lang="it-IT" sz="1400" b="1" dirty="0">
+                <a:latin typeface="Courier New" panose="02070309020205020404" pitchFamily="49" charset="0"/>
+                <a:cs typeface="Courier New" panose="02070309020205020404" pitchFamily="49" charset="0"/>
+              </a:rPr>
+              <a:t> &lt;&lt; "blue\n";  break;</a:t>
+            </a:r>
+          </a:p>
+          <a:p>
+            <a:pPr marL="400050" lvl="1" indent="0">
+              <a:buNone/>
+            </a:pPr>
+            <a:r>
+              <a:rPr lang="it-IT" sz="1400" b="1" dirty="0">
+                <a:latin typeface="Courier New" panose="02070309020205020404" pitchFamily="49" charset="0"/>
+                <a:cs typeface="Courier New" panose="02070309020205020404" pitchFamily="49" charset="0"/>
+              </a:rPr>
+              <a:t>}</a:t>
+            </a:r>
+          </a:p>
+        </p:txBody>
+      </p:sp>
+      <p:sp>
+        <p:nvSpPr>
+          <p:cNvPr id="4" name="Segnaposto piè di pagina 3">
+            <a:extLst>
+              <a:ext uri="{FF2B5EF4-FFF2-40B4-BE49-F238E27FC236}">
+                <a16:creationId xmlns:a16="http://schemas.microsoft.com/office/drawing/2014/main" id="{D838CFAA-9960-4362-9072-7DDD8D6E1403}"/>
+              </a:ext>
+            </a:extLst>
+          </p:cNvPr>
+          <p:cNvSpPr>
+            <a:spLocks noGrp="1"/>
+          </p:cNvSpPr>
+          <p:nvPr>
+            <p:ph type="ftr" sz="quarter" idx="11"/>
+          </p:nvPr>
+        </p:nvSpPr>
+        <p:spPr/>
+        <p:txBody>
+          <a:bodyPr/>
+          <a:lstStyle/>
+          <a:p>
+            <a:pPr>
+              <a:defRPr/>
+            </a:pPr>
+            <a:r>
+              <a:rPr lang="it-IT"/>
+              <a:t>Alberto Ferrari – Programmazione di applicazioni SW</a:t>
+            </a:r>
+            <a:endParaRPr lang="it-IT" dirty="0"/>
+          </a:p>
+        </p:txBody>
+      </p:sp>
+    </p:spTree>
+    <p:extLst>
+      <p:ext uri="{BB962C8B-B14F-4D97-AF65-F5344CB8AC3E}">
+        <p14:creationId xmlns:p14="http://schemas.microsoft.com/office/powerpoint/2010/main" val="1906568809"/>
+      </p:ext>
+    </p:extLst>
+  </p:cSld>
+  <p:clrMapOvr>
+    <a:masterClrMapping/>
+  </p:clrMapOvr>
+</p:sld>
+</file>
+
 <file path=ppt/slides/slide3.xml><?xml version="1.0" encoding="utf-8"?>
 <p:sld xmlns:a="http://schemas.openxmlformats.org/drawingml/2006/main" xmlns:r="http://schemas.openxmlformats.org/officeDocument/2006/relationships" xmlns:p="http://schemas.openxmlformats.org/presentationml/2006/main">
   <p:cSld>
@@ -9570,7 +11385,7 @@
           <a:p>
             <a:r>
               <a:rPr lang="it-IT" dirty="0"/>
-              <a:t>regole di visibilità</a:t>
+              <a:t>scope (ambito di visibilità)</a:t>
             </a:r>
           </a:p>
         </p:txBody>
@@ -9610,13 +11425,13 @@
           <a:p>
             <a:r>
               <a:rPr lang="it-IT" dirty="0"/>
-              <a:t>all’interno di uno stesso ambiente non posso avere due variabili con lo stesso nome</a:t>
+              <a:t>all’interno di uno stesso ambiente non è possibile definire due variabili con lo stesso nome</a:t>
             </a:r>
           </a:p>
           <a:p>
             <a:r>
               <a:rPr lang="it-IT" dirty="0"/>
-              <a:t>in ambiente distinti  posso avere variabili con lo stesso nome, anche di tipo diverso</a:t>
+              <a:t>in ambiente distinti  è possibile definire variabili con lo stesso nome, anche di tipo diverso</a:t>
             </a:r>
           </a:p>
           <a:p>
@@ -9676,6 +11491,212 @@
 </file>
 
 <file path=ppt/slides/slide4.xml><?xml version="1.0" encoding="utf-8"?>
+<p:sld xmlns:a="http://schemas.openxmlformats.org/drawingml/2006/main" xmlns:r="http://schemas.openxmlformats.org/officeDocument/2006/relationships" xmlns:p="http://schemas.openxmlformats.org/presentationml/2006/main">
+  <p:cSld>
+    <p:spTree>
+      <p:nvGrpSpPr>
+        <p:cNvPr id="1" name=""/>
+        <p:cNvGrpSpPr/>
+        <p:nvPr/>
+      </p:nvGrpSpPr>
+      <p:grpSpPr>
+        <a:xfrm>
+          <a:off x="0" y="0"/>
+          <a:ext cx="0" cy="0"/>
+          <a:chOff x="0" y="0"/>
+          <a:chExt cx="0" cy="0"/>
+        </a:xfrm>
+      </p:grpSpPr>
+      <p:sp>
+        <p:nvSpPr>
+          <p:cNvPr id="2" name="Titolo 1">
+            <a:extLst>
+              <a:ext uri="{FF2B5EF4-FFF2-40B4-BE49-F238E27FC236}">
+                <a16:creationId xmlns:a16="http://schemas.microsoft.com/office/drawing/2014/main" id="{5558DA45-8AEC-474C-9663-C0C90BBEB317}"/>
+              </a:ext>
+            </a:extLst>
+          </p:cNvPr>
+          <p:cNvSpPr>
+            <a:spLocks noGrp="1"/>
+          </p:cNvSpPr>
+          <p:nvPr>
+            <p:ph type="title"/>
+          </p:nvPr>
+        </p:nvSpPr>
+        <p:spPr/>
+        <p:txBody>
+          <a:bodyPr/>
+          <a:lstStyle/>
+          <a:p>
+            <a:r>
+              <a:rPr lang="it-IT" dirty="0" err="1"/>
+              <a:t>lifetime</a:t>
+            </a:r>
+            <a:endParaRPr lang="it-IT" dirty="0"/>
+          </a:p>
+        </p:txBody>
+      </p:sp>
+      <p:sp>
+        <p:nvSpPr>
+          <p:cNvPr id="3" name="Segnaposto contenuto 2">
+            <a:extLst>
+              <a:ext uri="{FF2B5EF4-FFF2-40B4-BE49-F238E27FC236}">
+                <a16:creationId xmlns:a16="http://schemas.microsoft.com/office/drawing/2014/main" id="{B5FBA912-753A-4938-8D04-AE8F53AAD8C2}"/>
+              </a:ext>
+            </a:extLst>
+          </p:cNvPr>
+          <p:cNvSpPr>
+            <a:spLocks noGrp="1"/>
+          </p:cNvSpPr>
+          <p:nvPr>
+            <p:ph idx="1"/>
+          </p:nvPr>
+        </p:nvSpPr>
+        <p:spPr/>
+        <p:txBody>
+          <a:bodyPr/>
+          <a:lstStyle/>
+          <a:p>
+            <a:r>
+              <a:rPr lang="it-IT" dirty="0"/>
+              <a:t>variabili globali (</a:t>
+            </a:r>
+            <a:r>
+              <a:rPr lang="it-IT" b="1" i="1" dirty="0"/>
+              <a:t>permanenti</a:t>
+            </a:r>
+            <a:r>
+              <a:rPr lang="it-IT" dirty="0"/>
+              <a:t>)</a:t>
+            </a:r>
+          </a:p>
+          <a:p>
+            <a:pPr lvl="1"/>
+            <a:r>
+              <a:rPr lang="it-IT" dirty="0"/>
+              <a:t>create all’inizio del programma sono </a:t>
+            </a:r>
+            <a:r>
+              <a:rPr lang="it-IT" b="1" i="1" dirty="0"/>
+              <a:t>visibili a tutte le funzioni </a:t>
+            </a:r>
+            <a:r>
+              <a:rPr lang="it-IT" dirty="0"/>
+              <a:t>e il loro ciclo di vita termina con la terminazione del </a:t>
+            </a:r>
+            <a:r>
+              <a:rPr lang="it-IT" b="1" i="1" dirty="0"/>
+              <a:t>programma</a:t>
+            </a:r>
+          </a:p>
+          <a:p>
+            <a:r>
+              <a:rPr lang="it-IT" dirty="0"/>
+              <a:t>variabili locali (</a:t>
+            </a:r>
+            <a:r>
+              <a:rPr lang="it-IT" b="1" i="1" dirty="0"/>
+              <a:t>temporanee</a:t>
+            </a:r>
+            <a:r>
+              <a:rPr lang="it-IT" dirty="0"/>
+              <a:t>)</a:t>
+            </a:r>
+          </a:p>
+          <a:p>
+            <a:pPr lvl="1"/>
+            <a:r>
+              <a:rPr lang="it-IT" dirty="0"/>
+              <a:t>vengono </a:t>
+            </a:r>
+            <a:r>
+              <a:rPr lang="it-IT" b="1" i="1" dirty="0"/>
+              <a:t>istanziate</a:t>
+            </a:r>
+            <a:r>
+              <a:rPr lang="it-IT" dirty="0"/>
+              <a:t> al momento in cui vengono eseguite le prime istruzioni del </a:t>
+            </a:r>
+            <a:r>
+              <a:rPr lang="it-IT" b="1" i="1" dirty="0"/>
+              <a:t>blocco</a:t>
+            </a:r>
+            <a:r>
+              <a:rPr lang="it-IT" dirty="0"/>
+              <a:t> in cui sono contenute</a:t>
+            </a:r>
+          </a:p>
+          <a:p>
+            <a:pPr lvl="1"/>
+            <a:r>
+              <a:rPr lang="it-IT" dirty="0"/>
+              <a:t>le variabili vengono </a:t>
+            </a:r>
+            <a:r>
+              <a:rPr lang="it-IT" b="1" i="1" dirty="0"/>
+              <a:t>distrutte</a:t>
+            </a:r>
+            <a:r>
+              <a:rPr lang="it-IT" dirty="0"/>
+              <a:t> e la memoria ad esse associata viene rilasciata al </a:t>
+            </a:r>
+            <a:r>
+              <a:rPr lang="it-IT" b="1" i="1" dirty="0"/>
+              <a:t>termine dell’esecuzione del blocco </a:t>
+            </a:r>
+            <a:r>
+              <a:rPr lang="it-IT" dirty="0"/>
+              <a:t>in cui sono dichiarate</a:t>
+            </a:r>
+          </a:p>
+        </p:txBody>
+      </p:sp>
+      <p:sp>
+        <p:nvSpPr>
+          <p:cNvPr id="4" name="Segnaposto piè di pagina 3">
+            <a:extLst>
+              <a:ext uri="{FF2B5EF4-FFF2-40B4-BE49-F238E27FC236}">
+                <a16:creationId xmlns:a16="http://schemas.microsoft.com/office/drawing/2014/main" id="{6DE24771-4F8E-4BB2-AEA9-3C309DC1A065}"/>
+              </a:ext>
+            </a:extLst>
+          </p:cNvPr>
+          <p:cNvSpPr>
+            <a:spLocks noGrp="1"/>
+          </p:cNvSpPr>
+          <p:nvPr>
+            <p:ph type="ftr" sz="quarter" idx="11"/>
+          </p:nvPr>
+        </p:nvSpPr>
+        <p:spPr/>
+        <p:txBody>
+          <a:bodyPr/>
+          <a:lstStyle/>
+          <a:p>
+            <a:pPr>
+              <a:defRPr/>
+            </a:pPr>
+            <a:r>
+              <a:rPr lang="it-IT"/>
+              <a:t>Alberto Ferrari – Programmazione di applicazioni SW</a:t>
+            </a:r>
+            <a:endParaRPr lang="it-IT" dirty="0"/>
+          </a:p>
+        </p:txBody>
+      </p:sp>
+    </p:spTree>
+    <p:extLst>
+      <p:ext uri="{BB962C8B-B14F-4D97-AF65-F5344CB8AC3E}">
+        <p14:creationId xmlns:p14="http://schemas.microsoft.com/office/powerpoint/2010/main" val="461267964"/>
+      </p:ext>
+    </p:extLst>
+  </p:cSld>
+  <p:clrMapOvr>
+    <a:masterClrMapping/>
+  </p:clrMapOvr>
+</p:sld>
+</file>
+
+<file path=ppt/slides/slide5.xml><?xml version="1.0" encoding="utf-8"?>
 <p:sld xmlns:a="http://schemas.openxmlformats.org/drawingml/2006/main" xmlns:r="http://schemas.openxmlformats.org/officeDocument/2006/relationships" xmlns:p="http://schemas.openxmlformats.org/presentationml/2006/main">
   <p:cSld>
     <p:spTree>
@@ -9797,7 +11818,7 @@
 </p:sld>
 </file>
 
-<file path=ppt/slides/slide5.xml><?xml version="1.0" encoding="utf-8"?>
+<file path=ppt/slides/slide6.xml><?xml version="1.0" encoding="utf-8"?>
 <p:sld xmlns:a="http://schemas.openxmlformats.org/drawingml/2006/main" xmlns:r="http://schemas.openxmlformats.org/officeDocument/2006/relationships" xmlns:p="http://schemas.openxmlformats.org/presentationml/2006/main">
   <p:cSld>
     <p:spTree>
@@ -10053,7 +12074,7 @@
 </p:sld>
 </file>
 
-<file path=ppt/slides/slide6.xml><?xml version="1.0" encoding="utf-8"?>
+<file path=ppt/slides/slide7.xml><?xml version="1.0" encoding="utf-8"?>
 <p:sld xmlns:a="http://schemas.openxmlformats.org/drawingml/2006/main" xmlns:r="http://schemas.openxmlformats.org/officeDocument/2006/relationships" xmlns:p="http://schemas.openxmlformats.org/presentationml/2006/main">
   <p:cSld>
     <p:spTree>
@@ -10409,7 +12430,230 @@
 </p:sld>
 </file>
 
-<file path=ppt/slides/slide7.xml><?xml version="1.0" encoding="utf-8"?>
+<file path=ppt/slides/slide8.xml><?xml version="1.0" encoding="utf-8"?>
+<p:sld xmlns:a="http://schemas.openxmlformats.org/drawingml/2006/main" xmlns:r="http://schemas.openxmlformats.org/officeDocument/2006/relationships" xmlns:p="http://schemas.openxmlformats.org/presentationml/2006/main">
+  <p:cSld>
+    <p:spTree>
+      <p:nvGrpSpPr>
+        <p:cNvPr id="1" name=""/>
+        <p:cNvGrpSpPr/>
+        <p:nvPr/>
+      </p:nvGrpSpPr>
+      <p:grpSpPr>
+        <a:xfrm>
+          <a:off x="0" y="0"/>
+          <a:ext cx="0" cy="0"/>
+          <a:chOff x="0" y="0"/>
+          <a:chExt cx="0" cy="0"/>
+        </a:xfrm>
+      </p:grpSpPr>
+      <p:sp>
+        <p:nvSpPr>
+          <p:cNvPr id="2" name="Titolo 1">
+            <a:extLst>
+              <a:ext uri="{FF2B5EF4-FFF2-40B4-BE49-F238E27FC236}">
+                <a16:creationId xmlns:a16="http://schemas.microsoft.com/office/drawing/2014/main" id="{AA374763-3C3C-4212-A6D6-CBBEB89AF53D}"/>
+              </a:ext>
+            </a:extLst>
+          </p:cNvPr>
+          <p:cNvSpPr>
+            <a:spLocks noGrp="1"/>
+          </p:cNvSpPr>
+          <p:nvPr>
+            <p:ph type="title"/>
+          </p:nvPr>
+        </p:nvSpPr>
+        <p:spPr/>
+        <p:txBody>
+          <a:bodyPr/>
+          <a:lstStyle/>
+          <a:p>
+            <a:r>
+              <a:rPr lang="it-IT" dirty="0"/>
+              <a:t>costanti</a:t>
+            </a:r>
+          </a:p>
+        </p:txBody>
+      </p:sp>
+      <p:sp>
+        <p:nvSpPr>
+          <p:cNvPr id="3" name="Segnaposto contenuto 2">
+            <a:extLst>
+              <a:ext uri="{FF2B5EF4-FFF2-40B4-BE49-F238E27FC236}">
+                <a16:creationId xmlns:a16="http://schemas.microsoft.com/office/drawing/2014/main" id="{B7D4DEDA-799F-4CFB-9C9D-6FB385EF0F89}"/>
+              </a:ext>
+            </a:extLst>
+          </p:cNvPr>
+          <p:cNvSpPr>
+            <a:spLocks noGrp="1"/>
+          </p:cNvSpPr>
+          <p:nvPr>
+            <p:ph idx="1"/>
+          </p:nvPr>
+        </p:nvSpPr>
+        <p:spPr/>
+        <p:txBody>
+          <a:bodyPr/>
+          <a:lstStyle/>
+          <a:p>
+            <a:r>
+              <a:rPr lang="it-IT" b="1" i="1" dirty="0"/>
+              <a:t>direttiva</a:t>
+            </a:r>
+            <a:r>
+              <a:rPr lang="it-IT" dirty="0"/>
+              <a:t> al preprocessore</a:t>
+            </a:r>
+          </a:p>
+          <a:p>
+            <a:pPr lvl="1"/>
+            <a:r>
+              <a:rPr lang="it-IT" b="1" dirty="0">
+                <a:latin typeface="Courier New" panose="02070309020205020404" pitchFamily="49" charset="0"/>
+                <a:cs typeface="Courier New" panose="02070309020205020404" pitchFamily="49" charset="0"/>
+              </a:rPr>
+              <a:t>#</a:t>
+            </a:r>
+            <a:r>
+              <a:rPr lang="it-IT" b="1" dirty="0" err="1">
+                <a:latin typeface="Courier New" panose="02070309020205020404" pitchFamily="49" charset="0"/>
+                <a:cs typeface="Courier New" panose="02070309020205020404" pitchFamily="49" charset="0"/>
+              </a:rPr>
+              <a:t>define</a:t>
+            </a:r>
+            <a:r>
+              <a:rPr lang="it-IT" b="1" dirty="0">
+                <a:latin typeface="Courier New" panose="02070309020205020404" pitchFamily="49" charset="0"/>
+                <a:cs typeface="Courier New" panose="02070309020205020404" pitchFamily="49" charset="0"/>
+              </a:rPr>
+              <a:t> PI_GRECO 3.141592</a:t>
+            </a:r>
+          </a:p>
+          <a:p>
+            <a:pPr lvl="1"/>
+            <a:r>
+              <a:rPr lang="it-IT" dirty="0"/>
+              <a:t>il preprocessore sostituisce ogni occorrenza di PI_GRECO con 3.141592</a:t>
+            </a:r>
+          </a:p>
+          <a:p>
+            <a:r>
+              <a:rPr lang="it-IT" b="1" i="1" dirty="0" err="1"/>
+              <a:t>const</a:t>
+            </a:r>
+            <a:endParaRPr lang="it-IT" b="1" i="1" dirty="0"/>
+          </a:p>
+          <a:p>
+            <a:pPr lvl="1"/>
+            <a:r>
+              <a:rPr lang="it-IT" b="1" dirty="0" err="1">
+                <a:latin typeface="Courier New" panose="02070309020205020404" pitchFamily="49" charset="0"/>
+                <a:cs typeface="Courier New" panose="02070309020205020404" pitchFamily="49" charset="0"/>
+              </a:rPr>
+              <a:t>const</a:t>
+            </a:r>
+            <a:r>
+              <a:rPr lang="it-IT" b="1" dirty="0">
+                <a:latin typeface="Courier New" panose="02070309020205020404" pitchFamily="49" charset="0"/>
+                <a:cs typeface="Courier New" panose="02070309020205020404" pitchFamily="49" charset="0"/>
+              </a:rPr>
+              <a:t> </a:t>
+            </a:r>
+            <a:r>
+              <a:rPr lang="it-IT" b="1" dirty="0" err="1">
+                <a:latin typeface="Courier New" panose="02070309020205020404" pitchFamily="49" charset="0"/>
+                <a:cs typeface="Courier New" panose="02070309020205020404" pitchFamily="49" charset="0"/>
+              </a:rPr>
+              <a:t>int</a:t>
+            </a:r>
+            <a:r>
+              <a:rPr lang="it-IT" b="1" dirty="0">
+                <a:latin typeface="Courier New" panose="02070309020205020404" pitchFamily="49" charset="0"/>
+                <a:cs typeface="Courier New" panose="02070309020205020404" pitchFamily="49" charset="0"/>
+              </a:rPr>
+              <a:t> PI_GRECO 3.141592;</a:t>
+            </a:r>
+          </a:p>
+          <a:p>
+            <a:pPr lvl="1"/>
+            <a:r>
+              <a:rPr lang="it-IT" dirty="0"/>
+              <a:t>il valore non può essere modificato nel corso del programma</a:t>
+            </a:r>
+          </a:p>
+          <a:p>
+            <a:pPr lvl="1"/>
+            <a:r>
+              <a:rPr lang="it-IT" sz="1800" b="1" dirty="0">
+                <a:latin typeface="Courier New" panose="02070309020205020404" pitchFamily="49" charset="0"/>
+                <a:cs typeface="Courier New" panose="02070309020205020404" pitchFamily="49" charset="0"/>
+              </a:rPr>
+              <a:t>PI_GRECO = 2;   // </a:t>
+            </a:r>
+            <a:r>
+              <a:rPr lang="en-US" sz="1800" b="1" dirty="0">
+                <a:latin typeface="Courier New" panose="02070309020205020404" pitchFamily="49" charset="0"/>
+                <a:cs typeface="Courier New" panose="02070309020205020404" pitchFamily="49" charset="0"/>
+              </a:rPr>
+              <a:t>error: assignment of read-only variable 'PI_GRECO'</a:t>
+            </a:r>
+            <a:endParaRPr lang="it-IT" sz="1800" b="1" dirty="0">
+              <a:latin typeface="Courier New" panose="02070309020205020404" pitchFamily="49" charset="0"/>
+              <a:cs typeface="Courier New" panose="02070309020205020404" pitchFamily="49" charset="0"/>
+            </a:endParaRPr>
+          </a:p>
+          <a:p>
+            <a:pPr lvl="1"/>
+            <a:endParaRPr lang="it-IT" dirty="0"/>
+          </a:p>
+        </p:txBody>
+      </p:sp>
+      <p:sp>
+        <p:nvSpPr>
+          <p:cNvPr id="4" name="Segnaposto piè di pagina 3">
+            <a:extLst>
+              <a:ext uri="{FF2B5EF4-FFF2-40B4-BE49-F238E27FC236}">
+                <a16:creationId xmlns:a16="http://schemas.microsoft.com/office/drawing/2014/main" id="{97FA754F-659F-46FC-A54A-4F4751B46335}"/>
+              </a:ext>
+            </a:extLst>
+          </p:cNvPr>
+          <p:cNvSpPr>
+            <a:spLocks noGrp="1"/>
+          </p:cNvSpPr>
+          <p:nvPr>
+            <p:ph type="ftr" sz="quarter" idx="11"/>
+          </p:nvPr>
+        </p:nvSpPr>
+        <p:spPr/>
+        <p:txBody>
+          <a:bodyPr/>
+          <a:lstStyle/>
+          <a:p>
+            <a:pPr>
+              <a:defRPr/>
+            </a:pPr>
+            <a:r>
+              <a:rPr lang="it-IT"/>
+              <a:t>Alberto Ferrari – Programmazione di applicazioni SW</a:t>
+            </a:r>
+            <a:endParaRPr lang="it-IT" dirty="0"/>
+          </a:p>
+        </p:txBody>
+      </p:sp>
+    </p:spTree>
+    <p:extLst>
+      <p:ext uri="{BB962C8B-B14F-4D97-AF65-F5344CB8AC3E}">
+        <p14:creationId xmlns:p14="http://schemas.microsoft.com/office/powerpoint/2010/main" val="4100052518"/>
+      </p:ext>
+    </p:extLst>
+  </p:cSld>
+  <p:clrMapOvr>
+    <a:masterClrMapping/>
+  </p:clrMapOvr>
+</p:sld>
+</file>
+
+<file path=ppt/slides/slide9.xml><?xml version="1.0" encoding="utf-8"?>
 <p:sld xmlns:a="http://schemas.openxmlformats.org/drawingml/2006/main" xmlns:r="http://schemas.openxmlformats.org/officeDocument/2006/relationships" xmlns:p="http://schemas.openxmlformats.org/presentationml/2006/main">
   <p:cSld>
     <p:spTree>
@@ -10544,1540 +12788,6 @@
     <p:extLst>
       <p:ext uri="{BB962C8B-B14F-4D97-AF65-F5344CB8AC3E}">
         <p14:creationId xmlns:p14="http://schemas.microsoft.com/office/powerpoint/2010/main" val="2323179077"/>
-      </p:ext>
-    </p:extLst>
-  </p:cSld>
-  <p:clrMapOvr>
-    <a:masterClrMapping/>
-  </p:clrMapOvr>
-</p:sld>
-</file>
-
-<file path=ppt/slides/slide8.xml><?xml version="1.0" encoding="utf-8"?>
-<p:sld xmlns:a="http://schemas.openxmlformats.org/drawingml/2006/main" xmlns:r="http://schemas.openxmlformats.org/officeDocument/2006/relationships" xmlns:p="http://schemas.openxmlformats.org/presentationml/2006/main">
-  <p:cSld>
-    <p:spTree>
-      <p:nvGrpSpPr>
-        <p:cNvPr id="1" name=""/>
-        <p:cNvGrpSpPr/>
-        <p:nvPr/>
-      </p:nvGrpSpPr>
-      <p:grpSpPr>
-        <a:xfrm>
-          <a:off x="0" y="0"/>
-          <a:ext cx="0" cy="0"/>
-          <a:chOff x="0" y="0"/>
-          <a:chExt cx="0" cy="0"/>
-        </a:xfrm>
-      </p:grpSpPr>
-      <p:sp>
-        <p:nvSpPr>
-          <p:cNvPr id="5" name="Titolo 4">
-            <a:extLst>
-              <a:ext uri="{FF2B5EF4-FFF2-40B4-BE49-F238E27FC236}">
-                <a16:creationId xmlns:a16="http://schemas.microsoft.com/office/drawing/2014/main" id="{7760B440-AC12-4AEF-B657-684B659A1C16}"/>
-              </a:ext>
-            </a:extLst>
-          </p:cNvPr>
-          <p:cNvSpPr>
-            <a:spLocks noGrp="1"/>
-          </p:cNvSpPr>
-          <p:nvPr>
-            <p:ph type="title"/>
-          </p:nvPr>
-        </p:nvSpPr>
-        <p:spPr/>
-        <p:txBody>
-          <a:bodyPr/>
-          <a:lstStyle/>
-          <a:p>
-            <a:r>
-              <a:rPr lang="it-IT" dirty="0"/>
-              <a:t>occupazione di memoria</a:t>
-            </a:r>
-          </a:p>
-        </p:txBody>
-      </p:sp>
-      <p:sp>
-        <p:nvSpPr>
-          <p:cNvPr id="12" name="Segnaposto contenuto 11">
-            <a:extLst>
-              <a:ext uri="{FF2B5EF4-FFF2-40B4-BE49-F238E27FC236}">
-                <a16:creationId xmlns:a16="http://schemas.microsoft.com/office/drawing/2014/main" id="{64AED6DB-402D-4A0F-985E-7B067EA6FE1F}"/>
-              </a:ext>
-            </a:extLst>
-          </p:cNvPr>
-          <p:cNvSpPr>
-            <a:spLocks noGrp="1"/>
-          </p:cNvSpPr>
-          <p:nvPr>
-            <p:ph idx="1"/>
-          </p:nvPr>
-        </p:nvSpPr>
-        <p:spPr>
-          <a:xfrm>
-            <a:off x="624417" y="1341438"/>
-            <a:ext cx="10972800" cy="4525962"/>
-          </a:xfrm>
-        </p:spPr>
-        <p:txBody>
-          <a:bodyPr/>
-          <a:lstStyle/>
-          <a:p>
-            <a:pPr marL="0" indent="0">
-              <a:buNone/>
-            </a:pPr>
-            <a:r>
-              <a:rPr lang="it-IT" sz="1600" b="1" dirty="0">
-                <a:latin typeface="Courier New" panose="02070309020205020404" pitchFamily="49" charset="0"/>
-                <a:cs typeface="Courier New" panose="02070309020205020404" pitchFamily="49" charset="0"/>
-              </a:rPr>
-              <a:t>#include &lt;</a:t>
-            </a:r>
-            <a:r>
-              <a:rPr lang="it-IT" sz="1600" b="1" dirty="0" err="1">
-                <a:latin typeface="Courier New" panose="02070309020205020404" pitchFamily="49" charset="0"/>
-                <a:cs typeface="Courier New" panose="02070309020205020404" pitchFamily="49" charset="0"/>
-              </a:rPr>
-              <a:t>iostream</a:t>
-            </a:r>
-            <a:r>
-              <a:rPr lang="it-IT" sz="1600" b="1" dirty="0">
-                <a:latin typeface="Courier New" panose="02070309020205020404" pitchFamily="49" charset="0"/>
-                <a:cs typeface="Courier New" panose="02070309020205020404" pitchFamily="49" charset="0"/>
-              </a:rPr>
-              <a:t>&gt;</a:t>
-            </a:r>
-          </a:p>
-          <a:p>
-            <a:pPr marL="0" indent="0">
-              <a:buNone/>
-            </a:pPr>
-            <a:r>
-              <a:rPr lang="it-IT" sz="1600" b="1" dirty="0" err="1">
-                <a:latin typeface="Courier New" panose="02070309020205020404" pitchFamily="49" charset="0"/>
-                <a:cs typeface="Courier New" panose="02070309020205020404" pitchFamily="49" charset="0"/>
-              </a:rPr>
-              <a:t>int</a:t>
-            </a:r>
-            <a:r>
-              <a:rPr lang="it-IT" sz="1600" b="1" dirty="0">
-                <a:latin typeface="Courier New" panose="02070309020205020404" pitchFamily="49" charset="0"/>
-                <a:cs typeface="Courier New" panose="02070309020205020404" pitchFamily="49" charset="0"/>
-              </a:rPr>
-              <a:t> </a:t>
-            </a:r>
-            <a:r>
-              <a:rPr lang="it-IT" sz="1600" b="1" dirty="0" err="1">
-                <a:latin typeface="Courier New" panose="02070309020205020404" pitchFamily="49" charset="0"/>
-                <a:cs typeface="Courier New" panose="02070309020205020404" pitchFamily="49" charset="0"/>
-              </a:rPr>
-              <a:t>main</a:t>
-            </a:r>
-            <a:r>
-              <a:rPr lang="it-IT" sz="1600" b="1" dirty="0">
-                <a:latin typeface="Courier New" panose="02070309020205020404" pitchFamily="49" charset="0"/>
-                <a:cs typeface="Courier New" panose="02070309020205020404" pitchFamily="49" charset="0"/>
-              </a:rPr>
-              <a:t>() {</a:t>
-            </a:r>
-          </a:p>
-          <a:p>
-            <a:pPr marL="0" indent="0">
-              <a:buNone/>
-            </a:pPr>
-            <a:r>
-              <a:rPr lang="it-IT" sz="1600" b="1" dirty="0">
-                <a:latin typeface="Courier New" panose="02070309020205020404" pitchFamily="49" charset="0"/>
-                <a:cs typeface="Courier New" panose="02070309020205020404" pitchFamily="49" charset="0"/>
-              </a:rPr>
-              <a:t>    </a:t>
-            </a:r>
-            <a:r>
-              <a:rPr lang="it-IT" sz="1600" b="1" dirty="0" err="1">
-                <a:latin typeface="Courier New" panose="02070309020205020404" pitchFamily="49" charset="0"/>
-                <a:cs typeface="Courier New" panose="02070309020205020404" pitchFamily="49" charset="0"/>
-              </a:rPr>
-              <a:t>int</a:t>
-            </a:r>
-            <a:r>
-              <a:rPr lang="it-IT" sz="1600" b="1" dirty="0">
-                <a:latin typeface="Courier New" panose="02070309020205020404" pitchFamily="49" charset="0"/>
-                <a:cs typeface="Courier New" panose="02070309020205020404" pitchFamily="49" charset="0"/>
-              </a:rPr>
-              <a:t> i; double d;</a:t>
-            </a:r>
-          </a:p>
-          <a:p>
-            <a:pPr marL="0" indent="0">
-              <a:buNone/>
-            </a:pPr>
-            <a:r>
-              <a:rPr lang="it-IT" sz="1600" b="1" dirty="0">
-                <a:latin typeface="Courier New" panose="02070309020205020404" pitchFamily="49" charset="0"/>
-                <a:cs typeface="Courier New" panose="02070309020205020404" pitchFamily="49" charset="0"/>
-              </a:rPr>
-              <a:t>    float f; </a:t>
-            </a:r>
-            <a:r>
-              <a:rPr lang="it-IT" sz="1600" b="1" dirty="0" err="1">
-                <a:latin typeface="Courier New" panose="02070309020205020404" pitchFamily="49" charset="0"/>
-                <a:cs typeface="Courier New" panose="02070309020205020404" pitchFamily="49" charset="0"/>
-              </a:rPr>
-              <a:t>char</a:t>
-            </a:r>
-            <a:r>
-              <a:rPr lang="it-IT" sz="1600" b="1" dirty="0">
-                <a:latin typeface="Courier New" panose="02070309020205020404" pitchFamily="49" charset="0"/>
-                <a:cs typeface="Courier New" panose="02070309020205020404" pitchFamily="49" charset="0"/>
-              </a:rPr>
-              <a:t> c;</a:t>
-            </a:r>
-          </a:p>
-          <a:p>
-            <a:pPr marL="0" indent="0">
-              <a:buNone/>
-            </a:pPr>
-            <a:r>
-              <a:rPr lang="it-IT" sz="1600" b="1" dirty="0">
-                <a:latin typeface="Courier New" panose="02070309020205020404" pitchFamily="49" charset="0"/>
-                <a:cs typeface="Courier New" panose="02070309020205020404" pitchFamily="49" charset="0"/>
-              </a:rPr>
-              <a:t>    </a:t>
-            </a:r>
-            <a:r>
-              <a:rPr lang="it-IT" sz="1600" b="1" dirty="0" err="1">
-                <a:latin typeface="Courier New" panose="02070309020205020404" pitchFamily="49" charset="0"/>
-                <a:cs typeface="Courier New" panose="02070309020205020404" pitchFamily="49" charset="0"/>
-              </a:rPr>
-              <a:t>bool</a:t>
-            </a:r>
-            <a:r>
-              <a:rPr lang="it-IT" sz="1600" b="1" dirty="0">
-                <a:latin typeface="Courier New" panose="02070309020205020404" pitchFamily="49" charset="0"/>
-                <a:cs typeface="Courier New" panose="02070309020205020404" pitchFamily="49" charset="0"/>
-              </a:rPr>
-              <a:t> b; </a:t>
-            </a:r>
-            <a:r>
-              <a:rPr lang="it-IT" sz="1600" b="1" dirty="0" err="1">
-                <a:latin typeface="Courier New" panose="02070309020205020404" pitchFamily="49" charset="0"/>
-                <a:cs typeface="Courier New" panose="02070309020205020404" pitchFamily="49" charset="0"/>
-              </a:rPr>
-              <a:t>int</a:t>
-            </a:r>
-            <a:r>
-              <a:rPr lang="it-IT" sz="1600" b="1" dirty="0">
-                <a:latin typeface="Courier New" panose="02070309020205020404" pitchFamily="49" charset="0"/>
-                <a:cs typeface="Courier New" panose="02070309020205020404" pitchFamily="49" charset="0"/>
-              </a:rPr>
-              <a:t> v[10];</a:t>
-            </a:r>
-          </a:p>
-          <a:p>
-            <a:pPr marL="0" indent="0">
-              <a:buNone/>
-            </a:pPr>
-            <a:r>
-              <a:rPr lang="it-IT" sz="1600" b="1" dirty="0">
-                <a:latin typeface="Courier New" panose="02070309020205020404" pitchFamily="49" charset="0"/>
-                <a:cs typeface="Courier New" panose="02070309020205020404" pitchFamily="49" charset="0"/>
-              </a:rPr>
-              <a:t>    </a:t>
-            </a:r>
-            <a:r>
-              <a:rPr lang="it-IT" sz="1600" b="1" dirty="0" err="1">
-                <a:latin typeface="Courier New" panose="02070309020205020404" pitchFamily="49" charset="0"/>
-                <a:cs typeface="Courier New" panose="02070309020205020404" pitchFamily="49" charset="0"/>
-              </a:rPr>
-              <a:t>int</a:t>
-            </a:r>
-            <a:r>
-              <a:rPr lang="it-IT" sz="1600" b="1" dirty="0">
-                <a:latin typeface="Courier New" panose="02070309020205020404" pitchFamily="49" charset="0"/>
-                <a:cs typeface="Courier New" panose="02070309020205020404" pitchFamily="49" charset="0"/>
-              </a:rPr>
-              <a:t> *</a:t>
-            </a:r>
-            <a:r>
-              <a:rPr lang="it-IT" sz="1600" b="1" dirty="0" err="1">
-                <a:latin typeface="Courier New" panose="02070309020205020404" pitchFamily="49" charset="0"/>
-                <a:cs typeface="Courier New" panose="02070309020205020404" pitchFamily="49" charset="0"/>
-              </a:rPr>
-              <a:t>pi</a:t>
-            </a:r>
-            <a:r>
-              <a:rPr lang="it-IT" sz="1600" b="1" dirty="0">
-                <a:latin typeface="Courier New" panose="02070309020205020404" pitchFamily="49" charset="0"/>
-                <a:cs typeface="Courier New" panose="02070309020205020404" pitchFamily="49" charset="0"/>
-              </a:rPr>
-              <a:t>; double *</a:t>
-            </a:r>
-            <a:r>
-              <a:rPr lang="it-IT" sz="1600" b="1" dirty="0" err="1">
-                <a:latin typeface="Courier New" panose="02070309020205020404" pitchFamily="49" charset="0"/>
-                <a:cs typeface="Courier New" panose="02070309020205020404" pitchFamily="49" charset="0"/>
-              </a:rPr>
-              <a:t>pd</a:t>
-            </a:r>
-            <a:r>
-              <a:rPr lang="it-IT" sz="1600" b="1" dirty="0">
-                <a:latin typeface="Courier New" panose="02070309020205020404" pitchFamily="49" charset="0"/>
-                <a:cs typeface="Courier New" panose="02070309020205020404" pitchFamily="49" charset="0"/>
-              </a:rPr>
-              <a:t>;</a:t>
-            </a:r>
-          </a:p>
-          <a:p>
-            <a:pPr marL="0" indent="0">
-              <a:buNone/>
-            </a:pPr>
-            <a:r>
-              <a:rPr lang="it-IT" sz="1600" b="1" dirty="0">
-                <a:latin typeface="Courier New" panose="02070309020205020404" pitchFamily="49" charset="0"/>
-                <a:cs typeface="Courier New" panose="02070309020205020404" pitchFamily="49" charset="0"/>
-              </a:rPr>
-              <a:t>    </a:t>
-            </a:r>
-            <a:r>
-              <a:rPr lang="it-IT" sz="1600" b="1" dirty="0" err="1">
-                <a:latin typeface="Courier New" panose="02070309020205020404" pitchFamily="49" charset="0"/>
-                <a:cs typeface="Courier New" panose="02070309020205020404" pitchFamily="49" charset="0"/>
-              </a:rPr>
-              <a:t>std</a:t>
-            </a:r>
-            <a:r>
-              <a:rPr lang="it-IT" sz="1600" b="1" dirty="0">
-                <a:latin typeface="Courier New" panose="02070309020205020404" pitchFamily="49" charset="0"/>
-                <a:cs typeface="Courier New" panose="02070309020205020404" pitchFamily="49" charset="0"/>
-              </a:rPr>
-              <a:t>::</a:t>
-            </a:r>
-            <a:r>
-              <a:rPr lang="it-IT" sz="1600" b="1" dirty="0" err="1">
-                <a:latin typeface="Courier New" panose="02070309020205020404" pitchFamily="49" charset="0"/>
-                <a:cs typeface="Courier New" panose="02070309020205020404" pitchFamily="49" charset="0"/>
-              </a:rPr>
-              <a:t>cout</a:t>
-            </a:r>
-            <a:r>
-              <a:rPr lang="it-IT" sz="1600" b="1" dirty="0">
-                <a:latin typeface="Courier New" panose="02070309020205020404" pitchFamily="49" charset="0"/>
-                <a:cs typeface="Courier New" panose="02070309020205020404" pitchFamily="49" charset="0"/>
-              </a:rPr>
-              <a:t> &lt;&lt; "</a:t>
-            </a:r>
-            <a:r>
-              <a:rPr lang="it-IT" sz="1600" b="1" dirty="0" err="1">
-                <a:latin typeface="Courier New" panose="02070309020205020404" pitchFamily="49" charset="0"/>
-                <a:cs typeface="Courier New" panose="02070309020205020404" pitchFamily="49" charset="0"/>
-              </a:rPr>
-              <a:t>size</a:t>
-            </a:r>
-            <a:r>
-              <a:rPr lang="it-IT" sz="1600" b="1" dirty="0">
-                <a:latin typeface="Courier New" panose="02070309020205020404" pitchFamily="49" charset="0"/>
-                <a:cs typeface="Courier New" panose="02070309020205020404" pitchFamily="49" charset="0"/>
-              </a:rPr>
-              <a:t> of </a:t>
-            </a:r>
-            <a:r>
-              <a:rPr lang="it-IT" sz="1600" b="1" dirty="0" err="1">
-                <a:latin typeface="Courier New" panose="02070309020205020404" pitchFamily="49" charset="0"/>
-                <a:cs typeface="Courier New" panose="02070309020205020404" pitchFamily="49" charset="0"/>
-              </a:rPr>
-              <a:t>int</a:t>
-            </a:r>
-            <a:r>
-              <a:rPr lang="it-IT" sz="1600" b="1" dirty="0">
-                <a:latin typeface="Courier New" panose="02070309020205020404" pitchFamily="49" charset="0"/>
-                <a:cs typeface="Courier New" panose="02070309020205020404" pitchFamily="49" charset="0"/>
-              </a:rPr>
-              <a:t>:     " &lt;&lt; </a:t>
-            </a:r>
-            <a:r>
-              <a:rPr lang="it-IT" sz="1600" b="1" dirty="0" err="1">
-                <a:solidFill>
-                  <a:srgbClr val="FF0000"/>
-                </a:solidFill>
-                <a:latin typeface="Courier New" panose="02070309020205020404" pitchFamily="49" charset="0"/>
-                <a:cs typeface="Courier New" panose="02070309020205020404" pitchFamily="49" charset="0"/>
-              </a:rPr>
-              <a:t>sizeof</a:t>
-            </a:r>
-            <a:r>
-              <a:rPr lang="it-IT" sz="1600" b="1" dirty="0">
-                <a:latin typeface="Courier New" panose="02070309020205020404" pitchFamily="49" charset="0"/>
-                <a:cs typeface="Courier New" panose="02070309020205020404" pitchFamily="49" charset="0"/>
-              </a:rPr>
-              <a:t> i  &lt;&lt; " </a:t>
-            </a:r>
-            <a:r>
-              <a:rPr lang="it-IT" sz="1600" b="1" dirty="0" err="1">
-                <a:latin typeface="Courier New" panose="02070309020205020404" pitchFamily="49" charset="0"/>
-                <a:cs typeface="Courier New" panose="02070309020205020404" pitchFamily="49" charset="0"/>
-              </a:rPr>
-              <a:t>bytes</a:t>
-            </a:r>
-            <a:r>
-              <a:rPr lang="it-IT" sz="1600" b="1" dirty="0">
-                <a:latin typeface="Courier New" panose="02070309020205020404" pitchFamily="49" charset="0"/>
-                <a:cs typeface="Courier New" panose="02070309020205020404" pitchFamily="49" charset="0"/>
-              </a:rPr>
-              <a:t> " &lt;&lt; </a:t>
-            </a:r>
-            <a:r>
-              <a:rPr lang="it-IT" sz="1600" b="1" dirty="0" err="1">
-                <a:latin typeface="Courier New" panose="02070309020205020404" pitchFamily="49" charset="0"/>
-                <a:cs typeface="Courier New" panose="02070309020205020404" pitchFamily="49" charset="0"/>
-              </a:rPr>
-              <a:t>std</a:t>
-            </a:r>
-            <a:r>
-              <a:rPr lang="it-IT" sz="1600" b="1" dirty="0">
-                <a:latin typeface="Courier New" panose="02070309020205020404" pitchFamily="49" charset="0"/>
-                <a:cs typeface="Courier New" panose="02070309020205020404" pitchFamily="49" charset="0"/>
-              </a:rPr>
-              <a:t>::</a:t>
-            </a:r>
-            <a:r>
-              <a:rPr lang="it-IT" sz="1600" b="1" dirty="0" err="1">
-                <a:latin typeface="Courier New" panose="02070309020205020404" pitchFamily="49" charset="0"/>
-                <a:cs typeface="Courier New" panose="02070309020205020404" pitchFamily="49" charset="0"/>
-              </a:rPr>
-              <a:t>endl</a:t>
-            </a:r>
-            <a:r>
-              <a:rPr lang="it-IT" sz="1600" b="1" dirty="0">
-                <a:latin typeface="Courier New" panose="02070309020205020404" pitchFamily="49" charset="0"/>
-                <a:cs typeface="Courier New" panose="02070309020205020404" pitchFamily="49" charset="0"/>
-              </a:rPr>
-              <a:t>;</a:t>
-            </a:r>
-          </a:p>
-          <a:p>
-            <a:pPr marL="0" indent="0">
-              <a:buNone/>
-            </a:pPr>
-            <a:r>
-              <a:rPr lang="it-IT" sz="1600" b="1" dirty="0">
-                <a:latin typeface="Courier New" panose="02070309020205020404" pitchFamily="49" charset="0"/>
-                <a:cs typeface="Courier New" panose="02070309020205020404" pitchFamily="49" charset="0"/>
-              </a:rPr>
-              <a:t>    </a:t>
-            </a:r>
-            <a:r>
-              <a:rPr lang="it-IT" sz="1600" b="1" dirty="0" err="1">
-                <a:latin typeface="Courier New" panose="02070309020205020404" pitchFamily="49" charset="0"/>
-                <a:cs typeface="Courier New" panose="02070309020205020404" pitchFamily="49" charset="0"/>
-              </a:rPr>
-              <a:t>std</a:t>
-            </a:r>
-            <a:r>
-              <a:rPr lang="it-IT" sz="1600" b="1" dirty="0">
-                <a:latin typeface="Courier New" panose="02070309020205020404" pitchFamily="49" charset="0"/>
-                <a:cs typeface="Courier New" panose="02070309020205020404" pitchFamily="49" charset="0"/>
-              </a:rPr>
-              <a:t>::</a:t>
-            </a:r>
-            <a:r>
-              <a:rPr lang="it-IT" sz="1600" b="1" dirty="0" err="1">
-                <a:latin typeface="Courier New" panose="02070309020205020404" pitchFamily="49" charset="0"/>
-                <a:cs typeface="Courier New" panose="02070309020205020404" pitchFamily="49" charset="0"/>
-              </a:rPr>
-              <a:t>cout</a:t>
-            </a:r>
-            <a:r>
-              <a:rPr lang="it-IT" sz="1600" b="1" dirty="0">
-                <a:latin typeface="Courier New" panose="02070309020205020404" pitchFamily="49" charset="0"/>
-                <a:cs typeface="Courier New" panose="02070309020205020404" pitchFamily="49" charset="0"/>
-              </a:rPr>
-              <a:t> &lt;&lt; "</a:t>
-            </a:r>
-            <a:r>
-              <a:rPr lang="it-IT" sz="1600" b="1" dirty="0" err="1">
-                <a:latin typeface="Courier New" panose="02070309020205020404" pitchFamily="49" charset="0"/>
-                <a:cs typeface="Courier New" panose="02070309020205020404" pitchFamily="49" charset="0"/>
-              </a:rPr>
-              <a:t>size</a:t>
-            </a:r>
-            <a:r>
-              <a:rPr lang="it-IT" sz="1600" b="1" dirty="0">
-                <a:latin typeface="Courier New" panose="02070309020205020404" pitchFamily="49" charset="0"/>
-                <a:cs typeface="Courier New" panose="02070309020205020404" pitchFamily="49" charset="0"/>
-              </a:rPr>
-              <a:t> of double:  " &lt;&lt; </a:t>
-            </a:r>
-            <a:r>
-              <a:rPr lang="it-IT" sz="1600" b="1" dirty="0" err="1">
-                <a:latin typeface="Courier New" panose="02070309020205020404" pitchFamily="49" charset="0"/>
-                <a:cs typeface="Courier New" panose="02070309020205020404" pitchFamily="49" charset="0"/>
-              </a:rPr>
-              <a:t>sizeof</a:t>
-            </a:r>
-            <a:r>
-              <a:rPr lang="it-IT" sz="1600" b="1" dirty="0">
-                <a:latin typeface="Courier New" panose="02070309020205020404" pitchFamily="49" charset="0"/>
-                <a:cs typeface="Courier New" panose="02070309020205020404" pitchFamily="49" charset="0"/>
-              </a:rPr>
-              <a:t> d  &lt;&lt; " </a:t>
-            </a:r>
-            <a:r>
-              <a:rPr lang="it-IT" sz="1600" b="1" dirty="0" err="1">
-                <a:latin typeface="Courier New" panose="02070309020205020404" pitchFamily="49" charset="0"/>
-                <a:cs typeface="Courier New" panose="02070309020205020404" pitchFamily="49" charset="0"/>
-              </a:rPr>
-              <a:t>bytes</a:t>
-            </a:r>
-            <a:r>
-              <a:rPr lang="it-IT" sz="1600" b="1" dirty="0">
-                <a:latin typeface="Courier New" panose="02070309020205020404" pitchFamily="49" charset="0"/>
-                <a:cs typeface="Courier New" panose="02070309020205020404" pitchFamily="49" charset="0"/>
-              </a:rPr>
-              <a:t> " &lt;&lt; </a:t>
-            </a:r>
-            <a:r>
-              <a:rPr lang="it-IT" sz="1600" b="1" dirty="0" err="1">
-                <a:latin typeface="Courier New" panose="02070309020205020404" pitchFamily="49" charset="0"/>
-                <a:cs typeface="Courier New" panose="02070309020205020404" pitchFamily="49" charset="0"/>
-              </a:rPr>
-              <a:t>std</a:t>
-            </a:r>
-            <a:r>
-              <a:rPr lang="it-IT" sz="1600" b="1" dirty="0">
-                <a:latin typeface="Courier New" panose="02070309020205020404" pitchFamily="49" charset="0"/>
-                <a:cs typeface="Courier New" panose="02070309020205020404" pitchFamily="49" charset="0"/>
-              </a:rPr>
-              <a:t>::</a:t>
-            </a:r>
-            <a:r>
-              <a:rPr lang="it-IT" sz="1600" b="1" dirty="0" err="1">
-                <a:latin typeface="Courier New" panose="02070309020205020404" pitchFamily="49" charset="0"/>
-                <a:cs typeface="Courier New" panose="02070309020205020404" pitchFamily="49" charset="0"/>
-              </a:rPr>
-              <a:t>endl</a:t>
-            </a:r>
-            <a:r>
-              <a:rPr lang="it-IT" sz="1600" b="1" dirty="0">
-                <a:latin typeface="Courier New" panose="02070309020205020404" pitchFamily="49" charset="0"/>
-                <a:cs typeface="Courier New" panose="02070309020205020404" pitchFamily="49" charset="0"/>
-              </a:rPr>
-              <a:t>;</a:t>
-            </a:r>
-          </a:p>
-          <a:p>
-            <a:pPr marL="0" indent="0">
-              <a:buNone/>
-            </a:pPr>
-            <a:r>
-              <a:rPr lang="it-IT" sz="1600" b="1" dirty="0">
-                <a:latin typeface="Courier New" panose="02070309020205020404" pitchFamily="49" charset="0"/>
-                <a:cs typeface="Courier New" panose="02070309020205020404" pitchFamily="49" charset="0"/>
-              </a:rPr>
-              <a:t>    </a:t>
-            </a:r>
-            <a:r>
-              <a:rPr lang="it-IT" sz="1600" b="1" dirty="0" err="1">
-                <a:latin typeface="Courier New" panose="02070309020205020404" pitchFamily="49" charset="0"/>
-                <a:cs typeface="Courier New" panose="02070309020205020404" pitchFamily="49" charset="0"/>
-              </a:rPr>
-              <a:t>std</a:t>
-            </a:r>
-            <a:r>
-              <a:rPr lang="it-IT" sz="1600" b="1" dirty="0">
-                <a:latin typeface="Courier New" panose="02070309020205020404" pitchFamily="49" charset="0"/>
-                <a:cs typeface="Courier New" panose="02070309020205020404" pitchFamily="49" charset="0"/>
-              </a:rPr>
-              <a:t>::</a:t>
-            </a:r>
-            <a:r>
-              <a:rPr lang="it-IT" sz="1600" b="1" dirty="0" err="1">
-                <a:latin typeface="Courier New" panose="02070309020205020404" pitchFamily="49" charset="0"/>
-                <a:cs typeface="Courier New" panose="02070309020205020404" pitchFamily="49" charset="0"/>
-              </a:rPr>
-              <a:t>cout</a:t>
-            </a:r>
-            <a:r>
-              <a:rPr lang="it-IT" sz="1600" b="1" dirty="0">
-                <a:latin typeface="Courier New" panose="02070309020205020404" pitchFamily="49" charset="0"/>
-                <a:cs typeface="Courier New" panose="02070309020205020404" pitchFamily="49" charset="0"/>
-              </a:rPr>
-              <a:t> &lt;&lt; "</a:t>
-            </a:r>
-            <a:r>
-              <a:rPr lang="it-IT" sz="1600" b="1" dirty="0" err="1">
-                <a:latin typeface="Courier New" panose="02070309020205020404" pitchFamily="49" charset="0"/>
-                <a:cs typeface="Courier New" panose="02070309020205020404" pitchFamily="49" charset="0"/>
-              </a:rPr>
-              <a:t>size</a:t>
-            </a:r>
-            <a:r>
-              <a:rPr lang="it-IT" sz="1600" b="1" dirty="0">
-                <a:latin typeface="Courier New" panose="02070309020205020404" pitchFamily="49" charset="0"/>
-                <a:cs typeface="Courier New" panose="02070309020205020404" pitchFamily="49" charset="0"/>
-              </a:rPr>
-              <a:t> of float:   " &lt;&lt; </a:t>
-            </a:r>
-            <a:r>
-              <a:rPr lang="it-IT" sz="1600" b="1" dirty="0" err="1">
-                <a:latin typeface="Courier New" panose="02070309020205020404" pitchFamily="49" charset="0"/>
-                <a:cs typeface="Courier New" panose="02070309020205020404" pitchFamily="49" charset="0"/>
-              </a:rPr>
-              <a:t>sizeof</a:t>
-            </a:r>
-            <a:r>
-              <a:rPr lang="it-IT" sz="1600" b="1" dirty="0">
-                <a:latin typeface="Courier New" panose="02070309020205020404" pitchFamily="49" charset="0"/>
-                <a:cs typeface="Courier New" panose="02070309020205020404" pitchFamily="49" charset="0"/>
-              </a:rPr>
-              <a:t> f  &lt;&lt; " </a:t>
-            </a:r>
-            <a:r>
-              <a:rPr lang="it-IT" sz="1600" b="1" dirty="0" err="1">
-                <a:latin typeface="Courier New" panose="02070309020205020404" pitchFamily="49" charset="0"/>
-                <a:cs typeface="Courier New" panose="02070309020205020404" pitchFamily="49" charset="0"/>
-              </a:rPr>
-              <a:t>bytes</a:t>
-            </a:r>
-            <a:r>
-              <a:rPr lang="it-IT" sz="1600" b="1" dirty="0">
-                <a:latin typeface="Courier New" panose="02070309020205020404" pitchFamily="49" charset="0"/>
-                <a:cs typeface="Courier New" panose="02070309020205020404" pitchFamily="49" charset="0"/>
-              </a:rPr>
-              <a:t> " &lt;&lt; </a:t>
-            </a:r>
-            <a:r>
-              <a:rPr lang="it-IT" sz="1600" b="1" dirty="0" err="1">
-                <a:latin typeface="Courier New" panose="02070309020205020404" pitchFamily="49" charset="0"/>
-                <a:cs typeface="Courier New" panose="02070309020205020404" pitchFamily="49" charset="0"/>
-              </a:rPr>
-              <a:t>std</a:t>
-            </a:r>
-            <a:r>
-              <a:rPr lang="it-IT" sz="1600" b="1" dirty="0">
-                <a:latin typeface="Courier New" panose="02070309020205020404" pitchFamily="49" charset="0"/>
-                <a:cs typeface="Courier New" panose="02070309020205020404" pitchFamily="49" charset="0"/>
-              </a:rPr>
-              <a:t>::</a:t>
-            </a:r>
-            <a:r>
-              <a:rPr lang="it-IT" sz="1600" b="1" dirty="0" err="1">
-                <a:latin typeface="Courier New" panose="02070309020205020404" pitchFamily="49" charset="0"/>
-                <a:cs typeface="Courier New" panose="02070309020205020404" pitchFamily="49" charset="0"/>
-              </a:rPr>
-              <a:t>endl</a:t>
-            </a:r>
-            <a:r>
-              <a:rPr lang="it-IT" sz="1600" b="1" dirty="0">
-                <a:latin typeface="Courier New" panose="02070309020205020404" pitchFamily="49" charset="0"/>
-                <a:cs typeface="Courier New" panose="02070309020205020404" pitchFamily="49" charset="0"/>
-              </a:rPr>
-              <a:t>;</a:t>
-            </a:r>
-          </a:p>
-          <a:p>
-            <a:pPr marL="0" indent="0">
-              <a:buNone/>
-            </a:pPr>
-            <a:r>
-              <a:rPr lang="it-IT" sz="1600" b="1" dirty="0">
-                <a:latin typeface="Courier New" panose="02070309020205020404" pitchFamily="49" charset="0"/>
-                <a:cs typeface="Courier New" panose="02070309020205020404" pitchFamily="49" charset="0"/>
-              </a:rPr>
-              <a:t>    </a:t>
-            </a:r>
-            <a:r>
-              <a:rPr lang="it-IT" sz="1600" b="1" dirty="0" err="1">
-                <a:latin typeface="Courier New" panose="02070309020205020404" pitchFamily="49" charset="0"/>
-                <a:cs typeface="Courier New" panose="02070309020205020404" pitchFamily="49" charset="0"/>
-              </a:rPr>
-              <a:t>std</a:t>
-            </a:r>
-            <a:r>
-              <a:rPr lang="it-IT" sz="1600" b="1" dirty="0">
-                <a:latin typeface="Courier New" panose="02070309020205020404" pitchFamily="49" charset="0"/>
-                <a:cs typeface="Courier New" panose="02070309020205020404" pitchFamily="49" charset="0"/>
-              </a:rPr>
-              <a:t>::</a:t>
-            </a:r>
-            <a:r>
-              <a:rPr lang="it-IT" sz="1600" b="1" dirty="0" err="1">
-                <a:latin typeface="Courier New" panose="02070309020205020404" pitchFamily="49" charset="0"/>
-                <a:cs typeface="Courier New" panose="02070309020205020404" pitchFamily="49" charset="0"/>
-              </a:rPr>
-              <a:t>cout</a:t>
-            </a:r>
-            <a:r>
-              <a:rPr lang="it-IT" sz="1600" b="1" dirty="0">
-                <a:latin typeface="Courier New" panose="02070309020205020404" pitchFamily="49" charset="0"/>
-                <a:cs typeface="Courier New" panose="02070309020205020404" pitchFamily="49" charset="0"/>
-              </a:rPr>
-              <a:t> &lt;&lt; "</a:t>
-            </a:r>
-            <a:r>
-              <a:rPr lang="it-IT" sz="1600" b="1" dirty="0" err="1">
-                <a:latin typeface="Courier New" panose="02070309020205020404" pitchFamily="49" charset="0"/>
-                <a:cs typeface="Courier New" panose="02070309020205020404" pitchFamily="49" charset="0"/>
-              </a:rPr>
-              <a:t>size</a:t>
-            </a:r>
-            <a:r>
-              <a:rPr lang="it-IT" sz="1600" b="1" dirty="0">
-                <a:latin typeface="Courier New" panose="02070309020205020404" pitchFamily="49" charset="0"/>
-                <a:cs typeface="Courier New" panose="02070309020205020404" pitchFamily="49" charset="0"/>
-              </a:rPr>
-              <a:t> of </a:t>
-            </a:r>
-            <a:r>
-              <a:rPr lang="it-IT" sz="1600" b="1" dirty="0" err="1">
-                <a:latin typeface="Courier New" panose="02070309020205020404" pitchFamily="49" charset="0"/>
-                <a:cs typeface="Courier New" panose="02070309020205020404" pitchFamily="49" charset="0"/>
-              </a:rPr>
-              <a:t>char</a:t>
-            </a:r>
-            <a:r>
-              <a:rPr lang="it-IT" sz="1600" b="1" dirty="0">
-                <a:latin typeface="Courier New" panose="02070309020205020404" pitchFamily="49" charset="0"/>
-                <a:cs typeface="Courier New" panose="02070309020205020404" pitchFamily="49" charset="0"/>
-              </a:rPr>
-              <a:t>:    " &lt;&lt; </a:t>
-            </a:r>
-            <a:r>
-              <a:rPr lang="it-IT" sz="1600" b="1" dirty="0" err="1">
-                <a:latin typeface="Courier New" panose="02070309020205020404" pitchFamily="49" charset="0"/>
-                <a:cs typeface="Courier New" panose="02070309020205020404" pitchFamily="49" charset="0"/>
-              </a:rPr>
-              <a:t>sizeof</a:t>
-            </a:r>
-            <a:r>
-              <a:rPr lang="it-IT" sz="1600" b="1" dirty="0">
-                <a:latin typeface="Courier New" panose="02070309020205020404" pitchFamily="49" charset="0"/>
-                <a:cs typeface="Courier New" panose="02070309020205020404" pitchFamily="49" charset="0"/>
-              </a:rPr>
-              <a:t> c  &lt;&lt; " </a:t>
-            </a:r>
-            <a:r>
-              <a:rPr lang="it-IT" sz="1600" b="1" dirty="0" err="1">
-                <a:latin typeface="Courier New" panose="02070309020205020404" pitchFamily="49" charset="0"/>
-                <a:cs typeface="Courier New" panose="02070309020205020404" pitchFamily="49" charset="0"/>
-              </a:rPr>
-              <a:t>bytes</a:t>
-            </a:r>
-            <a:r>
-              <a:rPr lang="it-IT" sz="1600" b="1" dirty="0">
-                <a:latin typeface="Courier New" panose="02070309020205020404" pitchFamily="49" charset="0"/>
-                <a:cs typeface="Courier New" panose="02070309020205020404" pitchFamily="49" charset="0"/>
-              </a:rPr>
-              <a:t> " &lt;&lt; </a:t>
-            </a:r>
-            <a:r>
-              <a:rPr lang="it-IT" sz="1600" b="1" dirty="0" err="1">
-                <a:latin typeface="Courier New" panose="02070309020205020404" pitchFamily="49" charset="0"/>
-                <a:cs typeface="Courier New" panose="02070309020205020404" pitchFamily="49" charset="0"/>
-              </a:rPr>
-              <a:t>std</a:t>
-            </a:r>
-            <a:r>
-              <a:rPr lang="it-IT" sz="1600" b="1" dirty="0">
-                <a:latin typeface="Courier New" panose="02070309020205020404" pitchFamily="49" charset="0"/>
-                <a:cs typeface="Courier New" panose="02070309020205020404" pitchFamily="49" charset="0"/>
-              </a:rPr>
-              <a:t>::</a:t>
-            </a:r>
-            <a:r>
-              <a:rPr lang="it-IT" sz="1600" b="1" dirty="0" err="1">
-                <a:latin typeface="Courier New" panose="02070309020205020404" pitchFamily="49" charset="0"/>
-                <a:cs typeface="Courier New" panose="02070309020205020404" pitchFamily="49" charset="0"/>
-              </a:rPr>
-              <a:t>endl</a:t>
-            </a:r>
-            <a:r>
-              <a:rPr lang="it-IT" sz="1600" b="1" dirty="0">
-                <a:latin typeface="Courier New" panose="02070309020205020404" pitchFamily="49" charset="0"/>
-                <a:cs typeface="Courier New" panose="02070309020205020404" pitchFamily="49" charset="0"/>
-              </a:rPr>
-              <a:t>;</a:t>
-            </a:r>
-          </a:p>
-          <a:p>
-            <a:pPr marL="0" indent="0">
-              <a:buNone/>
-            </a:pPr>
-            <a:r>
-              <a:rPr lang="it-IT" sz="1600" b="1" dirty="0">
-                <a:latin typeface="Courier New" panose="02070309020205020404" pitchFamily="49" charset="0"/>
-                <a:cs typeface="Courier New" panose="02070309020205020404" pitchFamily="49" charset="0"/>
-              </a:rPr>
-              <a:t>    </a:t>
-            </a:r>
-            <a:r>
-              <a:rPr lang="it-IT" sz="1600" b="1" dirty="0" err="1">
-                <a:latin typeface="Courier New" panose="02070309020205020404" pitchFamily="49" charset="0"/>
-                <a:cs typeface="Courier New" panose="02070309020205020404" pitchFamily="49" charset="0"/>
-              </a:rPr>
-              <a:t>std</a:t>
-            </a:r>
-            <a:r>
-              <a:rPr lang="it-IT" sz="1600" b="1" dirty="0">
-                <a:latin typeface="Courier New" panose="02070309020205020404" pitchFamily="49" charset="0"/>
-                <a:cs typeface="Courier New" panose="02070309020205020404" pitchFamily="49" charset="0"/>
-              </a:rPr>
-              <a:t>::</a:t>
-            </a:r>
-            <a:r>
-              <a:rPr lang="it-IT" sz="1600" b="1" dirty="0" err="1">
-                <a:latin typeface="Courier New" panose="02070309020205020404" pitchFamily="49" charset="0"/>
-                <a:cs typeface="Courier New" panose="02070309020205020404" pitchFamily="49" charset="0"/>
-              </a:rPr>
-              <a:t>cout</a:t>
-            </a:r>
-            <a:r>
-              <a:rPr lang="it-IT" sz="1600" b="1" dirty="0">
-                <a:latin typeface="Courier New" panose="02070309020205020404" pitchFamily="49" charset="0"/>
-                <a:cs typeface="Courier New" panose="02070309020205020404" pitchFamily="49" charset="0"/>
-              </a:rPr>
-              <a:t> &lt;&lt; "</a:t>
-            </a:r>
-            <a:r>
-              <a:rPr lang="it-IT" sz="1600" b="1" dirty="0" err="1">
-                <a:latin typeface="Courier New" panose="02070309020205020404" pitchFamily="49" charset="0"/>
-                <a:cs typeface="Courier New" panose="02070309020205020404" pitchFamily="49" charset="0"/>
-              </a:rPr>
-              <a:t>size</a:t>
-            </a:r>
-            <a:r>
-              <a:rPr lang="it-IT" sz="1600" b="1" dirty="0">
-                <a:latin typeface="Courier New" panose="02070309020205020404" pitchFamily="49" charset="0"/>
-                <a:cs typeface="Courier New" panose="02070309020205020404" pitchFamily="49" charset="0"/>
-              </a:rPr>
-              <a:t> of </a:t>
-            </a:r>
-            <a:r>
-              <a:rPr lang="it-IT" sz="1600" b="1" dirty="0" err="1">
-                <a:latin typeface="Courier New" panose="02070309020205020404" pitchFamily="49" charset="0"/>
-                <a:cs typeface="Courier New" panose="02070309020205020404" pitchFamily="49" charset="0"/>
-              </a:rPr>
-              <a:t>bool</a:t>
-            </a:r>
-            <a:r>
-              <a:rPr lang="it-IT" sz="1600" b="1" dirty="0">
-                <a:latin typeface="Courier New" panose="02070309020205020404" pitchFamily="49" charset="0"/>
-                <a:cs typeface="Courier New" panose="02070309020205020404" pitchFamily="49" charset="0"/>
-              </a:rPr>
-              <a:t>:    " &lt;&lt; </a:t>
-            </a:r>
-            <a:r>
-              <a:rPr lang="it-IT" sz="1600" b="1" dirty="0" err="1">
-                <a:latin typeface="Courier New" panose="02070309020205020404" pitchFamily="49" charset="0"/>
-                <a:cs typeface="Courier New" panose="02070309020205020404" pitchFamily="49" charset="0"/>
-              </a:rPr>
-              <a:t>sizeof</a:t>
-            </a:r>
-            <a:r>
-              <a:rPr lang="it-IT" sz="1600" b="1" dirty="0">
-                <a:latin typeface="Courier New" panose="02070309020205020404" pitchFamily="49" charset="0"/>
-                <a:cs typeface="Courier New" panose="02070309020205020404" pitchFamily="49" charset="0"/>
-              </a:rPr>
-              <a:t> b  &lt;&lt; " </a:t>
-            </a:r>
-            <a:r>
-              <a:rPr lang="it-IT" sz="1600" b="1" dirty="0" err="1">
-                <a:latin typeface="Courier New" panose="02070309020205020404" pitchFamily="49" charset="0"/>
-                <a:cs typeface="Courier New" panose="02070309020205020404" pitchFamily="49" charset="0"/>
-              </a:rPr>
-              <a:t>bytes</a:t>
-            </a:r>
-            <a:r>
-              <a:rPr lang="it-IT" sz="1600" b="1" dirty="0">
-                <a:latin typeface="Courier New" panose="02070309020205020404" pitchFamily="49" charset="0"/>
-                <a:cs typeface="Courier New" panose="02070309020205020404" pitchFamily="49" charset="0"/>
-              </a:rPr>
-              <a:t> " &lt;&lt; </a:t>
-            </a:r>
-            <a:r>
-              <a:rPr lang="it-IT" sz="1600" b="1" dirty="0" err="1">
-                <a:latin typeface="Courier New" panose="02070309020205020404" pitchFamily="49" charset="0"/>
-                <a:cs typeface="Courier New" panose="02070309020205020404" pitchFamily="49" charset="0"/>
-              </a:rPr>
-              <a:t>std</a:t>
-            </a:r>
-            <a:r>
-              <a:rPr lang="it-IT" sz="1600" b="1" dirty="0">
-                <a:latin typeface="Courier New" panose="02070309020205020404" pitchFamily="49" charset="0"/>
-                <a:cs typeface="Courier New" panose="02070309020205020404" pitchFamily="49" charset="0"/>
-              </a:rPr>
-              <a:t>::</a:t>
-            </a:r>
-            <a:r>
-              <a:rPr lang="it-IT" sz="1600" b="1" dirty="0" err="1">
-                <a:latin typeface="Courier New" panose="02070309020205020404" pitchFamily="49" charset="0"/>
-                <a:cs typeface="Courier New" panose="02070309020205020404" pitchFamily="49" charset="0"/>
-              </a:rPr>
-              <a:t>endl</a:t>
-            </a:r>
-            <a:r>
-              <a:rPr lang="it-IT" sz="1600" b="1" dirty="0">
-                <a:latin typeface="Courier New" panose="02070309020205020404" pitchFamily="49" charset="0"/>
-                <a:cs typeface="Courier New" panose="02070309020205020404" pitchFamily="49" charset="0"/>
-              </a:rPr>
-              <a:t>;</a:t>
-            </a:r>
-          </a:p>
-          <a:p>
-            <a:pPr marL="0" indent="0">
-              <a:buNone/>
-            </a:pPr>
-            <a:r>
-              <a:rPr lang="it-IT" sz="1600" b="1" dirty="0">
-                <a:latin typeface="Courier New" panose="02070309020205020404" pitchFamily="49" charset="0"/>
-                <a:cs typeface="Courier New" panose="02070309020205020404" pitchFamily="49" charset="0"/>
-              </a:rPr>
-              <a:t>    </a:t>
-            </a:r>
-            <a:r>
-              <a:rPr lang="it-IT" sz="1600" b="1" dirty="0" err="1">
-                <a:latin typeface="Courier New" panose="02070309020205020404" pitchFamily="49" charset="0"/>
-                <a:cs typeface="Courier New" panose="02070309020205020404" pitchFamily="49" charset="0"/>
-              </a:rPr>
-              <a:t>std</a:t>
-            </a:r>
-            <a:r>
-              <a:rPr lang="it-IT" sz="1600" b="1" dirty="0">
-                <a:latin typeface="Courier New" panose="02070309020205020404" pitchFamily="49" charset="0"/>
-                <a:cs typeface="Courier New" panose="02070309020205020404" pitchFamily="49" charset="0"/>
-              </a:rPr>
-              <a:t>::</a:t>
-            </a:r>
-            <a:r>
-              <a:rPr lang="it-IT" sz="1600" b="1" dirty="0" err="1">
-                <a:latin typeface="Courier New" panose="02070309020205020404" pitchFamily="49" charset="0"/>
-                <a:cs typeface="Courier New" panose="02070309020205020404" pitchFamily="49" charset="0"/>
-              </a:rPr>
-              <a:t>cout</a:t>
-            </a:r>
-            <a:r>
-              <a:rPr lang="it-IT" sz="1600" b="1" dirty="0">
-                <a:latin typeface="Courier New" panose="02070309020205020404" pitchFamily="49" charset="0"/>
-                <a:cs typeface="Courier New" panose="02070309020205020404" pitchFamily="49" charset="0"/>
-              </a:rPr>
-              <a:t> &lt;&lt; "</a:t>
-            </a:r>
-            <a:r>
-              <a:rPr lang="it-IT" sz="1600" b="1" dirty="0" err="1">
-                <a:latin typeface="Courier New" panose="02070309020205020404" pitchFamily="49" charset="0"/>
-                <a:cs typeface="Courier New" panose="02070309020205020404" pitchFamily="49" charset="0"/>
-              </a:rPr>
-              <a:t>size</a:t>
-            </a:r>
-            <a:r>
-              <a:rPr lang="it-IT" sz="1600" b="1" dirty="0">
-                <a:latin typeface="Courier New" panose="02070309020205020404" pitchFamily="49" charset="0"/>
-                <a:cs typeface="Courier New" panose="02070309020205020404" pitchFamily="49" charset="0"/>
-              </a:rPr>
-              <a:t> of </a:t>
-            </a:r>
-            <a:r>
-              <a:rPr lang="it-IT" sz="1600" b="1" dirty="0" err="1">
-                <a:latin typeface="Courier New" panose="02070309020205020404" pitchFamily="49" charset="0"/>
-                <a:cs typeface="Courier New" panose="02070309020205020404" pitchFamily="49" charset="0"/>
-              </a:rPr>
-              <a:t>int</a:t>
-            </a:r>
-            <a:r>
-              <a:rPr lang="it-IT" sz="1600" b="1" dirty="0">
-                <a:latin typeface="Courier New" panose="02070309020205020404" pitchFamily="49" charset="0"/>
-                <a:cs typeface="Courier New" panose="02070309020205020404" pitchFamily="49" charset="0"/>
-              </a:rPr>
-              <a:t>[10]: " &lt;&lt; </a:t>
-            </a:r>
-            <a:r>
-              <a:rPr lang="it-IT" sz="1600" b="1" dirty="0" err="1">
-                <a:latin typeface="Courier New" panose="02070309020205020404" pitchFamily="49" charset="0"/>
-                <a:cs typeface="Courier New" panose="02070309020205020404" pitchFamily="49" charset="0"/>
-              </a:rPr>
-              <a:t>sizeof</a:t>
-            </a:r>
-            <a:r>
-              <a:rPr lang="it-IT" sz="1600" b="1" dirty="0">
-                <a:latin typeface="Courier New" panose="02070309020205020404" pitchFamily="49" charset="0"/>
-                <a:cs typeface="Courier New" panose="02070309020205020404" pitchFamily="49" charset="0"/>
-              </a:rPr>
-              <a:t> v  &lt;&lt; " </a:t>
-            </a:r>
-            <a:r>
-              <a:rPr lang="it-IT" sz="1600" b="1" dirty="0" err="1">
-                <a:latin typeface="Courier New" panose="02070309020205020404" pitchFamily="49" charset="0"/>
-                <a:cs typeface="Courier New" panose="02070309020205020404" pitchFamily="49" charset="0"/>
-              </a:rPr>
-              <a:t>bytes</a:t>
-            </a:r>
-            <a:r>
-              <a:rPr lang="it-IT" sz="1600" b="1" dirty="0">
-                <a:latin typeface="Courier New" panose="02070309020205020404" pitchFamily="49" charset="0"/>
-                <a:cs typeface="Courier New" panose="02070309020205020404" pitchFamily="49" charset="0"/>
-              </a:rPr>
-              <a:t> " &lt;&lt; </a:t>
-            </a:r>
-            <a:r>
-              <a:rPr lang="it-IT" sz="1600" b="1" dirty="0" err="1">
-                <a:latin typeface="Courier New" panose="02070309020205020404" pitchFamily="49" charset="0"/>
-                <a:cs typeface="Courier New" panose="02070309020205020404" pitchFamily="49" charset="0"/>
-              </a:rPr>
-              <a:t>std</a:t>
-            </a:r>
-            <a:r>
-              <a:rPr lang="it-IT" sz="1600" b="1" dirty="0">
-                <a:latin typeface="Courier New" panose="02070309020205020404" pitchFamily="49" charset="0"/>
-                <a:cs typeface="Courier New" panose="02070309020205020404" pitchFamily="49" charset="0"/>
-              </a:rPr>
-              <a:t>::</a:t>
-            </a:r>
-            <a:r>
-              <a:rPr lang="it-IT" sz="1600" b="1" dirty="0" err="1">
-                <a:latin typeface="Courier New" panose="02070309020205020404" pitchFamily="49" charset="0"/>
-                <a:cs typeface="Courier New" panose="02070309020205020404" pitchFamily="49" charset="0"/>
-              </a:rPr>
-              <a:t>endl</a:t>
-            </a:r>
-            <a:r>
-              <a:rPr lang="it-IT" sz="1600" b="1" dirty="0">
-                <a:latin typeface="Courier New" panose="02070309020205020404" pitchFamily="49" charset="0"/>
-                <a:cs typeface="Courier New" panose="02070309020205020404" pitchFamily="49" charset="0"/>
-              </a:rPr>
-              <a:t>;</a:t>
-            </a:r>
-          </a:p>
-          <a:p>
-            <a:pPr marL="0" indent="0">
-              <a:buNone/>
-            </a:pPr>
-            <a:r>
-              <a:rPr lang="it-IT" sz="1600" b="1" dirty="0">
-                <a:latin typeface="Courier New" panose="02070309020205020404" pitchFamily="49" charset="0"/>
-                <a:cs typeface="Courier New" panose="02070309020205020404" pitchFamily="49" charset="0"/>
-              </a:rPr>
-              <a:t>    </a:t>
-            </a:r>
-            <a:r>
-              <a:rPr lang="it-IT" sz="1600" b="1" dirty="0" err="1">
-                <a:latin typeface="Courier New" panose="02070309020205020404" pitchFamily="49" charset="0"/>
-                <a:cs typeface="Courier New" panose="02070309020205020404" pitchFamily="49" charset="0"/>
-              </a:rPr>
-              <a:t>std</a:t>
-            </a:r>
-            <a:r>
-              <a:rPr lang="it-IT" sz="1600" b="1" dirty="0">
-                <a:latin typeface="Courier New" panose="02070309020205020404" pitchFamily="49" charset="0"/>
-                <a:cs typeface="Courier New" panose="02070309020205020404" pitchFamily="49" charset="0"/>
-              </a:rPr>
-              <a:t>::</a:t>
-            </a:r>
-            <a:r>
-              <a:rPr lang="it-IT" sz="1600" b="1" dirty="0" err="1">
-                <a:latin typeface="Courier New" panose="02070309020205020404" pitchFamily="49" charset="0"/>
-                <a:cs typeface="Courier New" panose="02070309020205020404" pitchFamily="49" charset="0"/>
-              </a:rPr>
-              <a:t>cout</a:t>
-            </a:r>
-            <a:r>
-              <a:rPr lang="it-IT" sz="1600" b="1" dirty="0">
-                <a:latin typeface="Courier New" panose="02070309020205020404" pitchFamily="49" charset="0"/>
-                <a:cs typeface="Courier New" panose="02070309020205020404" pitchFamily="49" charset="0"/>
-              </a:rPr>
-              <a:t> &lt;&lt; "</a:t>
-            </a:r>
-            <a:r>
-              <a:rPr lang="it-IT" sz="1600" b="1" dirty="0" err="1">
-                <a:latin typeface="Courier New" panose="02070309020205020404" pitchFamily="49" charset="0"/>
-                <a:cs typeface="Courier New" panose="02070309020205020404" pitchFamily="49" charset="0"/>
-              </a:rPr>
-              <a:t>size</a:t>
-            </a:r>
-            <a:r>
-              <a:rPr lang="it-IT" sz="1600" b="1" dirty="0">
-                <a:latin typeface="Courier New" panose="02070309020205020404" pitchFamily="49" charset="0"/>
-                <a:cs typeface="Courier New" panose="02070309020205020404" pitchFamily="49" charset="0"/>
-              </a:rPr>
-              <a:t> of </a:t>
-            </a:r>
-            <a:r>
-              <a:rPr lang="it-IT" sz="1600" b="1" dirty="0" err="1">
-                <a:latin typeface="Courier New" panose="02070309020205020404" pitchFamily="49" charset="0"/>
-                <a:cs typeface="Courier New" panose="02070309020205020404" pitchFamily="49" charset="0"/>
-              </a:rPr>
-              <a:t>int</a:t>
-            </a:r>
-            <a:r>
-              <a:rPr lang="it-IT" sz="1600" b="1" dirty="0">
-                <a:latin typeface="Courier New" panose="02070309020205020404" pitchFamily="49" charset="0"/>
-                <a:cs typeface="Courier New" panose="02070309020205020404" pitchFamily="49" charset="0"/>
-              </a:rPr>
-              <a:t>*:    " &lt;&lt; </a:t>
-            </a:r>
-            <a:r>
-              <a:rPr lang="it-IT" sz="1600" b="1" dirty="0" err="1">
-                <a:latin typeface="Courier New" panose="02070309020205020404" pitchFamily="49" charset="0"/>
-                <a:cs typeface="Courier New" panose="02070309020205020404" pitchFamily="49" charset="0"/>
-              </a:rPr>
-              <a:t>sizeof</a:t>
-            </a:r>
-            <a:r>
-              <a:rPr lang="it-IT" sz="1600" b="1" dirty="0">
-                <a:latin typeface="Courier New" panose="02070309020205020404" pitchFamily="49" charset="0"/>
-                <a:cs typeface="Courier New" panose="02070309020205020404" pitchFamily="49" charset="0"/>
-              </a:rPr>
-              <a:t> </a:t>
-            </a:r>
-            <a:r>
-              <a:rPr lang="it-IT" sz="1600" b="1" dirty="0" err="1">
-                <a:latin typeface="Courier New" panose="02070309020205020404" pitchFamily="49" charset="0"/>
-                <a:cs typeface="Courier New" panose="02070309020205020404" pitchFamily="49" charset="0"/>
-              </a:rPr>
-              <a:t>pi</a:t>
-            </a:r>
-            <a:r>
-              <a:rPr lang="it-IT" sz="1600" b="1" dirty="0">
-                <a:latin typeface="Courier New" panose="02070309020205020404" pitchFamily="49" charset="0"/>
-                <a:cs typeface="Courier New" panose="02070309020205020404" pitchFamily="49" charset="0"/>
-              </a:rPr>
-              <a:t> &lt;&lt; " </a:t>
-            </a:r>
-            <a:r>
-              <a:rPr lang="it-IT" sz="1600" b="1" dirty="0" err="1">
-                <a:latin typeface="Courier New" panose="02070309020205020404" pitchFamily="49" charset="0"/>
-                <a:cs typeface="Courier New" panose="02070309020205020404" pitchFamily="49" charset="0"/>
-              </a:rPr>
-              <a:t>bytes</a:t>
-            </a:r>
-            <a:r>
-              <a:rPr lang="it-IT" sz="1600" b="1" dirty="0">
-                <a:latin typeface="Courier New" panose="02070309020205020404" pitchFamily="49" charset="0"/>
-                <a:cs typeface="Courier New" panose="02070309020205020404" pitchFamily="49" charset="0"/>
-              </a:rPr>
-              <a:t> " &lt;&lt; </a:t>
-            </a:r>
-            <a:r>
-              <a:rPr lang="it-IT" sz="1600" b="1" dirty="0" err="1">
-                <a:latin typeface="Courier New" panose="02070309020205020404" pitchFamily="49" charset="0"/>
-                <a:cs typeface="Courier New" panose="02070309020205020404" pitchFamily="49" charset="0"/>
-              </a:rPr>
-              <a:t>std</a:t>
-            </a:r>
-            <a:r>
-              <a:rPr lang="it-IT" sz="1600" b="1" dirty="0">
-                <a:latin typeface="Courier New" panose="02070309020205020404" pitchFamily="49" charset="0"/>
-                <a:cs typeface="Courier New" panose="02070309020205020404" pitchFamily="49" charset="0"/>
-              </a:rPr>
-              <a:t>::</a:t>
-            </a:r>
-            <a:r>
-              <a:rPr lang="it-IT" sz="1600" b="1" dirty="0" err="1">
-                <a:latin typeface="Courier New" panose="02070309020205020404" pitchFamily="49" charset="0"/>
-                <a:cs typeface="Courier New" panose="02070309020205020404" pitchFamily="49" charset="0"/>
-              </a:rPr>
-              <a:t>endl</a:t>
-            </a:r>
-            <a:r>
-              <a:rPr lang="it-IT" sz="1600" b="1" dirty="0">
-                <a:latin typeface="Courier New" panose="02070309020205020404" pitchFamily="49" charset="0"/>
-                <a:cs typeface="Courier New" panose="02070309020205020404" pitchFamily="49" charset="0"/>
-              </a:rPr>
-              <a:t>;</a:t>
-            </a:r>
-          </a:p>
-          <a:p>
-            <a:pPr marL="0" indent="0">
-              <a:buNone/>
-            </a:pPr>
-            <a:r>
-              <a:rPr lang="it-IT" sz="1600" b="1" dirty="0">
-                <a:latin typeface="Courier New" panose="02070309020205020404" pitchFamily="49" charset="0"/>
-                <a:cs typeface="Courier New" panose="02070309020205020404" pitchFamily="49" charset="0"/>
-              </a:rPr>
-              <a:t>    </a:t>
-            </a:r>
-            <a:r>
-              <a:rPr lang="it-IT" sz="1600" b="1" dirty="0" err="1">
-                <a:latin typeface="Courier New" panose="02070309020205020404" pitchFamily="49" charset="0"/>
-                <a:cs typeface="Courier New" panose="02070309020205020404" pitchFamily="49" charset="0"/>
-              </a:rPr>
-              <a:t>std</a:t>
-            </a:r>
-            <a:r>
-              <a:rPr lang="it-IT" sz="1600" b="1" dirty="0">
-                <a:latin typeface="Courier New" panose="02070309020205020404" pitchFamily="49" charset="0"/>
-                <a:cs typeface="Courier New" panose="02070309020205020404" pitchFamily="49" charset="0"/>
-              </a:rPr>
-              <a:t>::</a:t>
-            </a:r>
-            <a:r>
-              <a:rPr lang="it-IT" sz="1600" b="1" dirty="0" err="1">
-                <a:latin typeface="Courier New" panose="02070309020205020404" pitchFamily="49" charset="0"/>
-                <a:cs typeface="Courier New" panose="02070309020205020404" pitchFamily="49" charset="0"/>
-              </a:rPr>
-              <a:t>cout</a:t>
-            </a:r>
-            <a:r>
-              <a:rPr lang="it-IT" sz="1600" b="1" dirty="0">
-                <a:latin typeface="Courier New" panose="02070309020205020404" pitchFamily="49" charset="0"/>
-                <a:cs typeface="Courier New" panose="02070309020205020404" pitchFamily="49" charset="0"/>
-              </a:rPr>
-              <a:t> &lt;&lt; "</a:t>
-            </a:r>
-            <a:r>
-              <a:rPr lang="it-IT" sz="1600" b="1" dirty="0" err="1">
-                <a:latin typeface="Courier New" panose="02070309020205020404" pitchFamily="49" charset="0"/>
-                <a:cs typeface="Courier New" panose="02070309020205020404" pitchFamily="49" charset="0"/>
-              </a:rPr>
-              <a:t>size</a:t>
-            </a:r>
-            <a:r>
-              <a:rPr lang="it-IT" sz="1600" b="1" dirty="0">
-                <a:latin typeface="Courier New" panose="02070309020205020404" pitchFamily="49" charset="0"/>
-                <a:cs typeface="Courier New" panose="02070309020205020404" pitchFamily="49" charset="0"/>
-              </a:rPr>
-              <a:t> of double*: " &lt;&lt; </a:t>
-            </a:r>
-            <a:r>
-              <a:rPr lang="it-IT" sz="1600" b="1" dirty="0" err="1">
-                <a:latin typeface="Courier New" panose="02070309020205020404" pitchFamily="49" charset="0"/>
-                <a:cs typeface="Courier New" panose="02070309020205020404" pitchFamily="49" charset="0"/>
-              </a:rPr>
-              <a:t>sizeof</a:t>
-            </a:r>
-            <a:r>
-              <a:rPr lang="it-IT" sz="1600" b="1" dirty="0">
-                <a:latin typeface="Courier New" panose="02070309020205020404" pitchFamily="49" charset="0"/>
-                <a:cs typeface="Courier New" panose="02070309020205020404" pitchFamily="49" charset="0"/>
-              </a:rPr>
-              <a:t> </a:t>
-            </a:r>
-            <a:r>
-              <a:rPr lang="it-IT" sz="1600" b="1" dirty="0" err="1">
-                <a:latin typeface="Courier New" panose="02070309020205020404" pitchFamily="49" charset="0"/>
-                <a:cs typeface="Courier New" panose="02070309020205020404" pitchFamily="49" charset="0"/>
-              </a:rPr>
-              <a:t>pd</a:t>
-            </a:r>
-            <a:r>
-              <a:rPr lang="it-IT" sz="1600" b="1" dirty="0">
-                <a:latin typeface="Courier New" panose="02070309020205020404" pitchFamily="49" charset="0"/>
-                <a:cs typeface="Courier New" panose="02070309020205020404" pitchFamily="49" charset="0"/>
-              </a:rPr>
-              <a:t> &lt;&lt; " </a:t>
-            </a:r>
-            <a:r>
-              <a:rPr lang="it-IT" sz="1600" b="1" dirty="0" err="1">
-                <a:latin typeface="Courier New" panose="02070309020205020404" pitchFamily="49" charset="0"/>
-                <a:cs typeface="Courier New" panose="02070309020205020404" pitchFamily="49" charset="0"/>
-              </a:rPr>
-              <a:t>bytes</a:t>
-            </a:r>
-            <a:r>
-              <a:rPr lang="it-IT" sz="1600" b="1" dirty="0">
-                <a:latin typeface="Courier New" panose="02070309020205020404" pitchFamily="49" charset="0"/>
-                <a:cs typeface="Courier New" panose="02070309020205020404" pitchFamily="49" charset="0"/>
-              </a:rPr>
-              <a:t> " &lt;&lt; </a:t>
-            </a:r>
-            <a:r>
-              <a:rPr lang="it-IT" sz="1600" b="1" dirty="0" err="1">
-                <a:latin typeface="Courier New" panose="02070309020205020404" pitchFamily="49" charset="0"/>
-                <a:cs typeface="Courier New" panose="02070309020205020404" pitchFamily="49" charset="0"/>
-              </a:rPr>
-              <a:t>std</a:t>
-            </a:r>
-            <a:r>
-              <a:rPr lang="it-IT" sz="1600" b="1" dirty="0">
-                <a:latin typeface="Courier New" panose="02070309020205020404" pitchFamily="49" charset="0"/>
-                <a:cs typeface="Courier New" panose="02070309020205020404" pitchFamily="49" charset="0"/>
-              </a:rPr>
-              <a:t>::</a:t>
-            </a:r>
-            <a:r>
-              <a:rPr lang="it-IT" sz="1600" b="1" dirty="0" err="1">
-                <a:latin typeface="Courier New" panose="02070309020205020404" pitchFamily="49" charset="0"/>
-                <a:cs typeface="Courier New" panose="02070309020205020404" pitchFamily="49" charset="0"/>
-              </a:rPr>
-              <a:t>endl</a:t>
-            </a:r>
-            <a:r>
-              <a:rPr lang="it-IT" sz="1600" b="1" dirty="0">
-                <a:latin typeface="Courier New" panose="02070309020205020404" pitchFamily="49" charset="0"/>
-                <a:cs typeface="Courier New" panose="02070309020205020404" pitchFamily="49" charset="0"/>
-              </a:rPr>
-              <a:t>;	</a:t>
-            </a:r>
-          </a:p>
-          <a:p>
-            <a:pPr marL="0" indent="0">
-              <a:buNone/>
-            </a:pPr>
-            <a:r>
-              <a:rPr lang="it-IT" sz="1600" b="1" dirty="0">
-                <a:latin typeface="Courier New" panose="02070309020205020404" pitchFamily="49" charset="0"/>
-                <a:cs typeface="Courier New" panose="02070309020205020404" pitchFamily="49" charset="0"/>
-              </a:rPr>
-              <a:t>    </a:t>
-            </a:r>
-            <a:r>
-              <a:rPr lang="it-IT" sz="1600" b="1" dirty="0" err="1">
-                <a:latin typeface="Courier New" panose="02070309020205020404" pitchFamily="49" charset="0"/>
-                <a:cs typeface="Courier New" panose="02070309020205020404" pitchFamily="49" charset="0"/>
-              </a:rPr>
-              <a:t>return</a:t>
-            </a:r>
-            <a:r>
-              <a:rPr lang="it-IT" sz="1600" b="1" dirty="0">
-                <a:latin typeface="Courier New" panose="02070309020205020404" pitchFamily="49" charset="0"/>
-                <a:cs typeface="Courier New" panose="02070309020205020404" pitchFamily="49" charset="0"/>
-              </a:rPr>
-              <a:t> 0;</a:t>
-            </a:r>
-          </a:p>
-          <a:p>
-            <a:pPr marL="0" indent="0">
-              <a:buNone/>
-            </a:pPr>
-            <a:r>
-              <a:rPr lang="it-IT" sz="1600" b="1" dirty="0">
-                <a:latin typeface="Courier New" panose="02070309020205020404" pitchFamily="49" charset="0"/>
-                <a:cs typeface="Courier New" panose="02070309020205020404" pitchFamily="49" charset="0"/>
-              </a:rPr>
-              <a:t>}</a:t>
-            </a:r>
-          </a:p>
-        </p:txBody>
-      </p:sp>
-      <p:sp>
-        <p:nvSpPr>
-          <p:cNvPr id="4" name="Segnaposto piè di pagina 3">
-            <a:extLst>
-              <a:ext uri="{FF2B5EF4-FFF2-40B4-BE49-F238E27FC236}">
-                <a16:creationId xmlns:a16="http://schemas.microsoft.com/office/drawing/2014/main" id="{7E0CCA79-99C5-4F7A-A06C-D107B7C78002}"/>
-              </a:ext>
-            </a:extLst>
-          </p:cNvPr>
-          <p:cNvSpPr>
-            <a:spLocks noGrp="1"/>
-          </p:cNvSpPr>
-          <p:nvPr>
-            <p:ph type="ftr" sz="quarter" idx="11"/>
-          </p:nvPr>
-        </p:nvSpPr>
-        <p:spPr/>
-        <p:txBody>
-          <a:bodyPr/>
-          <a:lstStyle/>
-          <a:p>
-            <a:pPr>
-              <a:defRPr/>
-            </a:pPr>
-            <a:r>
-              <a:rPr lang="it-IT"/>
-              <a:t>Alberto Ferrari – Programmazione di applicazioni SW</a:t>
-            </a:r>
-            <a:endParaRPr lang="it-IT" dirty="0"/>
-          </a:p>
-        </p:txBody>
-      </p:sp>
-      <p:pic>
-        <p:nvPicPr>
-          <p:cNvPr id="9" name="Immagine 8">
-            <a:extLst>
-              <a:ext uri="{FF2B5EF4-FFF2-40B4-BE49-F238E27FC236}">
-                <a16:creationId xmlns:a16="http://schemas.microsoft.com/office/drawing/2014/main" id="{4DE7D366-42F5-4782-8964-0BCFC4976531}"/>
-              </a:ext>
-            </a:extLst>
-          </p:cNvPr>
-          <p:cNvPicPr>
-            <a:picLocks noChangeAspect="1"/>
-          </p:cNvPicPr>
-          <p:nvPr/>
-        </p:nvPicPr>
-        <p:blipFill>
-          <a:blip r:embed="rId2"/>
-          <a:stretch>
-            <a:fillRect/>
-          </a:stretch>
-        </p:blipFill>
-        <p:spPr>
-          <a:xfrm>
-            <a:off x="8824383" y="1010654"/>
-            <a:ext cx="2743200" cy="1905000"/>
-          </a:xfrm>
-          <a:prstGeom prst="rect">
-            <a:avLst/>
-          </a:prstGeom>
-          <a:ln>
-            <a:noFill/>
-          </a:ln>
-          <a:effectLst>
-            <a:outerShdw blurRad="292100" dist="139700" dir="2700000" algn="tl" rotWithShape="0">
-              <a:srgbClr val="333333">
-                <a:alpha val="65000"/>
-              </a:srgbClr>
-            </a:outerShdw>
-          </a:effectLst>
-        </p:spPr>
-      </p:pic>
-    </p:spTree>
-    <p:extLst>
-      <p:ext uri="{BB962C8B-B14F-4D97-AF65-F5344CB8AC3E}">
-        <p14:creationId xmlns:p14="http://schemas.microsoft.com/office/powerpoint/2010/main" val="661350411"/>
-      </p:ext>
-    </p:extLst>
-  </p:cSld>
-  <p:clrMapOvr>
-    <a:masterClrMapping/>
-  </p:clrMapOvr>
-</p:sld>
-</file>
-
-<file path=ppt/slides/slide9.xml><?xml version="1.0" encoding="utf-8"?>
-<p:sld xmlns:a="http://schemas.openxmlformats.org/drawingml/2006/main" xmlns:r="http://schemas.openxmlformats.org/officeDocument/2006/relationships" xmlns:p="http://schemas.openxmlformats.org/presentationml/2006/main">
-  <p:cSld>
-    <p:spTree>
-      <p:nvGrpSpPr>
-        <p:cNvPr id="1" name=""/>
-        <p:cNvGrpSpPr/>
-        <p:nvPr/>
-      </p:nvGrpSpPr>
-      <p:grpSpPr>
-        <a:xfrm>
-          <a:off x="0" y="0"/>
-          <a:ext cx="0" cy="0"/>
-          <a:chOff x="0" y="0"/>
-          <a:chExt cx="0" cy="0"/>
-        </a:xfrm>
-      </p:grpSpPr>
-      <p:sp>
-        <p:nvSpPr>
-          <p:cNvPr id="2" name="Titolo 1">
-            <a:extLst>
-              <a:ext uri="{FF2B5EF4-FFF2-40B4-BE49-F238E27FC236}">
-                <a16:creationId xmlns:a16="http://schemas.microsoft.com/office/drawing/2014/main" id="{7AC478AC-B111-4174-A742-D0163F766302}"/>
-              </a:ext>
-            </a:extLst>
-          </p:cNvPr>
-          <p:cNvSpPr>
-            <a:spLocks noGrp="1"/>
-          </p:cNvSpPr>
-          <p:nvPr>
-            <p:ph type="title"/>
-          </p:nvPr>
-        </p:nvSpPr>
-        <p:spPr/>
-        <p:txBody>
-          <a:bodyPr/>
-          <a:lstStyle/>
-          <a:p>
-            <a:r>
-              <a:rPr lang="it-IT" dirty="0"/>
-              <a:t>costanti (limite) numeriche</a:t>
-            </a:r>
-          </a:p>
-        </p:txBody>
-      </p:sp>
-      <p:sp>
-        <p:nvSpPr>
-          <p:cNvPr id="4" name="Segnaposto piè di pagina 3">
-            <a:extLst>
-              <a:ext uri="{FF2B5EF4-FFF2-40B4-BE49-F238E27FC236}">
-                <a16:creationId xmlns:a16="http://schemas.microsoft.com/office/drawing/2014/main" id="{90D5AE37-AAFB-4DD3-AB45-93A2533BCBC2}"/>
-              </a:ext>
-            </a:extLst>
-          </p:cNvPr>
-          <p:cNvSpPr>
-            <a:spLocks noGrp="1"/>
-          </p:cNvSpPr>
-          <p:nvPr>
-            <p:ph type="ftr" sz="quarter" idx="11"/>
-          </p:nvPr>
-        </p:nvSpPr>
-        <p:spPr/>
-        <p:txBody>
-          <a:bodyPr/>
-          <a:lstStyle/>
-          <a:p>
-            <a:pPr>
-              <a:defRPr/>
-            </a:pPr>
-            <a:r>
-              <a:rPr lang="it-IT"/>
-              <a:t>Alberto Ferrari – Programmazione di applicazioni SW</a:t>
-            </a:r>
-            <a:endParaRPr lang="it-IT" dirty="0"/>
-          </a:p>
-        </p:txBody>
-      </p:sp>
-      <p:graphicFrame>
-        <p:nvGraphicFramePr>
-          <p:cNvPr id="5" name="Oggetto 4">
-            <a:extLst>
-              <a:ext uri="{FF2B5EF4-FFF2-40B4-BE49-F238E27FC236}">
-                <a16:creationId xmlns:a16="http://schemas.microsoft.com/office/drawing/2014/main" id="{7E0CF3FF-E7AA-4B42-B593-B755DCE8ED4B}"/>
-              </a:ext>
-            </a:extLst>
-          </p:cNvPr>
-          <p:cNvGraphicFramePr>
-            <a:graphicFrameLocks noChangeAspect="1"/>
-          </p:cNvGraphicFramePr>
-          <p:nvPr>
-            <p:extLst>
-              <p:ext uri="{D42A27DB-BD31-4B8C-83A1-F6EECF244321}">
-                <p14:modId xmlns:p14="http://schemas.microsoft.com/office/powerpoint/2010/main" val="1383736909"/>
-              </p:ext>
-            </p:extLst>
-          </p:nvPr>
-        </p:nvGraphicFramePr>
-        <p:xfrm>
-          <a:off x="623392" y="1106633"/>
-          <a:ext cx="10369152" cy="4914593"/>
-        </p:xfrm>
-        <a:graphic>
-          <a:graphicData uri="http://schemas.openxmlformats.org/presentationml/2006/ole">
-            <mc:AlternateContent xmlns:mc="http://schemas.openxmlformats.org/markup-compatibility/2006">
-              <mc:Choice xmlns:v="urn:schemas-microsoft-com:vml" Requires="v">
-                <p:oleObj spid="_x0000_s2085" name="Worksheet" r:id="rId3" imgW="7194464" imgH="3409972" progId="Excel.Sheet.12">
-                  <p:embed/>
-                </p:oleObj>
-              </mc:Choice>
-              <mc:Fallback>
-                <p:oleObj name="Worksheet" r:id="rId3" imgW="7194464" imgH="3409972" progId="Excel.Sheet.12">
-                  <p:embed/>
-                  <p:pic>
-                    <p:nvPicPr>
-                      <p:cNvPr id="0" name=""/>
-                      <p:cNvPicPr/>
-                      <p:nvPr/>
-                    </p:nvPicPr>
-                    <p:blipFill>
-                      <a:blip r:embed="rId4"/>
-                      <a:stretch>
-                        <a:fillRect/>
-                      </a:stretch>
-                    </p:blipFill>
-                    <p:spPr>
-                      <a:xfrm>
-                        <a:off x="623392" y="1106633"/>
-                        <a:ext cx="10369152" cy="4914593"/>
-                      </a:xfrm>
-                      <a:prstGeom prst="rect">
-                        <a:avLst/>
-                      </a:prstGeom>
-                    </p:spPr>
-                  </p:pic>
-                </p:oleObj>
-              </mc:Fallback>
-            </mc:AlternateContent>
-          </a:graphicData>
-        </a:graphic>
-      </p:graphicFrame>
-    </p:spTree>
-    <p:extLst>
-      <p:ext uri="{BB962C8B-B14F-4D97-AF65-F5344CB8AC3E}">
-        <p14:creationId xmlns:p14="http://schemas.microsoft.com/office/powerpoint/2010/main" val="3939604228"/>
       </p:ext>
     </p:extLst>
   </p:cSld>

--- a/lezioni/PASW03a - C++ tipi di dato.pptx
+++ b/lezioni/PASW03a - C++ tipi di dato.pptx
@@ -5,7 +5,7 @@
     <p:sldMasterId id="2147483649" r:id="rId1"/>
   </p:sldMasterIdLst>
   <p:notesMasterIdLst>
-    <p:notesMasterId r:id="rId22"/>
+    <p:notesMasterId r:id="rId26"/>
   </p:notesMasterIdLst>
   <p:sldIdLst>
     <p:sldId id="258" r:id="rId2"/>
@@ -15,8 +15,8 @@
     <p:sldId id="287" r:id="rId6"/>
     <p:sldId id="279" r:id="rId7"/>
     <p:sldId id="278" r:id="rId8"/>
-    <p:sldId id="293" r:id="rId9"/>
-    <p:sldId id="283" r:id="rId10"/>
+    <p:sldId id="283" r:id="rId9"/>
+    <p:sldId id="293" r:id="rId10"/>
     <p:sldId id="280" r:id="rId11"/>
     <p:sldId id="276" r:id="rId12"/>
     <p:sldId id="277" r:id="rId13"/>
@@ -26,8 +26,12 @@
     <p:sldId id="289" r:id="rId17"/>
     <p:sldId id="284" r:id="rId18"/>
     <p:sldId id="292" r:id="rId19"/>
-    <p:sldId id="285" r:id="rId20"/>
-    <p:sldId id="286" r:id="rId21"/>
+    <p:sldId id="295" r:id="rId20"/>
+    <p:sldId id="296" r:id="rId21"/>
+    <p:sldId id="298" r:id="rId22"/>
+    <p:sldId id="285" r:id="rId23"/>
+    <p:sldId id="286" r:id="rId24"/>
+    <p:sldId id="297" r:id="rId25"/>
   </p:sldIdLst>
   <p:sldSz cx="12192000" cy="6858000"/>
   <p:notesSz cx="6858000" cy="9144000"/>
@@ -257,7 +261,7 @@
           <a:p>
             <a:fld id="{537EE30C-6FCC-4D68-889C-61DBBB4BBB87}" type="datetimeFigureOut">
               <a:rPr lang="it-IT" smtClean="0"/>
-              <a:t>04/03/2018</a:t>
+              <a:t>07/03/2018</a:t>
             </a:fld>
             <a:endParaRPr lang="it-IT"/>
           </a:p>
@@ -6595,7 +6599,7 @@
           <a:graphicData uri="http://schemas.openxmlformats.org/presentationml/2006/ole">
             <mc:AlternateContent xmlns:mc="http://schemas.openxmlformats.org/markup-compatibility/2006">
               <mc:Choice xmlns:v="urn:schemas-microsoft-com:vml" Requires="v">
-                <p:oleObj spid="_x0000_s2091" name="Worksheet" r:id="rId3" imgW="7194464" imgH="3409972" progId="Excel.Sheet.12">
+                <p:oleObj spid="_x0000_s2103" name="Worksheet" r:id="rId3" imgW="7194464" imgH="3409972" progId="Excel.Sheet.12">
                   <p:embed/>
                 </p:oleObj>
               </mc:Choice>
@@ -6682,9 +6686,26 @@
           <a:lstStyle/>
           <a:p>
             <a:r>
+              <a:rPr lang="it-IT" dirty="0" err="1"/>
+              <a:t>lowest</a:t>
+            </a:r>
+            <a:r>
               <a:rPr lang="it-IT" dirty="0"/>
-              <a:t>testLimits.cpp</a:t>
-            </a:r>
+              <a:t> – </a:t>
+            </a:r>
+            <a:r>
+              <a:rPr lang="it-IT" dirty="0" err="1"/>
+              <a:t>highest</a:t>
+            </a:r>
+            <a:r>
+              <a:rPr lang="it-IT" dirty="0"/>
+              <a:t> </a:t>
+            </a:r>
+            <a:r>
+              <a:rPr lang="it-IT" dirty="0" err="1"/>
+              <a:t>values</a:t>
+            </a:r>
+            <a:endParaRPr lang="it-IT" dirty="0"/>
           </a:p>
         </p:txBody>
       </p:sp>
@@ -7957,15 +7978,15 @@
           <a:p>
             <a:pPr lvl="1"/>
             <a:r>
-              <a:rPr lang="it-IT" dirty="0"/>
-              <a:t>+, -, *, /, %, </a:t>
+              <a:rPr lang="it-IT" b="1" dirty="0"/>
+              <a:t>+   -  *   /   %</a:t>
             </a:r>
           </a:p>
           <a:p>
             <a:pPr lvl="1"/>
             <a:r>
-              <a:rPr lang="it-IT" dirty="0"/>
-              <a:t>++, -- </a:t>
+              <a:rPr lang="it-IT" b="1" dirty="0"/>
+              <a:t>++   -- </a:t>
             </a:r>
             <a:r>
               <a:rPr lang="it-IT" i="1" dirty="0"/>
@@ -7976,7 +7997,15 @@
             <a:pPr lvl="1"/>
             <a:r>
               <a:rPr lang="it-IT" dirty="0"/>
-              <a:t>attenzione: la divisione tra interi dà risultato intero (</a:t>
+              <a:t>attenzione: la </a:t>
+            </a:r>
+            <a:r>
+              <a:rPr lang="it-IT" b="1" i="1" dirty="0"/>
+              <a:t>divisione tra interi </a:t>
+            </a:r>
+            <a:r>
+              <a:rPr lang="it-IT" dirty="0"/>
+              <a:t>dà risultato intero (</a:t>
             </a:r>
             <a:r>
               <a:rPr lang="it-IT" dirty="0" err="1"/>
@@ -7991,13 +8020,25 @@
             <a:pPr lvl="1"/>
             <a:r>
               <a:rPr lang="it-IT" dirty="0"/>
-              <a:t>assegnamento: =, +=, -= ...</a:t>
-            </a:r>
-          </a:p>
-          <a:p>
+              <a:t>assegnamento: </a:t>
+            </a:r>
+            <a:r>
+              <a:rPr lang="it-IT" b="1" dirty="0"/>
+              <a:t>=   +=   -= </a:t>
+            </a:r>
             <a:r>
               <a:rPr lang="it-IT" dirty="0"/>
-              <a:t>confronti: &gt;, &gt;=, &lt;, &lt;=, !=, ==</a:t>
+              <a:t>...</a:t>
+            </a:r>
+          </a:p>
+          <a:p>
+            <a:r>
+              <a:rPr lang="it-IT" dirty="0"/>
+              <a:t>confronti: </a:t>
+            </a:r>
+            <a:r>
+              <a:rPr lang="it-IT" b="1" dirty="0"/>
+              <a:t>&gt;   &gt;=   &lt;   &lt;=   !=   ==</a:t>
             </a:r>
           </a:p>
           <a:p>
@@ -9882,10 +9923,7 @@
           <a:bodyPr/>
           <a:lstStyle/>
           <a:p>
-            <a:r>
-              <a:rPr lang="it-IT" dirty="0"/>
-              <a:t>Dati strutturati</a:t>
-            </a:r>
+            <a:endParaRPr lang="it-IT" dirty="0"/>
           </a:p>
         </p:txBody>
       </p:sp>
@@ -10234,7 +10272,7 @@
           <p:cNvPr id="2" name="Titolo 1">
             <a:extLst>
               <a:ext uri="{FF2B5EF4-FFF2-40B4-BE49-F238E27FC236}">
-                <a16:creationId xmlns:a16="http://schemas.microsoft.com/office/drawing/2014/main" id="{D436E29B-E7F2-4149-9E29-8F048077EC33}"/>
+                <a16:creationId xmlns:a16="http://schemas.microsoft.com/office/drawing/2014/main" id="{BB3CBD8C-967A-4480-AC1A-FF0CE001A19F}"/>
               </a:ext>
             </a:extLst>
           </p:cNvPr>
@@ -10251,10 +10289,9 @@
           <a:lstStyle/>
           <a:p>
             <a:r>
-              <a:rPr lang="it-IT" dirty="0" err="1"/>
-              <a:t>typedef</a:t>
-            </a:r>
-            <a:endParaRPr lang="it-IT" dirty="0"/>
+              <a:rPr lang="it-IT" dirty="0"/>
+              <a:t>esempio alias</a:t>
+            </a:r>
           </a:p>
         </p:txBody>
       </p:sp>
@@ -10263,7 +10300,7 @@
           <p:cNvPr id="3" name="Segnaposto contenuto 2">
             <a:extLst>
               <a:ext uri="{FF2B5EF4-FFF2-40B4-BE49-F238E27FC236}">
-                <a16:creationId xmlns:a16="http://schemas.microsoft.com/office/drawing/2014/main" id="{9EC7DCF5-E96F-40F5-826D-F7D848866725}"/>
+                <a16:creationId xmlns:a16="http://schemas.microsoft.com/office/drawing/2014/main" id="{1C1F9127-15CB-490A-9D76-EEFA7D93C4F1}"/>
               </a:ext>
             </a:extLst>
           </p:cNvPr>
@@ -10279,339 +10316,647 @@
           <a:bodyPr/>
           <a:lstStyle/>
           <a:p>
-            <a:r>
-              <a:rPr lang="it-IT" dirty="0"/>
-              <a:t>la dichiarazione </a:t>
-            </a:r>
-            <a:r>
-              <a:rPr lang="it-IT" b="1" i="1" dirty="0" err="1"/>
+            <a:pPr marL="0" indent="0">
+              <a:buNone/>
+            </a:pPr>
+            <a:r>
+              <a:rPr lang="it-IT" sz="1400" b="1" dirty="0">
+                <a:latin typeface="Courier New" panose="02070309020205020404" pitchFamily="49" charset="0"/>
+                <a:cs typeface="Courier New" panose="02070309020205020404" pitchFamily="49" charset="0"/>
+              </a:rPr>
+              <a:t>#include &lt;</a:t>
+            </a:r>
+            <a:r>
+              <a:rPr lang="it-IT" sz="1400" b="1" dirty="0" err="1">
+                <a:latin typeface="Courier New" panose="02070309020205020404" pitchFamily="49" charset="0"/>
+                <a:cs typeface="Courier New" panose="02070309020205020404" pitchFamily="49" charset="0"/>
+              </a:rPr>
+              <a:t>iostream</a:t>
+            </a:r>
+            <a:r>
+              <a:rPr lang="it-IT" sz="1400" b="1" dirty="0">
+                <a:latin typeface="Courier New" panose="02070309020205020404" pitchFamily="49" charset="0"/>
+                <a:cs typeface="Courier New" panose="02070309020205020404" pitchFamily="49" charset="0"/>
+              </a:rPr>
+              <a:t>&gt;</a:t>
+            </a:r>
+          </a:p>
+          <a:p>
+            <a:pPr marL="0" indent="0">
+              <a:buNone/>
+            </a:pPr>
+            <a:r>
+              <a:rPr lang="it-IT" sz="1400" b="1" dirty="0" err="1">
+                <a:latin typeface="Courier New" panose="02070309020205020404" pitchFamily="49" charset="0"/>
+                <a:cs typeface="Courier New" panose="02070309020205020404" pitchFamily="49" charset="0"/>
+              </a:rPr>
+              <a:t>using</a:t>
+            </a:r>
+            <a:r>
+              <a:rPr lang="it-IT" sz="1400" b="1" dirty="0">
+                <a:latin typeface="Courier New" panose="02070309020205020404" pitchFamily="49" charset="0"/>
+                <a:cs typeface="Courier New" panose="02070309020205020404" pitchFamily="49" charset="0"/>
+              </a:rPr>
+              <a:t> </a:t>
+            </a:r>
+            <a:r>
+              <a:rPr lang="it-IT" sz="1400" b="1" dirty="0" err="1">
+                <a:latin typeface="Courier New" panose="02070309020205020404" pitchFamily="49" charset="0"/>
+                <a:cs typeface="Courier New" panose="02070309020205020404" pitchFamily="49" charset="0"/>
+              </a:rPr>
+              <a:t>namespace</a:t>
+            </a:r>
+            <a:r>
+              <a:rPr lang="it-IT" sz="1400" b="1" dirty="0">
+                <a:latin typeface="Courier New" panose="02070309020205020404" pitchFamily="49" charset="0"/>
+                <a:cs typeface="Courier New" panose="02070309020205020404" pitchFamily="49" charset="0"/>
+              </a:rPr>
+              <a:t> </a:t>
+            </a:r>
+            <a:r>
+              <a:rPr lang="it-IT" sz="1400" b="1" dirty="0" err="1">
+                <a:latin typeface="Courier New" panose="02070309020205020404" pitchFamily="49" charset="0"/>
+                <a:cs typeface="Courier New" panose="02070309020205020404" pitchFamily="49" charset="0"/>
+              </a:rPr>
+              <a:t>std</a:t>
+            </a:r>
+            <a:r>
+              <a:rPr lang="it-IT" sz="1400" b="1" dirty="0">
+                <a:latin typeface="Courier New" panose="02070309020205020404" pitchFamily="49" charset="0"/>
+                <a:cs typeface="Courier New" panose="02070309020205020404" pitchFamily="49" charset="0"/>
+              </a:rPr>
+              <a:t>;</a:t>
+            </a:r>
+          </a:p>
+          <a:p>
+            <a:pPr marL="0" indent="0">
+              <a:buNone/>
+            </a:pPr>
+            <a:r>
+              <a:rPr lang="it-IT" sz="1400" b="1" dirty="0" err="1">
+                <a:latin typeface="Courier New" panose="02070309020205020404" pitchFamily="49" charset="0"/>
+                <a:cs typeface="Courier New" panose="02070309020205020404" pitchFamily="49" charset="0"/>
+              </a:rPr>
+              <a:t>int</a:t>
+            </a:r>
+            <a:r>
+              <a:rPr lang="it-IT" sz="1400" b="1" dirty="0">
+                <a:latin typeface="Courier New" panose="02070309020205020404" pitchFamily="49" charset="0"/>
+                <a:cs typeface="Courier New" panose="02070309020205020404" pitchFamily="49" charset="0"/>
+              </a:rPr>
+              <a:t> </a:t>
+            </a:r>
+            <a:r>
+              <a:rPr lang="it-IT" sz="1400" b="1" dirty="0" err="1">
+                <a:latin typeface="Courier New" panose="02070309020205020404" pitchFamily="49" charset="0"/>
+                <a:cs typeface="Courier New" panose="02070309020205020404" pitchFamily="49" charset="0"/>
+              </a:rPr>
+              <a:t>main</a:t>
+            </a:r>
+            <a:r>
+              <a:rPr lang="it-IT" sz="1400" b="1" dirty="0">
+                <a:latin typeface="Courier New" panose="02070309020205020404" pitchFamily="49" charset="0"/>
+                <a:cs typeface="Courier New" panose="02070309020205020404" pitchFamily="49" charset="0"/>
+              </a:rPr>
+              <a:t>() {</a:t>
+            </a:r>
+          </a:p>
+          <a:p>
+            <a:pPr marL="0" indent="0">
+              <a:buNone/>
+            </a:pPr>
+            <a:r>
+              <a:rPr lang="it-IT" sz="1400" b="1" dirty="0">
+                <a:latin typeface="Courier New" panose="02070309020205020404" pitchFamily="49" charset="0"/>
+                <a:cs typeface="Courier New" panose="02070309020205020404" pitchFamily="49" charset="0"/>
+              </a:rPr>
+              <a:t>   </a:t>
+            </a:r>
+            <a:r>
+              <a:rPr lang="it-IT" sz="1400" b="1" dirty="0" err="1">
+                <a:solidFill>
+                  <a:srgbClr val="FF0000"/>
+                </a:solidFill>
+                <a:latin typeface="Courier New" panose="02070309020205020404" pitchFamily="49" charset="0"/>
+                <a:cs typeface="Courier New" panose="02070309020205020404" pitchFamily="49" charset="0"/>
+              </a:rPr>
               <a:t>typedef</a:t>
             </a:r>
             <a:r>
-              <a:rPr lang="it-IT" dirty="0"/>
-              <a:t> permette di creare un alias per la definizione di un tipo di dato</a:t>
-            </a:r>
-          </a:p>
-          <a:p>
-            <a:r>
-              <a:rPr lang="it-IT" dirty="0"/>
-              <a:t>esempio tipo semplice</a:t>
-            </a:r>
-          </a:p>
-          <a:p>
-            <a:pPr marL="457200" lvl="1" indent="0">
-              <a:buNone/>
-            </a:pPr>
-            <a:r>
-              <a:rPr lang="en-US" sz="1800" b="1" dirty="0">
-                <a:latin typeface="Courier New" panose="02070309020205020404" pitchFamily="49" charset="0"/>
-                <a:cs typeface="Courier New" panose="02070309020205020404" pitchFamily="49" charset="0"/>
-              </a:rPr>
-              <a:t>typedef unsigned long </a:t>
-            </a:r>
-            <a:r>
-              <a:rPr lang="en-US" sz="1800" b="1" dirty="0" err="1">
-                <a:latin typeface="Courier New" panose="02070309020205020404" pitchFamily="49" charset="0"/>
-                <a:cs typeface="Courier New" panose="02070309020205020404" pitchFamily="49" charset="0"/>
-              </a:rPr>
-              <a:t>ulong</a:t>
-            </a:r>
-            <a:r>
-              <a:rPr lang="en-US" sz="1800" b="1" dirty="0">
-                <a:latin typeface="Courier New" panose="02070309020205020404" pitchFamily="49" charset="0"/>
-                <a:cs typeface="Courier New" panose="02070309020205020404" pitchFamily="49" charset="0"/>
-              </a:rPr>
-              <a:t>;	// </a:t>
-            </a:r>
-            <a:r>
-              <a:rPr lang="en-US" sz="1800" b="1" dirty="0" err="1">
-                <a:latin typeface="Courier New" panose="02070309020205020404" pitchFamily="49" charset="0"/>
-                <a:cs typeface="Courier New" panose="02070309020205020404" pitchFamily="49" charset="0"/>
-              </a:rPr>
-              <a:t>ulong</a:t>
-            </a:r>
-            <a:r>
-              <a:rPr lang="en-US" sz="1800" b="1" dirty="0">
+              <a:rPr lang="it-IT" sz="1400" b="1" dirty="0">
+                <a:solidFill>
+                  <a:srgbClr val="FF0000"/>
+                </a:solidFill>
                 <a:latin typeface="Courier New" panose="02070309020205020404" pitchFamily="49" charset="0"/>
                 <a:cs typeface="Courier New" panose="02070309020205020404" pitchFamily="49" charset="0"/>
               </a:rPr>
               <a:t> </a:t>
             </a:r>
             <a:r>
-              <a:rPr lang="en-US" sz="1800" b="1" dirty="0" err="1">
-                <a:latin typeface="Courier New" panose="02070309020205020404" pitchFamily="49" charset="0"/>
-                <a:cs typeface="Courier New" panose="02070309020205020404" pitchFamily="49" charset="0"/>
-              </a:rPr>
-              <a:t>nuovo</a:t>
-            </a:r>
-            <a:r>
-              <a:rPr lang="en-US" sz="1800" b="1" dirty="0">
-                <a:latin typeface="Courier New" panose="02070309020205020404" pitchFamily="49" charset="0"/>
-                <a:cs typeface="Courier New" panose="02070309020205020404" pitchFamily="49" charset="0"/>
-              </a:rPr>
-              <a:t> </a:t>
-            </a:r>
-            <a:r>
-              <a:rPr lang="en-US" sz="1800" b="1" dirty="0" err="1">
-                <a:latin typeface="Courier New" panose="02070309020205020404" pitchFamily="49" charset="0"/>
-                <a:cs typeface="Courier New" panose="02070309020205020404" pitchFamily="49" charset="0"/>
-              </a:rPr>
-              <a:t>tipo</a:t>
-            </a:r>
-            <a:endParaRPr lang="en-US" sz="1800" b="1" dirty="0">
+              <a:rPr lang="it-IT" sz="1400" b="1" dirty="0" err="1">
+                <a:solidFill>
+                  <a:srgbClr val="FF0000"/>
+                </a:solidFill>
+                <a:latin typeface="Courier New" panose="02070309020205020404" pitchFamily="49" charset="0"/>
+                <a:cs typeface="Courier New" panose="02070309020205020404" pitchFamily="49" charset="0"/>
+              </a:rPr>
+              <a:t>bool</a:t>
+            </a:r>
+            <a:r>
+              <a:rPr lang="it-IT" sz="1400" b="1" dirty="0">
+                <a:solidFill>
+                  <a:srgbClr val="FF0000"/>
+                </a:solidFill>
+                <a:latin typeface="Courier New" panose="02070309020205020404" pitchFamily="49" charset="0"/>
+                <a:cs typeface="Courier New" panose="02070309020205020404" pitchFamily="49" charset="0"/>
+              </a:rPr>
+              <a:t> logico</a:t>
+            </a:r>
+            <a:r>
+              <a:rPr lang="it-IT" sz="1400" b="1" dirty="0">
+                <a:latin typeface="Courier New" panose="02070309020205020404" pitchFamily="49" charset="0"/>
+                <a:cs typeface="Courier New" panose="02070309020205020404" pitchFamily="49" charset="0"/>
+              </a:rPr>
+              <a:t>;		// logico alias di </a:t>
+            </a:r>
+            <a:r>
+              <a:rPr lang="it-IT" sz="1400" b="1" dirty="0" err="1">
+                <a:latin typeface="Courier New" panose="02070309020205020404" pitchFamily="49" charset="0"/>
+                <a:cs typeface="Courier New" panose="02070309020205020404" pitchFamily="49" charset="0"/>
+              </a:rPr>
+              <a:t>bool</a:t>
+            </a:r>
+            <a:endParaRPr lang="it-IT" sz="1400" b="1" dirty="0">
               <a:latin typeface="Courier New" panose="02070309020205020404" pitchFamily="49" charset="0"/>
               <a:cs typeface="Courier New" panose="02070309020205020404" pitchFamily="49" charset="0"/>
             </a:endParaRPr>
           </a:p>
           <a:p>
-            <a:pPr marL="457200" lvl="1" indent="0">
-              <a:buNone/>
-            </a:pPr>
-            <a:r>
-              <a:rPr lang="en-US" sz="1800" b="1" dirty="0" err="1">
-                <a:latin typeface="Courier New" panose="02070309020205020404" pitchFamily="49" charset="0"/>
-                <a:cs typeface="Courier New" panose="02070309020205020404" pitchFamily="49" charset="0"/>
-              </a:rPr>
-              <a:t>ulong</a:t>
-            </a:r>
-            <a:r>
-              <a:rPr lang="en-US" sz="1800" b="1" dirty="0">
-                <a:latin typeface="Courier New" panose="02070309020205020404" pitchFamily="49" charset="0"/>
-                <a:cs typeface="Courier New" panose="02070309020205020404" pitchFamily="49" charset="0"/>
-              </a:rPr>
-              <a:t> l;				// l </a:t>
-            </a:r>
-            <a:r>
-              <a:rPr lang="en-US" sz="1800" b="1" dirty="0" err="1">
-                <a:latin typeface="Courier New" panose="02070309020205020404" pitchFamily="49" charset="0"/>
-                <a:cs typeface="Courier New" panose="02070309020205020404" pitchFamily="49" charset="0"/>
-              </a:rPr>
-              <a:t>variabile</a:t>
-            </a:r>
-            <a:r>
-              <a:rPr lang="en-US" sz="1800" b="1" dirty="0">
-                <a:latin typeface="Courier New" panose="02070309020205020404" pitchFamily="49" charset="0"/>
-                <a:cs typeface="Courier New" panose="02070309020205020404" pitchFamily="49" charset="0"/>
-              </a:rPr>
-              <a:t> di </a:t>
-            </a:r>
-            <a:r>
-              <a:rPr lang="en-US" sz="1800" b="1" dirty="0" err="1">
-                <a:latin typeface="Courier New" panose="02070309020205020404" pitchFamily="49" charset="0"/>
-                <a:cs typeface="Courier New" panose="02070309020205020404" pitchFamily="49" charset="0"/>
-              </a:rPr>
-              <a:t>tipo</a:t>
-            </a:r>
-            <a:r>
-              <a:rPr lang="en-US" sz="1800" b="1" dirty="0">
-                <a:latin typeface="Courier New" panose="02070309020205020404" pitchFamily="49" charset="0"/>
-                <a:cs typeface="Courier New" panose="02070309020205020404" pitchFamily="49" charset="0"/>
-              </a:rPr>
-              <a:t> unsigned long</a:t>
-            </a:r>
-          </a:p>
-          <a:p>
-            <a:r>
-              <a:rPr lang="en-US" dirty="0" err="1"/>
-              <a:t>esempio</a:t>
-            </a:r>
-            <a:r>
-              <a:rPr lang="en-US" dirty="0"/>
-              <a:t> </a:t>
-            </a:r>
-            <a:r>
-              <a:rPr lang="en-US" dirty="0" err="1"/>
-              <a:t>struttura</a:t>
-            </a:r>
-            <a:endParaRPr lang="en-US" dirty="0"/>
-          </a:p>
-          <a:p>
-            <a:pPr marL="400050" lvl="1" indent="0">
-              <a:buNone/>
-            </a:pPr>
-            <a:r>
-              <a:rPr lang="en-US" sz="1800" b="1" dirty="0">
-                <a:latin typeface="Courier New" panose="02070309020205020404" pitchFamily="49" charset="0"/>
-                <a:cs typeface="Courier New" panose="02070309020205020404" pitchFamily="49" charset="0"/>
-              </a:rPr>
-              <a:t>typedef struct {</a:t>
-            </a:r>
-          </a:p>
-          <a:p>
-            <a:pPr marL="400050" lvl="1" indent="0">
-              <a:buNone/>
-            </a:pPr>
-            <a:r>
-              <a:rPr lang="en-US" sz="1800" b="1" dirty="0">
-                <a:latin typeface="Courier New" panose="02070309020205020404" pitchFamily="49" charset="0"/>
-                <a:cs typeface="Courier New" panose="02070309020205020404" pitchFamily="49" charset="0"/>
-              </a:rPr>
-              <a:t>	double x; </a:t>
-            </a:r>
-          </a:p>
-          <a:p>
-            <a:pPr marL="400050" lvl="1" indent="0">
-              <a:buNone/>
-            </a:pPr>
-            <a:r>
-              <a:rPr lang="en-US" sz="1800" b="1" dirty="0">
-                <a:latin typeface="Courier New" panose="02070309020205020404" pitchFamily="49" charset="0"/>
-                <a:cs typeface="Courier New" panose="02070309020205020404" pitchFamily="49" charset="0"/>
-              </a:rPr>
-              <a:t>	double y;</a:t>
-            </a:r>
-          </a:p>
-          <a:p>
-            <a:pPr marL="400050" lvl="1" indent="0">
-              <a:buNone/>
-            </a:pPr>
-            <a:r>
-              <a:rPr lang="en-US" sz="1800" b="1" dirty="0">
-                <a:latin typeface="Courier New" panose="02070309020205020404" pitchFamily="49" charset="0"/>
-                <a:cs typeface="Courier New" panose="02070309020205020404" pitchFamily="49" charset="0"/>
-              </a:rPr>
-              <a:t>} </a:t>
-            </a:r>
-            <a:r>
-              <a:rPr lang="en-US" sz="1800" b="1" dirty="0" err="1">
-                <a:latin typeface="Courier New" panose="02070309020205020404" pitchFamily="49" charset="0"/>
-                <a:cs typeface="Courier New" panose="02070309020205020404" pitchFamily="49" charset="0"/>
-              </a:rPr>
-              <a:t>punto</a:t>
-            </a:r>
-            <a:r>
-              <a:rPr lang="en-US" sz="1800" b="1" dirty="0">
-                <a:latin typeface="Courier New" panose="02070309020205020404" pitchFamily="49" charset="0"/>
-                <a:cs typeface="Courier New" panose="02070309020205020404" pitchFamily="49" charset="0"/>
-              </a:rPr>
-              <a:t>;				// </a:t>
-            </a:r>
-            <a:r>
-              <a:rPr lang="en-US" sz="1800" b="1" dirty="0" err="1">
-                <a:latin typeface="Courier New" panose="02070309020205020404" pitchFamily="49" charset="0"/>
-                <a:cs typeface="Courier New" panose="02070309020205020404" pitchFamily="49" charset="0"/>
-              </a:rPr>
-              <a:t>punto</a:t>
-            </a:r>
-            <a:r>
-              <a:rPr lang="en-US" sz="1800" b="1" dirty="0">
-                <a:latin typeface="Courier New" panose="02070309020205020404" pitchFamily="49" charset="0"/>
-                <a:cs typeface="Courier New" panose="02070309020205020404" pitchFamily="49" charset="0"/>
-              </a:rPr>
-              <a:t> </a:t>
-            </a:r>
-            <a:r>
-              <a:rPr lang="en-US" sz="1800" b="1" dirty="0" err="1">
-                <a:latin typeface="Courier New" panose="02070309020205020404" pitchFamily="49" charset="0"/>
-                <a:cs typeface="Courier New" panose="02070309020205020404" pitchFamily="49" charset="0"/>
-              </a:rPr>
-              <a:t>nuovo</a:t>
-            </a:r>
-            <a:r>
-              <a:rPr lang="en-US" sz="1800" b="1" dirty="0">
-                <a:latin typeface="Courier New" panose="02070309020205020404" pitchFamily="49" charset="0"/>
-                <a:cs typeface="Courier New" panose="02070309020205020404" pitchFamily="49" charset="0"/>
-              </a:rPr>
-              <a:t> </a:t>
-            </a:r>
-            <a:r>
-              <a:rPr lang="en-US" sz="1800" b="1" dirty="0" err="1">
-                <a:latin typeface="Courier New" panose="02070309020205020404" pitchFamily="49" charset="0"/>
-                <a:cs typeface="Courier New" panose="02070309020205020404" pitchFamily="49" charset="0"/>
-              </a:rPr>
-              <a:t>tipo</a:t>
-            </a:r>
-            <a:r>
-              <a:rPr lang="en-US" sz="1800" b="1" dirty="0">
-                <a:latin typeface="Courier New" panose="02070309020205020404" pitchFamily="49" charset="0"/>
-                <a:cs typeface="Courier New" panose="02070309020205020404" pitchFamily="49" charset="0"/>
-              </a:rPr>
-              <a:t> di </a:t>
-            </a:r>
-            <a:r>
-              <a:rPr lang="en-US" sz="1800" b="1" dirty="0" err="1">
-                <a:latin typeface="Courier New" panose="02070309020205020404" pitchFamily="49" charset="0"/>
-                <a:cs typeface="Courier New" panose="02070309020205020404" pitchFamily="49" charset="0"/>
-              </a:rPr>
-              <a:t>dato</a:t>
-            </a:r>
-            <a:endParaRPr lang="en-US" sz="1800" b="1" dirty="0">
+            <a:pPr marL="0" indent="0">
+              <a:buNone/>
+            </a:pPr>
+            <a:r>
+              <a:rPr lang="it-IT" sz="1400" b="1" dirty="0">
+                <a:latin typeface="Courier New" panose="02070309020205020404" pitchFamily="49" charset="0"/>
+                <a:cs typeface="Courier New" panose="02070309020205020404" pitchFamily="49" charset="0"/>
+              </a:rPr>
+              <a:t>   logico </a:t>
+            </a:r>
+            <a:r>
+              <a:rPr lang="it-IT" sz="1400" b="1" dirty="0" err="1">
+                <a:latin typeface="Courier New" panose="02070309020205020404" pitchFamily="49" charset="0"/>
+                <a:cs typeface="Courier New" panose="02070309020205020404" pitchFamily="49" charset="0"/>
+              </a:rPr>
+              <a:t>vl</a:t>
+            </a:r>
+            <a:r>
+              <a:rPr lang="it-IT" sz="1400" b="1" dirty="0">
+                <a:latin typeface="Courier New" panose="02070309020205020404" pitchFamily="49" charset="0"/>
+                <a:cs typeface="Courier New" panose="02070309020205020404" pitchFamily="49" charset="0"/>
+              </a:rPr>
+              <a:t>;</a:t>
+            </a:r>
+          </a:p>
+          <a:p>
+            <a:pPr marL="0" indent="0">
+              <a:buNone/>
+            </a:pPr>
+            <a:r>
+              <a:rPr lang="it-IT" sz="1400" b="1" dirty="0">
+                <a:latin typeface="Courier New" panose="02070309020205020404" pitchFamily="49" charset="0"/>
+                <a:cs typeface="Courier New" panose="02070309020205020404" pitchFamily="49" charset="0"/>
+              </a:rPr>
+              <a:t>   </a:t>
+            </a:r>
+            <a:r>
+              <a:rPr lang="it-IT" sz="1400" b="1" dirty="0" err="1">
+                <a:latin typeface="Courier New" panose="02070309020205020404" pitchFamily="49" charset="0"/>
+                <a:cs typeface="Courier New" panose="02070309020205020404" pitchFamily="49" charset="0"/>
+              </a:rPr>
+              <a:t>vl</a:t>
+            </a:r>
+            <a:r>
+              <a:rPr lang="it-IT" sz="1400" b="1" dirty="0">
+                <a:latin typeface="Courier New" panose="02070309020205020404" pitchFamily="49" charset="0"/>
+                <a:cs typeface="Courier New" panose="02070309020205020404" pitchFamily="49" charset="0"/>
+              </a:rPr>
+              <a:t> = </a:t>
+            </a:r>
+            <a:r>
+              <a:rPr lang="it-IT" sz="1400" b="1" dirty="0" err="1">
+                <a:latin typeface="Courier New" panose="02070309020205020404" pitchFamily="49" charset="0"/>
+                <a:cs typeface="Courier New" panose="02070309020205020404" pitchFamily="49" charset="0"/>
+              </a:rPr>
+              <a:t>true</a:t>
+            </a:r>
+            <a:r>
+              <a:rPr lang="it-IT" sz="1400" b="1" dirty="0">
+                <a:latin typeface="Courier New" panose="02070309020205020404" pitchFamily="49" charset="0"/>
+                <a:cs typeface="Courier New" panose="02070309020205020404" pitchFamily="49" charset="0"/>
+              </a:rPr>
+              <a:t>;					// </a:t>
+            </a:r>
+            <a:r>
+              <a:rPr lang="it-IT" sz="1400" b="1" dirty="0" err="1">
+                <a:latin typeface="Courier New" panose="02070309020205020404" pitchFamily="49" charset="0"/>
+                <a:cs typeface="Courier New" panose="02070309020205020404" pitchFamily="49" charset="0"/>
+              </a:rPr>
+              <a:t>vl</a:t>
+            </a:r>
+            <a:r>
+              <a:rPr lang="it-IT" sz="1400" b="1" dirty="0">
+                <a:latin typeface="Courier New" panose="02070309020205020404" pitchFamily="49" charset="0"/>
+                <a:cs typeface="Courier New" panose="02070309020205020404" pitchFamily="49" charset="0"/>
+              </a:rPr>
+              <a:t> in realtà è una variabile </a:t>
+            </a:r>
+            <a:r>
+              <a:rPr lang="it-IT" sz="1400" b="1" dirty="0" err="1">
+                <a:latin typeface="Courier New" panose="02070309020205020404" pitchFamily="49" charset="0"/>
+                <a:cs typeface="Courier New" panose="02070309020205020404" pitchFamily="49" charset="0"/>
+              </a:rPr>
+              <a:t>bool</a:t>
+            </a:r>
+            <a:endParaRPr lang="it-IT" sz="1400" b="1" dirty="0">
               <a:latin typeface="Courier New" panose="02070309020205020404" pitchFamily="49" charset="0"/>
               <a:cs typeface="Courier New" panose="02070309020205020404" pitchFamily="49" charset="0"/>
             </a:endParaRPr>
           </a:p>
           <a:p>
-            <a:pPr marL="400050" lvl="1" indent="0">
-              <a:buNone/>
-            </a:pPr>
-            <a:r>
-              <a:rPr lang="en-US" sz="1800" b="1" dirty="0" err="1">
-                <a:latin typeface="Courier New" panose="02070309020205020404" pitchFamily="49" charset="0"/>
-                <a:cs typeface="Courier New" panose="02070309020205020404" pitchFamily="49" charset="0"/>
-              </a:rPr>
-              <a:t>punto</a:t>
-            </a:r>
-            <a:r>
-              <a:rPr lang="en-US" sz="1800" b="1" dirty="0">
-                <a:latin typeface="Courier New" panose="02070309020205020404" pitchFamily="49" charset="0"/>
-                <a:cs typeface="Courier New" panose="02070309020205020404" pitchFamily="49" charset="0"/>
-              </a:rPr>
-              <a:t> p1;				// p1 </a:t>
-            </a:r>
-            <a:r>
-              <a:rPr lang="en-US" sz="1800" b="1" dirty="0" err="1">
-                <a:latin typeface="Courier New" panose="02070309020205020404" pitchFamily="49" charset="0"/>
-                <a:cs typeface="Courier New" panose="02070309020205020404" pitchFamily="49" charset="0"/>
-              </a:rPr>
-              <a:t>variabile</a:t>
-            </a:r>
-            <a:r>
-              <a:rPr lang="en-US" sz="1800" b="1" dirty="0">
-                <a:latin typeface="Courier New" panose="02070309020205020404" pitchFamily="49" charset="0"/>
-                <a:cs typeface="Courier New" panose="02070309020205020404" pitchFamily="49" charset="0"/>
-              </a:rPr>
-              <a:t> di </a:t>
-            </a:r>
-            <a:r>
-              <a:rPr lang="en-US" sz="1800" b="1" dirty="0" err="1">
-                <a:latin typeface="Courier New" panose="02070309020205020404" pitchFamily="49" charset="0"/>
-                <a:cs typeface="Courier New" panose="02070309020205020404" pitchFamily="49" charset="0"/>
-              </a:rPr>
-              <a:t>tipo</a:t>
-            </a:r>
-            <a:r>
-              <a:rPr lang="en-US" sz="1800" b="1" dirty="0">
-                <a:latin typeface="Courier New" panose="02070309020205020404" pitchFamily="49" charset="0"/>
-                <a:cs typeface="Courier New" panose="02070309020205020404" pitchFamily="49" charset="0"/>
-              </a:rPr>
-              <a:t> </a:t>
-            </a:r>
-            <a:r>
-              <a:rPr lang="en-US" sz="1800" b="1" dirty="0" err="1">
-                <a:latin typeface="Courier New" panose="02070309020205020404" pitchFamily="49" charset="0"/>
-                <a:cs typeface="Courier New" panose="02070309020205020404" pitchFamily="49" charset="0"/>
-              </a:rPr>
-              <a:t>punto</a:t>
-            </a:r>
-            <a:endParaRPr lang="en-US" sz="1800" b="1" dirty="0">
+            <a:pPr marL="0" indent="0">
+              <a:buNone/>
+            </a:pPr>
+            <a:r>
+              <a:rPr lang="it-IT" sz="1400" b="1" dirty="0">
+                <a:latin typeface="Courier New" panose="02070309020205020404" pitchFamily="49" charset="0"/>
+                <a:cs typeface="Courier New" panose="02070309020205020404" pitchFamily="49" charset="0"/>
+              </a:rPr>
+              <a:t>   </a:t>
+            </a:r>
+            <a:r>
+              <a:rPr lang="it-IT" sz="1400" b="1" dirty="0" err="1">
+                <a:latin typeface="Courier New" panose="02070309020205020404" pitchFamily="49" charset="0"/>
+                <a:cs typeface="Courier New" panose="02070309020205020404" pitchFamily="49" charset="0"/>
+              </a:rPr>
+              <a:t>if</a:t>
+            </a:r>
+            <a:r>
+              <a:rPr lang="it-IT" sz="1400" b="1" dirty="0">
+                <a:latin typeface="Courier New" panose="02070309020205020404" pitchFamily="49" charset="0"/>
+                <a:cs typeface="Courier New" panose="02070309020205020404" pitchFamily="49" charset="0"/>
+              </a:rPr>
+              <a:t> (</a:t>
+            </a:r>
+            <a:r>
+              <a:rPr lang="it-IT" sz="1400" b="1" dirty="0" err="1">
+                <a:latin typeface="Courier New" panose="02070309020205020404" pitchFamily="49" charset="0"/>
+                <a:cs typeface="Courier New" panose="02070309020205020404" pitchFamily="49" charset="0"/>
+              </a:rPr>
+              <a:t>vl</a:t>
+            </a:r>
+            <a:r>
+              <a:rPr lang="it-IT" sz="1400" b="1" dirty="0">
+                <a:latin typeface="Courier New" panose="02070309020205020404" pitchFamily="49" charset="0"/>
+                <a:cs typeface="Courier New" panose="02070309020205020404" pitchFamily="49" charset="0"/>
+              </a:rPr>
+              <a:t>)</a:t>
+            </a:r>
+          </a:p>
+          <a:p>
+            <a:pPr marL="0" indent="0">
+              <a:buNone/>
+            </a:pPr>
+            <a:r>
+              <a:rPr lang="it-IT" sz="1400" b="1" dirty="0">
+                <a:latin typeface="Courier New" panose="02070309020205020404" pitchFamily="49" charset="0"/>
+                <a:cs typeface="Courier New" panose="02070309020205020404" pitchFamily="49" charset="0"/>
+              </a:rPr>
+              <a:t>      </a:t>
+            </a:r>
+            <a:r>
+              <a:rPr lang="it-IT" sz="1400" b="1" dirty="0" err="1">
+                <a:latin typeface="Courier New" panose="02070309020205020404" pitchFamily="49" charset="0"/>
+                <a:cs typeface="Courier New" panose="02070309020205020404" pitchFamily="49" charset="0"/>
+              </a:rPr>
+              <a:t>cout</a:t>
+            </a:r>
+            <a:r>
+              <a:rPr lang="it-IT" sz="1400" b="1" dirty="0">
+                <a:latin typeface="Courier New" panose="02070309020205020404" pitchFamily="49" charset="0"/>
+                <a:cs typeface="Courier New" panose="02070309020205020404" pitchFamily="49" charset="0"/>
+              </a:rPr>
+              <a:t> &lt;&lt; "vero" &lt;&lt; </a:t>
+            </a:r>
+            <a:r>
+              <a:rPr lang="it-IT" sz="1400" b="1" dirty="0" err="1">
+                <a:latin typeface="Courier New" panose="02070309020205020404" pitchFamily="49" charset="0"/>
+                <a:cs typeface="Courier New" panose="02070309020205020404" pitchFamily="49" charset="0"/>
+              </a:rPr>
+              <a:t>endl</a:t>
+            </a:r>
+            <a:r>
+              <a:rPr lang="it-IT" sz="1400" b="1" dirty="0">
+                <a:latin typeface="Courier New" panose="02070309020205020404" pitchFamily="49" charset="0"/>
+                <a:cs typeface="Courier New" panose="02070309020205020404" pitchFamily="49" charset="0"/>
+              </a:rPr>
+              <a:t>;    	</a:t>
+            </a:r>
+          </a:p>
+          <a:p>
+            <a:pPr marL="0" indent="0">
+              <a:buNone/>
+            </a:pPr>
+            <a:r>
+              <a:rPr lang="it-IT" sz="1400" b="1" dirty="0">
+                <a:latin typeface="Courier New" panose="02070309020205020404" pitchFamily="49" charset="0"/>
+                <a:cs typeface="Courier New" panose="02070309020205020404" pitchFamily="49" charset="0"/>
+              </a:rPr>
+              <a:t>   </a:t>
+            </a:r>
+            <a:r>
+              <a:rPr lang="it-IT" sz="1400" b="1" dirty="0" err="1">
+                <a:solidFill>
+                  <a:srgbClr val="FF0000"/>
+                </a:solidFill>
+                <a:latin typeface="Courier New" panose="02070309020205020404" pitchFamily="49" charset="0"/>
+                <a:cs typeface="Courier New" panose="02070309020205020404" pitchFamily="49" charset="0"/>
+              </a:rPr>
+              <a:t>using</a:t>
+            </a:r>
+            <a:r>
+              <a:rPr lang="it-IT" sz="1400" b="1" dirty="0">
+                <a:solidFill>
+                  <a:srgbClr val="FF0000"/>
+                </a:solidFill>
+                <a:latin typeface="Courier New" panose="02070309020205020404" pitchFamily="49" charset="0"/>
+                <a:cs typeface="Courier New" panose="02070309020205020404" pitchFamily="49" charset="0"/>
+              </a:rPr>
+              <a:t> intero = </a:t>
+            </a:r>
+            <a:r>
+              <a:rPr lang="it-IT" sz="1400" b="1" dirty="0" err="1">
+                <a:solidFill>
+                  <a:srgbClr val="FF0000"/>
+                </a:solidFill>
+                <a:latin typeface="Courier New" panose="02070309020205020404" pitchFamily="49" charset="0"/>
+                <a:cs typeface="Courier New" panose="02070309020205020404" pitchFamily="49" charset="0"/>
+              </a:rPr>
+              <a:t>int</a:t>
+            </a:r>
+            <a:r>
+              <a:rPr lang="it-IT" sz="1400" b="1" dirty="0">
+                <a:latin typeface="Courier New" panose="02070309020205020404" pitchFamily="49" charset="0"/>
+                <a:cs typeface="Courier New" panose="02070309020205020404" pitchFamily="49" charset="0"/>
+              </a:rPr>
+              <a:t>;			// intero alias di </a:t>
+            </a:r>
+            <a:r>
+              <a:rPr lang="it-IT" sz="1400" b="1" dirty="0" err="1">
+                <a:latin typeface="Courier New" panose="02070309020205020404" pitchFamily="49" charset="0"/>
+                <a:cs typeface="Courier New" panose="02070309020205020404" pitchFamily="49" charset="0"/>
+              </a:rPr>
+              <a:t>int</a:t>
+            </a:r>
+            <a:endParaRPr lang="it-IT" sz="1400" b="1" dirty="0">
               <a:latin typeface="Courier New" panose="02070309020205020404" pitchFamily="49" charset="0"/>
               <a:cs typeface="Courier New" panose="02070309020205020404" pitchFamily="49" charset="0"/>
             </a:endParaRPr>
           </a:p>
           <a:p>
-            <a:pPr marL="400050" lvl="1" indent="0">
-              <a:buNone/>
-            </a:pPr>
-            <a:r>
-              <a:rPr lang="en-US" sz="1800" b="1" dirty="0">
-                <a:latin typeface="Courier New" panose="02070309020205020404" pitchFamily="49" charset="0"/>
-                <a:cs typeface="Courier New" panose="02070309020205020404" pitchFamily="49" charset="0"/>
-              </a:rPr>
-              <a:t>p1.y = 4.5;</a:t>
-            </a:r>
-          </a:p>
-          <a:p>
-            <a:endParaRPr lang="it-IT" dirty="0"/>
+            <a:pPr marL="0" indent="0">
+              <a:buNone/>
+            </a:pPr>
+            <a:r>
+              <a:rPr lang="it-IT" sz="1400" b="1" dirty="0">
+                <a:latin typeface="Courier New" panose="02070309020205020404" pitchFamily="49" charset="0"/>
+                <a:cs typeface="Courier New" panose="02070309020205020404" pitchFamily="49" charset="0"/>
+              </a:rPr>
+              <a:t>   intero </a:t>
+            </a:r>
+            <a:r>
+              <a:rPr lang="it-IT" sz="1400" b="1" dirty="0" err="1">
+                <a:latin typeface="Courier New" panose="02070309020205020404" pitchFamily="49" charset="0"/>
+                <a:cs typeface="Courier New" panose="02070309020205020404" pitchFamily="49" charset="0"/>
+              </a:rPr>
+              <a:t>n,k</a:t>
+            </a:r>
+            <a:r>
+              <a:rPr lang="it-IT" sz="1400" b="1" dirty="0">
+                <a:latin typeface="Courier New" panose="02070309020205020404" pitchFamily="49" charset="0"/>
+                <a:cs typeface="Courier New" panose="02070309020205020404" pitchFamily="49" charset="0"/>
+              </a:rPr>
+              <a:t>;					// intero e </a:t>
+            </a:r>
+            <a:r>
+              <a:rPr lang="it-IT" sz="1400" b="1" dirty="0" err="1">
+                <a:latin typeface="Courier New" panose="02070309020205020404" pitchFamily="49" charset="0"/>
+                <a:cs typeface="Courier New" panose="02070309020205020404" pitchFamily="49" charset="0"/>
+              </a:rPr>
+              <a:t>int</a:t>
+            </a:r>
+            <a:r>
+              <a:rPr lang="it-IT" sz="1400" b="1" dirty="0">
+                <a:latin typeface="Courier New" panose="02070309020205020404" pitchFamily="49" charset="0"/>
+                <a:cs typeface="Courier New" panose="02070309020205020404" pitchFamily="49" charset="0"/>
+              </a:rPr>
+              <a:t> sono equivalenti</a:t>
+            </a:r>
+          </a:p>
+          <a:p>
+            <a:pPr marL="0" indent="0">
+              <a:buNone/>
+            </a:pPr>
+            <a:r>
+              <a:rPr lang="it-IT" sz="1400" b="1" dirty="0">
+                <a:latin typeface="Courier New" panose="02070309020205020404" pitchFamily="49" charset="0"/>
+                <a:cs typeface="Courier New" panose="02070309020205020404" pitchFamily="49" charset="0"/>
+              </a:rPr>
+              <a:t>   </a:t>
+            </a:r>
+            <a:r>
+              <a:rPr lang="it-IT" sz="1400" b="1" dirty="0" err="1">
+                <a:latin typeface="Courier New" panose="02070309020205020404" pitchFamily="49" charset="0"/>
+                <a:cs typeface="Courier New" panose="02070309020205020404" pitchFamily="49" charset="0"/>
+              </a:rPr>
+              <a:t>int</a:t>
+            </a:r>
+            <a:r>
+              <a:rPr lang="it-IT" sz="1400" b="1" dirty="0">
+                <a:latin typeface="Courier New" panose="02070309020205020404" pitchFamily="49" charset="0"/>
+                <a:cs typeface="Courier New" panose="02070309020205020404" pitchFamily="49" charset="0"/>
+              </a:rPr>
+              <a:t> b;</a:t>
+            </a:r>
+          </a:p>
+          <a:p>
+            <a:pPr marL="0" indent="0">
+              <a:buNone/>
+            </a:pPr>
+            <a:r>
+              <a:rPr lang="it-IT" sz="1400" b="1" dirty="0">
+                <a:latin typeface="Courier New" panose="02070309020205020404" pitchFamily="49" charset="0"/>
+                <a:cs typeface="Courier New" panose="02070309020205020404" pitchFamily="49" charset="0"/>
+              </a:rPr>
+              <a:t>   n = 3;					// assegnamento a intero di costante </a:t>
+            </a:r>
+            <a:r>
+              <a:rPr lang="it-IT" sz="1400" b="1" dirty="0" err="1">
+                <a:latin typeface="Courier New" panose="02070309020205020404" pitchFamily="49" charset="0"/>
+                <a:cs typeface="Courier New" panose="02070309020205020404" pitchFamily="49" charset="0"/>
+              </a:rPr>
+              <a:t>int</a:t>
+            </a:r>
+            <a:endParaRPr lang="it-IT" sz="1400" b="1" dirty="0">
+              <a:latin typeface="Courier New" panose="02070309020205020404" pitchFamily="49" charset="0"/>
+              <a:cs typeface="Courier New" panose="02070309020205020404" pitchFamily="49" charset="0"/>
+            </a:endParaRPr>
+          </a:p>
+          <a:p>
+            <a:pPr marL="0" indent="0">
+              <a:buNone/>
+            </a:pPr>
+            <a:r>
+              <a:rPr lang="it-IT" sz="1400" b="1" dirty="0">
+                <a:latin typeface="Courier New" panose="02070309020205020404" pitchFamily="49" charset="0"/>
+                <a:cs typeface="Courier New" panose="02070309020205020404" pitchFamily="49" charset="0"/>
+              </a:rPr>
+              <a:t>   b = n + 2;					// assegnamento a </a:t>
+            </a:r>
+            <a:r>
+              <a:rPr lang="it-IT" sz="1400" b="1" dirty="0" err="1">
+                <a:latin typeface="Courier New" panose="02070309020205020404" pitchFamily="49" charset="0"/>
+                <a:cs typeface="Courier New" panose="02070309020205020404" pitchFamily="49" charset="0"/>
+              </a:rPr>
+              <a:t>int</a:t>
+            </a:r>
+            <a:r>
+              <a:rPr lang="it-IT" sz="1400" b="1" dirty="0">
+                <a:latin typeface="Courier New" panose="02070309020205020404" pitchFamily="49" charset="0"/>
+                <a:cs typeface="Courier New" panose="02070309020205020404" pitchFamily="49" charset="0"/>
+              </a:rPr>
+              <a:t> di espressione intero , </a:t>
+            </a:r>
+            <a:r>
+              <a:rPr lang="it-IT" sz="1400" b="1" dirty="0" err="1">
+                <a:latin typeface="Courier New" panose="02070309020205020404" pitchFamily="49" charset="0"/>
+                <a:cs typeface="Courier New" panose="02070309020205020404" pitchFamily="49" charset="0"/>
+              </a:rPr>
+              <a:t>int</a:t>
+            </a:r>
+            <a:endParaRPr lang="it-IT" sz="1400" b="1" dirty="0">
+              <a:latin typeface="Courier New" panose="02070309020205020404" pitchFamily="49" charset="0"/>
+              <a:cs typeface="Courier New" panose="02070309020205020404" pitchFamily="49" charset="0"/>
+            </a:endParaRPr>
+          </a:p>
+          <a:p>
+            <a:pPr marL="0" indent="0">
+              <a:buNone/>
+            </a:pPr>
+            <a:r>
+              <a:rPr lang="it-IT" sz="1400" b="1" dirty="0">
+                <a:latin typeface="Courier New" panose="02070309020205020404" pitchFamily="49" charset="0"/>
+                <a:cs typeface="Courier New" panose="02070309020205020404" pitchFamily="49" charset="0"/>
+              </a:rPr>
+              <a:t>   k = b;					// assegnamento a intero di variabile </a:t>
+            </a:r>
+            <a:r>
+              <a:rPr lang="it-IT" sz="1400" b="1" dirty="0" err="1">
+                <a:latin typeface="Courier New" panose="02070309020205020404" pitchFamily="49" charset="0"/>
+                <a:cs typeface="Courier New" panose="02070309020205020404" pitchFamily="49" charset="0"/>
+              </a:rPr>
+              <a:t>int</a:t>
+            </a:r>
+            <a:endParaRPr lang="it-IT" sz="1400" b="1" dirty="0">
+              <a:latin typeface="Courier New" panose="02070309020205020404" pitchFamily="49" charset="0"/>
+              <a:cs typeface="Courier New" panose="02070309020205020404" pitchFamily="49" charset="0"/>
+            </a:endParaRPr>
+          </a:p>
+          <a:p>
+            <a:pPr marL="0" indent="0">
+              <a:buNone/>
+            </a:pPr>
+            <a:r>
+              <a:rPr lang="it-IT" sz="1400" b="1" dirty="0">
+                <a:latin typeface="Courier New" panose="02070309020205020404" pitchFamily="49" charset="0"/>
+                <a:cs typeface="Courier New" panose="02070309020205020404" pitchFamily="49" charset="0"/>
+              </a:rPr>
+              <a:t>   </a:t>
+            </a:r>
+            <a:r>
+              <a:rPr lang="it-IT" sz="1400" b="1" dirty="0" err="1">
+                <a:latin typeface="Courier New" panose="02070309020205020404" pitchFamily="49" charset="0"/>
+                <a:cs typeface="Courier New" panose="02070309020205020404" pitchFamily="49" charset="0"/>
+              </a:rPr>
+              <a:t>cout</a:t>
+            </a:r>
+            <a:r>
+              <a:rPr lang="it-IT" sz="1400" b="1" dirty="0">
+                <a:latin typeface="Courier New" panose="02070309020205020404" pitchFamily="49" charset="0"/>
+                <a:cs typeface="Courier New" panose="02070309020205020404" pitchFamily="49" charset="0"/>
+              </a:rPr>
+              <a:t> &lt;&lt; "n= " &lt;&lt; n &lt;&lt; " b= " &lt;&lt; b &lt;&lt; " k= " &lt;&lt; k &lt;&lt; </a:t>
+            </a:r>
+            <a:r>
+              <a:rPr lang="it-IT" sz="1400" b="1" dirty="0" err="1">
+                <a:latin typeface="Courier New" panose="02070309020205020404" pitchFamily="49" charset="0"/>
+                <a:cs typeface="Courier New" panose="02070309020205020404" pitchFamily="49" charset="0"/>
+              </a:rPr>
+              <a:t>endl</a:t>
+            </a:r>
+            <a:r>
+              <a:rPr lang="it-IT" sz="1400" b="1" dirty="0">
+                <a:latin typeface="Courier New" panose="02070309020205020404" pitchFamily="49" charset="0"/>
+                <a:cs typeface="Courier New" panose="02070309020205020404" pitchFamily="49" charset="0"/>
+              </a:rPr>
+              <a:t>;</a:t>
+            </a:r>
+          </a:p>
+          <a:p>
+            <a:pPr marL="0" indent="0">
+              <a:buNone/>
+            </a:pPr>
+            <a:r>
+              <a:rPr lang="it-IT" sz="1400" b="1" dirty="0">
+                <a:latin typeface="Courier New" panose="02070309020205020404" pitchFamily="49" charset="0"/>
+                <a:cs typeface="Courier New" panose="02070309020205020404" pitchFamily="49" charset="0"/>
+              </a:rPr>
+              <a:t>   </a:t>
+            </a:r>
+            <a:r>
+              <a:rPr lang="it-IT" sz="1400" b="1" dirty="0" err="1">
+                <a:latin typeface="Courier New" panose="02070309020205020404" pitchFamily="49" charset="0"/>
+                <a:cs typeface="Courier New" panose="02070309020205020404" pitchFamily="49" charset="0"/>
+              </a:rPr>
+              <a:t>return</a:t>
+            </a:r>
+            <a:r>
+              <a:rPr lang="it-IT" sz="1400" b="1" dirty="0">
+                <a:latin typeface="Courier New" panose="02070309020205020404" pitchFamily="49" charset="0"/>
+                <a:cs typeface="Courier New" panose="02070309020205020404" pitchFamily="49" charset="0"/>
+              </a:rPr>
+              <a:t> 0;</a:t>
+            </a:r>
+          </a:p>
+          <a:p>
+            <a:pPr marL="0" indent="0">
+              <a:buNone/>
+            </a:pPr>
+            <a:r>
+              <a:rPr lang="it-IT" sz="1400" b="1" dirty="0">
+                <a:latin typeface="Courier New" panose="02070309020205020404" pitchFamily="49" charset="0"/>
+                <a:cs typeface="Courier New" panose="02070309020205020404" pitchFamily="49" charset="0"/>
+              </a:rPr>
+              <a:t>}</a:t>
+            </a:r>
+          </a:p>
+          <a:p>
+            <a:pPr marL="0" indent="0">
+              <a:buNone/>
+            </a:pPr>
+            <a:endParaRPr lang="it-IT" sz="1400" b="1" dirty="0">
+              <a:latin typeface="Courier New" panose="02070309020205020404" pitchFamily="49" charset="0"/>
+              <a:cs typeface="Courier New" panose="02070309020205020404" pitchFamily="49" charset="0"/>
+            </a:endParaRPr>
           </a:p>
         </p:txBody>
       </p:sp>
@@ -10620,7 +10965,7 @@
           <p:cNvPr id="4" name="Segnaposto piè di pagina 3">
             <a:extLst>
               <a:ext uri="{FF2B5EF4-FFF2-40B4-BE49-F238E27FC236}">
-                <a16:creationId xmlns:a16="http://schemas.microsoft.com/office/drawing/2014/main" id="{408A7260-90F7-46B6-9CBF-45F17F677265}"/>
+                <a16:creationId xmlns:a16="http://schemas.microsoft.com/office/drawing/2014/main" id="{E07A694A-F9D1-41A1-BE04-130454E516C4}"/>
               </a:ext>
             </a:extLst>
           </p:cNvPr>
@@ -10650,7 +10995,7 @@
     </p:spTree>
     <p:extLst>
       <p:ext uri="{BB962C8B-B14F-4D97-AF65-F5344CB8AC3E}">
-        <p14:creationId xmlns:p14="http://schemas.microsoft.com/office/powerpoint/2010/main" val="3500570977"/>
+        <p14:creationId xmlns:p14="http://schemas.microsoft.com/office/powerpoint/2010/main" val="1476907629"/>
       </p:ext>
     </p:extLst>
   </p:cSld>
@@ -10741,7 +11086,7 @@
             <a:pPr lvl="1"/>
             <a:r>
               <a:rPr lang="it-IT" sz="1800" dirty="0"/>
-              <a:t>il suo valore </a:t>
+              <a:t>il suo valore: </a:t>
             </a:r>
             <a:r>
               <a:rPr lang="it-IT" sz="1800" b="1" i="1" dirty="0"/>
@@ -10772,7 +11117,7 @@
             <a:pPr lvl="1"/>
             <a:r>
               <a:rPr lang="it-IT" sz="1800" dirty="0"/>
-              <a:t>il suo indirizzo, </a:t>
+              <a:t>il suo indirizzo: </a:t>
             </a:r>
             <a:r>
               <a:rPr lang="it-IT" sz="1800" b="1" i="1" dirty="0" err="1"/>
@@ -10803,7 +11148,7 @@
             <a:pPr lvl="1"/>
             <a:r>
               <a:rPr lang="it-IT" sz="1800" dirty="0"/>
-              <a:t>lo spazio occupato</a:t>
+              <a:t>lo spazio di memoria occupato</a:t>
             </a:r>
           </a:p>
           <a:p>
@@ -10924,6 +11269,1916 @@
           <p:cNvPr id="2" name="Titolo 1">
             <a:extLst>
               <a:ext uri="{FF2B5EF4-FFF2-40B4-BE49-F238E27FC236}">
+                <a16:creationId xmlns:a16="http://schemas.microsoft.com/office/drawing/2014/main" id="{813D4039-DF0B-4F7D-87BC-7364CA1DEA05}"/>
+              </a:ext>
+            </a:extLst>
+          </p:cNvPr>
+          <p:cNvSpPr>
+            <a:spLocks noGrp="1"/>
+          </p:cNvSpPr>
+          <p:nvPr>
+            <p:ph type="title"/>
+          </p:nvPr>
+        </p:nvSpPr>
+        <p:spPr/>
+        <p:txBody>
+          <a:bodyPr/>
+          <a:lstStyle/>
+          <a:p>
+            <a:r>
+              <a:rPr lang="it-IT" dirty="0" err="1"/>
+              <a:t>struct</a:t>
+            </a:r>
+            <a:endParaRPr lang="it-IT" dirty="0"/>
+          </a:p>
+        </p:txBody>
+      </p:sp>
+      <p:sp>
+        <p:nvSpPr>
+          <p:cNvPr id="3" name="Segnaposto contenuto 2">
+            <a:extLst>
+              <a:ext uri="{FF2B5EF4-FFF2-40B4-BE49-F238E27FC236}">
+                <a16:creationId xmlns:a16="http://schemas.microsoft.com/office/drawing/2014/main" id="{BBDFF503-7442-47CE-BADC-58BCE17EF66A}"/>
+              </a:ext>
+            </a:extLst>
+          </p:cNvPr>
+          <p:cNvSpPr>
+            <a:spLocks noGrp="1"/>
+          </p:cNvSpPr>
+          <p:nvPr>
+            <p:ph idx="1"/>
+          </p:nvPr>
+        </p:nvSpPr>
+        <p:spPr/>
+        <p:txBody>
+          <a:bodyPr/>
+          <a:lstStyle/>
+          <a:p>
+            <a:r>
+              <a:rPr lang="it-IT" sz="2000" dirty="0"/>
+              <a:t>permette di definire un </a:t>
+            </a:r>
+            <a:r>
+              <a:rPr lang="it-IT" sz="2000" b="1" i="1" dirty="0"/>
+              <a:t>nuovo tipo di dato </a:t>
+            </a:r>
+            <a:r>
+              <a:rPr lang="it-IT" sz="2000" dirty="0"/>
+              <a:t>raggruppando dati di </a:t>
+            </a:r>
+            <a:r>
+              <a:rPr lang="it-IT" sz="2000" b="1" i="1" dirty="0"/>
+              <a:t>tipo diverso</a:t>
+            </a:r>
+          </a:p>
+          <a:p>
+            <a:r>
+              <a:rPr lang="it-IT" sz="2000" dirty="0"/>
+              <a:t>per definire una struttura si definiscono le </a:t>
+            </a:r>
+            <a:r>
+              <a:rPr lang="it-IT" sz="2000" b="1" i="1" dirty="0"/>
+              <a:t>variabili membro </a:t>
+            </a:r>
+            <a:r>
+              <a:rPr lang="it-IT" sz="2000" dirty="0"/>
+              <a:t>specificandone </a:t>
+            </a:r>
+            <a:r>
+              <a:rPr lang="it-IT" sz="2000" b="1" i="1" dirty="0"/>
+              <a:t>tipo</a:t>
+            </a:r>
+            <a:r>
+              <a:rPr lang="it-IT" sz="2000" dirty="0"/>
+              <a:t> e </a:t>
+            </a:r>
+            <a:r>
+              <a:rPr lang="it-IT" sz="2000" b="1" i="1" dirty="0"/>
+              <a:t>nome</a:t>
+            </a:r>
+          </a:p>
+          <a:p>
+            <a:r>
+              <a:rPr lang="it-IT" sz="2000" dirty="0"/>
+              <a:t>i membri possono essere anche </a:t>
+            </a:r>
+            <a:r>
+              <a:rPr lang="it-IT" sz="2000" b="1" i="1" dirty="0"/>
+              <a:t>funzioni</a:t>
+            </a:r>
+            <a:r>
+              <a:rPr lang="it-IT" sz="2000" dirty="0"/>
+              <a:t> (</a:t>
+            </a:r>
+            <a:r>
+              <a:rPr lang="it-IT" sz="2000" dirty="0" err="1"/>
+              <a:t>struct</a:t>
+            </a:r>
+            <a:r>
+              <a:rPr lang="it-IT" sz="2000" dirty="0"/>
+              <a:t> è molto simile a class)</a:t>
+            </a:r>
+          </a:p>
+          <a:p>
+            <a:pPr lvl="1"/>
+            <a:r>
+              <a:rPr lang="it-IT" sz="1800" dirty="0"/>
+              <a:t>(non useremo questa caratteristica) </a:t>
+            </a:r>
+          </a:p>
+          <a:p>
+            <a:pPr marL="400050" lvl="1" indent="0">
+              <a:buNone/>
+            </a:pPr>
+            <a:r>
+              <a:rPr lang="it-IT" sz="1600" b="1" dirty="0" err="1">
+                <a:latin typeface="Courier New" panose="02070309020205020404" pitchFamily="49" charset="0"/>
+                <a:cs typeface="Courier New" panose="02070309020205020404" pitchFamily="49" charset="0"/>
+              </a:rPr>
+              <a:t>struct</a:t>
+            </a:r>
+            <a:r>
+              <a:rPr lang="it-IT" sz="1600" b="1" dirty="0">
+                <a:latin typeface="Courier New" panose="02070309020205020404" pitchFamily="49" charset="0"/>
+                <a:cs typeface="Courier New" panose="02070309020205020404" pitchFamily="49" charset="0"/>
+              </a:rPr>
+              <a:t> Studente {</a:t>
+            </a:r>
+          </a:p>
+          <a:p>
+            <a:pPr marL="400050" lvl="1" indent="0">
+              <a:buNone/>
+            </a:pPr>
+            <a:r>
+              <a:rPr lang="it-IT" sz="1600" b="1" dirty="0">
+                <a:latin typeface="Courier New" panose="02070309020205020404" pitchFamily="49" charset="0"/>
+                <a:cs typeface="Courier New" panose="02070309020205020404" pitchFamily="49" charset="0"/>
+              </a:rPr>
+              <a:t>  </a:t>
+            </a:r>
+            <a:r>
+              <a:rPr lang="it-IT" sz="1600" b="1" dirty="0" err="1">
+                <a:latin typeface="Courier New" panose="02070309020205020404" pitchFamily="49" charset="0"/>
+                <a:cs typeface="Courier New" panose="02070309020205020404" pitchFamily="49" charset="0"/>
+              </a:rPr>
+              <a:t>string</a:t>
+            </a:r>
+            <a:r>
+              <a:rPr lang="it-IT" sz="1600" b="1" dirty="0">
+                <a:latin typeface="Courier New" panose="02070309020205020404" pitchFamily="49" charset="0"/>
+                <a:cs typeface="Courier New" panose="02070309020205020404" pitchFamily="49" charset="0"/>
+              </a:rPr>
+              <a:t> matricola;</a:t>
+            </a:r>
+          </a:p>
+          <a:p>
+            <a:pPr marL="400050" lvl="1" indent="0">
+              <a:buNone/>
+            </a:pPr>
+            <a:r>
+              <a:rPr lang="it-IT" sz="1600" b="1" dirty="0">
+                <a:latin typeface="Courier New" panose="02070309020205020404" pitchFamily="49" charset="0"/>
+                <a:cs typeface="Courier New" panose="02070309020205020404" pitchFamily="49" charset="0"/>
+              </a:rPr>
+              <a:t>  </a:t>
+            </a:r>
+            <a:r>
+              <a:rPr lang="it-IT" sz="1600" b="1" dirty="0" err="1">
+                <a:latin typeface="Courier New" panose="02070309020205020404" pitchFamily="49" charset="0"/>
+                <a:cs typeface="Courier New" panose="02070309020205020404" pitchFamily="49" charset="0"/>
+              </a:rPr>
+              <a:t>string</a:t>
+            </a:r>
+            <a:r>
+              <a:rPr lang="it-IT" sz="1600" b="1" dirty="0">
+                <a:latin typeface="Courier New" panose="02070309020205020404" pitchFamily="49" charset="0"/>
+                <a:cs typeface="Courier New" panose="02070309020205020404" pitchFamily="49" charset="0"/>
+              </a:rPr>
+              <a:t> nome;</a:t>
+            </a:r>
+          </a:p>
+          <a:p>
+            <a:pPr marL="400050" lvl="1" indent="0">
+              <a:buNone/>
+            </a:pPr>
+            <a:r>
+              <a:rPr lang="it-IT" sz="1600" b="1" dirty="0">
+                <a:latin typeface="Courier New" panose="02070309020205020404" pitchFamily="49" charset="0"/>
+                <a:cs typeface="Courier New" panose="02070309020205020404" pitchFamily="49" charset="0"/>
+              </a:rPr>
+              <a:t>  </a:t>
+            </a:r>
+            <a:r>
+              <a:rPr lang="it-IT" sz="1600" b="1" dirty="0" err="1">
+                <a:latin typeface="Courier New" panose="02070309020205020404" pitchFamily="49" charset="0"/>
+                <a:cs typeface="Courier New" panose="02070309020205020404" pitchFamily="49" charset="0"/>
+              </a:rPr>
+              <a:t>char</a:t>
+            </a:r>
+            <a:r>
+              <a:rPr lang="it-IT" sz="1600" b="1" dirty="0">
+                <a:latin typeface="Courier New" panose="02070309020205020404" pitchFamily="49" charset="0"/>
+                <a:cs typeface="Courier New" panose="02070309020205020404" pitchFamily="49" charset="0"/>
+              </a:rPr>
+              <a:t> sesso;</a:t>
+            </a:r>
+          </a:p>
+          <a:p>
+            <a:pPr marL="400050" lvl="1" indent="0">
+              <a:buNone/>
+            </a:pPr>
+            <a:r>
+              <a:rPr lang="it-IT" sz="1600" b="1" dirty="0">
+                <a:latin typeface="Courier New" panose="02070309020205020404" pitchFamily="49" charset="0"/>
+                <a:cs typeface="Courier New" panose="02070309020205020404" pitchFamily="49" charset="0"/>
+              </a:rPr>
+              <a:t>  </a:t>
+            </a:r>
+            <a:r>
+              <a:rPr lang="it-IT" sz="1600" b="1" dirty="0" err="1">
+                <a:latin typeface="Courier New" panose="02070309020205020404" pitchFamily="49" charset="0"/>
+                <a:cs typeface="Courier New" panose="02070309020205020404" pitchFamily="49" charset="0"/>
+              </a:rPr>
+              <a:t>int</a:t>
+            </a:r>
+            <a:r>
+              <a:rPr lang="it-IT" sz="1600" b="1" dirty="0">
+                <a:latin typeface="Courier New" panose="02070309020205020404" pitchFamily="49" charset="0"/>
+                <a:cs typeface="Courier New" panose="02070309020205020404" pitchFamily="49" charset="0"/>
+              </a:rPr>
+              <a:t> voto;</a:t>
+            </a:r>
+          </a:p>
+          <a:p>
+            <a:pPr marL="400050" lvl="1" indent="0">
+              <a:buNone/>
+            </a:pPr>
+            <a:r>
+              <a:rPr lang="it-IT" sz="1600" b="1" dirty="0">
+                <a:latin typeface="Courier New" panose="02070309020205020404" pitchFamily="49" charset="0"/>
+                <a:cs typeface="Courier New" panose="02070309020205020404" pitchFamily="49" charset="0"/>
+              </a:rPr>
+              <a:t>  </a:t>
+            </a:r>
+            <a:r>
+              <a:rPr lang="it-IT" sz="1600" b="1" dirty="0" err="1">
+                <a:latin typeface="Courier New" panose="02070309020205020404" pitchFamily="49" charset="0"/>
+                <a:cs typeface="Courier New" panose="02070309020205020404" pitchFamily="49" charset="0"/>
+              </a:rPr>
+              <a:t>bool</a:t>
+            </a:r>
+            <a:r>
+              <a:rPr lang="it-IT" sz="1600" b="1" dirty="0">
+                <a:latin typeface="Courier New" panose="02070309020205020404" pitchFamily="49" charset="0"/>
+                <a:cs typeface="Courier New" panose="02070309020205020404" pitchFamily="49" charset="0"/>
+              </a:rPr>
+              <a:t> magistrale;</a:t>
+            </a:r>
+          </a:p>
+          <a:p>
+            <a:pPr marL="400050" lvl="1" indent="0">
+              <a:buNone/>
+            </a:pPr>
+            <a:r>
+              <a:rPr lang="it-IT" sz="1600" b="1" dirty="0">
+                <a:latin typeface="Courier New" panose="02070309020205020404" pitchFamily="49" charset="0"/>
+                <a:cs typeface="Courier New" panose="02070309020205020404" pitchFamily="49" charset="0"/>
+              </a:rPr>
+              <a:t>};</a:t>
+            </a:r>
+          </a:p>
+        </p:txBody>
+      </p:sp>
+      <p:sp>
+        <p:nvSpPr>
+          <p:cNvPr id="4" name="Segnaposto piè di pagina 3">
+            <a:extLst>
+              <a:ext uri="{FF2B5EF4-FFF2-40B4-BE49-F238E27FC236}">
+                <a16:creationId xmlns:a16="http://schemas.microsoft.com/office/drawing/2014/main" id="{8FBFC1A8-E3ED-4772-9CB6-9DBCBF06B51F}"/>
+              </a:ext>
+            </a:extLst>
+          </p:cNvPr>
+          <p:cNvSpPr>
+            <a:spLocks noGrp="1"/>
+          </p:cNvSpPr>
+          <p:nvPr>
+            <p:ph type="ftr" sz="quarter" idx="11"/>
+          </p:nvPr>
+        </p:nvSpPr>
+        <p:spPr/>
+        <p:txBody>
+          <a:bodyPr/>
+          <a:lstStyle/>
+          <a:p>
+            <a:pPr>
+              <a:defRPr/>
+            </a:pPr>
+            <a:r>
+              <a:rPr lang="it-IT"/>
+              <a:t>Alberto Ferrari – Programmazione di applicazioni SW</a:t>
+            </a:r>
+            <a:endParaRPr lang="it-IT" dirty="0"/>
+          </a:p>
+        </p:txBody>
+      </p:sp>
+    </p:spTree>
+    <p:extLst>
+      <p:ext uri="{BB962C8B-B14F-4D97-AF65-F5344CB8AC3E}">
+        <p14:creationId xmlns:p14="http://schemas.microsoft.com/office/powerpoint/2010/main" val="950246619"/>
+      </p:ext>
+    </p:extLst>
+  </p:cSld>
+  <p:clrMapOvr>
+    <a:masterClrMapping/>
+  </p:clrMapOvr>
+</p:sld>
+</file>
+
+<file path=ppt/slides/slide21.xml><?xml version="1.0" encoding="utf-8"?>
+<p:sld xmlns:a="http://schemas.openxmlformats.org/drawingml/2006/main" xmlns:r="http://schemas.openxmlformats.org/officeDocument/2006/relationships" xmlns:p="http://schemas.openxmlformats.org/presentationml/2006/main">
+  <p:cSld>
+    <p:spTree>
+      <p:nvGrpSpPr>
+        <p:cNvPr id="1" name=""/>
+        <p:cNvGrpSpPr/>
+        <p:nvPr/>
+      </p:nvGrpSpPr>
+      <p:grpSpPr>
+        <a:xfrm>
+          <a:off x="0" y="0"/>
+          <a:ext cx="0" cy="0"/>
+          <a:chOff x="0" y="0"/>
+          <a:chExt cx="0" cy="0"/>
+        </a:xfrm>
+      </p:grpSpPr>
+      <p:sp>
+        <p:nvSpPr>
+          <p:cNvPr id="2" name="Titolo 1">
+            <a:extLst>
+              <a:ext uri="{FF2B5EF4-FFF2-40B4-BE49-F238E27FC236}">
+                <a16:creationId xmlns:a16="http://schemas.microsoft.com/office/drawing/2014/main" id="{CE65099E-580F-485C-84FF-6E83E598CC53}"/>
+              </a:ext>
+            </a:extLst>
+          </p:cNvPr>
+          <p:cNvSpPr>
+            <a:spLocks noGrp="1"/>
+          </p:cNvSpPr>
+          <p:nvPr>
+            <p:ph type="title"/>
+          </p:nvPr>
+        </p:nvSpPr>
+        <p:spPr/>
+        <p:txBody>
+          <a:bodyPr/>
+          <a:lstStyle/>
+          <a:p>
+            <a:r>
+              <a:rPr lang="it-IT" dirty="0" err="1"/>
+              <a:t>struct</a:t>
+            </a:r>
+            <a:r>
+              <a:rPr lang="it-IT" dirty="0"/>
+              <a:t> - esempio</a:t>
+            </a:r>
+          </a:p>
+        </p:txBody>
+      </p:sp>
+      <p:sp>
+        <p:nvSpPr>
+          <p:cNvPr id="3" name="Segnaposto contenuto 2">
+            <a:extLst>
+              <a:ext uri="{FF2B5EF4-FFF2-40B4-BE49-F238E27FC236}">
+                <a16:creationId xmlns:a16="http://schemas.microsoft.com/office/drawing/2014/main" id="{28BF31C9-6423-405F-BE4E-1E2AA07015FE}"/>
+              </a:ext>
+            </a:extLst>
+          </p:cNvPr>
+          <p:cNvSpPr>
+            <a:spLocks noGrp="1"/>
+          </p:cNvSpPr>
+          <p:nvPr>
+            <p:ph sz="half" idx="1"/>
+          </p:nvPr>
+        </p:nvSpPr>
+        <p:spPr/>
+        <p:txBody>
+          <a:bodyPr/>
+          <a:lstStyle/>
+          <a:p>
+            <a:pPr marL="0" indent="0">
+              <a:buNone/>
+            </a:pPr>
+            <a:r>
+              <a:rPr lang="it-IT" sz="1200" b="1" dirty="0">
+                <a:latin typeface="Courier New" panose="02070309020205020404" pitchFamily="49" charset="0"/>
+                <a:cs typeface="Courier New" panose="02070309020205020404" pitchFamily="49" charset="0"/>
+              </a:rPr>
+              <a:t>#include &lt;</a:t>
+            </a:r>
+            <a:r>
+              <a:rPr lang="it-IT" sz="1200" b="1" dirty="0" err="1">
+                <a:latin typeface="Courier New" panose="02070309020205020404" pitchFamily="49" charset="0"/>
+                <a:cs typeface="Courier New" panose="02070309020205020404" pitchFamily="49" charset="0"/>
+              </a:rPr>
+              <a:t>iostream</a:t>
+            </a:r>
+            <a:r>
+              <a:rPr lang="it-IT" sz="1200" b="1" dirty="0">
+                <a:latin typeface="Courier New" panose="02070309020205020404" pitchFamily="49" charset="0"/>
+                <a:cs typeface="Courier New" panose="02070309020205020404" pitchFamily="49" charset="0"/>
+              </a:rPr>
+              <a:t>&gt;</a:t>
+            </a:r>
+          </a:p>
+          <a:p>
+            <a:pPr marL="0" indent="0">
+              <a:buNone/>
+            </a:pPr>
+            <a:r>
+              <a:rPr lang="it-IT" sz="1200" b="1" dirty="0" err="1">
+                <a:latin typeface="Courier New" panose="02070309020205020404" pitchFamily="49" charset="0"/>
+                <a:cs typeface="Courier New" panose="02070309020205020404" pitchFamily="49" charset="0"/>
+              </a:rPr>
+              <a:t>using</a:t>
+            </a:r>
+            <a:r>
+              <a:rPr lang="it-IT" sz="1200" b="1" dirty="0">
+                <a:latin typeface="Courier New" panose="02070309020205020404" pitchFamily="49" charset="0"/>
+                <a:cs typeface="Courier New" panose="02070309020205020404" pitchFamily="49" charset="0"/>
+              </a:rPr>
+              <a:t> </a:t>
+            </a:r>
+            <a:r>
+              <a:rPr lang="it-IT" sz="1200" b="1" dirty="0" err="1">
+                <a:latin typeface="Courier New" panose="02070309020205020404" pitchFamily="49" charset="0"/>
+                <a:cs typeface="Courier New" panose="02070309020205020404" pitchFamily="49" charset="0"/>
+              </a:rPr>
+              <a:t>namespace</a:t>
+            </a:r>
+            <a:r>
+              <a:rPr lang="it-IT" sz="1200" b="1" dirty="0">
+                <a:latin typeface="Courier New" panose="02070309020205020404" pitchFamily="49" charset="0"/>
+                <a:cs typeface="Courier New" panose="02070309020205020404" pitchFamily="49" charset="0"/>
+              </a:rPr>
+              <a:t> </a:t>
+            </a:r>
+            <a:r>
+              <a:rPr lang="it-IT" sz="1200" b="1" dirty="0" err="1">
+                <a:latin typeface="Courier New" panose="02070309020205020404" pitchFamily="49" charset="0"/>
+                <a:cs typeface="Courier New" panose="02070309020205020404" pitchFamily="49" charset="0"/>
+              </a:rPr>
+              <a:t>std</a:t>
+            </a:r>
+            <a:r>
+              <a:rPr lang="it-IT" sz="1200" b="1" dirty="0">
+                <a:latin typeface="Courier New" panose="02070309020205020404" pitchFamily="49" charset="0"/>
+                <a:cs typeface="Courier New" panose="02070309020205020404" pitchFamily="49" charset="0"/>
+              </a:rPr>
+              <a:t>;</a:t>
+            </a:r>
+          </a:p>
+          <a:p>
+            <a:pPr marL="0" indent="0">
+              <a:buNone/>
+            </a:pPr>
+            <a:r>
+              <a:rPr lang="it-IT" sz="1200" b="1" dirty="0" err="1">
+                <a:solidFill>
+                  <a:srgbClr val="FF0000"/>
+                </a:solidFill>
+                <a:latin typeface="Courier New" panose="02070309020205020404" pitchFamily="49" charset="0"/>
+                <a:cs typeface="Courier New" panose="02070309020205020404" pitchFamily="49" charset="0"/>
+              </a:rPr>
+              <a:t>struct</a:t>
+            </a:r>
+            <a:r>
+              <a:rPr lang="it-IT" sz="1200" b="1" dirty="0">
+                <a:solidFill>
+                  <a:srgbClr val="FF0000"/>
+                </a:solidFill>
+                <a:latin typeface="Courier New" panose="02070309020205020404" pitchFamily="49" charset="0"/>
+                <a:cs typeface="Courier New" panose="02070309020205020404" pitchFamily="49" charset="0"/>
+              </a:rPr>
+              <a:t> Studente {</a:t>
+            </a:r>
+          </a:p>
+          <a:p>
+            <a:pPr marL="0" indent="0">
+              <a:buNone/>
+            </a:pPr>
+            <a:r>
+              <a:rPr lang="it-IT" sz="1200" b="1" dirty="0">
+                <a:solidFill>
+                  <a:srgbClr val="FF0000"/>
+                </a:solidFill>
+                <a:latin typeface="Courier New" panose="02070309020205020404" pitchFamily="49" charset="0"/>
+                <a:cs typeface="Courier New" panose="02070309020205020404" pitchFamily="49" charset="0"/>
+              </a:rPr>
+              <a:t>  </a:t>
+            </a:r>
+            <a:r>
+              <a:rPr lang="it-IT" sz="1200" b="1" dirty="0" err="1">
+                <a:solidFill>
+                  <a:srgbClr val="FF0000"/>
+                </a:solidFill>
+                <a:latin typeface="Courier New" panose="02070309020205020404" pitchFamily="49" charset="0"/>
+                <a:cs typeface="Courier New" panose="02070309020205020404" pitchFamily="49" charset="0"/>
+              </a:rPr>
+              <a:t>string</a:t>
+            </a:r>
+            <a:r>
+              <a:rPr lang="it-IT" sz="1200" b="1" dirty="0">
+                <a:solidFill>
+                  <a:srgbClr val="FF0000"/>
+                </a:solidFill>
+                <a:latin typeface="Courier New" panose="02070309020205020404" pitchFamily="49" charset="0"/>
+                <a:cs typeface="Courier New" panose="02070309020205020404" pitchFamily="49" charset="0"/>
+              </a:rPr>
+              <a:t> matricola;</a:t>
+            </a:r>
+          </a:p>
+          <a:p>
+            <a:pPr marL="0" indent="0">
+              <a:buNone/>
+            </a:pPr>
+            <a:r>
+              <a:rPr lang="it-IT" sz="1200" b="1" dirty="0">
+                <a:solidFill>
+                  <a:srgbClr val="FF0000"/>
+                </a:solidFill>
+                <a:latin typeface="Courier New" panose="02070309020205020404" pitchFamily="49" charset="0"/>
+                <a:cs typeface="Courier New" panose="02070309020205020404" pitchFamily="49" charset="0"/>
+              </a:rPr>
+              <a:t>  </a:t>
+            </a:r>
+            <a:r>
+              <a:rPr lang="it-IT" sz="1200" b="1" dirty="0" err="1">
+                <a:solidFill>
+                  <a:srgbClr val="FF0000"/>
+                </a:solidFill>
+                <a:latin typeface="Courier New" panose="02070309020205020404" pitchFamily="49" charset="0"/>
+                <a:cs typeface="Courier New" panose="02070309020205020404" pitchFamily="49" charset="0"/>
+              </a:rPr>
+              <a:t>string</a:t>
+            </a:r>
+            <a:r>
+              <a:rPr lang="it-IT" sz="1200" b="1" dirty="0">
+                <a:solidFill>
+                  <a:srgbClr val="FF0000"/>
+                </a:solidFill>
+                <a:latin typeface="Courier New" panose="02070309020205020404" pitchFamily="49" charset="0"/>
+                <a:cs typeface="Courier New" panose="02070309020205020404" pitchFamily="49" charset="0"/>
+              </a:rPr>
+              <a:t> nome;</a:t>
+            </a:r>
+          </a:p>
+          <a:p>
+            <a:pPr marL="0" indent="0">
+              <a:buNone/>
+            </a:pPr>
+            <a:r>
+              <a:rPr lang="it-IT" sz="1200" b="1" dirty="0">
+                <a:solidFill>
+                  <a:srgbClr val="FF0000"/>
+                </a:solidFill>
+                <a:latin typeface="Courier New" panose="02070309020205020404" pitchFamily="49" charset="0"/>
+                <a:cs typeface="Courier New" panose="02070309020205020404" pitchFamily="49" charset="0"/>
+              </a:rPr>
+              <a:t>  </a:t>
+            </a:r>
+            <a:r>
+              <a:rPr lang="it-IT" sz="1200" b="1" dirty="0" err="1">
+                <a:solidFill>
+                  <a:srgbClr val="FF0000"/>
+                </a:solidFill>
+                <a:latin typeface="Courier New" panose="02070309020205020404" pitchFamily="49" charset="0"/>
+                <a:cs typeface="Courier New" panose="02070309020205020404" pitchFamily="49" charset="0"/>
+              </a:rPr>
+              <a:t>char</a:t>
+            </a:r>
+            <a:r>
+              <a:rPr lang="it-IT" sz="1200" b="1" dirty="0">
+                <a:solidFill>
+                  <a:srgbClr val="FF0000"/>
+                </a:solidFill>
+                <a:latin typeface="Courier New" panose="02070309020205020404" pitchFamily="49" charset="0"/>
+                <a:cs typeface="Courier New" panose="02070309020205020404" pitchFamily="49" charset="0"/>
+              </a:rPr>
+              <a:t> sesso;</a:t>
+            </a:r>
+          </a:p>
+          <a:p>
+            <a:pPr marL="0" indent="0">
+              <a:buNone/>
+            </a:pPr>
+            <a:r>
+              <a:rPr lang="it-IT" sz="1200" b="1" dirty="0">
+                <a:solidFill>
+                  <a:srgbClr val="FF0000"/>
+                </a:solidFill>
+                <a:latin typeface="Courier New" panose="02070309020205020404" pitchFamily="49" charset="0"/>
+                <a:cs typeface="Courier New" panose="02070309020205020404" pitchFamily="49" charset="0"/>
+              </a:rPr>
+              <a:t>  </a:t>
+            </a:r>
+            <a:r>
+              <a:rPr lang="it-IT" sz="1200" b="1" dirty="0" err="1">
+                <a:solidFill>
+                  <a:srgbClr val="FF0000"/>
+                </a:solidFill>
+                <a:latin typeface="Courier New" panose="02070309020205020404" pitchFamily="49" charset="0"/>
+                <a:cs typeface="Courier New" panose="02070309020205020404" pitchFamily="49" charset="0"/>
+              </a:rPr>
+              <a:t>int</a:t>
+            </a:r>
+            <a:r>
+              <a:rPr lang="it-IT" sz="1200" b="1" dirty="0">
+                <a:solidFill>
+                  <a:srgbClr val="FF0000"/>
+                </a:solidFill>
+                <a:latin typeface="Courier New" panose="02070309020205020404" pitchFamily="49" charset="0"/>
+                <a:cs typeface="Courier New" panose="02070309020205020404" pitchFamily="49" charset="0"/>
+              </a:rPr>
+              <a:t> voto;</a:t>
+            </a:r>
+          </a:p>
+          <a:p>
+            <a:pPr marL="0" indent="0">
+              <a:buNone/>
+            </a:pPr>
+            <a:r>
+              <a:rPr lang="it-IT" sz="1200" b="1" dirty="0">
+                <a:solidFill>
+                  <a:srgbClr val="FF0000"/>
+                </a:solidFill>
+                <a:latin typeface="Courier New" panose="02070309020205020404" pitchFamily="49" charset="0"/>
+                <a:cs typeface="Courier New" panose="02070309020205020404" pitchFamily="49" charset="0"/>
+              </a:rPr>
+              <a:t>  </a:t>
+            </a:r>
+            <a:r>
+              <a:rPr lang="it-IT" sz="1200" b="1" dirty="0" err="1">
+                <a:solidFill>
+                  <a:srgbClr val="FF0000"/>
+                </a:solidFill>
+                <a:latin typeface="Courier New" panose="02070309020205020404" pitchFamily="49" charset="0"/>
+                <a:cs typeface="Courier New" panose="02070309020205020404" pitchFamily="49" charset="0"/>
+              </a:rPr>
+              <a:t>bool</a:t>
+            </a:r>
+            <a:r>
+              <a:rPr lang="it-IT" sz="1200" b="1" dirty="0">
+                <a:solidFill>
+                  <a:srgbClr val="FF0000"/>
+                </a:solidFill>
+                <a:latin typeface="Courier New" panose="02070309020205020404" pitchFamily="49" charset="0"/>
+                <a:cs typeface="Courier New" panose="02070309020205020404" pitchFamily="49" charset="0"/>
+              </a:rPr>
+              <a:t> magistrale;</a:t>
+            </a:r>
+          </a:p>
+          <a:p>
+            <a:pPr marL="0" indent="0">
+              <a:buNone/>
+            </a:pPr>
+            <a:r>
+              <a:rPr lang="it-IT" sz="1200" b="1" dirty="0">
+                <a:solidFill>
+                  <a:srgbClr val="FF0000"/>
+                </a:solidFill>
+                <a:latin typeface="Courier New" panose="02070309020205020404" pitchFamily="49" charset="0"/>
+                <a:cs typeface="Courier New" panose="02070309020205020404" pitchFamily="49" charset="0"/>
+              </a:rPr>
+              <a:t>};</a:t>
+            </a:r>
+          </a:p>
+          <a:p>
+            <a:pPr marL="0" indent="0">
+              <a:buNone/>
+            </a:pPr>
+            <a:r>
+              <a:rPr lang="it-IT" sz="1200" b="1" dirty="0">
+                <a:latin typeface="Courier New" panose="02070309020205020404" pitchFamily="49" charset="0"/>
+                <a:cs typeface="Courier New" panose="02070309020205020404" pitchFamily="49" charset="0"/>
+              </a:rPr>
+              <a:t>// visualizza le informazioni associate a uno studente</a:t>
+            </a:r>
+          </a:p>
+          <a:p>
+            <a:pPr marL="0" indent="0">
+              <a:buNone/>
+            </a:pPr>
+            <a:r>
+              <a:rPr lang="it-IT" sz="1200" b="1" dirty="0" err="1">
+                <a:latin typeface="Courier New" panose="02070309020205020404" pitchFamily="49" charset="0"/>
+                <a:cs typeface="Courier New" panose="02070309020205020404" pitchFamily="49" charset="0"/>
+              </a:rPr>
+              <a:t>void</a:t>
+            </a:r>
+            <a:r>
+              <a:rPr lang="it-IT" sz="1200" b="1" dirty="0">
+                <a:latin typeface="Courier New" panose="02070309020205020404" pitchFamily="49" charset="0"/>
+                <a:cs typeface="Courier New" panose="02070309020205020404" pitchFamily="49" charset="0"/>
+              </a:rPr>
+              <a:t> visualizza(</a:t>
+            </a:r>
+            <a:r>
+              <a:rPr lang="it-IT" sz="1200" b="1" dirty="0">
+                <a:solidFill>
+                  <a:srgbClr val="FF0000"/>
+                </a:solidFill>
+                <a:latin typeface="Courier New" panose="02070309020205020404" pitchFamily="49" charset="0"/>
+                <a:cs typeface="Courier New" panose="02070309020205020404" pitchFamily="49" charset="0"/>
+              </a:rPr>
+              <a:t>Studente</a:t>
+            </a:r>
+            <a:r>
+              <a:rPr lang="it-IT" sz="1200" b="1" dirty="0">
+                <a:latin typeface="Courier New" panose="02070309020205020404" pitchFamily="49" charset="0"/>
+                <a:cs typeface="Courier New" panose="02070309020205020404" pitchFamily="49" charset="0"/>
+              </a:rPr>
+              <a:t> s);</a:t>
+            </a:r>
+          </a:p>
+          <a:p>
+            <a:pPr marL="0" indent="0">
+              <a:buNone/>
+            </a:pPr>
+            <a:r>
+              <a:rPr lang="it-IT" sz="1200" b="1" dirty="0" err="1">
+                <a:latin typeface="Courier New" panose="02070309020205020404" pitchFamily="49" charset="0"/>
+                <a:cs typeface="Courier New" panose="02070309020205020404" pitchFamily="49" charset="0"/>
+              </a:rPr>
+              <a:t>int</a:t>
+            </a:r>
+            <a:r>
+              <a:rPr lang="it-IT" sz="1200" b="1" dirty="0">
+                <a:latin typeface="Courier New" panose="02070309020205020404" pitchFamily="49" charset="0"/>
+                <a:cs typeface="Courier New" panose="02070309020205020404" pitchFamily="49" charset="0"/>
+              </a:rPr>
+              <a:t> </a:t>
+            </a:r>
+            <a:r>
+              <a:rPr lang="it-IT" sz="1200" b="1" dirty="0" err="1">
+                <a:latin typeface="Courier New" panose="02070309020205020404" pitchFamily="49" charset="0"/>
+                <a:cs typeface="Courier New" panose="02070309020205020404" pitchFamily="49" charset="0"/>
+              </a:rPr>
+              <a:t>main</a:t>
+            </a:r>
+            <a:r>
+              <a:rPr lang="it-IT" sz="1200" b="1" dirty="0">
+                <a:latin typeface="Courier New" panose="02070309020205020404" pitchFamily="49" charset="0"/>
+                <a:cs typeface="Courier New" panose="02070309020205020404" pitchFamily="49" charset="0"/>
+              </a:rPr>
+              <a:t>() {</a:t>
+            </a:r>
+          </a:p>
+          <a:p>
+            <a:pPr marL="0" indent="0">
+              <a:buNone/>
+            </a:pPr>
+            <a:r>
+              <a:rPr lang="it-IT" sz="1200" b="1" dirty="0">
+                <a:latin typeface="Courier New" panose="02070309020205020404" pitchFamily="49" charset="0"/>
+                <a:cs typeface="Courier New" panose="02070309020205020404" pitchFamily="49" charset="0"/>
+              </a:rPr>
+              <a:t>  Studente s1,s2;</a:t>
+            </a:r>
+          </a:p>
+          <a:p>
+            <a:pPr marL="0" indent="0">
+              <a:buNone/>
+            </a:pPr>
+            <a:r>
+              <a:rPr lang="it-IT" sz="1200" b="1" dirty="0">
+                <a:latin typeface="Courier New" panose="02070309020205020404" pitchFamily="49" charset="0"/>
+                <a:cs typeface="Courier New" panose="02070309020205020404" pitchFamily="49" charset="0"/>
+              </a:rPr>
+              <a:t>  s1.matricola = "230012"; s1.nome = "Ada </a:t>
+            </a:r>
+            <a:r>
+              <a:rPr lang="it-IT" sz="1200" b="1" dirty="0" err="1">
+                <a:latin typeface="Courier New" panose="02070309020205020404" pitchFamily="49" charset="0"/>
+                <a:cs typeface="Courier New" panose="02070309020205020404" pitchFamily="49" charset="0"/>
+              </a:rPr>
+              <a:t>Lovelace</a:t>
+            </a:r>
+            <a:r>
+              <a:rPr lang="it-IT" sz="1200" b="1" dirty="0">
+                <a:latin typeface="Courier New" panose="02070309020205020404" pitchFamily="49" charset="0"/>
+                <a:cs typeface="Courier New" panose="02070309020205020404" pitchFamily="49" charset="0"/>
+              </a:rPr>
+              <a:t>";</a:t>
+            </a:r>
+          </a:p>
+          <a:p>
+            <a:pPr marL="0" indent="0">
+              <a:buNone/>
+            </a:pPr>
+            <a:r>
+              <a:rPr lang="it-IT" sz="1200" b="1" dirty="0">
+                <a:latin typeface="Courier New" panose="02070309020205020404" pitchFamily="49" charset="0"/>
+                <a:cs typeface="Courier New" panose="02070309020205020404" pitchFamily="49" charset="0"/>
+              </a:rPr>
+              <a:t>  s1.sesso = 'f'; s1.magistrale = false; </a:t>
+            </a:r>
+          </a:p>
+          <a:p>
+            <a:pPr marL="0" indent="0">
+              <a:buNone/>
+            </a:pPr>
+            <a:r>
+              <a:rPr lang="it-IT" sz="1200" b="1" dirty="0">
+                <a:latin typeface="Courier New" panose="02070309020205020404" pitchFamily="49" charset="0"/>
+                <a:cs typeface="Courier New" panose="02070309020205020404" pitchFamily="49" charset="0"/>
+              </a:rPr>
+              <a:t>  s1.voto = 30;</a:t>
+            </a:r>
+          </a:p>
+          <a:p>
+            <a:pPr marL="0" indent="0">
+              <a:buNone/>
+            </a:pPr>
+            <a:r>
+              <a:rPr lang="it-IT" sz="1200" b="1" dirty="0">
+                <a:latin typeface="Courier New" panose="02070309020205020404" pitchFamily="49" charset="0"/>
+                <a:cs typeface="Courier New" panose="02070309020205020404" pitchFamily="49" charset="0"/>
+              </a:rPr>
+              <a:t>  visualizza(s1);</a:t>
+            </a:r>
+          </a:p>
+          <a:p>
+            <a:pPr marL="0" indent="0">
+              <a:buNone/>
+            </a:pPr>
+            <a:r>
+              <a:rPr lang="it-IT" sz="1200" b="1" dirty="0">
+                <a:latin typeface="Courier New" panose="02070309020205020404" pitchFamily="49" charset="0"/>
+                <a:cs typeface="Courier New" panose="02070309020205020404" pitchFamily="49" charset="0"/>
+              </a:rPr>
+              <a:t>  s2 = s1; s2.voto = 0; s2.magistrale = </a:t>
+            </a:r>
+            <a:r>
+              <a:rPr lang="it-IT" sz="1200" b="1" dirty="0" err="1">
+                <a:latin typeface="Courier New" panose="02070309020205020404" pitchFamily="49" charset="0"/>
+                <a:cs typeface="Courier New" panose="02070309020205020404" pitchFamily="49" charset="0"/>
+              </a:rPr>
+              <a:t>true</a:t>
+            </a:r>
+            <a:r>
+              <a:rPr lang="it-IT" sz="1200" b="1" dirty="0">
+                <a:latin typeface="Courier New" panose="02070309020205020404" pitchFamily="49" charset="0"/>
+                <a:cs typeface="Courier New" panose="02070309020205020404" pitchFamily="49" charset="0"/>
+              </a:rPr>
+              <a:t>;</a:t>
+            </a:r>
+          </a:p>
+          <a:p>
+            <a:pPr marL="0" indent="0">
+              <a:buNone/>
+            </a:pPr>
+            <a:r>
+              <a:rPr lang="it-IT" sz="1200" b="1" dirty="0">
+                <a:latin typeface="Courier New" panose="02070309020205020404" pitchFamily="49" charset="0"/>
+                <a:cs typeface="Courier New" panose="02070309020205020404" pitchFamily="49" charset="0"/>
+              </a:rPr>
+              <a:t>  visualizza(s2);</a:t>
+            </a:r>
+          </a:p>
+          <a:p>
+            <a:pPr marL="0" indent="0">
+              <a:buNone/>
+            </a:pPr>
+            <a:r>
+              <a:rPr lang="it-IT" sz="1200" b="1" dirty="0">
+                <a:latin typeface="Courier New" panose="02070309020205020404" pitchFamily="49" charset="0"/>
+                <a:cs typeface="Courier New" panose="02070309020205020404" pitchFamily="49" charset="0"/>
+              </a:rPr>
+              <a:t>  </a:t>
+            </a:r>
+            <a:r>
+              <a:rPr lang="it-IT" sz="1200" b="1" dirty="0" err="1">
+                <a:latin typeface="Courier New" panose="02070309020205020404" pitchFamily="49" charset="0"/>
+                <a:cs typeface="Courier New" panose="02070309020205020404" pitchFamily="49" charset="0"/>
+              </a:rPr>
+              <a:t>return</a:t>
+            </a:r>
+            <a:r>
+              <a:rPr lang="it-IT" sz="1200" b="1" dirty="0">
+                <a:latin typeface="Courier New" panose="02070309020205020404" pitchFamily="49" charset="0"/>
+                <a:cs typeface="Courier New" panose="02070309020205020404" pitchFamily="49" charset="0"/>
+              </a:rPr>
+              <a:t> 0;</a:t>
+            </a:r>
+          </a:p>
+          <a:p>
+            <a:pPr marL="0" indent="0">
+              <a:buNone/>
+            </a:pPr>
+            <a:r>
+              <a:rPr lang="it-IT" sz="1200" b="1" dirty="0">
+                <a:latin typeface="Courier New" panose="02070309020205020404" pitchFamily="49" charset="0"/>
+                <a:cs typeface="Courier New" panose="02070309020205020404" pitchFamily="49" charset="0"/>
+              </a:rPr>
+              <a:t>}</a:t>
+            </a:r>
+          </a:p>
+        </p:txBody>
+      </p:sp>
+      <p:sp>
+        <p:nvSpPr>
+          <p:cNvPr id="5" name="Segnaposto contenuto 4">
+            <a:extLst>
+              <a:ext uri="{FF2B5EF4-FFF2-40B4-BE49-F238E27FC236}">
+                <a16:creationId xmlns:a16="http://schemas.microsoft.com/office/drawing/2014/main" id="{40828180-1679-4F12-9955-3B5EF8B6B8FA}"/>
+              </a:ext>
+            </a:extLst>
+          </p:cNvPr>
+          <p:cNvSpPr>
+            <a:spLocks noGrp="1"/>
+          </p:cNvSpPr>
+          <p:nvPr>
+            <p:ph sz="half" idx="2"/>
+          </p:nvPr>
+        </p:nvSpPr>
+        <p:spPr/>
+        <p:txBody>
+          <a:bodyPr/>
+          <a:lstStyle/>
+          <a:p>
+            <a:pPr marL="0" indent="0">
+              <a:buNone/>
+            </a:pPr>
+            <a:r>
+              <a:rPr lang="it-IT" sz="1200" b="1" dirty="0">
+                <a:latin typeface="Courier New" panose="02070309020205020404" pitchFamily="49" charset="0"/>
+                <a:cs typeface="Courier New" panose="02070309020205020404" pitchFamily="49" charset="0"/>
+              </a:rPr>
+              <a:t>// visualizza le informazioni associate a uno studente</a:t>
+            </a:r>
+          </a:p>
+          <a:p>
+            <a:pPr marL="0" indent="0">
+              <a:buNone/>
+            </a:pPr>
+            <a:r>
+              <a:rPr lang="it-IT" sz="1200" b="1" dirty="0" err="1">
+                <a:solidFill>
+                  <a:srgbClr val="FF0000"/>
+                </a:solidFill>
+                <a:latin typeface="Courier New" panose="02070309020205020404" pitchFamily="49" charset="0"/>
+                <a:cs typeface="Courier New" panose="02070309020205020404" pitchFamily="49" charset="0"/>
+              </a:rPr>
+              <a:t>void</a:t>
+            </a:r>
+            <a:r>
+              <a:rPr lang="it-IT" sz="1200" b="1" dirty="0">
+                <a:solidFill>
+                  <a:srgbClr val="FF0000"/>
+                </a:solidFill>
+                <a:latin typeface="Courier New" panose="02070309020205020404" pitchFamily="49" charset="0"/>
+                <a:cs typeface="Courier New" panose="02070309020205020404" pitchFamily="49" charset="0"/>
+              </a:rPr>
+              <a:t> visualizza(Studente s)</a:t>
+            </a:r>
+            <a:r>
+              <a:rPr lang="it-IT" sz="1200" b="1" dirty="0">
+                <a:latin typeface="Courier New" panose="02070309020205020404" pitchFamily="49" charset="0"/>
+                <a:cs typeface="Courier New" panose="02070309020205020404" pitchFamily="49" charset="0"/>
+              </a:rPr>
+              <a:t>{</a:t>
+            </a:r>
+          </a:p>
+          <a:p>
+            <a:pPr marL="0" indent="0">
+              <a:buNone/>
+            </a:pPr>
+            <a:r>
+              <a:rPr lang="it-IT" sz="1200" b="1" dirty="0">
+                <a:latin typeface="Courier New" panose="02070309020205020404" pitchFamily="49" charset="0"/>
+                <a:cs typeface="Courier New" panose="02070309020205020404" pitchFamily="49" charset="0"/>
+              </a:rPr>
+              <a:t>  </a:t>
+            </a:r>
+            <a:r>
+              <a:rPr lang="it-IT" sz="1200" b="1" dirty="0" err="1">
+                <a:latin typeface="Courier New" panose="02070309020205020404" pitchFamily="49" charset="0"/>
+                <a:cs typeface="Courier New" panose="02070309020205020404" pitchFamily="49" charset="0"/>
+              </a:rPr>
+              <a:t>if</a:t>
+            </a:r>
+            <a:r>
+              <a:rPr lang="it-IT" sz="1200" b="1" dirty="0">
+                <a:latin typeface="Courier New" panose="02070309020205020404" pitchFamily="49" charset="0"/>
+                <a:cs typeface="Courier New" panose="02070309020205020404" pitchFamily="49" charset="0"/>
+              </a:rPr>
+              <a:t> (</a:t>
+            </a:r>
+            <a:r>
+              <a:rPr lang="it-IT" sz="1200" b="1" dirty="0" err="1">
+                <a:latin typeface="Courier New" panose="02070309020205020404" pitchFamily="49" charset="0"/>
+                <a:cs typeface="Courier New" panose="02070309020205020404" pitchFamily="49" charset="0"/>
+              </a:rPr>
+              <a:t>s.sesso</a:t>
+            </a:r>
+            <a:r>
+              <a:rPr lang="it-IT" sz="1200" b="1" dirty="0">
+                <a:latin typeface="Courier New" panose="02070309020205020404" pitchFamily="49" charset="0"/>
+                <a:cs typeface="Courier New" panose="02070309020205020404" pitchFamily="49" charset="0"/>
+              </a:rPr>
+              <a:t> == 'f' || </a:t>
+            </a:r>
+            <a:r>
+              <a:rPr lang="it-IT" sz="1200" b="1" dirty="0" err="1">
+                <a:latin typeface="Courier New" panose="02070309020205020404" pitchFamily="49" charset="0"/>
+                <a:cs typeface="Courier New" panose="02070309020205020404" pitchFamily="49" charset="0"/>
+              </a:rPr>
+              <a:t>s.sesso</a:t>
+            </a:r>
+            <a:r>
+              <a:rPr lang="it-IT" sz="1200" b="1" dirty="0">
+                <a:latin typeface="Courier New" panose="02070309020205020404" pitchFamily="49" charset="0"/>
+                <a:cs typeface="Courier New" panose="02070309020205020404" pitchFamily="49" charset="0"/>
+              </a:rPr>
+              <a:t> == 'F’)</a:t>
+            </a:r>
+          </a:p>
+          <a:p>
+            <a:pPr marL="0" indent="0">
+              <a:buNone/>
+            </a:pPr>
+            <a:r>
+              <a:rPr lang="it-IT" sz="1200" b="1" dirty="0">
+                <a:latin typeface="Courier New" panose="02070309020205020404" pitchFamily="49" charset="0"/>
+                <a:cs typeface="Courier New" panose="02070309020205020404" pitchFamily="49" charset="0"/>
+              </a:rPr>
+              <a:t>    </a:t>
+            </a:r>
+            <a:r>
+              <a:rPr lang="it-IT" sz="1200" b="1" dirty="0" err="1">
+                <a:latin typeface="Courier New" panose="02070309020205020404" pitchFamily="49" charset="0"/>
+                <a:cs typeface="Courier New" panose="02070309020205020404" pitchFamily="49" charset="0"/>
+              </a:rPr>
+              <a:t>cout</a:t>
+            </a:r>
+            <a:r>
+              <a:rPr lang="it-IT" sz="1200" b="1" dirty="0">
+                <a:latin typeface="Courier New" panose="02070309020205020404" pitchFamily="49" charset="0"/>
+                <a:cs typeface="Courier New" panose="02070309020205020404" pitchFamily="49" charset="0"/>
+              </a:rPr>
+              <a:t> &lt;&lt; "Studentessa ";</a:t>
+            </a:r>
+          </a:p>
+          <a:p>
+            <a:pPr marL="0" indent="0">
+              <a:buNone/>
+            </a:pPr>
+            <a:r>
+              <a:rPr lang="it-IT" sz="1200" b="1" dirty="0">
+                <a:latin typeface="Courier New" panose="02070309020205020404" pitchFamily="49" charset="0"/>
+                <a:cs typeface="Courier New" panose="02070309020205020404" pitchFamily="49" charset="0"/>
+              </a:rPr>
+              <a:t>  else</a:t>
+            </a:r>
+          </a:p>
+          <a:p>
+            <a:pPr marL="0" indent="0">
+              <a:buNone/>
+            </a:pPr>
+            <a:r>
+              <a:rPr lang="it-IT" sz="1200" b="1" dirty="0">
+                <a:latin typeface="Courier New" panose="02070309020205020404" pitchFamily="49" charset="0"/>
+                <a:cs typeface="Courier New" panose="02070309020205020404" pitchFamily="49" charset="0"/>
+              </a:rPr>
+              <a:t>    </a:t>
+            </a:r>
+            <a:r>
+              <a:rPr lang="it-IT" sz="1200" b="1" dirty="0" err="1">
+                <a:latin typeface="Courier New" panose="02070309020205020404" pitchFamily="49" charset="0"/>
+                <a:cs typeface="Courier New" panose="02070309020205020404" pitchFamily="49" charset="0"/>
+              </a:rPr>
+              <a:t>cout</a:t>
+            </a:r>
+            <a:r>
+              <a:rPr lang="it-IT" sz="1200" b="1" dirty="0">
+                <a:latin typeface="Courier New" panose="02070309020205020404" pitchFamily="49" charset="0"/>
+                <a:cs typeface="Courier New" panose="02070309020205020404" pitchFamily="49" charset="0"/>
+              </a:rPr>
+              <a:t> &lt;&lt; "Studente ";	</a:t>
+            </a:r>
+          </a:p>
+          <a:p>
+            <a:pPr marL="0" indent="0">
+              <a:buNone/>
+            </a:pPr>
+            <a:r>
+              <a:rPr lang="it-IT" sz="1200" b="1" dirty="0">
+                <a:latin typeface="Courier New" panose="02070309020205020404" pitchFamily="49" charset="0"/>
+                <a:cs typeface="Courier New" panose="02070309020205020404" pitchFamily="49" charset="0"/>
+              </a:rPr>
+              <a:t>  </a:t>
+            </a:r>
+            <a:r>
+              <a:rPr lang="it-IT" sz="1200" b="1" dirty="0" err="1">
+                <a:latin typeface="Courier New" panose="02070309020205020404" pitchFamily="49" charset="0"/>
+                <a:cs typeface="Courier New" panose="02070309020205020404" pitchFamily="49" charset="0"/>
+              </a:rPr>
+              <a:t>if</a:t>
+            </a:r>
+            <a:r>
+              <a:rPr lang="it-IT" sz="1200" b="1" dirty="0">
+                <a:latin typeface="Courier New" panose="02070309020205020404" pitchFamily="49" charset="0"/>
+                <a:cs typeface="Courier New" panose="02070309020205020404" pitchFamily="49" charset="0"/>
+              </a:rPr>
+              <a:t> (</a:t>
+            </a:r>
+            <a:r>
+              <a:rPr lang="it-IT" sz="1200" b="1" dirty="0" err="1">
+                <a:latin typeface="Courier New" panose="02070309020205020404" pitchFamily="49" charset="0"/>
+                <a:cs typeface="Courier New" panose="02070309020205020404" pitchFamily="49" charset="0"/>
+              </a:rPr>
+              <a:t>s.magistrale</a:t>
+            </a:r>
+            <a:r>
+              <a:rPr lang="it-IT" sz="1200" b="1" dirty="0">
+                <a:latin typeface="Courier New" panose="02070309020205020404" pitchFamily="49" charset="0"/>
+                <a:cs typeface="Courier New" panose="02070309020205020404" pitchFamily="49" charset="0"/>
+              </a:rPr>
+              <a:t>)</a:t>
+            </a:r>
+          </a:p>
+          <a:p>
+            <a:pPr marL="0" indent="0">
+              <a:buNone/>
+            </a:pPr>
+            <a:r>
+              <a:rPr lang="it-IT" sz="1200" b="1" dirty="0">
+                <a:latin typeface="Courier New" panose="02070309020205020404" pitchFamily="49" charset="0"/>
+                <a:cs typeface="Courier New" panose="02070309020205020404" pitchFamily="49" charset="0"/>
+              </a:rPr>
+              <a:t>    </a:t>
+            </a:r>
+            <a:r>
+              <a:rPr lang="it-IT" sz="1200" b="1" dirty="0" err="1">
+                <a:latin typeface="Courier New" panose="02070309020205020404" pitchFamily="49" charset="0"/>
+                <a:cs typeface="Courier New" panose="02070309020205020404" pitchFamily="49" charset="0"/>
+              </a:rPr>
+              <a:t>cout</a:t>
+            </a:r>
+            <a:r>
+              <a:rPr lang="it-IT" sz="1200" b="1" dirty="0">
+                <a:latin typeface="Courier New" panose="02070309020205020404" pitchFamily="49" charset="0"/>
+                <a:cs typeface="Courier New" panose="02070309020205020404" pitchFamily="49" charset="0"/>
+              </a:rPr>
+              <a:t> &lt;&lt; "laurea magistrale ";</a:t>
+            </a:r>
+          </a:p>
+          <a:p>
+            <a:pPr marL="0" indent="0">
+              <a:buNone/>
+            </a:pPr>
+            <a:r>
+              <a:rPr lang="it-IT" sz="1200" b="1" dirty="0">
+                <a:latin typeface="Courier New" panose="02070309020205020404" pitchFamily="49" charset="0"/>
+                <a:cs typeface="Courier New" panose="02070309020205020404" pitchFamily="49" charset="0"/>
+              </a:rPr>
+              <a:t>  else</a:t>
+            </a:r>
+          </a:p>
+          <a:p>
+            <a:pPr marL="0" indent="0">
+              <a:buNone/>
+            </a:pPr>
+            <a:r>
+              <a:rPr lang="it-IT" sz="1200" b="1" dirty="0">
+                <a:latin typeface="Courier New" panose="02070309020205020404" pitchFamily="49" charset="0"/>
+                <a:cs typeface="Courier New" panose="02070309020205020404" pitchFamily="49" charset="0"/>
+              </a:rPr>
+              <a:t>    </a:t>
+            </a:r>
+            <a:r>
+              <a:rPr lang="it-IT" sz="1200" b="1" dirty="0" err="1">
+                <a:latin typeface="Courier New" panose="02070309020205020404" pitchFamily="49" charset="0"/>
+                <a:cs typeface="Courier New" panose="02070309020205020404" pitchFamily="49" charset="0"/>
+              </a:rPr>
+              <a:t>cout</a:t>
+            </a:r>
+            <a:r>
+              <a:rPr lang="it-IT" sz="1200" b="1" dirty="0">
+                <a:latin typeface="Courier New" panose="02070309020205020404" pitchFamily="49" charset="0"/>
+                <a:cs typeface="Courier New" panose="02070309020205020404" pitchFamily="49" charset="0"/>
+              </a:rPr>
+              <a:t> &lt;&lt; "laurea triennale ";</a:t>
+            </a:r>
+          </a:p>
+          <a:p>
+            <a:pPr marL="0" indent="0">
+              <a:buNone/>
+            </a:pPr>
+            <a:r>
+              <a:rPr lang="it-IT" sz="1200" b="1" dirty="0">
+                <a:latin typeface="Courier New" panose="02070309020205020404" pitchFamily="49" charset="0"/>
+                <a:cs typeface="Courier New" panose="02070309020205020404" pitchFamily="49" charset="0"/>
+              </a:rPr>
+              <a:t>  </a:t>
+            </a:r>
+            <a:r>
+              <a:rPr lang="it-IT" sz="1200" b="1" dirty="0" err="1">
+                <a:latin typeface="Courier New" panose="02070309020205020404" pitchFamily="49" charset="0"/>
+                <a:cs typeface="Courier New" panose="02070309020205020404" pitchFamily="49" charset="0"/>
+              </a:rPr>
+              <a:t>cout</a:t>
+            </a:r>
+            <a:r>
+              <a:rPr lang="it-IT" sz="1200" b="1" dirty="0">
+                <a:latin typeface="Courier New" panose="02070309020205020404" pitchFamily="49" charset="0"/>
+                <a:cs typeface="Courier New" panose="02070309020205020404" pitchFamily="49" charset="0"/>
+              </a:rPr>
+              <a:t> &lt;&lt; "matricola: " &lt;&lt; </a:t>
+            </a:r>
+            <a:r>
+              <a:rPr lang="it-IT" sz="1200" b="1" dirty="0" err="1">
+                <a:latin typeface="Courier New" panose="02070309020205020404" pitchFamily="49" charset="0"/>
+                <a:cs typeface="Courier New" panose="02070309020205020404" pitchFamily="49" charset="0"/>
+              </a:rPr>
+              <a:t>s.matricola</a:t>
+            </a:r>
+            <a:r>
+              <a:rPr lang="it-IT" sz="1200" b="1" dirty="0">
+                <a:latin typeface="Courier New" panose="02070309020205020404" pitchFamily="49" charset="0"/>
+                <a:cs typeface="Courier New" panose="02070309020205020404" pitchFamily="49" charset="0"/>
+              </a:rPr>
+              <a:t> </a:t>
+            </a:r>
+          </a:p>
+          <a:p>
+            <a:pPr marL="0" indent="0">
+              <a:buNone/>
+            </a:pPr>
+            <a:r>
+              <a:rPr lang="it-IT" sz="1200" b="1" dirty="0">
+                <a:latin typeface="Courier New" panose="02070309020205020404" pitchFamily="49" charset="0"/>
+                <a:cs typeface="Courier New" panose="02070309020205020404" pitchFamily="49" charset="0"/>
+              </a:rPr>
+              <a:t>       &lt;&lt; " nome: " &lt;&lt; </a:t>
+            </a:r>
+            <a:r>
+              <a:rPr lang="it-IT" sz="1200" b="1" dirty="0" err="1">
+                <a:latin typeface="Courier New" panose="02070309020205020404" pitchFamily="49" charset="0"/>
+                <a:cs typeface="Courier New" panose="02070309020205020404" pitchFamily="49" charset="0"/>
+              </a:rPr>
+              <a:t>s.nome</a:t>
+            </a:r>
+            <a:r>
+              <a:rPr lang="it-IT" sz="1200" b="1" dirty="0">
+                <a:latin typeface="Courier New" panose="02070309020205020404" pitchFamily="49" charset="0"/>
+                <a:cs typeface="Courier New" panose="02070309020205020404" pitchFamily="49" charset="0"/>
+              </a:rPr>
+              <a:t>;	</a:t>
+            </a:r>
+          </a:p>
+          <a:p>
+            <a:pPr marL="0" indent="0">
+              <a:buNone/>
+            </a:pPr>
+            <a:r>
+              <a:rPr lang="it-IT" sz="1200" b="1" dirty="0">
+                <a:latin typeface="Courier New" panose="02070309020205020404" pitchFamily="49" charset="0"/>
+                <a:cs typeface="Courier New" panose="02070309020205020404" pitchFamily="49" charset="0"/>
+              </a:rPr>
+              <a:t>  </a:t>
+            </a:r>
+            <a:r>
+              <a:rPr lang="it-IT" sz="1200" b="1" dirty="0" err="1">
+                <a:latin typeface="Courier New" panose="02070309020205020404" pitchFamily="49" charset="0"/>
+                <a:cs typeface="Courier New" panose="02070309020205020404" pitchFamily="49" charset="0"/>
+              </a:rPr>
+              <a:t>if</a:t>
+            </a:r>
+            <a:r>
+              <a:rPr lang="it-IT" sz="1200" b="1" dirty="0">
+                <a:latin typeface="Courier New" panose="02070309020205020404" pitchFamily="49" charset="0"/>
+                <a:cs typeface="Courier New" panose="02070309020205020404" pitchFamily="49" charset="0"/>
+              </a:rPr>
+              <a:t> (</a:t>
+            </a:r>
+            <a:r>
+              <a:rPr lang="it-IT" sz="1200" b="1" dirty="0" err="1">
+                <a:latin typeface="Courier New" panose="02070309020205020404" pitchFamily="49" charset="0"/>
+                <a:cs typeface="Courier New" panose="02070309020205020404" pitchFamily="49" charset="0"/>
+              </a:rPr>
+              <a:t>s.voto</a:t>
+            </a:r>
+            <a:r>
+              <a:rPr lang="it-IT" sz="1200" b="1" dirty="0">
+                <a:latin typeface="Courier New" panose="02070309020205020404" pitchFamily="49" charset="0"/>
+                <a:cs typeface="Courier New" panose="02070309020205020404" pitchFamily="49" charset="0"/>
+              </a:rPr>
+              <a:t> &gt; 18)</a:t>
+            </a:r>
+          </a:p>
+          <a:p>
+            <a:pPr marL="0" indent="0">
+              <a:buNone/>
+            </a:pPr>
+            <a:r>
+              <a:rPr lang="it-IT" sz="1200" b="1" dirty="0">
+                <a:latin typeface="Courier New" panose="02070309020205020404" pitchFamily="49" charset="0"/>
+                <a:cs typeface="Courier New" panose="02070309020205020404" pitchFamily="49" charset="0"/>
+              </a:rPr>
+              <a:t>     </a:t>
+            </a:r>
+            <a:r>
+              <a:rPr lang="it-IT" sz="1200" b="1" dirty="0" err="1">
+                <a:latin typeface="Courier New" panose="02070309020205020404" pitchFamily="49" charset="0"/>
+                <a:cs typeface="Courier New" panose="02070309020205020404" pitchFamily="49" charset="0"/>
+              </a:rPr>
+              <a:t>cout</a:t>
+            </a:r>
+            <a:r>
+              <a:rPr lang="it-IT" sz="1200" b="1" dirty="0">
+                <a:latin typeface="Courier New" panose="02070309020205020404" pitchFamily="49" charset="0"/>
+                <a:cs typeface="Courier New" panose="02070309020205020404" pitchFamily="49" charset="0"/>
+              </a:rPr>
+              <a:t> &lt;&lt; " esame superato con voto " &lt;&lt; </a:t>
+            </a:r>
+            <a:r>
+              <a:rPr lang="it-IT" sz="1200" b="1" dirty="0" err="1">
+                <a:latin typeface="Courier New" panose="02070309020205020404" pitchFamily="49" charset="0"/>
+                <a:cs typeface="Courier New" panose="02070309020205020404" pitchFamily="49" charset="0"/>
+              </a:rPr>
+              <a:t>s.voto</a:t>
+            </a:r>
+            <a:r>
+              <a:rPr lang="it-IT" sz="1200" b="1" dirty="0">
+                <a:latin typeface="Courier New" panose="02070309020205020404" pitchFamily="49" charset="0"/>
+                <a:cs typeface="Courier New" panose="02070309020205020404" pitchFamily="49" charset="0"/>
+              </a:rPr>
+              <a:t> </a:t>
+            </a:r>
+          </a:p>
+          <a:p>
+            <a:pPr marL="0" indent="0">
+              <a:buNone/>
+            </a:pPr>
+            <a:r>
+              <a:rPr lang="it-IT" sz="1200" b="1" dirty="0">
+                <a:latin typeface="Courier New" panose="02070309020205020404" pitchFamily="49" charset="0"/>
+                <a:cs typeface="Courier New" panose="02070309020205020404" pitchFamily="49" charset="0"/>
+              </a:rPr>
+              <a:t>          &lt;&lt; </a:t>
+            </a:r>
+            <a:r>
+              <a:rPr lang="it-IT" sz="1200" b="1" dirty="0" err="1">
+                <a:latin typeface="Courier New" panose="02070309020205020404" pitchFamily="49" charset="0"/>
+                <a:cs typeface="Courier New" panose="02070309020205020404" pitchFamily="49" charset="0"/>
+              </a:rPr>
+              <a:t>endl</a:t>
+            </a:r>
+            <a:r>
+              <a:rPr lang="it-IT" sz="1200" b="1" dirty="0">
+                <a:latin typeface="Courier New" panose="02070309020205020404" pitchFamily="49" charset="0"/>
+                <a:cs typeface="Courier New" panose="02070309020205020404" pitchFamily="49" charset="0"/>
+              </a:rPr>
+              <a:t>;</a:t>
+            </a:r>
+          </a:p>
+          <a:p>
+            <a:pPr marL="0" indent="0">
+              <a:buNone/>
+            </a:pPr>
+            <a:r>
+              <a:rPr lang="it-IT" sz="1200" b="1" dirty="0">
+                <a:latin typeface="Courier New" panose="02070309020205020404" pitchFamily="49" charset="0"/>
+                <a:cs typeface="Courier New" panose="02070309020205020404" pitchFamily="49" charset="0"/>
+              </a:rPr>
+              <a:t>}</a:t>
+            </a:r>
+          </a:p>
+        </p:txBody>
+      </p:sp>
+      <p:sp>
+        <p:nvSpPr>
+          <p:cNvPr id="4" name="Segnaposto piè di pagina 3">
+            <a:extLst>
+              <a:ext uri="{FF2B5EF4-FFF2-40B4-BE49-F238E27FC236}">
+                <a16:creationId xmlns:a16="http://schemas.microsoft.com/office/drawing/2014/main" id="{DB98A5F5-D082-4923-BC2B-C98DFA85FCCF}"/>
+              </a:ext>
+            </a:extLst>
+          </p:cNvPr>
+          <p:cNvSpPr>
+            <a:spLocks noGrp="1"/>
+          </p:cNvSpPr>
+          <p:nvPr>
+            <p:ph type="ftr" sz="quarter" idx="11"/>
+          </p:nvPr>
+        </p:nvSpPr>
+        <p:spPr/>
+        <p:txBody>
+          <a:bodyPr/>
+          <a:lstStyle/>
+          <a:p>
+            <a:pPr>
+              <a:defRPr/>
+            </a:pPr>
+            <a:r>
+              <a:rPr lang="it-IT"/>
+              <a:t>Alberto Ferrari – Programmazione di applicazioni SW</a:t>
+            </a:r>
+            <a:endParaRPr lang="it-IT" dirty="0"/>
+          </a:p>
+        </p:txBody>
+      </p:sp>
+    </p:spTree>
+    <p:extLst>
+      <p:ext uri="{BB962C8B-B14F-4D97-AF65-F5344CB8AC3E}">
+        <p14:creationId xmlns:p14="http://schemas.microsoft.com/office/powerpoint/2010/main" val="846756887"/>
+      </p:ext>
+    </p:extLst>
+  </p:cSld>
+  <p:clrMapOvr>
+    <a:masterClrMapping/>
+  </p:clrMapOvr>
+</p:sld>
+</file>
+
+<file path=ppt/slides/slide22.xml><?xml version="1.0" encoding="utf-8"?>
+<p:sld xmlns:a="http://schemas.openxmlformats.org/drawingml/2006/main" xmlns:r="http://schemas.openxmlformats.org/officeDocument/2006/relationships" xmlns:p="http://schemas.openxmlformats.org/presentationml/2006/main">
+  <p:cSld>
+    <p:spTree>
+      <p:nvGrpSpPr>
+        <p:cNvPr id="1" name=""/>
+        <p:cNvGrpSpPr/>
+        <p:nvPr/>
+      </p:nvGrpSpPr>
+      <p:grpSpPr>
+        <a:xfrm>
+          <a:off x="0" y="0"/>
+          <a:ext cx="0" cy="0"/>
+          <a:chOff x="0" y="0"/>
+          <a:chExt cx="0" cy="0"/>
+        </a:xfrm>
+      </p:grpSpPr>
+      <p:sp>
+        <p:nvSpPr>
+          <p:cNvPr id="2" name="Titolo 1">
+            <a:extLst>
+              <a:ext uri="{FF2B5EF4-FFF2-40B4-BE49-F238E27FC236}">
+                <a16:creationId xmlns:a16="http://schemas.microsoft.com/office/drawing/2014/main" id="{D436E29B-E7F2-4149-9E29-8F048077EC33}"/>
+              </a:ext>
+            </a:extLst>
+          </p:cNvPr>
+          <p:cNvSpPr>
+            <a:spLocks noGrp="1"/>
+          </p:cNvSpPr>
+          <p:nvPr>
+            <p:ph type="title"/>
+          </p:nvPr>
+        </p:nvSpPr>
+        <p:spPr/>
+        <p:txBody>
+          <a:bodyPr/>
+          <a:lstStyle/>
+          <a:p>
+            <a:r>
+              <a:rPr lang="it-IT" dirty="0" err="1"/>
+              <a:t>typedef</a:t>
+            </a:r>
+            <a:r>
+              <a:rPr lang="it-IT" dirty="0"/>
+              <a:t> e </a:t>
+            </a:r>
+            <a:r>
+              <a:rPr lang="it-IT" dirty="0" err="1"/>
+              <a:t>struct</a:t>
+            </a:r>
+            <a:endParaRPr lang="it-IT" dirty="0"/>
+          </a:p>
+        </p:txBody>
+      </p:sp>
+      <p:sp>
+        <p:nvSpPr>
+          <p:cNvPr id="3" name="Segnaposto contenuto 2">
+            <a:extLst>
+              <a:ext uri="{FF2B5EF4-FFF2-40B4-BE49-F238E27FC236}">
+                <a16:creationId xmlns:a16="http://schemas.microsoft.com/office/drawing/2014/main" id="{9EC7DCF5-E96F-40F5-826D-F7D848866725}"/>
+              </a:ext>
+            </a:extLst>
+          </p:cNvPr>
+          <p:cNvSpPr>
+            <a:spLocks noGrp="1"/>
+          </p:cNvSpPr>
+          <p:nvPr>
+            <p:ph idx="1"/>
+          </p:nvPr>
+        </p:nvSpPr>
+        <p:spPr/>
+        <p:txBody>
+          <a:bodyPr/>
+          <a:lstStyle/>
+          <a:p>
+            <a:r>
+              <a:rPr lang="it-IT" dirty="0"/>
+              <a:t>la dichiarazione </a:t>
+            </a:r>
+            <a:r>
+              <a:rPr lang="it-IT" b="1" i="1" dirty="0" err="1"/>
+              <a:t>typedef</a:t>
+            </a:r>
+            <a:r>
+              <a:rPr lang="it-IT" dirty="0"/>
+              <a:t> permette di creare un alias per la definizione di un tipo di dato</a:t>
+            </a:r>
+          </a:p>
+          <a:p>
+            <a:r>
+              <a:rPr lang="it-IT" dirty="0"/>
+              <a:t>esempio tipo semplice</a:t>
+            </a:r>
+          </a:p>
+          <a:p>
+            <a:pPr marL="457200" lvl="1" indent="0">
+              <a:buNone/>
+            </a:pPr>
+            <a:r>
+              <a:rPr lang="en-US" sz="1800" b="1" dirty="0">
+                <a:latin typeface="Courier New" panose="02070309020205020404" pitchFamily="49" charset="0"/>
+                <a:cs typeface="Courier New" panose="02070309020205020404" pitchFamily="49" charset="0"/>
+              </a:rPr>
+              <a:t>typedef unsigned long </a:t>
+            </a:r>
+            <a:r>
+              <a:rPr lang="en-US" sz="1800" b="1" dirty="0" err="1">
+                <a:latin typeface="Courier New" panose="02070309020205020404" pitchFamily="49" charset="0"/>
+                <a:cs typeface="Courier New" panose="02070309020205020404" pitchFamily="49" charset="0"/>
+              </a:rPr>
+              <a:t>ulong</a:t>
+            </a:r>
+            <a:r>
+              <a:rPr lang="en-US" sz="1800" b="1" dirty="0">
+                <a:latin typeface="Courier New" panose="02070309020205020404" pitchFamily="49" charset="0"/>
+                <a:cs typeface="Courier New" panose="02070309020205020404" pitchFamily="49" charset="0"/>
+              </a:rPr>
+              <a:t>;	// </a:t>
+            </a:r>
+            <a:r>
+              <a:rPr lang="en-US" sz="1800" b="1" dirty="0" err="1">
+                <a:latin typeface="Courier New" panose="02070309020205020404" pitchFamily="49" charset="0"/>
+                <a:cs typeface="Courier New" panose="02070309020205020404" pitchFamily="49" charset="0"/>
+              </a:rPr>
+              <a:t>ulong</a:t>
+            </a:r>
+            <a:r>
+              <a:rPr lang="en-US" sz="1800" b="1" dirty="0">
+                <a:latin typeface="Courier New" panose="02070309020205020404" pitchFamily="49" charset="0"/>
+                <a:cs typeface="Courier New" panose="02070309020205020404" pitchFamily="49" charset="0"/>
+              </a:rPr>
+              <a:t> </a:t>
+            </a:r>
+            <a:r>
+              <a:rPr lang="en-US" sz="1800" b="1" dirty="0" err="1">
+                <a:latin typeface="Courier New" panose="02070309020205020404" pitchFamily="49" charset="0"/>
+                <a:cs typeface="Courier New" panose="02070309020205020404" pitchFamily="49" charset="0"/>
+              </a:rPr>
+              <a:t>nuovo</a:t>
+            </a:r>
+            <a:r>
+              <a:rPr lang="en-US" sz="1800" b="1" dirty="0">
+                <a:latin typeface="Courier New" panose="02070309020205020404" pitchFamily="49" charset="0"/>
+                <a:cs typeface="Courier New" panose="02070309020205020404" pitchFamily="49" charset="0"/>
+              </a:rPr>
+              <a:t> </a:t>
+            </a:r>
+            <a:r>
+              <a:rPr lang="en-US" sz="1800" b="1" dirty="0" err="1">
+                <a:latin typeface="Courier New" panose="02070309020205020404" pitchFamily="49" charset="0"/>
+                <a:cs typeface="Courier New" panose="02070309020205020404" pitchFamily="49" charset="0"/>
+              </a:rPr>
+              <a:t>tipo</a:t>
+            </a:r>
+            <a:endParaRPr lang="en-US" sz="1800" b="1" dirty="0">
+              <a:latin typeface="Courier New" panose="02070309020205020404" pitchFamily="49" charset="0"/>
+              <a:cs typeface="Courier New" panose="02070309020205020404" pitchFamily="49" charset="0"/>
+            </a:endParaRPr>
+          </a:p>
+          <a:p>
+            <a:pPr marL="457200" lvl="1" indent="0">
+              <a:buNone/>
+            </a:pPr>
+            <a:r>
+              <a:rPr lang="en-US" sz="1800" b="1" dirty="0" err="1">
+                <a:latin typeface="Courier New" panose="02070309020205020404" pitchFamily="49" charset="0"/>
+                <a:cs typeface="Courier New" panose="02070309020205020404" pitchFamily="49" charset="0"/>
+              </a:rPr>
+              <a:t>ulong</a:t>
+            </a:r>
+            <a:r>
+              <a:rPr lang="en-US" sz="1800" b="1" dirty="0">
+                <a:latin typeface="Courier New" panose="02070309020205020404" pitchFamily="49" charset="0"/>
+                <a:cs typeface="Courier New" panose="02070309020205020404" pitchFamily="49" charset="0"/>
+              </a:rPr>
+              <a:t> l;				// l </a:t>
+            </a:r>
+            <a:r>
+              <a:rPr lang="en-US" sz="1800" b="1" dirty="0" err="1">
+                <a:latin typeface="Courier New" panose="02070309020205020404" pitchFamily="49" charset="0"/>
+                <a:cs typeface="Courier New" panose="02070309020205020404" pitchFamily="49" charset="0"/>
+              </a:rPr>
+              <a:t>variabile</a:t>
+            </a:r>
+            <a:r>
+              <a:rPr lang="en-US" sz="1800" b="1" dirty="0">
+                <a:latin typeface="Courier New" panose="02070309020205020404" pitchFamily="49" charset="0"/>
+                <a:cs typeface="Courier New" panose="02070309020205020404" pitchFamily="49" charset="0"/>
+              </a:rPr>
+              <a:t> di </a:t>
+            </a:r>
+            <a:r>
+              <a:rPr lang="en-US" sz="1800" b="1" dirty="0" err="1">
+                <a:latin typeface="Courier New" panose="02070309020205020404" pitchFamily="49" charset="0"/>
+                <a:cs typeface="Courier New" panose="02070309020205020404" pitchFamily="49" charset="0"/>
+              </a:rPr>
+              <a:t>tipo</a:t>
+            </a:r>
+            <a:r>
+              <a:rPr lang="en-US" sz="1800" b="1" dirty="0">
+                <a:latin typeface="Courier New" panose="02070309020205020404" pitchFamily="49" charset="0"/>
+                <a:cs typeface="Courier New" panose="02070309020205020404" pitchFamily="49" charset="0"/>
+              </a:rPr>
+              <a:t> unsigned long</a:t>
+            </a:r>
+          </a:p>
+          <a:p>
+            <a:r>
+              <a:rPr lang="en-US" dirty="0" err="1"/>
+              <a:t>esempio</a:t>
+            </a:r>
+            <a:r>
+              <a:rPr lang="en-US" dirty="0"/>
+              <a:t> </a:t>
+            </a:r>
+            <a:r>
+              <a:rPr lang="en-US" dirty="0" err="1"/>
+              <a:t>struttura</a:t>
+            </a:r>
+            <a:endParaRPr lang="en-US" dirty="0"/>
+          </a:p>
+          <a:p>
+            <a:pPr marL="400050" lvl="1" indent="0">
+              <a:buNone/>
+            </a:pPr>
+            <a:r>
+              <a:rPr lang="en-US" sz="1800" b="1" dirty="0">
+                <a:latin typeface="Courier New" panose="02070309020205020404" pitchFamily="49" charset="0"/>
+                <a:cs typeface="Courier New" panose="02070309020205020404" pitchFamily="49" charset="0"/>
+              </a:rPr>
+              <a:t>typedef struct {</a:t>
+            </a:r>
+          </a:p>
+          <a:p>
+            <a:pPr marL="400050" lvl="1" indent="0">
+              <a:buNone/>
+            </a:pPr>
+            <a:r>
+              <a:rPr lang="en-US" sz="1800" b="1" dirty="0">
+                <a:latin typeface="Courier New" panose="02070309020205020404" pitchFamily="49" charset="0"/>
+                <a:cs typeface="Courier New" panose="02070309020205020404" pitchFamily="49" charset="0"/>
+              </a:rPr>
+              <a:t>	double x; </a:t>
+            </a:r>
+          </a:p>
+          <a:p>
+            <a:pPr marL="400050" lvl="1" indent="0">
+              <a:buNone/>
+            </a:pPr>
+            <a:r>
+              <a:rPr lang="en-US" sz="1800" b="1" dirty="0">
+                <a:latin typeface="Courier New" panose="02070309020205020404" pitchFamily="49" charset="0"/>
+                <a:cs typeface="Courier New" panose="02070309020205020404" pitchFamily="49" charset="0"/>
+              </a:rPr>
+              <a:t>	double y;</a:t>
+            </a:r>
+          </a:p>
+          <a:p>
+            <a:pPr marL="400050" lvl="1" indent="0">
+              <a:buNone/>
+            </a:pPr>
+            <a:r>
+              <a:rPr lang="en-US" sz="1800" b="1" dirty="0">
+                <a:latin typeface="Courier New" panose="02070309020205020404" pitchFamily="49" charset="0"/>
+                <a:cs typeface="Courier New" panose="02070309020205020404" pitchFamily="49" charset="0"/>
+              </a:rPr>
+              <a:t>} </a:t>
+            </a:r>
+            <a:r>
+              <a:rPr lang="en-US" sz="1800" b="1" dirty="0" err="1">
+                <a:latin typeface="Courier New" panose="02070309020205020404" pitchFamily="49" charset="0"/>
+                <a:cs typeface="Courier New" panose="02070309020205020404" pitchFamily="49" charset="0"/>
+              </a:rPr>
+              <a:t>punto</a:t>
+            </a:r>
+            <a:r>
+              <a:rPr lang="en-US" sz="1800" b="1" dirty="0">
+                <a:latin typeface="Courier New" panose="02070309020205020404" pitchFamily="49" charset="0"/>
+                <a:cs typeface="Courier New" panose="02070309020205020404" pitchFamily="49" charset="0"/>
+              </a:rPr>
+              <a:t>;				// </a:t>
+            </a:r>
+            <a:r>
+              <a:rPr lang="en-US" sz="1800" b="1" dirty="0" err="1">
+                <a:latin typeface="Courier New" panose="02070309020205020404" pitchFamily="49" charset="0"/>
+                <a:cs typeface="Courier New" panose="02070309020205020404" pitchFamily="49" charset="0"/>
+              </a:rPr>
+              <a:t>punto</a:t>
+            </a:r>
+            <a:r>
+              <a:rPr lang="en-US" sz="1800" b="1" dirty="0">
+                <a:latin typeface="Courier New" panose="02070309020205020404" pitchFamily="49" charset="0"/>
+                <a:cs typeface="Courier New" panose="02070309020205020404" pitchFamily="49" charset="0"/>
+              </a:rPr>
+              <a:t> </a:t>
+            </a:r>
+            <a:r>
+              <a:rPr lang="en-US" sz="1800" b="1" dirty="0" err="1">
+                <a:latin typeface="Courier New" panose="02070309020205020404" pitchFamily="49" charset="0"/>
+                <a:cs typeface="Courier New" panose="02070309020205020404" pitchFamily="49" charset="0"/>
+              </a:rPr>
+              <a:t>nuovo</a:t>
+            </a:r>
+            <a:r>
+              <a:rPr lang="en-US" sz="1800" b="1" dirty="0">
+                <a:latin typeface="Courier New" panose="02070309020205020404" pitchFamily="49" charset="0"/>
+                <a:cs typeface="Courier New" panose="02070309020205020404" pitchFamily="49" charset="0"/>
+              </a:rPr>
+              <a:t> </a:t>
+            </a:r>
+            <a:r>
+              <a:rPr lang="en-US" sz="1800" b="1" dirty="0" err="1">
+                <a:latin typeface="Courier New" panose="02070309020205020404" pitchFamily="49" charset="0"/>
+                <a:cs typeface="Courier New" panose="02070309020205020404" pitchFamily="49" charset="0"/>
+              </a:rPr>
+              <a:t>tipo</a:t>
+            </a:r>
+            <a:r>
+              <a:rPr lang="en-US" sz="1800" b="1" dirty="0">
+                <a:latin typeface="Courier New" panose="02070309020205020404" pitchFamily="49" charset="0"/>
+                <a:cs typeface="Courier New" panose="02070309020205020404" pitchFamily="49" charset="0"/>
+              </a:rPr>
+              <a:t> di </a:t>
+            </a:r>
+            <a:r>
+              <a:rPr lang="en-US" sz="1800" b="1" dirty="0" err="1">
+                <a:latin typeface="Courier New" panose="02070309020205020404" pitchFamily="49" charset="0"/>
+                <a:cs typeface="Courier New" panose="02070309020205020404" pitchFamily="49" charset="0"/>
+              </a:rPr>
+              <a:t>dato</a:t>
+            </a:r>
+            <a:endParaRPr lang="en-US" sz="1800" b="1" dirty="0">
+              <a:latin typeface="Courier New" panose="02070309020205020404" pitchFamily="49" charset="0"/>
+              <a:cs typeface="Courier New" panose="02070309020205020404" pitchFamily="49" charset="0"/>
+            </a:endParaRPr>
+          </a:p>
+          <a:p>
+            <a:pPr marL="400050" lvl="1" indent="0">
+              <a:buNone/>
+            </a:pPr>
+            <a:r>
+              <a:rPr lang="en-US" sz="1800" b="1" dirty="0" err="1">
+                <a:latin typeface="Courier New" panose="02070309020205020404" pitchFamily="49" charset="0"/>
+                <a:cs typeface="Courier New" panose="02070309020205020404" pitchFamily="49" charset="0"/>
+              </a:rPr>
+              <a:t>punto</a:t>
+            </a:r>
+            <a:r>
+              <a:rPr lang="en-US" sz="1800" b="1" dirty="0">
+                <a:latin typeface="Courier New" panose="02070309020205020404" pitchFamily="49" charset="0"/>
+                <a:cs typeface="Courier New" panose="02070309020205020404" pitchFamily="49" charset="0"/>
+              </a:rPr>
+              <a:t> p1;				// p1 </a:t>
+            </a:r>
+            <a:r>
+              <a:rPr lang="en-US" sz="1800" b="1" dirty="0" err="1">
+                <a:latin typeface="Courier New" panose="02070309020205020404" pitchFamily="49" charset="0"/>
+                <a:cs typeface="Courier New" panose="02070309020205020404" pitchFamily="49" charset="0"/>
+              </a:rPr>
+              <a:t>variabile</a:t>
+            </a:r>
+            <a:r>
+              <a:rPr lang="en-US" sz="1800" b="1" dirty="0">
+                <a:latin typeface="Courier New" panose="02070309020205020404" pitchFamily="49" charset="0"/>
+                <a:cs typeface="Courier New" panose="02070309020205020404" pitchFamily="49" charset="0"/>
+              </a:rPr>
+              <a:t> di </a:t>
+            </a:r>
+            <a:r>
+              <a:rPr lang="en-US" sz="1800" b="1" dirty="0" err="1">
+                <a:latin typeface="Courier New" panose="02070309020205020404" pitchFamily="49" charset="0"/>
+                <a:cs typeface="Courier New" panose="02070309020205020404" pitchFamily="49" charset="0"/>
+              </a:rPr>
+              <a:t>tipo</a:t>
+            </a:r>
+            <a:r>
+              <a:rPr lang="en-US" sz="1800" b="1" dirty="0">
+                <a:latin typeface="Courier New" panose="02070309020205020404" pitchFamily="49" charset="0"/>
+                <a:cs typeface="Courier New" panose="02070309020205020404" pitchFamily="49" charset="0"/>
+              </a:rPr>
+              <a:t> </a:t>
+            </a:r>
+            <a:r>
+              <a:rPr lang="en-US" sz="1800" b="1" dirty="0" err="1">
+                <a:latin typeface="Courier New" panose="02070309020205020404" pitchFamily="49" charset="0"/>
+                <a:cs typeface="Courier New" panose="02070309020205020404" pitchFamily="49" charset="0"/>
+              </a:rPr>
+              <a:t>punto</a:t>
+            </a:r>
+            <a:endParaRPr lang="en-US" sz="1800" b="1" dirty="0">
+              <a:latin typeface="Courier New" panose="02070309020205020404" pitchFamily="49" charset="0"/>
+              <a:cs typeface="Courier New" panose="02070309020205020404" pitchFamily="49" charset="0"/>
+            </a:endParaRPr>
+          </a:p>
+          <a:p>
+            <a:pPr marL="400050" lvl="1" indent="0">
+              <a:buNone/>
+            </a:pPr>
+            <a:r>
+              <a:rPr lang="en-US" sz="1800" b="1" dirty="0">
+                <a:latin typeface="Courier New" panose="02070309020205020404" pitchFamily="49" charset="0"/>
+                <a:cs typeface="Courier New" panose="02070309020205020404" pitchFamily="49" charset="0"/>
+              </a:rPr>
+              <a:t>p1.y = 4.5;</a:t>
+            </a:r>
+          </a:p>
+          <a:p>
+            <a:endParaRPr lang="it-IT" dirty="0"/>
+          </a:p>
+        </p:txBody>
+      </p:sp>
+      <p:sp>
+        <p:nvSpPr>
+          <p:cNvPr id="4" name="Segnaposto piè di pagina 3">
+            <a:extLst>
+              <a:ext uri="{FF2B5EF4-FFF2-40B4-BE49-F238E27FC236}">
+                <a16:creationId xmlns:a16="http://schemas.microsoft.com/office/drawing/2014/main" id="{408A7260-90F7-46B6-9CBF-45F17F677265}"/>
+              </a:ext>
+            </a:extLst>
+          </p:cNvPr>
+          <p:cNvSpPr>
+            <a:spLocks noGrp="1"/>
+          </p:cNvSpPr>
+          <p:nvPr>
+            <p:ph type="ftr" sz="quarter" idx="11"/>
+          </p:nvPr>
+        </p:nvSpPr>
+        <p:spPr/>
+        <p:txBody>
+          <a:bodyPr/>
+          <a:lstStyle/>
+          <a:p>
+            <a:pPr>
+              <a:defRPr/>
+            </a:pPr>
+            <a:r>
+              <a:rPr lang="it-IT"/>
+              <a:t>Alberto Ferrari – Programmazione di applicazioni SW</a:t>
+            </a:r>
+            <a:endParaRPr lang="it-IT" dirty="0"/>
+          </a:p>
+        </p:txBody>
+      </p:sp>
+    </p:spTree>
+    <p:extLst>
+      <p:ext uri="{BB962C8B-B14F-4D97-AF65-F5344CB8AC3E}">
+        <p14:creationId xmlns:p14="http://schemas.microsoft.com/office/powerpoint/2010/main" val="3500570977"/>
+      </p:ext>
+    </p:extLst>
+  </p:cSld>
+  <p:clrMapOvr>
+    <a:masterClrMapping/>
+  </p:clrMapOvr>
+</p:sld>
+</file>
+
+<file path=ppt/slides/slide23.xml><?xml version="1.0" encoding="utf-8"?>
+<p:sld xmlns:a="http://schemas.openxmlformats.org/drawingml/2006/main" xmlns:r="http://schemas.openxmlformats.org/officeDocument/2006/relationships" xmlns:p="http://schemas.openxmlformats.org/presentationml/2006/main">
+  <p:cSld>
+    <p:spTree>
+      <p:nvGrpSpPr>
+        <p:cNvPr id="1" name=""/>
+        <p:cNvGrpSpPr/>
+        <p:nvPr/>
+      </p:nvGrpSpPr>
+      <p:grpSpPr>
+        <a:xfrm>
+          <a:off x="0" y="0"/>
+          <a:ext cx="0" cy="0"/>
+          <a:chOff x="0" y="0"/>
+          <a:chExt cx="0" cy="0"/>
+        </a:xfrm>
+      </p:grpSpPr>
+      <p:sp>
+        <p:nvSpPr>
+          <p:cNvPr id="2" name="Titolo 1">
+            <a:extLst>
+              <a:ext uri="{FF2B5EF4-FFF2-40B4-BE49-F238E27FC236}">
                 <a16:creationId xmlns:a16="http://schemas.microsoft.com/office/drawing/2014/main" id="{F0EFD54D-3705-4226-AB21-E76E450EAF5C}"/>
               </a:ext>
             </a:extLst>
@@ -10987,28 +13242,28 @@
               <a:buNone/>
             </a:pPr>
             <a:r>
-              <a:rPr lang="it-IT" sz="1400" b="1" dirty="0" err="1">
+              <a:rPr lang="it-IT" sz="1600" b="1" dirty="0" err="1">
                 <a:latin typeface="Courier New" panose="02070309020205020404" pitchFamily="49" charset="0"/>
                 <a:cs typeface="Courier New" panose="02070309020205020404" pitchFamily="49" charset="0"/>
               </a:rPr>
               <a:t>enum</a:t>
             </a:r>
             <a:r>
-              <a:rPr lang="it-IT" sz="1400" b="1" dirty="0">
+              <a:rPr lang="it-IT" sz="1600" b="1" dirty="0">
                 <a:latin typeface="Courier New" panose="02070309020205020404" pitchFamily="49" charset="0"/>
                 <a:cs typeface="Courier New" panose="02070309020205020404" pitchFamily="49" charset="0"/>
               </a:rPr>
               <a:t> {</a:t>
             </a:r>
             <a:r>
-              <a:rPr lang="it-IT" sz="1400" b="1" dirty="0" err="1">
+              <a:rPr lang="it-IT" sz="1600" b="1" dirty="0" err="1">
                 <a:latin typeface="Courier New" panose="02070309020205020404" pitchFamily="49" charset="0"/>
                 <a:cs typeface="Courier New" panose="02070309020205020404" pitchFamily="49" charset="0"/>
               </a:rPr>
               <a:t>Lu,Ma,Me,Gi,Ve,Sa,Do</a:t>
             </a:r>
             <a:r>
-              <a:rPr lang="it-IT" sz="1400" b="1" dirty="0">
+              <a:rPr lang="it-IT" sz="1600" b="1" dirty="0">
                 <a:latin typeface="Courier New" panose="02070309020205020404" pitchFamily="49" charset="0"/>
                 <a:cs typeface="Courier New" panose="02070309020205020404" pitchFamily="49" charset="0"/>
               </a:rPr>
@@ -11020,7 +13275,7 @@
               <a:buNone/>
             </a:pPr>
             <a:r>
-              <a:rPr lang="it-IT" sz="1400" b="1" dirty="0">
+              <a:rPr lang="it-IT" sz="1600" b="1" dirty="0">
                 <a:latin typeface="Courier New" panose="02070309020205020404" pitchFamily="49" charset="0"/>
                 <a:cs typeface="Courier New" panose="02070309020205020404" pitchFamily="49" charset="0"/>
               </a:rPr>
@@ -11032,7 +13287,7 @@
               <a:buNone/>
             </a:pPr>
             <a:r>
-              <a:rPr lang="it-IT" sz="1400" b="1" dirty="0">
+              <a:rPr lang="it-IT" sz="1600" b="1" dirty="0">
                 <a:latin typeface="Courier New" panose="02070309020205020404" pitchFamily="49" charset="0"/>
                 <a:cs typeface="Courier New" panose="02070309020205020404" pitchFamily="49" charset="0"/>
               </a:rPr>
@@ -11044,32 +13299,46 @@
               <a:buNone/>
             </a:pPr>
             <a:r>
-              <a:rPr lang="it-IT" sz="1400" b="1" dirty="0" err="1">
+              <a:rPr lang="it-IT" sz="1600" b="1" dirty="0" err="1">
                 <a:latin typeface="Courier New" panose="02070309020205020404" pitchFamily="49" charset="0"/>
                 <a:cs typeface="Courier New" panose="02070309020205020404" pitchFamily="49" charset="0"/>
               </a:rPr>
               <a:t>typedef</a:t>
             </a:r>
             <a:r>
-              <a:rPr lang="it-IT" sz="1400" b="1" dirty="0">
-                <a:latin typeface="Courier New" panose="02070309020205020404" pitchFamily="49" charset="0"/>
-                <a:cs typeface="Courier New" panose="02070309020205020404" pitchFamily="49" charset="0"/>
-              </a:rPr>
-              <a:t> Mese {</a:t>
-            </a:r>
-            <a:r>
-              <a:rPr lang="it-IT" sz="1400" b="1" dirty="0" err="1">
+              <a:rPr lang="it-IT" sz="1600" b="1" dirty="0">
+                <a:latin typeface="Courier New" panose="02070309020205020404" pitchFamily="49" charset="0"/>
+                <a:cs typeface="Courier New" panose="02070309020205020404" pitchFamily="49" charset="0"/>
+              </a:rPr>
+              <a:t> </a:t>
+            </a:r>
+            <a:r>
+              <a:rPr lang="it-IT" sz="1600" b="1" dirty="0" err="1">
+                <a:latin typeface="Courier New" panose="02070309020205020404" pitchFamily="49" charset="0"/>
+                <a:cs typeface="Courier New" panose="02070309020205020404" pitchFamily="49" charset="0"/>
+              </a:rPr>
+              <a:t>enum</a:t>
+            </a:r>
+            <a:r>
+              <a:rPr lang="it-IT" sz="1600" b="1" dirty="0">
+                <a:latin typeface="Courier New" panose="02070309020205020404" pitchFamily="49" charset="0"/>
+                <a:cs typeface="Courier New" panose="02070309020205020404" pitchFamily="49" charset="0"/>
+              </a:rPr>
+              <a:t> {</a:t>
+            </a:r>
+            <a:r>
+              <a:rPr lang="it-IT" sz="1600" b="1" dirty="0" err="1">
                 <a:latin typeface="Courier New" panose="02070309020205020404" pitchFamily="49" charset="0"/>
                 <a:cs typeface="Courier New" panose="02070309020205020404" pitchFamily="49" charset="0"/>
               </a:rPr>
               <a:t>Gen,Feb,Mar,Apr,Mag,Giu,Lug,Ago,Set,Ott,Nov,Dic</a:t>
             </a:r>
             <a:r>
-              <a:rPr lang="it-IT" sz="1400" b="1" dirty="0">
-                <a:latin typeface="Courier New" panose="02070309020205020404" pitchFamily="49" charset="0"/>
-                <a:cs typeface="Courier New" panose="02070309020205020404" pitchFamily="49" charset="0"/>
-              </a:rPr>
-              <a:t>};</a:t>
+              <a:rPr lang="it-IT" sz="1600" b="1" dirty="0">
+                <a:latin typeface="Courier New" panose="02070309020205020404" pitchFamily="49" charset="0"/>
+                <a:cs typeface="Courier New" panose="02070309020205020404" pitchFamily="49" charset="0"/>
+              </a:rPr>
+              <a:t>} Mese;</a:t>
             </a:r>
           </a:p>
           <a:p>
@@ -11077,21 +13346,21 @@
               <a:buNone/>
             </a:pPr>
             <a:r>
-              <a:rPr lang="it-IT" sz="1400" b="1" dirty="0">
+              <a:rPr lang="it-IT" sz="1600" b="1" dirty="0">
                 <a:latin typeface="Courier New" panose="02070309020205020404" pitchFamily="49" charset="0"/>
                 <a:cs typeface="Courier New" panose="02070309020205020404" pitchFamily="49" charset="0"/>
               </a:rPr>
               <a:t>Mese </a:t>
             </a:r>
             <a:r>
-              <a:rPr lang="it-IT" sz="1400" b="1" dirty="0" err="1">
+              <a:rPr lang="it-IT" sz="1600" b="1" dirty="0" err="1">
                 <a:latin typeface="Courier New" panose="02070309020205020404" pitchFamily="49" charset="0"/>
                 <a:cs typeface="Courier New" panose="02070309020205020404" pitchFamily="49" charset="0"/>
               </a:rPr>
               <a:t>meseCorrente</a:t>
             </a:r>
             <a:r>
-              <a:rPr lang="it-IT" sz="1400" b="1" dirty="0">
+              <a:rPr lang="it-IT" sz="1600" b="1" dirty="0">
                 <a:latin typeface="Courier New" panose="02070309020205020404" pitchFamily="49" charset="0"/>
                 <a:cs typeface="Courier New" panose="02070309020205020404" pitchFamily="49" charset="0"/>
               </a:rPr>
@@ -11103,14 +13372,14 @@
               <a:buNone/>
             </a:pPr>
             <a:r>
-              <a:rPr lang="it-IT" sz="1400" b="1" dirty="0" err="1">
+              <a:rPr lang="it-IT" sz="1600" b="1" dirty="0" err="1">
                 <a:latin typeface="Courier New" panose="02070309020205020404" pitchFamily="49" charset="0"/>
                 <a:cs typeface="Courier New" panose="02070309020205020404" pitchFamily="49" charset="0"/>
               </a:rPr>
               <a:t>meseCorrente</a:t>
             </a:r>
             <a:r>
-              <a:rPr lang="it-IT" sz="1400" b="1" dirty="0">
+              <a:rPr lang="it-IT" sz="1600" b="1" dirty="0">
                 <a:latin typeface="Courier New" panose="02070309020205020404" pitchFamily="49" charset="0"/>
                 <a:cs typeface="Courier New" panose="02070309020205020404" pitchFamily="49" charset="0"/>
               </a:rPr>
@@ -11120,7 +13389,7 @@
           <a:p>
             <a:r>
               <a:rPr lang="it-IT" sz="1800" dirty="0"/>
-              <a:t>il primo identificatore ha valore 0, il successivo ha valore 1, e così via. È comunque possibile assegnare agli identificatori valori espliciti:</a:t>
+              <a:t>il primo identificatore ha valore 0, il successivo ha valore 1, e così via. È comunque possibile assegnare agli identificatori valori espliciti</a:t>
             </a:r>
           </a:p>
           <a:p>
@@ -11128,18 +13397,18 @@
               <a:buNone/>
             </a:pPr>
             <a:r>
-              <a:rPr lang="it-IT" sz="1400" b="1" dirty="0" err="1">
+              <a:rPr lang="en-US" sz="1600" b="1" dirty="0" err="1">
                 <a:latin typeface="Courier New" panose="02070309020205020404" pitchFamily="49" charset="0"/>
                 <a:cs typeface="Courier New" panose="02070309020205020404" pitchFamily="49" charset="0"/>
               </a:rPr>
               <a:t>enum</a:t>
             </a:r>
             <a:r>
-              <a:rPr lang="it-IT" sz="1400" b="1" dirty="0">
-                <a:latin typeface="Courier New" panose="02070309020205020404" pitchFamily="49" charset="0"/>
-                <a:cs typeface="Courier New" panose="02070309020205020404" pitchFamily="49" charset="0"/>
-              </a:rPr>
-              <a:t> Color { red, green, blue };</a:t>
+              <a:rPr lang="en-US" sz="1600" b="1" dirty="0">
+                <a:latin typeface="Courier New" panose="02070309020205020404" pitchFamily="49" charset="0"/>
+                <a:cs typeface="Courier New" panose="02070309020205020404" pitchFamily="49" charset="0"/>
+              </a:rPr>
+              <a:t> color { red, yellow, green = 20, blue };</a:t>
             </a:r>
           </a:p>
           <a:p>
@@ -11147,11 +13416,11 @@
               <a:buNone/>
             </a:pPr>
             <a:r>
-              <a:rPr lang="it-IT" sz="1400" b="1" dirty="0">
-                <a:latin typeface="Courier New" panose="02070309020205020404" pitchFamily="49" charset="0"/>
-                <a:cs typeface="Courier New" panose="02070309020205020404" pitchFamily="49" charset="0"/>
-              </a:rPr>
-              <a:t>Color r = red;</a:t>
+              <a:rPr lang="en-US" sz="1600" b="1" dirty="0">
+                <a:latin typeface="Courier New" panose="02070309020205020404" pitchFamily="49" charset="0"/>
+                <a:cs typeface="Courier New" panose="02070309020205020404" pitchFamily="49" charset="0"/>
+              </a:rPr>
+              <a:t>color col = red;</a:t>
             </a:r>
           </a:p>
           <a:p>
@@ -11159,144 +13428,23 @@
               <a:buNone/>
             </a:pPr>
             <a:r>
-              <a:rPr lang="it-IT" sz="1400" b="1" dirty="0">
-                <a:latin typeface="Courier New" panose="02070309020205020404" pitchFamily="49" charset="0"/>
-                <a:cs typeface="Courier New" panose="02070309020205020404" pitchFamily="49" charset="0"/>
-              </a:rPr>
-              <a:t>switch(r) {</a:t>
-            </a:r>
-          </a:p>
-          <a:p>
-            <a:pPr marL="400050" lvl="1" indent="0">
-              <a:buNone/>
-            </a:pPr>
-            <a:r>
-              <a:rPr lang="it-IT" sz="1400" b="1" dirty="0">
-                <a:latin typeface="Courier New" panose="02070309020205020404" pitchFamily="49" charset="0"/>
-                <a:cs typeface="Courier New" panose="02070309020205020404" pitchFamily="49" charset="0"/>
-              </a:rPr>
-              <a:t>   case red  : </a:t>
-            </a:r>
-            <a:r>
-              <a:rPr lang="it-IT" sz="1400" b="1" dirty="0" err="1">
-                <a:latin typeface="Courier New" panose="02070309020205020404" pitchFamily="49" charset="0"/>
-                <a:cs typeface="Courier New" panose="02070309020205020404" pitchFamily="49" charset="0"/>
-              </a:rPr>
-              <a:t>std</a:t>
-            </a:r>
-            <a:r>
-              <a:rPr lang="it-IT" sz="1400" b="1" dirty="0">
-                <a:latin typeface="Courier New" panose="02070309020205020404" pitchFamily="49" charset="0"/>
-                <a:cs typeface="Courier New" panose="02070309020205020404" pitchFamily="49" charset="0"/>
-              </a:rPr>
-              <a:t>::</a:t>
-            </a:r>
-            <a:r>
-              <a:rPr lang="it-IT" sz="1400" b="1" dirty="0" err="1">
-                <a:latin typeface="Courier New" panose="02070309020205020404" pitchFamily="49" charset="0"/>
-                <a:cs typeface="Courier New" panose="02070309020205020404" pitchFamily="49" charset="0"/>
-              </a:rPr>
-              <a:t>cout</a:t>
-            </a:r>
-            <a:r>
-              <a:rPr lang="it-IT" sz="1400" b="1" dirty="0">
-                <a:latin typeface="Courier New" panose="02070309020205020404" pitchFamily="49" charset="0"/>
-                <a:cs typeface="Courier New" panose="02070309020205020404" pitchFamily="49" charset="0"/>
-              </a:rPr>
-              <a:t> &lt;&lt; "red\n";   break;</a:t>
-            </a:r>
-          </a:p>
-          <a:p>
-            <a:pPr marL="400050" lvl="1" indent="0">
-              <a:buNone/>
-            </a:pPr>
-            <a:r>
-              <a:rPr lang="it-IT" sz="1400" b="1" dirty="0">
-                <a:latin typeface="Courier New" panose="02070309020205020404" pitchFamily="49" charset="0"/>
-                <a:cs typeface="Courier New" panose="02070309020205020404" pitchFamily="49" charset="0"/>
-              </a:rPr>
-              <a:t>   case green: </a:t>
-            </a:r>
-            <a:r>
-              <a:rPr lang="it-IT" sz="1400" b="1" dirty="0" err="1">
-                <a:latin typeface="Courier New" panose="02070309020205020404" pitchFamily="49" charset="0"/>
-                <a:cs typeface="Courier New" panose="02070309020205020404" pitchFamily="49" charset="0"/>
-              </a:rPr>
-              <a:t>std</a:t>
-            </a:r>
-            <a:r>
-              <a:rPr lang="it-IT" sz="1400" b="1" dirty="0">
-                <a:latin typeface="Courier New" panose="02070309020205020404" pitchFamily="49" charset="0"/>
-                <a:cs typeface="Courier New" panose="02070309020205020404" pitchFamily="49" charset="0"/>
-              </a:rPr>
-              <a:t>::</a:t>
-            </a:r>
-            <a:r>
-              <a:rPr lang="it-IT" sz="1400" b="1" dirty="0" err="1">
-                <a:latin typeface="Courier New" panose="02070309020205020404" pitchFamily="49" charset="0"/>
-                <a:cs typeface="Courier New" panose="02070309020205020404" pitchFamily="49" charset="0"/>
-              </a:rPr>
-              <a:t>cout</a:t>
-            </a:r>
-            <a:r>
-              <a:rPr lang="it-IT" sz="1400" b="1" dirty="0">
-                <a:latin typeface="Courier New" panose="02070309020205020404" pitchFamily="49" charset="0"/>
-                <a:cs typeface="Courier New" panose="02070309020205020404" pitchFamily="49" charset="0"/>
-              </a:rPr>
-              <a:t> &lt;&lt; "green\n"; break;</a:t>
-            </a:r>
-          </a:p>
-          <a:p>
-            <a:pPr marL="400050" lvl="1" indent="0">
-              <a:buNone/>
-            </a:pPr>
-            <a:r>
-              <a:rPr lang="it-IT" sz="1400" b="1" dirty="0">
-                <a:latin typeface="Courier New" panose="02070309020205020404" pitchFamily="49" charset="0"/>
-                <a:cs typeface="Courier New" panose="02070309020205020404" pitchFamily="49" charset="0"/>
-              </a:rPr>
-              <a:t>   case blue : </a:t>
-            </a:r>
-            <a:r>
-              <a:rPr lang="it-IT" sz="1400" b="1" dirty="0" err="1">
-                <a:latin typeface="Courier New" panose="02070309020205020404" pitchFamily="49" charset="0"/>
-                <a:cs typeface="Courier New" panose="02070309020205020404" pitchFamily="49" charset="0"/>
-              </a:rPr>
-              <a:t>std</a:t>
-            </a:r>
-            <a:r>
-              <a:rPr lang="it-IT" sz="1400" b="1" dirty="0">
-                <a:latin typeface="Courier New" panose="02070309020205020404" pitchFamily="49" charset="0"/>
-                <a:cs typeface="Courier New" panose="02070309020205020404" pitchFamily="49" charset="0"/>
-              </a:rPr>
-              <a:t>::</a:t>
-            </a:r>
-            <a:r>
-              <a:rPr lang="it-IT" sz="1400" b="1" dirty="0" err="1">
-                <a:latin typeface="Courier New" panose="02070309020205020404" pitchFamily="49" charset="0"/>
-                <a:cs typeface="Courier New" panose="02070309020205020404" pitchFamily="49" charset="0"/>
-              </a:rPr>
-              <a:t>cout</a:t>
-            </a:r>
-            <a:r>
-              <a:rPr lang="it-IT" sz="1400" b="1" dirty="0">
-                <a:latin typeface="Courier New" panose="02070309020205020404" pitchFamily="49" charset="0"/>
-                <a:cs typeface="Courier New" panose="02070309020205020404" pitchFamily="49" charset="0"/>
-              </a:rPr>
-              <a:t> &lt;&lt; "blue\n";  break;</a:t>
-            </a:r>
-          </a:p>
-          <a:p>
-            <a:pPr marL="400050" lvl="1" indent="0">
-              <a:buNone/>
-            </a:pPr>
-            <a:r>
-              <a:rPr lang="it-IT" sz="1400" b="1" dirty="0">
-                <a:latin typeface="Courier New" panose="02070309020205020404" pitchFamily="49" charset="0"/>
-                <a:cs typeface="Courier New" panose="02070309020205020404" pitchFamily="49" charset="0"/>
-              </a:rPr>
-              <a:t>}</a:t>
-            </a:r>
+              <a:rPr lang="en-US" sz="1600" b="1" dirty="0" err="1">
+                <a:latin typeface="Courier New" panose="02070309020205020404" pitchFamily="49" charset="0"/>
+                <a:cs typeface="Courier New" panose="02070309020205020404" pitchFamily="49" charset="0"/>
+              </a:rPr>
+              <a:t>int</a:t>
+            </a:r>
+            <a:r>
+              <a:rPr lang="en-US" sz="1600" b="1" dirty="0">
+                <a:latin typeface="Courier New" panose="02070309020205020404" pitchFamily="49" charset="0"/>
+                <a:cs typeface="Courier New" panose="02070309020205020404" pitchFamily="49" charset="0"/>
+              </a:rPr>
+              <a:t> n = blue; // n == 21</a:t>
+            </a:r>
+            <a:endParaRPr lang="it-IT" sz="1600" b="1" dirty="0">
+              <a:latin typeface="Courier New" panose="02070309020205020404" pitchFamily="49" charset="0"/>
+              <a:cs typeface="Courier New" panose="02070309020205020404" pitchFamily="49" charset="0"/>
+            </a:endParaRPr>
           </a:p>
         </p:txBody>
       </p:sp>
@@ -11332,10 +13480,788 @@
           </a:p>
         </p:txBody>
       </p:sp>
+      <p:sp>
+        <p:nvSpPr>
+          <p:cNvPr id="5" name="Rettangolo 4">
+            <a:extLst>
+              <a:ext uri="{FF2B5EF4-FFF2-40B4-BE49-F238E27FC236}">
+                <a16:creationId xmlns:a16="http://schemas.microsoft.com/office/drawing/2014/main" id="{8C5FD809-57E4-473A-99C3-26ADDB8C6D4F}"/>
+              </a:ext>
+            </a:extLst>
+          </p:cNvPr>
+          <p:cNvSpPr/>
+          <p:nvPr/>
+        </p:nvSpPr>
+        <p:spPr>
+          <a:xfrm>
+            <a:off x="6290396" y="5542002"/>
+            <a:ext cx="5283819" cy="338554"/>
+          </a:xfrm>
+          <a:prstGeom prst="rect">
+            <a:avLst/>
+          </a:prstGeom>
+        </p:spPr>
+        <p:txBody>
+          <a:bodyPr wrap="none">
+            <a:spAutoFit/>
+          </a:bodyPr>
+          <a:lstStyle/>
+          <a:p>
+            <a:r>
+              <a:rPr lang="it-IT" sz="1600" b="1" i="1" dirty="0">
+                <a:latin typeface="Century Schoolbook" panose="02040604050505020304" pitchFamily="18" charset="0"/>
+              </a:rPr>
+              <a:t>http://en.cppreference.com/w/cpp/language/enum</a:t>
+            </a:r>
+          </a:p>
+        </p:txBody>
+      </p:sp>
     </p:spTree>
     <p:extLst>
       <p:ext uri="{BB962C8B-B14F-4D97-AF65-F5344CB8AC3E}">
         <p14:creationId xmlns:p14="http://schemas.microsoft.com/office/powerpoint/2010/main" val="1906568809"/>
+      </p:ext>
+    </p:extLst>
+  </p:cSld>
+  <p:clrMapOvr>
+    <a:masterClrMapping/>
+  </p:clrMapOvr>
+</p:sld>
+</file>
+
+<file path=ppt/slides/slide24.xml><?xml version="1.0" encoding="utf-8"?>
+<p:sld xmlns:a="http://schemas.openxmlformats.org/drawingml/2006/main" xmlns:r="http://schemas.openxmlformats.org/officeDocument/2006/relationships" xmlns:p="http://schemas.openxmlformats.org/presentationml/2006/main">
+  <p:cSld>
+    <p:spTree>
+      <p:nvGrpSpPr>
+        <p:cNvPr id="1" name=""/>
+        <p:cNvGrpSpPr/>
+        <p:nvPr/>
+      </p:nvGrpSpPr>
+      <p:grpSpPr>
+        <a:xfrm>
+          <a:off x="0" y="0"/>
+          <a:ext cx="0" cy="0"/>
+          <a:chOff x="0" y="0"/>
+          <a:chExt cx="0" cy="0"/>
+        </a:xfrm>
+      </p:grpSpPr>
+      <p:sp>
+        <p:nvSpPr>
+          <p:cNvPr id="2" name="Titolo 1">
+            <a:extLst>
+              <a:ext uri="{FF2B5EF4-FFF2-40B4-BE49-F238E27FC236}">
+                <a16:creationId xmlns:a16="http://schemas.microsoft.com/office/drawing/2014/main" id="{9097D877-12B8-47F9-88B2-1CE41EC0DC86}"/>
+              </a:ext>
+            </a:extLst>
+          </p:cNvPr>
+          <p:cNvSpPr>
+            <a:spLocks noGrp="1"/>
+          </p:cNvSpPr>
+          <p:nvPr>
+            <p:ph type="title"/>
+          </p:nvPr>
+        </p:nvSpPr>
+        <p:spPr/>
+        <p:txBody>
+          <a:bodyPr/>
+          <a:lstStyle/>
+          <a:p>
+            <a:r>
+              <a:rPr lang="it-IT" dirty="0" err="1"/>
+              <a:t>enum</a:t>
+            </a:r>
+            <a:r>
+              <a:rPr lang="it-IT" dirty="0"/>
+              <a:t> - esempio</a:t>
+            </a:r>
+          </a:p>
+        </p:txBody>
+      </p:sp>
+      <p:sp>
+        <p:nvSpPr>
+          <p:cNvPr id="3" name="Segnaposto contenuto 2">
+            <a:extLst>
+              <a:ext uri="{FF2B5EF4-FFF2-40B4-BE49-F238E27FC236}">
+                <a16:creationId xmlns:a16="http://schemas.microsoft.com/office/drawing/2014/main" id="{9B58282A-B53B-4DDF-895C-579B79EC8FC4}"/>
+              </a:ext>
+            </a:extLst>
+          </p:cNvPr>
+          <p:cNvSpPr>
+            <a:spLocks noGrp="1"/>
+          </p:cNvSpPr>
+          <p:nvPr>
+            <p:ph idx="1"/>
+          </p:nvPr>
+        </p:nvSpPr>
+        <p:spPr/>
+        <p:txBody>
+          <a:bodyPr/>
+          <a:lstStyle/>
+          <a:p>
+            <a:pPr marL="0" indent="0">
+              <a:buNone/>
+            </a:pPr>
+            <a:r>
+              <a:rPr lang="it-IT" sz="1400" b="1" dirty="0" err="1">
+                <a:latin typeface="Courier New" panose="02070309020205020404" pitchFamily="49" charset="0"/>
+                <a:cs typeface="Courier New" panose="02070309020205020404" pitchFamily="49" charset="0"/>
+              </a:rPr>
+              <a:t>int</a:t>
+            </a:r>
+            <a:r>
+              <a:rPr lang="it-IT" sz="1400" b="1" dirty="0">
+                <a:latin typeface="Courier New" panose="02070309020205020404" pitchFamily="49" charset="0"/>
+                <a:cs typeface="Courier New" panose="02070309020205020404" pitchFamily="49" charset="0"/>
+              </a:rPr>
+              <a:t> </a:t>
+            </a:r>
+            <a:r>
+              <a:rPr lang="it-IT" sz="1400" b="1" dirty="0" err="1">
+                <a:latin typeface="Courier New" panose="02070309020205020404" pitchFamily="49" charset="0"/>
+                <a:cs typeface="Courier New" panose="02070309020205020404" pitchFamily="49" charset="0"/>
+              </a:rPr>
+              <a:t>main</a:t>
+            </a:r>
+            <a:r>
+              <a:rPr lang="it-IT" sz="1400" b="1" dirty="0">
+                <a:latin typeface="Courier New" panose="02070309020205020404" pitchFamily="49" charset="0"/>
+                <a:cs typeface="Courier New" panose="02070309020205020404" pitchFamily="49" charset="0"/>
+              </a:rPr>
+              <a:t>() {</a:t>
+            </a:r>
+          </a:p>
+          <a:p>
+            <a:pPr marL="0" indent="0">
+              <a:buNone/>
+            </a:pPr>
+            <a:r>
+              <a:rPr lang="it-IT" sz="1400" b="1" dirty="0">
+                <a:latin typeface="Courier New" panose="02070309020205020404" pitchFamily="49" charset="0"/>
+                <a:cs typeface="Courier New" panose="02070309020205020404" pitchFamily="49" charset="0"/>
+              </a:rPr>
+              <a:t>	</a:t>
+            </a:r>
+            <a:r>
+              <a:rPr lang="it-IT" sz="1400" b="1" dirty="0" err="1">
+                <a:solidFill>
+                  <a:srgbClr val="FF0000"/>
+                </a:solidFill>
+                <a:latin typeface="Courier New" panose="02070309020205020404" pitchFamily="49" charset="0"/>
+                <a:cs typeface="Courier New" panose="02070309020205020404" pitchFamily="49" charset="0"/>
+              </a:rPr>
+              <a:t>enum</a:t>
+            </a:r>
+            <a:r>
+              <a:rPr lang="it-IT" sz="1400" b="1" dirty="0">
+                <a:latin typeface="Courier New" panose="02070309020205020404" pitchFamily="49" charset="0"/>
+                <a:cs typeface="Courier New" panose="02070309020205020404" pitchFamily="49" charset="0"/>
+              </a:rPr>
+              <a:t> {</a:t>
+            </a:r>
+            <a:r>
+              <a:rPr lang="it-IT" sz="1400" b="1" dirty="0" err="1">
+                <a:solidFill>
+                  <a:srgbClr val="FF0000"/>
+                </a:solidFill>
+                <a:latin typeface="Courier New" panose="02070309020205020404" pitchFamily="49" charset="0"/>
+                <a:cs typeface="Courier New" panose="02070309020205020404" pitchFamily="49" charset="0"/>
+              </a:rPr>
+              <a:t>Lu,Ma,Me,Gi,Ve,Sa,Do</a:t>
+            </a:r>
+            <a:r>
+              <a:rPr lang="it-IT" sz="1400" b="1" dirty="0">
+                <a:latin typeface="Courier New" panose="02070309020205020404" pitchFamily="49" charset="0"/>
+                <a:cs typeface="Courier New" panose="02070309020205020404" pitchFamily="49" charset="0"/>
+              </a:rPr>
+              <a:t>} </a:t>
+            </a:r>
+            <a:r>
+              <a:rPr lang="it-IT" sz="1400" b="1" dirty="0">
+                <a:solidFill>
+                  <a:srgbClr val="FF0000"/>
+                </a:solidFill>
+                <a:latin typeface="Courier New" panose="02070309020205020404" pitchFamily="49" charset="0"/>
+                <a:cs typeface="Courier New" panose="02070309020205020404" pitchFamily="49" charset="0"/>
+              </a:rPr>
+              <a:t>giorno</a:t>
+            </a:r>
+            <a:r>
+              <a:rPr lang="it-IT" sz="1400" b="1" dirty="0">
+                <a:latin typeface="Courier New" panose="02070309020205020404" pitchFamily="49" charset="0"/>
+                <a:cs typeface="Courier New" panose="02070309020205020404" pitchFamily="49" charset="0"/>
+              </a:rPr>
+              <a:t>;</a:t>
+            </a:r>
+          </a:p>
+          <a:p>
+            <a:pPr marL="0" indent="0">
+              <a:buNone/>
+            </a:pPr>
+            <a:r>
+              <a:rPr lang="it-IT" sz="1400" b="1" dirty="0">
+                <a:latin typeface="Courier New" panose="02070309020205020404" pitchFamily="49" charset="0"/>
+                <a:cs typeface="Courier New" panose="02070309020205020404" pitchFamily="49" charset="0"/>
+              </a:rPr>
+              <a:t>	giorno = </a:t>
+            </a:r>
+            <a:r>
+              <a:rPr lang="it-IT" sz="1400" b="1" dirty="0">
+                <a:solidFill>
+                  <a:srgbClr val="FF0000"/>
+                </a:solidFill>
+                <a:latin typeface="Courier New" panose="02070309020205020404" pitchFamily="49" charset="0"/>
+                <a:cs typeface="Courier New" panose="02070309020205020404" pitchFamily="49" charset="0"/>
+              </a:rPr>
+              <a:t>Me</a:t>
+            </a:r>
+            <a:r>
+              <a:rPr lang="it-IT" sz="1400" b="1" dirty="0">
+                <a:latin typeface="Courier New" panose="02070309020205020404" pitchFamily="49" charset="0"/>
+                <a:cs typeface="Courier New" panose="02070309020205020404" pitchFamily="49" charset="0"/>
+              </a:rPr>
+              <a:t>;</a:t>
+            </a:r>
+          </a:p>
+          <a:p>
+            <a:pPr marL="0" indent="0">
+              <a:buNone/>
+            </a:pPr>
+            <a:r>
+              <a:rPr lang="it-IT" sz="1400" b="1" dirty="0">
+                <a:latin typeface="Courier New" panose="02070309020205020404" pitchFamily="49" charset="0"/>
+                <a:cs typeface="Courier New" panose="02070309020205020404" pitchFamily="49" charset="0"/>
+              </a:rPr>
+              <a:t>	</a:t>
+            </a:r>
+            <a:r>
+              <a:rPr lang="it-IT" sz="1400" b="1" dirty="0" err="1">
+                <a:latin typeface="Courier New" panose="02070309020205020404" pitchFamily="49" charset="0"/>
+                <a:cs typeface="Courier New" panose="02070309020205020404" pitchFamily="49" charset="0"/>
+              </a:rPr>
+              <a:t>cout</a:t>
+            </a:r>
+            <a:r>
+              <a:rPr lang="it-IT" sz="1400" b="1" dirty="0">
+                <a:latin typeface="Courier New" panose="02070309020205020404" pitchFamily="49" charset="0"/>
+                <a:cs typeface="Courier New" panose="02070309020205020404" pitchFamily="49" charset="0"/>
+              </a:rPr>
+              <a:t> &lt;&lt; giorno &lt;&lt; </a:t>
+            </a:r>
+            <a:r>
+              <a:rPr lang="it-IT" sz="1400" b="1" dirty="0" err="1">
+                <a:latin typeface="Courier New" panose="02070309020205020404" pitchFamily="49" charset="0"/>
+                <a:cs typeface="Courier New" panose="02070309020205020404" pitchFamily="49" charset="0"/>
+              </a:rPr>
+              <a:t>endl</a:t>
+            </a:r>
+            <a:r>
+              <a:rPr lang="it-IT" sz="1400" b="1" dirty="0">
+                <a:latin typeface="Courier New" panose="02070309020205020404" pitchFamily="49" charset="0"/>
+                <a:cs typeface="Courier New" panose="02070309020205020404" pitchFamily="49" charset="0"/>
+              </a:rPr>
+              <a:t>;	</a:t>
+            </a:r>
+          </a:p>
+          <a:p>
+            <a:pPr marL="0" indent="0">
+              <a:buNone/>
+            </a:pPr>
+            <a:r>
+              <a:rPr lang="it-IT" sz="1400" b="1" dirty="0">
+                <a:latin typeface="Courier New" panose="02070309020205020404" pitchFamily="49" charset="0"/>
+                <a:cs typeface="Courier New" panose="02070309020205020404" pitchFamily="49" charset="0"/>
+              </a:rPr>
+              <a:t>	</a:t>
+            </a:r>
+            <a:r>
+              <a:rPr lang="it-IT" sz="1400" b="1" dirty="0" err="1">
+                <a:solidFill>
+                  <a:srgbClr val="FF0000"/>
+                </a:solidFill>
+                <a:latin typeface="Courier New" panose="02070309020205020404" pitchFamily="49" charset="0"/>
+                <a:cs typeface="Courier New" panose="02070309020205020404" pitchFamily="49" charset="0"/>
+              </a:rPr>
+              <a:t>typedef</a:t>
+            </a:r>
+            <a:r>
+              <a:rPr lang="it-IT" sz="1400" b="1" dirty="0">
+                <a:latin typeface="Courier New" panose="02070309020205020404" pitchFamily="49" charset="0"/>
+                <a:cs typeface="Courier New" panose="02070309020205020404" pitchFamily="49" charset="0"/>
+              </a:rPr>
+              <a:t> </a:t>
+            </a:r>
+            <a:r>
+              <a:rPr lang="it-IT" sz="1400" b="1" dirty="0" err="1">
+                <a:solidFill>
+                  <a:srgbClr val="FF0000"/>
+                </a:solidFill>
+                <a:latin typeface="Courier New" panose="02070309020205020404" pitchFamily="49" charset="0"/>
+                <a:cs typeface="Courier New" panose="02070309020205020404" pitchFamily="49" charset="0"/>
+              </a:rPr>
+              <a:t>enum</a:t>
+            </a:r>
+            <a:r>
+              <a:rPr lang="it-IT" sz="1400" b="1" dirty="0">
+                <a:latin typeface="Courier New" panose="02070309020205020404" pitchFamily="49" charset="0"/>
+                <a:cs typeface="Courier New" panose="02070309020205020404" pitchFamily="49" charset="0"/>
+              </a:rPr>
+              <a:t> {</a:t>
+            </a:r>
+            <a:r>
+              <a:rPr lang="it-IT" sz="1400" b="1" dirty="0" err="1">
+                <a:solidFill>
+                  <a:srgbClr val="FF0000"/>
+                </a:solidFill>
+                <a:latin typeface="Courier New" panose="02070309020205020404" pitchFamily="49" charset="0"/>
+                <a:cs typeface="Courier New" panose="02070309020205020404" pitchFamily="49" charset="0"/>
+              </a:rPr>
+              <a:t>Gen,Feb,Mar,Apr,Mag,Giu,Lug,Ago,Set,Ott,Nov,Dic</a:t>
+            </a:r>
+            <a:r>
+              <a:rPr lang="it-IT" sz="1400" b="1" dirty="0">
+                <a:latin typeface="Courier New" panose="02070309020205020404" pitchFamily="49" charset="0"/>
+                <a:cs typeface="Courier New" panose="02070309020205020404" pitchFamily="49" charset="0"/>
+              </a:rPr>
+              <a:t>} </a:t>
+            </a:r>
+            <a:r>
+              <a:rPr lang="it-IT" sz="1400" b="1" dirty="0">
+                <a:solidFill>
+                  <a:srgbClr val="FF0000"/>
+                </a:solidFill>
+                <a:latin typeface="Courier New" panose="02070309020205020404" pitchFamily="49" charset="0"/>
+                <a:cs typeface="Courier New" panose="02070309020205020404" pitchFamily="49" charset="0"/>
+              </a:rPr>
+              <a:t>Mese</a:t>
+            </a:r>
+            <a:r>
+              <a:rPr lang="it-IT" sz="1400" b="1" dirty="0">
+                <a:latin typeface="Courier New" panose="02070309020205020404" pitchFamily="49" charset="0"/>
+                <a:cs typeface="Courier New" panose="02070309020205020404" pitchFamily="49" charset="0"/>
+              </a:rPr>
+              <a:t>;</a:t>
+            </a:r>
+          </a:p>
+          <a:p>
+            <a:pPr marL="0" indent="0">
+              <a:buNone/>
+            </a:pPr>
+            <a:r>
+              <a:rPr lang="it-IT" sz="1400" b="1" dirty="0">
+                <a:latin typeface="Courier New" panose="02070309020205020404" pitchFamily="49" charset="0"/>
+                <a:cs typeface="Courier New" panose="02070309020205020404" pitchFamily="49" charset="0"/>
+              </a:rPr>
+              <a:t>	</a:t>
+            </a:r>
+            <a:r>
+              <a:rPr lang="it-IT" sz="1400" b="1" dirty="0">
+                <a:solidFill>
+                  <a:srgbClr val="FF0000"/>
+                </a:solidFill>
+                <a:latin typeface="Courier New" panose="02070309020205020404" pitchFamily="49" charset="0"/>
+                <a:cs typeface="Courier New" panose="02070309020205020404" pitchFamily="49" charset="0"/>
+              </a:rPr>
+              <a:t>Mese</a:t>
+            </a:r>
+            <a:r>
+              <a:rPr lang="it-IT" sz="1400" b="1" dirty="0">
+                <a:latin typeface="Courier New" panose="02070309020205020404" pitchFamily="49" charset="0"/>
+                <a:cs typeface="Courier New" panose="02070309020205020404" pitchFamily="49" charset="0"/>
+              </a:rPr>
+              <a:t> </a:t>
+            </a:r>
+            <a:r>
+              <a:rPr lang="it-IT" sz="1400" b="1" dirty="0" err="1">
+                <a:latin typeface="Courier New" panose="02070309020205020404" pitchFamily="49" charset="0"/>
+                <a:cs typeface="Courier New" panose="02070309020205020404" pitchFamily="49" charset="0"/>
+              </a:rPr>
+              <a:t>meseCorrente</a:t>
+            </a:r>
+            <a:r>
+              <a:rPr lang="it-IT" sz="1400" b="1" dirty="0">
+                <a:latin typeface="Courier New" panose="02070309020205020404" pitchFamily="49" charset="0"/>
+                <a:cs typeface="Courier New" panose="02070309020205020404" pitchFamily="49" charset="0"/>
+              </a:rPr>
+              <a:t>; </a:t>
+            </a:r>
+            <a:r>
+              <a:rPr lang="it-IT" sz="1400" b="1" dirty="0" err="1">
+                <a:latin typeface="Courier New" panose="02070309020205020404" pitchFamily="49" charset="0"/>
+                <a:cs typeface="Courier New" panose="02070309020205020404" pitchFamily="49" charset="0"/>
+              </a:rPr>
+              <a:t>meseCorrente</a:t>
+            </a:r>
+            <a:r>
+              <a:rPr lang="it-IT" sz="1400" b="1" dirty="0">
+                <a:latin typeface="Courier New" panose="02070309020205020404" pitchFamily="49" charset="0"/>
+                <a:cs typeface="Courier New" panose="02070309020205020404" pitchFamily="49" charset="0"/>
+              </a:rPr>
+              <a:t> = Ago;</a:t>
+            </a:r>
+          </a:p>
+          <a:p>
+            <a:pPr marL="0" indent="0">
+              <a:buNone/>
+            </a:pPr>
+            <a:r>
+              <a:rPr lang="it-IT" sz="1400" b="1" dirty="0">
+                <a:latin typeface="Courier New" panose="02070309020205020404" pitchFamily="49" charset="0"/>
+                <a:cs typeface="Courier New" panose="02070309020205020404" pitchFamily="49" charset="0"/>
+              </a:rPr>
+              <a:t>	switch(</a:t>
+            </a:r>
+            <a:r>
+              <a:rPr lang="it-IT" sz="1400" b="1" dirty="0" err="1">
+                <a:latin typeface="Courier New" panose="02070309020205020404" pitchFamily="49" charset="0"/>
+                <a:cs typeface="Courier New" panose="02070309020205020404" pitchFamily="49" charset="0"/>
+              </a:rPr>
+              <a:t>meseCorrente</a:t>
+            </a:r>
+            <a:r>
+              <a:rPr lang="it-IT" sz="1400" b="1" dirty="0">
+                <a:latin typeface="Courier New" panose="02070309020205020404" pitchFamily="49" charset="0"/>
+                <a:cs typeface="Courier New" panose="02070309020205020404" pitchFamily="49" charset="0"/>
+              </a:rPr>
+              <a:t>) {</a:t>
+            </a:r>
+          </a:p>
+          <a:p>
+            <a:pPr marL="0" indent="0">
+              <a:buNone/>
+            </a:pPr>
+            <a:r>
+              <a:rPr lang="it-IT" sz="1400" b="1" dirty="0">
+                <a:latin typeface="Courier New" panose="02070309020205020404" pitchFamily="49" charset="0"/>
+                <a:cs typeface="Courier New" panose="02070309020205020404" pitchFamily="49" charset="0"/>
+              </a:rPr>
+              <a:t>		case </a:t>
+            </a:r>
+            <a:r>
+              <a:rPr lang="it-IT" sz="1400" b="1" dirty="0" err="1">
+                <a:latin typeface="Courier New" panose="02070309020205020404" pitchFamily="49" charset="0"/>
+                <a:cs typeface="Courier New" panose="02070309020205020404" pitchFamily="49" charset="0"/>
+              </a:rPr>
+              <a:t>Giu</a:t>
+            </a:r>
+            <a:r>
+              <a:rPr lang="it-IT" sz="1400" b="1" dirty="0">
+                <a:latin typeface="Courier New" panose="02070309020205020404" pitchFamily="49" charset="0"/>
+                <a:cs typeface="Courier New" panose="02070309020205020404" pitchFamily="49" charset="0"/>
+              </a:rPr>
+              <a:t> :</a:t>
+            </a:r>
+          </a:p>
+          <a:p>
+            <a:pPr marL="0" indent="0">
+              <a:buNone/>
+            </a:pPr>
+            <a:r>
+              <a:rPr lang="it-IT" sz="1400" b="1" dirty="0">
+                <a:latin typeface="Courier New" panose="02070309020205020404" pitchFamily="49" charset="0"/>
+                <a:cs typeface="Courier New" panose="02070309020205020404" pitchFamily="49" charset="0"/>
+              </a:rPr>
+              <a:t>		case </a:t>
+            </a:r>
+            <a:r>
+              <a:rPr lang="it-IT" sz="1400" b="1" dirty="0" err="1">
+                <a:latin typeface="Courier New" panose="02070309020205020404" pitchFamily="49" charset="0"/>
+                <a:cs typeface="Courier New" panose="02070309020205020404" pitchFamily="49" charset="0"/>
+              </a:rPr>
+              <a:t>Lug</a:t>
+            </a:r>
+            <a:r>
+              <a:rPr lang="it-IT" sz="1400" b="1" dirty="0">
+                <a:latin typeface="Courier New" panose="02070309020205020404" pitchFamily="49" charset="0"/>
+                <a:cs typeface="Courier New" panose="02070309020205020404" pitchFamily="49" charset="0"/>
+              </a:rPr>
+              <a:t> : </a:t>
+            </a:r>
+          </a:p>
+          <a:p>
+            <a:pPr marL="0" indent="0">
+              <a:buNone/>
+            </a:pPr>
+            <a:r>
+              <a:rPr lang="it-IT" sz="1400" b="1" dirty="0">
+                <a:latin typeface="Courier New" panose="02070309020205020404" pitchFamily="49" charset="0"/>
+                <a:cs typeface="Courier New" panose="02070309020205020404" pitchFamily="49" charset="0"/>
+              </a:rPr>
+              <a:t>		case Ago : </a:t>
+            </a:r>
+            <a:r>
+              <a:rPr lang="it-IT" sz="1400" b="1" dirty="0" err="1">
+                <a:latin typeface="Courier New" panose="02070309020205020404" pitchFamily="49" charset="0"/>
+                <a:cs typeface="Courier New" panose="02070309020205020404" pitchFamily="49" charset="0"/>
+              </a:rPr>
+              <a:t>cout</a:t>
+            </a:r>
+            <a:r>
+              <a:rPr lang="it-IT" sz="1400" b="1" dirty="0">
+                <a:latin typeface="Courier New" panose="02070309020205020404" pitchFamily="49" charset="0"/>
+                <a:cs typeface="Courier New" panose="02070309020205020404" pitchFamily="49" charset="0"/>
+              </a:rPr>
+              <a:t> &lt;&lt; "estate";   break;</a:t>
+            </a:r>
+          </a:p>
+          <a:p>
+            <a:pPr marL="0" indent="0">
+              <a:buNone/>
+            </a:pPr>
+            <a:r>
+              <a:rPr lang="it-IT" sz="1400" b="1" dirty="0">
+                <a:latin typeface="Courier New" panose="02070309020205020404" pitchFamily="49" charset="0"/>
+                <a:cs typeface="Courier New" panose="02070309020205020404" pitchFamily="49" charset="0"/>
+              </a:rPr>
+              <a:t>		case Set :</a:t>
+            </a:r>
+          </a:p>
+          <a:p>
+            <a:pPr marL="0" indent="0">
+              <a:buNone/>
+            </a:pPr>
+            <a:r>
+              <a:rPr lang="it-IT" sz="1400" b="1" dirty="0">
+                <a:latin typeface="Courier New" panose="02070309020205020404" pitchFamily="49" charset="0"/>
+                <a:cs typeface="Courier New" panose="02070309020205020404" pitchFamily="49" charset="0"/>
+              </a:rPr>
+              <a:t>		case </a:t>
+            </a:r>
+            <a:r>
+              <a:rPr lang="it-IT" sz="1400" b="1" dirty="0" err="1">
+                <a:latin typeface="Courier New" panose="02070309020205020404" pitchFamily="49" charset="0"/>
+                <a:cs typeface="Courier New" panose="02070309020205020404" pitchFamily="49" charset="0"/>
+              </a:rPr>
+              <a:t>Ott</a:t>
+            </a:r>
+            <a:r>
+              <a:rPr lang="it-IT" sz="1400" b="1" dirty="0">
+                <a:latin typeface="Courier New" panose="02070309020205020404" pitchFamily="49" charset="0"/>
+                <a:cs typeface="Courier New" panose="02070309020205020404" pitchFamily="49" charset="0"/>
+              </a:rPr>
+              <a:t> : </a:t>
+            </a:r>
+          </a:p>
+          <a:p>
+            <a:pPr marL="0" indent="0">
+              <a:buNone/>
+            </a:pPr>
+            <a:r>
+              <a:rPr lang="it-IT" sz="1400" b="1" dirty="0">
+                <a:latin typeface="Courier New" panose="02070309020205020404" pitchFamily="49" charset="0"/>
+                <a:cs typeface="Courier New" panose="02070309020205020404" pitchFamily="49" charset="0"/>
+              </a:rPr>
+              <a:t>		case </a:t>
+            </a:r>
+            <a:r>
+              <a:rPr lang="it-IT" sz="1400" b="1" dirty="0" err="1">
+                <a:latin typeface="Courier New" panose="02070309020205020404" pitchFamily="49" charset="0"/>
+                <a:cs typeface="Courier New" panose="02070309020205020404" pitchFamily="49" charset="0"/>
+              </a:rPr>
+              <a:t>Nov</a:t>
+            </a:r>
+            <a:r>
+              <a:rPr lang="it-IT" sz="1400" b="1" dirty="0">
+                <a:latin typeface="Courier New" panose="02070309020205020404" pitchFamily="49" charset="0"/>
+                <a:cs typeface="Courier New" panose="02070309020205020404" pitchFamily="49" charset="0"/>
+              </a:rPr>
+              <a:t> : </a:t>
+            </a:r>
+            <a:r>
+              <a:rPr lang="it-IT" sz="1400" b="1" dirty="0" err="1">
+                <a:latin typeface="Courier New" panose="02070309020205020404" pitchFamily="49" charset="0"/>
+                <a:cs typeface="Courier New" panose="02070309020205020404" pitchFamily="49" charset="0"/>
+              </a:rPr>
+              <a:t>cout</a:t>
+            </a:r>
+            <a:r>
+              <a:rPr lang="it-IT" sz="1400" b="1" dirty="0">
+                <a:latin typeface="Courier New" panose="02070309020205020404" pitchFamily="49" charset="0"/>
+                <a:cs typeface="Courier New" panose="02070309020205020404" pitchFamily="49" charset="0"/>
+              </a:rPr>
+              <a:t> &lt;&lt; "autunno";   break;</a:t>
+            </a:r>
+          </a:p>
+          <a:p>
+            <a:pPr marL="0" indent="0">
+              <a:buNone/>
+            </a:pPr>
+            <a:r>
+              <a:rPr lang="it-IT" sz="1400" b="1" dirty="0">
+                <a:latin typeface="Courier New" panose="02070309020205020404" pitchFamily="49" charset="0"/>
+                <a:cs typeface="Courier New" panose="02070309020205020404" pitchFamily="49" charset="0"/>
+              </a:rPr>
+              <a:t>		case </a:t>
+            </a:r>
+            <a:r>
+              <a:rPr lang="it-IT" sz="1400" b="1" dirty="0" err="1">
+                <a:latin typeface="Courier New" panose="02070309020205020404" pitchFamily="49" charset="0"/>
+                <a:cs typeface="Courier New" panose="02070309020205020404" pitchFamily="49" charset="0"/>
+              </a:rPr>
+              <a:t>Dic</a:t>
+            </a:r>
+            <a:r>
+              <a:rPr lang="it-IT" sz="1400" b="1" dirty="0">
+                <a:latin typeface="Courier New" panose="02070309020205020404" pitchFamily="49" charset="0"/>
+                <a:cs typeface="Courier New" panose="02070309020205020404" pitchFamily="49" charset="0"/>
+              </a:rPr>
+              <a:t> :</a:t>
+            </a:r>
+          </a:p>
+          <a:p>
+            <a:pPr marL="0" indent="0">
+              <a:buNone/>
+            </a:pPr>
+            <a:r>
+              <a:rPr lang="it-IT" sz="1400" b="1" dirty="0">
+                <a:latin typeface="Courier New" panose="02070309020205020404" pitchFamily="49" charset="0"/>
+                <a:cs typeface="Courier New" panose="02070309020205020404" pitchFamily="49" charset="0"/>
+              </a:rPr>
+              <a:t>		case </a:t>
+            </a:r>
+            <a:r>
+              <a:rPr lang="it-IT" sz="1400" b="1" dirty="0" err="1">
+                <a:latin typeface="Courier New" panose="02070309020205020404" pitchFamily="49" charset="0"/>
+                <a:cs typeface="Courier New" panose="02070309020205020404" pitchFamily="49" charset="0"/>
+              </a:rPr>
+              <a:t>Gen</a:t>
+            </a:r>
+            <a:r>
+              <a:rPr lang="it-IT" sz="1400" b="1" dirty="0">
+                <a:latin typeface="Courier New" panose="02070309020205020404" pitchFamily="49" charset="0"/>
+                <a:cs typeface="Courier New" panose="02070309020205020404" pitchFamily="49" charset="0"/>
+              </a:rPr>
+              <a:t> : </a:t>
+            </a:r>
+          </a:p>
+          <a:p>
+            <a:pPr marL="0" indent="0">
+              <a:buNone/>
+            </a:pPr>
+            <a:r>
+              <a:rPr lang="it-IT" sz="1400" b="1" dirty="0">
+                <a:latin typeface="Courier New" panose="02070309020205020404" pitchFamily="49" charset="0"/>
+                <a:cs typeface="Courier New" panose="02070309020205020404" pitchFamily="49" charset="0"/>
+              </a:rPr>
+              <a:t>		case </a:t>
+            </a:r>
+            <a:r>
+              <a:rPr lang="it-IT" sz="1400" b="1" dirty="0" err="1">
+                <a:latin typeface="Courier New" panose="02070309020205020404" pitchFamily="49" charset="0"/>
+                <a:cs typeface="Courier New" panose="02070309020205020404" pitchFamily="49" charset="0"/>
+              </a:rPr>
+              <a:t>Feb</a:t>
+            </a:r>
+            <a:r>
+              <a:rPr lang="it-IT" sz="1400" b="1" dirty="0">
+                <a:latin typeface="Courier New" panose="02070309020205020404" pitchFamily="49" charset="0"/>
+                <a:cs typeface="Courier New" panose="02070309020205020404" pitchFamily="49" charset="0"/>
+              </a:rPr>
+              <a:t> : </a:t>
+            </a:r>
+            <a:r>
+              <a:rPr lang="it-IT" sz="1400" b="1" dirty="0" err="1">
+                <a:latin typeface="Courier New" panose="02070309020205020404" pitchFamily="49" charset="0"/>
+                <a:cs typeface="Courier New" panose="02070309020205020404" pitchFamily="49" charset="0"/>
+              </a:rPr>
+              <a:t>cout</a:t>
+            </a:r>
+            <a:r>
+              <a:rPr lang="it-IT" sz="1400" b="1" dirty="0">
+                <a:latin typeface="Courier New" panose="02070309020205020404" pitchFamily="49" charset="0"/>
+                <a:cs typeface="Courier New" panose="02070309020205020404" pitchFamily="49" charset="0"/>
+              </a:rPr>
+              <a:t> &lt;&lt; "inverno";   break;	</a:t>
+            </a:r>
+          </a:p>
+          <a:p>
+            <a:pPr marL="0" indent="0">
+              <a:buNone/>
+            </a:pPr>
+            <a:r>
+              <a:rPr lang="it-IT" sz="1400" b="1" dirty="0">
+                <a:latin typeface="Courier New" panose="02070309020205020404" pitchFamily="49" charset="0"/>
+                <a:cs typeface="Courier New" panose="02070309020205020404" pitchFamily="49" charset="0"/>
+              </a:rPr>
+              <a:t>		default  : </a:t>
+            </a:r>
+            <a:r>
+              <a:rPr lang="it-IT" sz="1400" b="1" dirty="0" err="1">
+                <a:latin typeface="Courier New" panose="02070309020205020404" pitchFamily="49" charset="0"/>
+                <a:cs typeface="Courier New" panose="02070309020205020404" pitchFamily="49" charset="0"/>
+              </a:rPr>
+              <a:t>cout</a:t>
+            </a:r>
+            <a:r>
+              <a:rPr lang="it-IT" sz="1400" b="1" dirty="0">
+                <a:latin typeface="Courier New" panose="02070309020205020404" pitchFamily="49" charset="0"/>
+                <a:cs typeface="Courier New" panose="02070309020205020404" pitchFamily="49" charset="0"/>
+              </a:rPr>
+              <a:t> &lt;&lt; "primavera";	</a:t>
+            </a:r>
+          </a:p>
+          <a:p>
+            <a:pPr marL="0" indent="0">
+              <a:buNone/>
+            </a:pPr>
+            <a:r>
+              <a:rPr lang="it-IT" sz="1400" b="1" dirty="0">
+                <a:latin typeface="Courier New" panose="02070309020205020404" pitchFamily="49" charset="0"/>
+                <a:cs typeface="Courier New" panose="02070309020205020404" pitchFamily="49" charset="0"/>
+              </a:rPr>
+              <a:t>	}</a:t>
+            </a:r>
+          </a:p>
+          <a:p>
+            <a:pPr marL="0" indent="0">
+              <a:buNone/>
+            </a:pPr>
+            <a:r>
+              <a:rPr lang="it-IT" sz="1400" b="1" dirty="0">
+                <a:latin typeface="Courier New" panose="02070309020205020404" pitchFamily="49" charset="0"/>
+                <a:cs typeface="Courier New" panose="02070309020205020404" pitchFamily="49" charset="0"/>
+              </a:rPr>
+              <a:t>}</a:t>
+            </a:r>
+          </a:p>
+        </p:txBody>
+      </p:sp>
+      <p:sp>
+        <p:nvSpPr>
+          <p:cNvPr id="4" name="Segnaposto piè di pagina 3">
+            <a:extLst>
+              <a:ext uri="{FF2B5EF4-FFF2-40B4-BE49-F238E27FC236}">
+                <a16:creationId xmlns:a16="http://schemas.microsoft.com/office/drawing/2014/main" id="{55738487-364B-4210-9AFF-AA10D9B58A9C}"/>
+              </a:ext>
+            </a:extLst>
+          </p:cNvPr>
+          <p:cNvSpPr>
+            <a:spLocks noGrp="1"/>
+          </p:cNvSpPr>
+          <p:nvPr>
+            <p:ph type="ftr" sz="quarter" idx="11"/>
+          </p:nvPr>
+        </p:nvSpPr>
+        <p:spPr/>
+        <p:txBody>
+          <a:bodyPr/>
+          <a:lstStyle/>
+          <a:p>
+            <a:pPr>
+              <a:defRPr/>
+            </a:pPr>
+            <a:r>
+              <a:rPr lang="it-IT"/>
+              <a:t>Alberto Ferrari – Programmazione di applicazioni SW</a:t>
+            </a:r>
+            <a:endParaRPr lang="it-IT" dirty="0"/>
+          </a:p>
+        </p:txBody>
+      </p:sp>
+    </p:spTree>
+    <p:extLst>
+      <p:ext uri="{BB962C8B-B14F-4D97-AF65-F5344CB8AC3E}">
+        <p14:creationId xmlns:p14="http://schemas.microsoft.com/office/powerpoint/2010/main" val="3681793501"/>
       </p:ext>
     </p:extLst>
   </p:cSld>
@@ -11413,31 +14339,95 @@
           <a:p>
             <a:r>
               <a:rPr lang="it-IT" dirty="0"/>
-              <a:t>una variabile può essere utilizzata (cioè è visibile) solo dopo la sua definizione</a:t>
-            </a:r>
-          </a:p>
-          <a:p>
+              <a:t>una variabile può essere utilizzata (cioè è </a:t>
+            </a:r>
+            <a:r>
+              <a:rPr lang="it-IT" b="1" i="1" dirty="0"/>
+              <a:t>visibile</a:t>
+            </a:r>
             <a:r>
               <a:rPr lang="it-IT" dirty="0"/>
-              <a:t>le variabili definite in un ambiente (blocco o funzione) sono visibili in tutti gli ambienti in esso contenuti</a:t>
+              <a:t>) solo dopo la sua </a:t>
+            </a:r>
+            <a:r>
+              <a:rPr lang="it-IT" b="1" i="1" dirty="0"/>
+              <a:t>definizione</a:t>
             </a:r>
           </a:p>
           <a:p>
             <a:r>
               <a:rPr lang="it-IT" dirty="0"/>
-              <a:t>all’interno di uno stesso ambiente non è possibile definire due variabili con lo stesso nome</a:t>
-            </a:r>
-          </a:p>
-          <a:p>
+              <a:t>le variabili definite in un </a:t>
+            </a:r>
+            <a:r>
+              <a:rPr lang="it-IT" b="1" i="1" dirty="0"/>
+              <a:t>ambiente</a:t>
+            </a:r>
             <a:r>
               <a:rPr lang="it-IT" dirty="0"/>
-              <a:t>in ambiente distinti  è possibile definire variabili con lo stesso nome, anche di tipo diverso</a:t>
+              <a:t> (blocco o funzione) sono visibili in tutti gli ambienti in esso contenuti</a:t>
             </a:r>
           </a:p>
           <a:p>
             <a:r>
               <a:rPr lang="it-IT" dirty="0"/>
-              <a:t>se in un ambiente sono visibili più variabili con lo stesso nome, il nome si riferisce a quella la cui dichiarazione è «più vicina» al punto di utilizzo</a:t>
+              <a:t>all’interno di uno stesso ambiente </a:t>
+            </a:r>
+            <a:r>
+              <a:rPr lang="it-IT" b="1" i="1" dirty="0"/>
+              <a:t>non</a:t>
+            </a:r>
+            <a:r>
+              <a:rPr lang="it-IT" dirty="0"/>
+              <a:t> è possibile definire </a:t>
+            </a:r>
+            <a:r>
+              <a:rPr lang="it-IT" b="1" i="1" dirty="0"/>
+              <a:t>due</a:t>
+            </a:r>
+            <a:r>
+              <a:rPr lang="it-IT" dirty="0"/>
+              <a:t> </a:t>
+            </a:r>
+            <a:r>
+              <a:rPr lang="it-IT" b="1" i="1" dirty="0"/>
+              <a:t>variabili</a:t>
+            </a:r>
+            <a:r>
+              <a:rPr lang="it-IT" dirty="0"/>
+              <a:t> con lo </a:t>
+            </a:r>
+            <a:r>
+              <a:rPr lang="it-IT" b="1" i="1" dirty="0"/>
+              <a:t>stesso nome</a:t>
+            </a:r>
+          </a:p>
+          <a:p>
+            <a:r>
+              <a:rPr lang="it-IT" dirty="0"/>
+              <a:t>in ambiente </a:t>
+            </a:r>
+            <a:r>
+              <a:rPr lang="it-IT" b="1" i="1" dirty="0"/>
+              <a:t>distinti</a:t>
+            </a:r>
+            <a:r>
+              <a:rPr lang="it-IT" dirty="0"/>
+              <a:t>  è possibile definire variabili con lo stesso nome sia se sono dello stesso tipo sia se sono di tipo diverso</a:t>
+            </a:r>
+          </a:p>
+          <a:p>
+            <a:r>
+              <a:rPr lang="it-IT" dirty="0"/>
+              <a:t>se in un ambiente sono visibili più variabili con lo stesso nome, il nome si riferisce a quella la cui dichiarazione è «</a:t>
+            </a:r>
+            <a:r>
+              <a:rPr lang="it-IT" b="1" i="1" dirty="0"/>
+              <a:t>più vicina</a:t>
+            </a:r>
+            <a:r>
+              <a:rPr lang="it-IT" dirty="0"/>
+              <a:t>» al punto di utilizzo</a:t>
             </a:r>
           </a:p>
           <a:p>
@@ -11574,7 +14564,7 @@
             <a:pPr lvl="1"/>
             <a:r>
               <a:rPr lang="it-IT" dirty="0"/>
-              <a:t>create all’inizio del programma sono </a:t>
+              <a:t>definite all’inizio del programma sono </a:t>
             </a:r>
             <a:r>
               <a:rPr lang="it-IT" b="1" i="1" dirty="0"/>
@@ -11886,28 +14876,56 @@
           <a:p>
             <a:r>
               <a:rPr lang="it-IT" sz="2000" dirty="0"/>
-              <a:t>è necessario che associare un tipo</a:t>
+              <a:t>è </a:t>
+            </a:r>
+            <a:r>
+              <a:rPr lang="it-IT" sz="2000" b="1" i="1" dirty="0"/>
+              <a:t>necessario</a:t>
+            </a:r>
+            <a:r>
+              <a:rPr lang="it-IT" sz="2000" dirty="0"/>
+              <a:t> che associare un tipo</a:t>
             </a:r>
           </a:p>
           <a:p>
             <a:pPr lvl="1"/>
             <a:r>
               <a:rPr lang="it-IT" sz="1800" dirty="0"/>
-              <a:t>ad ogni variabile</a:t>
+              <a:t>ad ogni </a:t>
+            </a:r>
+            <a:r>
+              <a:rPr lang="it-IT" sz="1800" b="1" i="1" dirty="0"/>
+              <a:t>variabile</a:t>
             </a:r>
           </a:p>
           <a:p>
             <a:pPr lvl="1"/>
             <a:r>
               <a:rPr lang="it-IT" sz="1800" dirty="0"/>
-              <a:t>ad ogni parametro di funzione</a:t>
+              <a:t>ad ogni </a:t>
+            </a:r>
+            <a:r>
+              <a:rPr lang="it-IT" sz="1800" b="1" i="1" dirty="0"/>
+              <a:t>parametro</a:t>
+            </a:r>
+            <a:r>
+              <a:rPr lang="it-IT" sz="1800" dirty="0"/>
+              <a:t> di funzione</a:t>
             </a:r>
           </a:p>
           <a:p>
             <a:pPr lvl="1"/>
             <a:r>
               <a:rPr lang="it-IT" sz="1800" dirty="0"/>
-              <a:t>ad ogni valore restituito da una funzione</a:t>
+              <a:t>ad ogni </a:t>
+            </a:r>
+            <a:r>
+              <a:rPr lang="it-IT" sz="1800" b="1" i="1" dirty="0"/>
+              <a:t>valore restituito </a:t>
+            </a:r>
+            <a:r>
+              <a:rPr lang="it-IT" sz="1800" dirty="0"/>
+              <a:t>da una funzione (tipo della funzione)</a:t>
             </a:r>
           </a:p>
           <a:p>
@@ -12003,28 +15021,60 @@
             <a:pPr lvl="1"/>
             <a:r>
               <a:rPr lang="it-IT" sz="1600" dirty="0"/>
-              <a:t>la quantità di memoria che verrà allocata per la variabile (o risultato dell'espressione)</a:t>
+              <a:t>la quantità di </a:t>
+            </a:r>
+            <a:r>
+              <a:rPr lang="it-IT" sz="1600" b="1" i="1" dirty="0"/>
+              <a:t>memoria</a:t>
+            </a:r>
+            <a:r>
+              <a:rPr lang="it-IT" sz="1600" dirty="0"/>
+              <a:t> che verrà allocata per la variabile (o risultato dell'espressione)</a:t>
             </a:r>
           </a:p>
           <a:p>
             <a:pPr lvl="1"/>
             <a:r>
               <a:rPr lang="it-IT" sz="1600" dirty="0"/>
-              <a:t>l’insieme dei valori che è possibile memorizzare in una variabile</a:t>
+              <a:t>l’insieme dei </a:t>
+            </a:r>
+            <a:r>
+              <a:rPr lang="it-IT" sz="1600" b="1" i="1" dirty="0"/>
+              <a:t>valori</a:t>
+            </a:r>
+            <a:r>
+              <a:rPr lang="it-IT" sz="1600" dirty="0"/>
+              <a:t> che è possibile memorizzare in una variabile</a:t>
             </a:r>
           </a:p>
           <a:p>
             <a:pPr lvl="1"/>
             <a:r>
               <a:rPr lang="it-IT" sz="1600" dirty="0"/>
-              <a:t>la modalità di interpretazione di questi valori (schemi di bit - rappresentazione) </a:t>
+              <a:t>la modalità di </a:t>
+            </a:r>
+            <a:r>
+              <a:rPr lang="it-IT" sz="1600" b="1" i="1" dirty="0"/>
+              <a:t>interpretazione</a:t>
+            </a:r>
+            <a:r>
+              <a:rPr lang="it-IT" sz="1600" dirty="0"/>
+              <a:t> di questi valori (schemi di bit - rappresentazione) </a:t>
             </a:r>
           </a:p>
           <a:p>
             <a:pPr lvl="1"/>
             <a:r>
               <a:rPr lang="it-IT" sz="1600" dirty="0"/>
-              <a:t>le operazioni che è possibile eseguire sui valori</a:t>
+              <a:t>le </a:t>
+            </a:r>
+            <a:r>
+              <a:rPr lang="it-IT" sz="1600" b="1" i="1" dirty="0"/>
+              <a:t>operazioni</a:t>
+            </a:r>
+            <a:r>
+              <a:rPr lang="it-IT" sz="1600" dirty="0"/>
+              <a:t> che è possibile eseguire sui valori</a:t>
             </a:r>
           </a:p>
         </p:txBody>
@@ -12237,21 +15287,24 @@
             </a:r>
             <a:r>
               <a:rPr lang="it-IT" sz="2000" dirty="0"/>
-              <a:t>. </a:t>
-            </a:r>
-            <a:r>
-              <a:rPr lang="it-IT" sz="2000" i="1" dirty="0" err="1"/>
+              <a:t> (</a:t>
+            </a:r>
+            <a:r>
+              <a:rPr lang="it-IT" sz="2000" b="1" i="1" dirty="0" err="1"/>
               <a:t>type</a:t>
             </a:r>
             <a:r>
-              <a:rPr lang="it-IT" sz="2000" i="1" dirty="0"/>
+              <a:rPr lang="it-IT" sz="2000" b="1" i="1" dirty="0"/>
               <a:t> </a:t>
             </a:r>
             <a:r>
-              <a:rPr lang="it-IT" sz="2000" i="1" dirty="0" err="1"/>
+              <a:rPr lang="it-IT" sz="2000" b="1" i="1" dirty="0" err="1"/>
               <a:t>inference</a:t>
             </a:r>
-            <a:endParaRPr lang="it-IT" sz="2000" dirty="0"/>
+            <a:r>
+              <a:rPr lang="it-IT" sz="2000" dirty="0"/>
+              <a:t>)</a:t>
+            </a:r>
           </a:p>
           <a:p>
             <a:pPr lvl="1"/>
@@ -12431,229 +15484,6 @@
 </file>
 
 <file path=ppt/slides/slide8.xml><?xml version="1.0" encoding="utf-8"?>
-<p:sld xmlns:a="http://schemas.openxmlformats.org/drawingml/2006/main" xmlns:r="http://schemas.openxmlformats.org/officeDocument/2006/relationships" xmlns:p="http://schemas.openxmlformats.org/presentationml/2006/main">
-  <p:cSld>
-    <p:spTree>
-      <p:nvGrpSpPr>
-        <p:cNvPr id="1" name=""/>
-        <p:cNvGrpSpPr/>
-        <p:nvPr/>
-      </p:nvGrpSpPr>
-      <p:grpSpPr>
-        <a:xfrm>
-          <a:off x="0" y="0"/>
-          <a:ext cx="0" cy="0"/>
-          <a:chOff x="0" y="0"/>
-          <a:chExt cx="0" cy="0"/>
-        </a:xfrm>
-      </p:grpSpPr>
-      <p:sp>
-        <p:nvSpPr>
-          <p:cNvPr id="2" name="Titolo 1">
-            <a:extLst>
-              <a:ext uri="{FF2B5EF4-FFF2-40B4-BE49-F238E27FC236}">
-                <a16:creationId xmlns:a16="http://schemas.microsoft.com/office/drawing/2014/main" id="{AA374763-3C3C-4212-A6D6-CBBEB89AF53D}"/>
-              </a:ext>
-            </a:extLst>
-          </p:cNvPr>
-          <p:cNvSpPr>
-            <a:spLocks noGrp="1"/>
-          </p:cNvSpPr>
-          <p:nvPr>
-            <p:ph type="title"/>
-          </p:nvPr>
-        </p:nvSpPr>
-        <p:spPr/>
-        <p:txBody>
-          <a:bodyPr/>
-          <a:lstStyle/>
-          <a:p>
-            <a:r>
-              <a:rPr lang="it-IT" dirty="0"/>
-              <a:t>costanti</a:t>
-            </a:r>
-          </a:p>
-        </p:txBody>
-      </p:sp>
-      <p:sp>
-        <p:nvSpPr>
-          <p:cNvPr id="3" name="Segnaposto contenuto 2">
-            <a:extLst>
-              <a:ext uri="{FF2B5EF4-FFF2-40B4-BE49-F238E27FC236}">
-                <a16:creationId xmlns:a16="http://schemas.microsoft.com/office/drawing/2014/main" id="{B7D4DEDA-799F-4CFB-9C9D-6FB385EF0F89}"/>
-              </a:ext>
-            </a:extLst>
-          </p:cNvPr>
-          <p:cNvSpPr>
-            <a:spLocks noGrp="1"/>
-          </p:cNvSpPr>
-          <p:nvPr>
-            <p:ph idx="1"/>
-          </p:nvPr>
-        </p:nvSpPr>
-        <p:spPr/>
-        <p:txBody>
-          <a:bodyPr/>
-          <a:lstStyle/>
-          <a:p>
-            <a:r>
-              <a:rPr lang="it-IT" b="1" i="1" dirty="0"/>
-              <a:t>direttiva</a:t>
-            </a:r>
-            <a:r>
-              <a:rPr lang="it-IT" dirty="0"/>
-              <a:t> al preprocessore</a:t>
-            </a:r>
-          </a:p>
-          <a:p>
-            <a:pPr lvl="1"/>
-            <a:r>
-              <a:rPr lang="it-IT" b="1" dirty="0">
-                <a:latin typeface="Courier New" panose="02070309020205020404" pitchFamily="49" charset="0"/>
-                <a:cs typeface="Courier New" panose="02070309020205020404" pitchFamily="49" charset="0"/>
-              </a:rPr>
-              <a:t>#</a:t>
-            </a:r>
-            <a:r>
-              <a:rPr lang="it-IT" b="1" dirty="0" err="1">
-                <a:latin typeface="Courier New" panose="02070309020205020404" pitchFamily="49" charset="0"/>
-                <a:cs typeface="Courier New" panose="02070309020205020404" pitchFamily="49" charset="0"/>
-              </a:rPr>
-              <a:t>define</a:t>
-            </a:r>
-            <a:r>
-              <a:rPr lang="it-IT" b="1" dirty="0">
-                <a:latin typeface="Courier New" panose="02070309020205020404" pitchFamily="49" charset="0"/>
-                <a:cs typeface="Courier New" panose="02070309020205020404" pitchFamily="49" charset="0"/>
-              </a:rPr>
-              <a:t> PI_GRECO 3.141592</a:t>
-            </a:r>
-          </a:p>
-          <a:p>
-            <a:pPr lvl="1"/>
-            <a:r>
-              <a:rPr lang="it-IT" dirty="0"/>
-              <a:t>il preprocessore sostituisce ogni occorrenza di PI_GRECO con 3.141592</a:t>
-            </a:r>
-          </a:p>
-          <a:p>
-            <a:r>
-              <a:rPr lang="it-IT" b="1" i="1" dirty="0" err="1"/>
-              <a:t>const</a:t>
-            </a:r>
-            <a:endParaRPr lang="it-IT" b="1" i="1" dirty="0"/>
-          </a:p>
-          <a:p>
-            <a:pPr lvl="1"/>
-            <a:r>
-              <a:rPr lang="it-IT" b="1" dirty="0" err="1">
-                <a:latin typeface="Courier New" panose="02070309020205020404" pitchFamily="49" charset="0"/>
-                <a:cs typeface="Courier New" panose="02070309020205020404" pitchFamily="49" charset="0"/>
-              </a:rPr>
-              <a:t>const</a:t>
-            </a:r>
-            <a:r>
-              <a:rPr lang="it-IT" b="1" dirty="0">
-                <a:latin typeface="Courier New" panose="02070309020205020404" pitchFamily="49" charset="0"/>
-                <a:cs typeface="Courier New" panose="02070309020205020404" pitchFamily="49" charset="0"/>
-              </a:rPr>
-              <a:t> </a:t>
-            </a:r>
-            <a:r>
-              <a:rPr lang="it-IT" b="1" dirty="0" err="1">
-                <a:latin typeface="Courier New" panose="02070309020205020404" pitchFamily="49" charset="0"/>
-                <a:cs typeface="Courier New" panose="02070309020205020404" pitchFamily="49" charset="0"/>
-              </a:rPr>
-              <a:t>int</a:t>
-            </a:r>
-            <a:r>
-              <a:rPr lang="it-IT" b="1" dirty="0">
-                <a:latin typeface="Courier New" panose="02070309020205020404" pitchFamily="49" charset="0"/>
-                <a:cs typeface="Courier New" panose="02070309020205020404" pitchFamily="49" charset="0"/>
-              </a:rPr>
-              <a:t> PI_GRECO 3.141592;</a:t>
-            </a:r>
-          </a:p>
-          <a:p>
-            <a:pPr lvl="1"/>
-            <a:r>
-              <a:rPr lang="it-IT" dirty="0"/>
-              <a:t>il valore non può essere modificato nel corso del programma</a:t>
-            </a:r>
-          </a:p>
-          <a:p>
-            <a:pPr lvl="1"/>
-            <a:r>
-              <a:rPr lang="it-IT" sz="1800" b="1" dirty="0">
-                <a:latin typeface="Courier New" panose="02070309020205020404" pitchFamily="49" charset="0"/>
-                <a:cs typeface="Courier New" panose="02070309020205020404" pitchFamily="49" charset="0"/>
-              </a:rPr>
-              <a:t>PI_GRECO = 2;   // </a:t>
-            </a:r>
-            <a:r>
-              <a:rPr lang="en-US" sz="1800" b="1" dirty="0">
-                <a:latin typeface="Courier New" panose="02070309020205020404" pitchFamily="49" charset="0"/>
-                <a:cs typeface="Courier New" panose="02070309020205020404" pitchFamily="49" charset="0"/>
-              </a:rPr>
-              <a:t>error: assignment of read-only variable 'PI_GRECO'</a:t>
-            </a:r>
-            <a:endParaRPr lang="it-IT" sz="1800" b="1" dirty="0">
-              <a:latin typeface="Courier New" panose="02070309020205020404" pitchFamily="49" charset="0"/>
-              <a:cs typeface="Courier New" panose="02070309020205020404" pitchFamily="49" charset="0"/>
-            </a:endParaRPr>
-          </a:p>
-          <a:p>
-            <a:pPr lvl="1"/>
-            <a:endParaRPr lang="it-IT" dirty="0"/>
-          </a:p>
-        </p:txBody>
-      </p:sp>
-      <p:sp>
-        <p:nvSpPr>
-          <p:cNvPr id="4" name="Segnaposto piè di pagina 3">
-            <a:extLst>
-              <a:ext uri="{FF2B5EF4-FFF2-40B4-BE49-F238E27FC236}">
-                <a16:creationId xmlns:a16="http://schemas.microsoft.com/office/drawing/2014/main" id="{97FA754F-659F-46FC-A54A-4F4751B46335}"/>
-              </a:ext>
-            </a:extLst>
-          </p:cNvPr>
-          <p:cNvSpPr>
-            <a:spLocks noGrp="1"/>
-          </p:cNvSpPr>
-          <p:nvPr>
-            <p:ph type="ftr" sz="quarter" idx="11"/>
-          </p:nvPr>
-        </p:nvSpPr>
-        <p:spPr/>
-        <p:txBody>
-          <a:bodyPr/>
-          <a:lstStyle/>
-          <a:p>
-            <a:pPr>
-              <a:defRPr/>
-            </a:pPr>
-            <a:r>
-              <a:rPr lang="it-IT"/>
-              <a:t>Alberto Ferrari – Programmazione di applicazioni SW</a:t>
-            </a:r>
-            <a:endParaRPr lang="it-IT" dirty="0"/>
-          </a:p>
-        </p:txBody>
-      </p:sp>
-    </p:spTree>
-    <p:extLst>
-      <p:ext uri="{BB962C8B-B14F-4D97-AF65-F5344CB8AC3E}">
-        <p14:creationId xmlns:p14="http://schemas.microsoft.com/office/powerpoint/2010/main" val="4100052518"/>
-      </p:ext>
-    </p:extLst>
-  </p:cSld>
-  <p:clrMapOvr>
-    <a:masterClrMapping/>
-  </p:clrMapOvr>
-</p:sld>
-</file>
-
-<file path=ppt/slides/slide9.xml><?xml version="1.0" encoding="utf-8"?>
 <p:sld xmlns:a="http://schemas.openxmlformats.org/drawingml/2006/main" xmlns:r="http://schemas.openxmlformats.org/officeDocument/2006/relationships" xmlns:p="http://schemas.openxmlformats.org/presentationml/2006/main">
   <p:cSld>
     <p:spTree>
@@ -12788,6 +15618,229 @@
     <p:extLst>
       <p:ext uri="{BB962C8B-B14F-4D97-AF65-F5344CB8AC3E}">
         <p14:creationId xmlns:p14="http://schemas.microsoft.com/office/powerpoint/2010/main" val="2323179077"/>
+      </p:ext>
+    </p:extLst>
+  </p:cSld>
+  <p:clrMapOvr>
+    <a:masterClrMapping/>
+  </p:clrMapOvr>
+</p:sld>
+</file>
+
+<file path=ppt/slides/slide9.xml><?xml version="1.0" encoding="utf-8"?>
+<p:sld xmlns:a="http://schemas.openxmlformats.org/drawingml/2006/main" xmlns:r="http://schemas.openxmlformats.org/officeDocument/2006/relationships" xmlns:p="http://schemas.openxmlformats.org/presentationml/2006/main">
+  <p:cSld>
+    <p:spTree>
+      <p:nvGrpSpPr>
+        <p:cNvPr id="1" name=""/>
+        <p:cNvGrpSpPr/>
+        <p:nvPr/>
+      </p:nvGrpSpPr>
+      <p:grpSpPr>
+        <a:xfrm>
+          <a:off x="0" y="0"/>
+          <a:ext cx="0" cy="0"/>
+          <a:chOff x="0" y="0"/>
+          <a:chExt cx="0" cy="0"/>
+        </a:xfrm>
+      </p:grpSpPr>
+      <p:sp>
+        <p:nvSpPr>
+          <p:cNvPr id="2" name="Titolo 1">
+            <a:extLst>
+              <a:ext uri="{FF2B5EF4-FFF2-40B4-BE49-F238E27FC236}">
+                <a16:creationId xmlns:a16="http://schemas.microsoft.com/office/drawing/2014/main" id="{AA374763-3C3C-4212-A6D6-CBBEB89AF53D}"/>
+              </a:ext>
+            </a:extLst>
+          </p:cNvPr>
+          <p:cNvSpPr>
+            <a:spLocks noGrp="1"/>
+          </p:cNvSpPr>
+          <p:nvPr>
+            <p:ph type="title"/>
+          </p:nvPr>
+        </p:nvSpPr>
+        <p:spPr/>
+        <p:txBody>
+          <a:bodyPr/>
+          <a:lstStyle/>
+          <a:p>
+            <a:r>
+              <a:rPr lang="it-IT" dirty="0"/>
+              <a:t>costanti</a:t>
+            </a:r>
+          </a:p>
+        </p:txBody>
+      </p:sp>
+      <p:sp>
+        <p:nvSpPr>
+          <p:cNvPr id="3" name="Segnaposto contenuto 2">
+            <a:extLst>
+              <a:ext uri="{FF2B5EF4-FFF2-40B4-BE49-F238E27FC236}">
+                <a16:creationId xmlns:a16="http://schemas.microsoft.com/office/drawing/2014/main" id="{B7D4DEDA-799F-4CFB-9C9D-6FB385EF0F89}"/>
+              </a:ext>
+            </a:extLst>
+          </p:cNvPr>
+          <p:cNvSpPr>
+            <a:spLocks noGrp="1"/>
+          </p:cNvSpPr>
+          <p:nvPr>
+            <p:ph idx="1"/>
+          </p:nvPr>
+        </p:nvSpPr>
+        <p:spPr/>
+        <p:txBody>
+          <a:bodyPr/>
+          <a:lstStyle/>
+          <a:p>
+            <a:r>
+              <a:rPr lang="it-IT" b="1" i="1" dirty="0"/>
+              <a:t>direttiva</a:t>
+            </a:r>
+            <a:r>
+              <a:rPr lang="it-IT" dirty="0"/>
+              <a:t> al preprocessore</a:t>
+            </a:r>
+          </a:p>
+          <a:p>
+            <a:pPr lvl="1"/>
+            <a:r>
+              <a:rPr lang="it-IT" b="1" dirty="0">
+                <a:latin typeface="Courier New" panose="02070309020205020404" pitchFamily="49" charset="0"/>
+                <a:cs typeface="Courier New" panose="02070309020205020404" pitchFamily="49" charset="0"/>
+              </a:rPr>
+              <a:t>#</a:t>
+            </a:r>
+            <a:r>
+              <a:rPr lang="it-IT" b="1" dirty="0" err="1">
+                <a:latin typeface="Courier New" panose="02070309020205020404" pitchFamily="49" charset="0"/>
+                <a:cs typeface="Courier New" panose="02070309020205020404" pitchFamily="49" charset="0"/>
+              </a:rPr>
+              <a:t>define</a:t>
+            </a:r>
+            <a:r>
+              <a:rPr lang="it-IT" b="1" dirty="0">
+                <a:latin typeface="Courier New" panose="02070309020205020404" pitchFamily="49" charset="0"/>
+                <a:cs typeface="Courier New" panose="02070309020205020404" pitchFamily="49" charset="0"/>
+              </a:rPr>
+              <a:t> PI_GRECO 3.141592</a:t>
+            </a:r>
+          </a:p>
+          <a:p>
+            <a:pPr lvl="1"/>
+            <a:r>
+              <a:rPr lang="it-IT" dirty="0"/>
+              <a:t>il preprocessore sostituisce ogni occorrenza di PI_GRECO con 3.141592</a:t>
+            </a:r>
+          </a:p>
+          <a:p>
+            <a:r>
+              <a:rPr lang="it-IT" b="1" i="1" dirty="0" err="1"/>
+              <a:t>const</a:t>
+            </a:r>
+            <a:endParaRPr lang="it-IT" b="1" i="1" dirty="0"/>
+          </a:p>
+          <a:p>
+            <a:pPr lvl="1"/>
+            <a:r>
+              <a:rPr lang="it-IT" b="1" dirty="0" err="1">
+                <a:latin typeface="Courier New" panose="02070309020205020404" pitchFamily="49" charset="0"/>
+                <a:cs typeface="Courier New" panose="02070309020205020404" pitchFamily="49" charset="0"/>
+              </a:rPr>
+              <a:t>const</a:t>
+            </a:r>
+            <a:r>
+              <a:rPr lang="it-IT" b="1" dirty="0">
+                <a:latin typeface="Courier New" panose="02070309020205020404" pitchFamily="49" charset="0"/>
+                <a:cs typeface="Courier New" panose="02070309020205020404" pitchFamily="49" charset="0"/>
+              </a:rPr>
+              <a:t> </a:t>
+            </a:r>
+            <a:r>
+              <a:rPr lang="it-IT" b="1" dirty="0" err="1">
+                <a:latin typeface="Courier New" panose="02070309020205020404" pitchFamily="49" charset="0"/>
+                <a:cs typeface="Courier New" panose="02070309020205020404" pitchFamily="49" charset="0"/>
+              </a:rPr>
+              <a:t>int</a:t>
+            </a:r>
+            <a:r>
+              <a:rPr lang="it-IT" b="1" dirty="0">
+                <a:latin typeface="Courier New" panose="02070309020205020404" pitchFamily="49" charset="0"/>
+                <a:cs typeface="Courier New" panose="02070309020205020404" pitchFamily="49" charset="0"/>
+              </a:rPr>
+              <a:t> PI_GRECO 3.141592;</a:t>
+            </a:r>
+          </a:p>
+          <a:p>
+            <a:pPr lvl="1"/>
+            <a:r>
+              <a:rPr lang="it-IT" dirty="0"/>
+              <a:t>il valore non può essere modificato nel corso del programma</a:t>
+            </a:r>
+          </a:p>
+          <a:p>
+            <a:pPr lvl="1"/>
+            <a:r>
+              <a:rPr lang="it-IT" sz="1800" b="1" dirty="0">
+                <a:latin typeface="Courier New" panose="02070309020205020404" pitchFamily="49" charset="0"/>
+                <a:cs typeface="Courier New" panose="02070309020205020404" pitchFamily="49" charset="0"/>
+              </a:rPr>
+              <a:t>PI_GRECO = 2;   // </a:t>
+            </a:r>
+            <a:r>
+              <a:rPr lang="en-US" sz="1800" b="1" dirty="0">
+                <a:latin typeface="Courier New" panose="02070309020205020404" pitchFamily="49" charset="0"/>
+                <a:cs typeface="Courier New" panose="02070309020205020404" pitchFamily="49" charset="0"/>
+              </a:rPr>
+              <a:t>error: assignment of read-only variable 'PI_GRECO'</a:t>
+            </a:r>
+            <a:endParaRPr lang="it-IT" sz="1800" b="1" dirty="0">
+              <a:latin typeface="Courier New" panose="02070309020205020404" pitchFamily="49" charset="0"/>
+              <a:cs typeface="Courier New" panose="02070309020205020404" pitchFamily="49" charset="0"/>
+            </a:endParaRPr>
+          </a:p>
+          <a:p>
+            <a:pPr lvl="1"/>
+            <a:endParaRPr lang="it-IT" dirty="0"/>
+          </a:p>
+        </p:txBody>
+      </p:sp>
+      <p:sp>
+        <p:nvSpPr>
+          <p:cNvPr id="4" name="Segnaposto piè di pagina 3">
+            <a:extLst>
+              <a:ext uri="{FF2B5EF4-FFF2-40B4-BE49-F238E27FC236}">
+                <a16:creationId xmlns:a16="http://schemas.microsoft.com/office/drawing/2014/main" id="{97FA754F-659F-46FC-A54A-4F4751B46335}"/>
+              </a:ext>
+            </a:extLst>
+          </p:cNvPr>
+          <p:cNvSpPr>
+            <a:spLocks noGrp="1"/>
+          </p:cNvSpPr>
+          <p:nvPr>
+            <p:ph type="ftr" sz="quarter" idx="11"/>
+          </p:nvPr>
+        </p:nvSpPr>
+        <p:spPr/>
+        <p:txBody>
+          <a:bodyPr/>
+          <a:lstStyle/>
+          <a:p>
+            <a:pPr>
+              <a:defRPr/>
+            </a:pPr>
+            <a:r>
+              <a:rPr lang="it-IT"/>
+              <a:t>Alberto Ferrari – Programmazione di applicazioni SW</a:t>
+            </a:r>
+            <a:endParaRPr lang="it-IT" dirty="0"/>
+          </a:p>
+        </p:txBody>
+      </p:sp>
+    </p:spTree>
+    <p:extLst>
+      <p:ext uri="{BB962C8B-B14F-4D97-AF65-F5344CB8AC3E}">
+        <p14:creationId xmlns:p14="http://schemas.microsoft.com/office/powerpoint/2010/main" val="4100052518"/>
       </p:ext>
     </p:extLst>
   </p:cSld>
